--- a/Distributed Computing, Peer-to-Peer and GRIDS/final presentation/ppt/Peer-to-Peer Multimedia Streaming Using BitTorrent.pptx
+++ b/Distributed Computing, Peer-to-Peer and GRIDS/final presentation/ppt/Peer-to-Peer Multimedia Streaming Using BitTorrent.pptx
@@ -1,9 +1,12 @@
 
 <file path=ppt/presentation.xml><?xml version="1.0" encoding="utf-8"?>
-<p:presentation xmlns:a="http://schemas.openxmlformats.org/drawingml/2006/main" xmlns:r="http://schemas.openxmlformats.org/officeDocument/2006/relationships" xmlns:p="http://schemas.openxmlformats.org/presentationml/2006/main" saveSubsetFonts="1">
+<p:presentation xmlns:a="http://schemas.openxmlformats.org/drawingml/2006/main" xmlns:r="http://schemas.openxmlformats.org/officeDocument/2006/relationships" xmlns:p="http://schemas.openxmlformats.org/presentationml/2006/main" showSpecialPlsOnTitleSld="0" saveSubsetFonts="1">
   <p:sldMasterIdLst>
     <p:sldMasterId id="2147483672" r:id="rId1"/>
   </p:sldMasterIdLst>
+  <p:notesMasterIdLst>
+    <p:notesMasterId r:id="rId14"/>
+  </p:notesMasterIdLst>
   <p:sldIdLst>
     <p:sldId id="256" r:id="rId2"/>
     <p:sldId id="257" r:id="rId3"/>
@@ -12,6 +15,11 @@
     <p:sldId id="260" r:id="rId6"/>
     <p:sldId id="261" r:id="rId7"/>
     <p:sldId id="262" r:id="rId8"/>
+    <p:sldId id="263" r:id="rId9"/>
+    <p:sldId id="264" r:id="rId10"/>
+    <p:sldId id="265" r:id="rId11"/>
+    <p:sldId id="266" r:id="rId12"/>
+    <p:sldId id="267" r:id="rId13"/>
   </p:sldIdLst>
   <p:sldSz cx="9144000" cy="6858000" type="screen4x3"/>
   <p:notesSz cx="6858000" cy="9144000"/>
@@ -113,6 +121,353 @@
 </p:presentation>
 </file>
 
+<file path=ppt/notesMasters/notesMaster1.xml><?xml version="1.0" encoding="utf-8"?>
+<p:notesMaster xmlns:a="http://schemas.openxmlformats.org/drawingml/2006/main" xmlns:r="http://schemas.openxmlformats.org/officeDocument/2006/relationships" xmlns:p="http://schemas.openxmlformats.org/presentationml/2006/main">
+  <p:cSld>
+    <p:bg>
+      <p:bgRef idx="1001">
+        <a:schemeClr val="bg1"/>
+      </p:bgRef>
+    </p:bg>
+    <p:spTree>
+      <p:nvGrpSpPr>
+        <p:cNvPr id="1" name=""/>
+        <p:cNvGrpSpPr/>
+        <p:nvPr/>
+      </p:nvGrpSpPr>
+      <p:grpSpPr>
+        <a:xfrm>
+          <a:off x="0" y="0"/>
+          <a:ext cx="0" cy="0"/>
+          <a:chOff x="0" y="0"/>
+          <a:chExt cx="0" cy="0"/>
+        </a:xfrm>
+      </p:grpSpPr>
+      <p:sp>
+        <p:nvSpPr>
+          <p:cNvPr id="2" name="页眉占位符 1"/>
+          <p:cNvSpPr>
+            <a:spLocks noGrp="1"/>
+          </p:cNvSpPr>
+          <p:nvPr>
+            <p:ph type="hdr" sz="quarter"/>
+          </p:nvPr>
+        </p:nvSpPr>
+        <p:spPr>
+          <a:xfrm>
+            <a:off x="0" y="0"/>
+            <a:ext cx="2971800" cy="457200"/>
+          </a:xfrm>
+          <a:prstGeom prst="rect">
+            <a:avLst/>
+          </a:prstGeom>
+        </p:spPr>
+        <p:txBody>
+          <a:bodyPr vert="horz" lIns="91440" tIns="45720" rIns="91440" bIns="45720" rtlCol="0"/>
+          <a:lstStyle>
+            <a:lvl1pPr algn="l">
+              <a:defRPr sz="1200"/>
+            </a:lvl1pPr>
+          </a:lstStyle>
+          <a:p>
+            <a:endParaRPr lang="en-US"/>
+          </a:p>
+        </p:txBody>
+      </p:sp>
+      <p:sp>
+        <p:nvSpPr>
+          <p:cNvPr id="3" name="日期占位符 2"/>
+          <p:cNvSpPr>
+            <a:spLocks noGrp="1"/>
+          </p:cNvSpPr>
+          <p:nvPr>
+            <p:ph type="dt" idx="1"/>
+          </p:nvPr>
+        </p:nvSpPr>
+        <p:spPr>
+          <a:xfrm>
+            <a:off x="3884613" y="0"/>
+            <a:ext cx="2971800" cy="457200"/>
+          </a:xfrm>
+          <a:prstGeom prst="rect">
+            <a:avLst/>
+          </a:prstGeom>
+        </p:spPr>
+        <p:txBody>
+          <a:bodyPr vert="horz" lIns="91440" tIns="45720" rIns="91440" bIns="45720" rtlCol="0"/>
+          <a:lstStyle>
+            <a:lvl1pPr algn="r">
+              <a:defRPr sz="1200"/>
+            </a:lvl1pPr>
+          </a:lstStyle>
+          <a:p>
+            <a:fld id="{980DB85B-91DF-4148-B101-1BF0F05BA612}" type="datetimeFigureOut">
+              <a:rPr lang="en-US" smtClean="0"/>
+              <a:t>2008-05-25</a:t>
+            </a:fld>
+            <a:endParaRPr lang="en-US"/>
+          </a:p>
+        </p:txBody>
+      </p:sp>
+      <p:sp>
+        <p:nvSpPr>
+          <p:cNvPr id="4" name="幻灯片图像占位符 3"/>
+          <p:cNvSpPr>
+            <a:spLocks noGrp="1" noRot="1" noChangeAspect="1"/>
+          </p:cNvSpPr>
+          <p:nvPr>
+            <p:ph type="sldImg" idx="2"/>
+          </p:nvPr>
+        </p:nvSpPr>
+        <p:spPr>
+          <a:xfrm>
+            <a:off x="1143000" y="685800"/>
+            <a:ext cx="4572000" cy="3429000"/>
+          </a:xfrm>
+          <a:prstGeom prst="rect">
+            <a:avLst/>
+          </a:prstGeom>
+          <a:noFill/>
+          <a:ln w="12700">
+            <a:solidFill>
+              <a:prstClr val="black"/>
+            </a:solidFill>
+          </a:ln>
+        </p:spPr>
+        <p:txBody>
+          <a:bodyPr vert="horz" lIns="91440" tIns="45720" rIns="91440" bIns="45720" rtlCol="0" anchor="ctr"/>
+          <a:lstStyle/>
+          <a:p>
+            <a:endParaRPr lang="en-US"/>
+          </a:p>
+        </p:txBody>
+      </p:sp>
+      <p:sp>
+        <p:nvSpPr>
+          <p:cNvPr id="5" name="备注占位符 4"/>
+          <p:cNvSpPr>
+            <a:spLocks noGrp="1"/>
+          </p:cNvSpPr>
+          <p:nvPr>
+            <p:ph type="body" sz="quarter" idx="3"/>
+          </p:nvPr>
+        </p:nvSpPr>
+        <p:spPr>
+          <a:xfrm>
+            <a:off x="685800" y="4343400"/>
+            <a:ext cx="5486400" cy="4114800"/>
+          </a:xfrm>
+          <a:prstGeom prst="rect">
+            <a:avLst/>
+          </a:prstGeom>
+        </p:spPr>
+        <p:txBody>
+          <a:bodyPr vert="horz" lIns="91440" tIns="45720" rIns="91440" bIns="45720" rtlCol="0">
+            <a:normAutofit/>
+          </a:bodyPr>
+          <a:lstStyle/>
+          <a:p>
+            <a:pPr lvl="0"/>
+            <a:r>
+              <a:rPr lang="zh-CN" altLang="en-US" smtClean="0"/>
+              <a:t>单击此处编辑母版文本样式</a:t>
+            </a:r>
+          </a:p>
+          <a:p>
+            <a:pPr lvl="1"/>
+            <a:r>
+              <a:rPr lang="zh-CN" altLang="en-US" smtClean="0"/>
+              <a:t>第二级</a:t>
+            </a:r>
+          </a:p>
+          <a:p>
+            <a:pPr lvl="2"/>
+            <a:r>
+              <a:rPr lang="zh-CN" altLang="en-US" smtClean="0"/>
+              <a:t>第三级</a:t>
+            </a:r>
+          </a:p>
+          <a:p>
+            <a:pPr lvl="3"/>
+            <a:r>
+              <a:rPr lang="zh-CN" altLang="en-US" smtClean="0"/>
+              <a:t>第四级</a:t>
+            </a:r>
+          </a:p>
+          <a:p>
+            <a:pPr lvl="4"/>
+            <a:r>
+              <a:rPr lang="zh-CN" altLang="en-US" smtClean="0"/>
+              <a:t>第五级</a:t>
+            </a:r>
+            <a:endParaRPr lang="en-US"/>
+          </a:p>
+        </p:txBody>
+      </p:sp>
+      <p:sp>
+        <p:nvSpPr>
+          <p:cNvPr id="6" name="页脚占位符 5"/>
+          <p:cNvSpPr>
+            <a:spLocks noGrp="1"/>
+          </p:cNvSpPr>
+          <p:nvPr>
+            <p:ph type="ftr" sz="quarter" idx="4"/>
+          </p:nvPr>
+        </p:nvSpPr>
+        <p:spPr>
+          <a:xfrm>
+            <a:off x="0" y="8685213"/>
+            <a:ext cx="2971800" cy="457200"/>
+          </a:xfrm>
+          <a:prstGeom prst="rect">
+            <a:avLst/>
+          </a:prstGeom>
+        </p:spPr>
+        <p:txBody>
+          <a:bodyPr vert="horz" lIns="91440" tIns="45720" rIns="91440" bIns="45720" rtlCol="0" anchor="b"/>
+          <a:lstStyle>
+            <a:lvl1pPr algn="l">
+              <a:defRPr sz="1200"/>
+            </a:lvl1pPr>
+          </a:lstStyle>
+          <a:p>
+            <a:endParaRPr lang="en-US"/>
+          </a:p>
+        </p:txBody>
+      </p:sp>
+      <p:sp>
+        <p:nvSpPr>
+          <p:cNvPr id="7" name="灯片编号占位符 6"/>
+          <p:cNvSpPr>
+            <a:spLocks noGrp="1"/>
+          </p:cNvSpPr>
+          <p:nvPr>
+            <p:ph type="sldNum" sz="quarter" idx="5"/>
+          </p:nvPr>
+        </p:nvSpPr>
+        <p:spPr>
+          <a:xfrm>
+            <a:off x="3884613" y="8685213"/>
+            <a:ext cx="2971800" cy="457200"/>
+          </a:xfrm>
+          <a:prstGeom prst="rect">
+            <a:avLst/>
+          </a:prstGeom>
+        </p:spPr>
+        <p:txBody>
+          <a:bodyPr vert="horz" lIns="91440" tIns="45720" rIns="91440" bIns="45720" rtlCol="0" anchor="b"/>
+          <a:lstStyle>
+            <a:lvl1pPr algn="r">
+              <a:defRPr sz="1200"/>
+            </a:lvl1pPr>
+          </a:lstStyle>
+          <a:p>
+            <a:fld id="{DBEC82B8-0DD3-4A02-A123-D7222EB84BBF}" type="slidenum">
+              <a:rPr lang="en-US" smtClean="0"/>
+              <a:t>‹#›</a:t>
+            </a:fld>
+            <a:endParaRPr lang="en-US"/>
+          </a:p>
+        </p:txBody>
+      </p:sp>
+    </p:spTree>
+  </p:cSld>
+  <p:clrMap bg1="lt1" tx1="dk1" bg2="lt2" tx2="dk2" accent1="accent1" accent2="accent2" accent3="accent3" accent4="accent4" accent5="accent5" accent6="accent6" hlink="hlink" folHlink="folHlink"/>
+  <p:notesStyle>
+    <a:lvl1pPr marL="0" algn="l" defTabSz="914400" rtl="0" eaLnBrk="1" latinLnBrk="0" hangingPunct="1">
+      <a:defRPr sz="1200" kern="1200">
+        <a:solidFill>
+          <a:schemeClr val="tx1"/>
+        </a:solidFill>
+        <a:latin typeface="+mn-lt"/>
+        <a:ea typeface="+mn-ea"/>
+        <a:cs typeface="+mn-cs"/>
+      </a:defRPr>
+    </a:lvl1pPr>
+    <a:lvl2pPr marL="457200" algn="l" defTabSz="914400" rtl="0" eaLnBrk="1" latinLnBrk="0" hangingPunct="1">
+      <a:defRPr sz="1200" kern="1200">
+        <a:solidFill>
+          <a:schemeClr val="tx1"/>
+        </a:solidFill>
+        <a:latin typeface="+mn-lt"/>
+        <a:ea typeface="+mn-ea"/>
+        <a:cs typeface="+mn-cs"/>
+      </a:defRPr>
+    </a:lvl2pPr>
+    <a:lvl3pPr marL="914400" algn="l" defTabSz="914400" rtl="0" eaLnBrk="1" latinLnBrk="0" hangingPunct="1">
+      <a:defRPr sz="1200" kern="1200">
+        <a:solidFill>
+          <a:schemeClr val="tx1"/>
+        </a:solidFill>
+        <a:latin typeface="+mn-lt"/>
+        <a:ea typeface="+mn-ea"/>
+        <a:cs typeface="+mn-cs"/>
+      </a:defRPr>
+    </a:lvl3pPr>
+    <a:lvl4pPr marL="1371600" algn="l" defTabSz="914400" rtl="0" eaLnBrk="1" latinLnBrk="0" hangingPunct="1">
+      <a:defRPr sz="1200" kern="1200">
+        <a:solidFill>
+          <a:schemeClr val="tx1"/>
+        </a:solidFill>
+        <a:latin typeface="+mn-lt"/>
+        <a:ea typeface="+mn-ea"/>
+        <a:cs typeface="+mn-cs"/>
+      </a:defRPr>
+    </a:lvl4pPr>
+    <a:lvl5pPr marL="1828800" algn="l" defTabSz="914400" rtl="0" eaLnBrk="1" latinLnBrk="0" hangingPunct="1">
+      <a:defRPr sz="1200" kern="1200">
+        <a:solidFill>
+          <a:schemeClr val="tx1"/>
+        </a:solidFill>
+        <a:latin typeface="+mn-lt"/>
+        <a:ea typeface="+mn-ea"/>
+        <a:cs typeface="+mn-cs"/>
+      </a:defRPr>
+    </a:lvl5pPr>
+    <a:lvl6pPr marL="2286000" algn="l" defTabSz="914400" rtl="0" eaLnBrk="1" latinLnBrk="0" hangingPunct="1">
+      <a:defRPr sz="1200" kern="1200">
+        <a:solidFill>
+          <a:schemeClr val="tx1"/>
+        </a:solidFill>
+        <a:latin typeface="+mn-lt"/>
+        <a:ea typeface="+mn-ea"/>
+        <a:cs typeface="+mn-cs"/>
+      </a:defRPr>
+    </a:lvl6pPr>
+    <a:lvl7pPr marL="2743200" algn="l" defTabSz="914400" rtl="0" eaLnBrk="1" latinLnBrk="0" hangingPunct="1">
+      <a:defRPr sz="1200" kern="1200">
+        <a:solidFill>
+          <a:schemeClr val="tx1"/>
+        </a:solidFill>
+        <a:latin typeface="+mn-lt"/>
+        <a:ea typeface="+mn-ea"/>
+        <a:cs typeface="+mn-cs"/>
+      </a:defRPr>
+    </a:lvl7pPr>
+    <a:lvl8pPr marL="3200400" algn="l" defTabSz="914400" rtl="0" eaLnBrk="1" latinLnBrk="0" hangingPunct="1">
+      <a:defRPr sz="1200" kern="1200">
+        <a:solidFill>
+          <a:schemeClr val="tx1"/>
+        </a:solidFill>
+        <a:latin typeface="+mn-lt"/>
+        <a:ea typeface="+mn-ea"/>
+        <a:cs typeface="+mn-cs"/>
+      </a:defRPr>
+    </a:lvl8pPr>
+    <a:lvl9pPr marL="3657600" algn="l" defTabSz="914400" rtl="0" eaLnBrk="1" latinLnBrk="0" hangingPunct="1">
+      <a:defRPr sz="1200" kern="1200">
+        <a:solidFill>
+          <a:schemeClr val="tx1"/>
+        </a:solidFill>
+        <a:latin typeface="+mn-lt"/>
+        <a:ea typeface="+mn-ea"/>
+        <a:cs typeface="+mn-cs"/>
+      </a:defRPr>
+    </a:lvl9pPr>
+  </p:notesStyle>
+</p:notesMaster>
+</file>
+
 <file path=ppt/slideLayouts/slideLayout1.xml><?xml version="1.0" encoding="utf-8"?>
 <p:sldLayout xmlns:a="http://schemas.openxmlformats.org/drawingml/2006/main" xmlns:r="http://schemas.openxmlformats.org/officeDocument/2006/relationships" xmlns:p="http://schemas.openxmlformats.org/presentationml/2006/main" showMasterSp="0" type="title" preserve="1">
   <p:cSld name="Title Slide">
@@ -769,10 +1124,9 @@
           <a:bodyPr/>
           <a:lstStyle/>
           <a:p>
-            <a:fld id="{CE5FFAD7-5252-4D38-845F-A15AFA8CE892}" type="datetimeFigureOut">
+            <a:fld id="{20171F8C-1E92-46AD-B210-91573650F6F7}" type="datetime1">
               <a:rPr lang="zh-CN" altLang="en-US" smtClean="0"/>
-              <a:pPr/>
-              <a:t>2008/5/24</a:t>
+              <a:t>2008-5-25</a:t>
             </a:fld>
             <a:endParaRPr lang="zh-CN" altLang="en-US"/>
           </a:p>
@@ -954,10 +1308,9 @@
           <a:bodyPr/>
           <a:lstStyle/>
           <a:p>
-            <a:fld id="{CE5FFAD7-5252-4D38-845F-A15AFA8CE892}" type="datetimeFigureOut">
+            <a:fld id="{21B82BDE-E66E-46F8-9C63-56AEDFDE41D8}" type="datetime1">
               <a:rPr lang="zh-CN" altLang="en-US" smtClean="0"/>
-              <a:pPr/>
-              <a:t>2008/5/24</a:t>
+              <a:t>2008-5-25</a:t>
             </a:fld>
             <a:endParaRPr lang="zh-CN" altLang="en-US"/>
           </a:p>
@@ -1131,10 +1484,9 @@
           <a:bodyPr/>
           <a:lstStyle/>
           <a:p>
-            <a:fld id="{CE5FFAD7-5252-4D38-845F-A15AFA8CE892}" type="datetimeFigureOut">
+            <a:fld id="{E58FF00C-8B31-42FD-8B16-A61A941EDF58}" type="datetime1">
               <a:rPr lang="zh-CN" altLang="en-US" smtClean="0"/>
-              <a:pPr/>
-              <a:t>2008/5/24</a:t>
+              <a:t>2008-5-25</a:t>
             </a:fld>
             <a:endParaRPr lang="zh-CN" altLang="en-US"/>
           </a:p>
@@ -1298,10 +1650,9 @@
           <a:bodyPr/>
           <a:lstStyle/>
           <a:p>
-            <a:fld id="{CE5FFAD7-5252-4D38-845F-A15AFA8CE892}" type="datetimeFigureOut">
+            <a:fld id="{FC93DC70-35E1-4BA3-9122-785A3CCA6B11}" type="datetime1">
               <a:rPr lang="zh-CN" altLang="en-US" smtClean="0"/>
-              <a:pPr/>
-              <a:t>2008/5/24</a:t>
+              <a:t>2008-5-25</a:t>
             </a:fld>
             <a:endParaRPr lang="zh-CN" altLang="en-US"/>
           </a:p>
@@ -1521,10 +1872,9 @@
           <a:bodyPr/>
           <a:lstStyle/>
           <a:p>
-            <a:fld id="{CE5FFAD7-5252-4D38-845F-A15AFA8CE892}" type="datetimeFigureOut">
+            <a:fld id="{629A6A5D-FC2D-4B7F-A0C0-C44B2276570A}" type="datetime1">
               <a:rPr lang="zh-CN" altLang="en-US" smtClean="0"/>
-              <a:pPr/>
-              <a:t>2008/5/24</a:t>
+              <a:t>2008-5-25</a:t>
             </a:fld>
             <a:endParaRPr lang="zh-CN" altLang="en-US"/>
           </a:p>
@@ -1782,10 +2132,9 @@
           <a:bodyPr/>
           <a:lstStyle/>
           <a:p>
-            <a:fld id="{CE5FFAD7-5252-4D38-845F-A15AFA8CE892}" type="datetimeFigureOut">
+            <a:fld id="{946BE49D-254B-4290-A16D-06D962C2E00F}" type="datetime1">
               <a:rPr lang="zh-CN" altLang="en-US" smtClean="0"/>
-              <a:pPr/>
-              <a:t>2008/5/24</a:t>
+              <a:t>2008-5-25</a:t>
             </a:fld>
             <a:endParaRPr lang="zh-CN" altLang="en-US"/>
           </a:p>
@@ -2188,10 +2537,9 @@
           <a:bodyPr rtlCol="0"/>
           <a:lstStyle/>
           <a:p>
-            <a:fld id="{CE5FFAD7-5252-4D38-845F-A15AFA8CE892}" type="datetimeFigureOut">
+            <a:fld id="{5D79F012-7655-4813-BDF5-5ADE0C3F1241}" type="datetime1">
               <a:rPr lang="zh-CN" altLang="en-US" smtClean="0"/>
-              <a:pPr/>
-              <a:t>2008/5/24</a:t>
+              <a:t>2008-5-25</a:t>
             </a:fld>
             <a:endParaRPr lang="zh-CN" altLang="en-US"/>
           </a:p>
@@ -2321,10 +2669,9 @@
           <a:bodyPr/>
           <a:lstStyle/>
           <a:p>
-            <a:fld id="{CE5FFAD7-5252-4D38-845F-A15AFA8CE892}" type="datetimeFigureOut">
+            <a:fld id="{65EA6DDD-AB2B-47F0-8486-11444B3068BB}" type="datetime1">
               <a:rPr lang="zh-CN" altLang="en-US" smtClean="0"/>
-              <a:pPr/>
-              <a:t>2008/5/24</a:t>
+              <a:t>2008-5-25</a:t>
             </a:fld>
             <a:endParaRPr lang="zh-CN" altLang="en-US"/>
           </a:p>
@@ -2423,10 +2770,9 @@
           <a:bodyPr/>
           <a:lstStyle/>
           <a:p>
-            <a:fld id="{CE5FFAD7-5252-4D38-845F-A15AFA8CE892}" type="datetimeFigureOut">
+            <a:fld id="{2E45ABB5-571D-4D26-AD03-7F3FAA91C156}" type="datetime1">
               <a:rPr lang="zh-CN" altLang="en-US" smtClean="0"/>
-              <a:pPr/>
-              <a:t>2008/5/24</a:t>
+              <a:t>2008-5-25</a:t>
             </a:fld>
             <a:endParaRPr lang="zh-CN" altLang="en-US"/>
           </a:p>
@@ -2670,10 +3016,9 @@
           <a:bodyPr/>
           <a:lstStyle/>
           <a:p>
-            <a:fld id="{CE5FFAD7-5252-4D38-845F-A15AFA8CE892}" type="datetimeFigureOut">
+            <a:fld id="{49386D0B-F515-4410-ACB6-506383687188}" type="datetime1">
               <a:rPr lang="zh-CN" altLang="en-US" smtClean="0"/>
-              <a:pPr/>
-              <a:t>2008/5/24</a:t>
+              <a:t>2008-5-25</a:t>
             </a:fld>
             <a:endParaRPr lang="zh-CN" altLang="en-US"/>
           </a:p>
@@ -2916,10 +3261,9 @@
           <a:bodyPr/>
           <a:lstStyle/>
           <a:p>
-            <a:fld id="{CE5FFAD7-5252-4D38-845F-A15AFA8CE892}" type="datetimeFigureOut">
+            <a:fld id="{A07A876D-5345-4512-898F-D77BB984C416}" type="datetime1">
               <a:rPr lang="zh-CN" altLang="en-US" smtClean="0"/>
-              <a:pPr/>
-              <a:t>2008/5/24</a:t>
+              <a:t>2008-5-25</a:t>
             </a:fld>
             <a:endParaRPr lang="zh-CN" altLang="en-US"/>
           </a:p>
@@ -3742,10 +4086,9 @@
             </a:lvl1pPr>
           </a:lstStyle>
           <a:p>
-            <a:fld id="{CE5FFAD7-5252-4D38-845F-A15AFA8CE892}" type="datetimeFigureOut">
+            <a:fld id="{87CDCCA8-F73E-4543-A7AD-D926A584FD1B}" type="datetime1">
               <a:rPr lang="zh-CN" altLang="en-US" smtClean="0"/>
-              <a:pPr/>
-              <a:t>2008/5/24</a:t>
+              <a:t>2008-5-25</a:t>
             </a:fld>
             <a:endParaRPr lang="zh-CN" altLang="en-US"/>
           </a:p>
@@ -3842,6 +4185,7 @@
     <p:sldLayoutId id="2147483682" r:id="rId10"/>
     <p:sldLayoutId id="2147483683" r:id="rId11"/>
   </p:sldLayoutIdLst>
+  <p:hf hdr="0" ftr="0" dt="0"/>
   <p:txStyles>
     <p:titleStyle>
       <a:lvl1pPr algn="l" rtl="0" eaLnBrk="1" latinLnBrk="0" hangingPunct="1">
@@ -4223,6 +4567,300 @@
 </p:sld>
 </file>
 
+<file path=ppt/slides/slide10.xml><?xml version="1.0" encoding="utf-8"?>
+<p:sld xmlns:a="http://schemas.openxmlformats.org/drawingml/2006/main" xmlns:r="http://schemas.openxmlformats.org/officeDocument/2006/relationships" xmlns:p="http://schemas.openxmlformats.org/presentationml/2006/main">
+  <p:cSld>
+    <p:spTree>
+      <p:nvGrpSpPr>
+        <p:cNvPr id="1" name=""/>
+        <p:cNvGrpSpPr/>
+        <p:nvPr/>
+      </p:nvGrpSpPr>
+      <p:grpSpPr>
+        <a:xfrm>
+          <a:off x="0" y="0"/>
+          <a:ext cx="0" cy="0"/>
+          <a:chOff x="0" y="0"/>
+          <a:chExt cx="0" cy="0"/>
+        </a:xfrm>
+      </p:grpSpPr>
+      <p:sp>
+        <p:nvSpPr>
+          <p:cNvPr id="2" name="标题 1"/>
+          <p:cNvSpPr>
+            <a:spLocks noGrp="1"/>
+          </p:cNvSpPr>
+          <p:nvPr>
+            <p:ph type="title"/>
+          </p:nvPr>
+        </p:nvSpPr>
+        <p:spPr/>
+        <p:txBody>
+          <a:bodyPr/>
+          <a:lstStyle/>
+          <a:p>
+            <a:r>
+              <a:rPr lang="en-US" dirty="0" smtClean="0"/>
+              <a:t>Measure the performance</a:t>
+            </a:r>
+            <a:endParaRPr lang="en-US" dirty="0"/>
+          </a:p>
+        </p:txBody>
+      </p:sp>
+      <p:sp>
+        <p:nvSpPr>
+          <p:cNvPr id="3" name="内容占位符 2"/>
+          <p:cNvSpPr>
+            <a:spLocks noGrp="1"/>
+          </p:cNvSpPr>
+          <p:nvPr>
+            <p:ph idx="1"/>
+          </p:nvPr>
+        </p:nvSpPr>
+        <p:spPr/>
+        <p:txBody>
+          <a:bodyPr/>
+          <a:lstStyle/>
+          <a:p>
+            <a:r>
+              <a:rPr lang="en-US" dirty="0" smtClean="0"/>
+              <a:t>Success ratio</a:t>
+            </a:r>
+          </a:p>
+          <a:p>
+            <a:pPr lvl="1">
+              <a:buNone/>
+            </a:pPr>
+            <a:endParaRPr lang="en-US" dirty="0" smtClean="0"/>
+          </a:p>
+          <a:p>
+            <a:r>
+              <a:rPr lang="en-US" dirty="0" smtClean="0"/>
+              <a:t>Normalized network throughput</a:t>
+            </a:r>
+          </a:p>
+          <a:p>
+            <a:pPr lvl="1">
+              <a:buNone/>
+            </a:pPr>
+            <a:endParaRPr lang="en-US" dirty="0"/>
+          </a:p>
+        </p:txBody>
+      </p:sp>
+      <p:sp>
+        <p:nvSpPr>
+          <p:cNvPr id="4" name="灯片编号占位符 3"/>
+          <p:cNvSpPr>
+            <a:spLocks noGrp="1"/>
+          </p:cNvSpPr>
+          <p:nvPr>
+            <p:ph type="sldNum" sz="quarter" idx="12"/>
+          </p:nvPr>
+        </p:nvSpPr>
+        <p:spPr/>
+        <p:txBody>
+          <a:bodyPr/>
+          <a:lstStyle/>
+          <a:p>
+            <a:fld id="{41B43038-07B4-481F-A1A3-7BA5DF4C905A}" type="slidenum">
+              <a:rPr lang="zh-CN" altLang="en-US" smtClean="0"/>
+              <a:pPr/>
+              <a:t>10</a:t>
+            </a:fld>
+            <a:endParaRPr lang="zh-CN" altLang="en-US"/>
+          </a:p>
+        </p:txBody>
+      </p:sp>
+    </p:spTree>
+  </p:cSld>
+  <p:clrMapOvr>
+    <a:masterClrMapping/>
+  </p:clrMapOvr>
+</p:sld>
+</file>
+
+<file path=ppt/slides/slide11.xml><?xml version="1.0" encoding="utf-8"?>
+<p:sld xmlns:a="http://schemas.openxmlformats.org/drawingml/2006/main" xmlns:r="http://schemas.openxmlformats.org/officeDocument/2006/relationships" xmlns:p="http://schemas.openxmlformats.org/presentationml/2006/main">
+  <p:cSld>
+    <p:spTree>
+      <p:nvGrpSpPr>
+        <p:cNvPr id="1" name=""/>
+        <p:cNvGrpSpPr/>
+        <p:nvPr/>
+      </p:nvGrpSpPr>
+      <p:grpSpPr>
+        <a:xfrm>
+          <a:off x="0" y="0"/>
+          <a:ext cx="0" cy="0"/>
+          <a:chOff x="0" y="0"/>
+          <a:chExt cx="0" cy="0"/>
+        </a:xfrm>
+      </p:grpSpPr>
+      <p:sp>
+        <p:nvSpPr>
+          <p:cNvPr id="7" name="标题 6"/>
+          <p:cNvSpPr>
+            <a:spLocks noGrp="1"/>
+          </p:cNvSpPr>
+          <p:nvPr>
+            <p:ph type="title"/>
+          </p:nvPr>
+        </p:nvSpPr>
+        <p:spPr/>
+        <p:txBody>
+          <a:bodyPr/>
+          <a:lstStyle/>
+          <a:p>
+            <a:r>
+              <a:rPr lang="en-US" dirty="0" smtClean="0"/>
+              <a:t>Experimental Result</a:t>
+            </a:r>
+            <a:endParaRPr lang="en-US" dirty="0"/>
+          </a:p>
+        </p:txBody>
+      </p:sp>
+      <p:sp>
+        <p:nvSpPr>
+          <p:cNvPr id="8" name="文本占位符 7"/>
+          <p:cNvSpPr>
+            <a:spLocks noGrp="1"/>
+          </p:cNvSpPr>
+          <p:nvPr>
+            <p:ph type="body" idx="1"/>
+          </p:nvPr>
+        </p:nvSpPr>
+        <p:spPr/>
+        <p:txBody>
+          <a:bodyPr/>
+          <a:lstStyle/>
+          <a:p>
+            <a:endParaRPr lang="en-US"/>
+          </a:p>
+        </p:txBody>
+      </p:sp>
+      <p:sp>
+        <p:nvSpPr>
+          <p:cNvPr id="4" name="灯片编号占位符 3"/>
+          <p:cNvSpPr>
+            <a:spLocks noGrp="1"/>
+          </p:cNvSpPr>
+          <p:nvPr>
+            <p:ph type="sldNum" sz="quarter" idx="12"/>
+          </p:nvPr>
+        </p:nvSpPr>
+        <p:spPr/>
+        <p:txBody>
+          <a:bodyPr/>
+          <a:lstStyle/>
+          <a:p>
+            <a:fld id="{41B43038-07B4-481F-A1A3-7BA5DF4C905A}" type="slidenum">
+              <a:rPr lang="zh-CN" altLang="en-US" smtClean="0"/>
+              <a:pPr/>
+              <a:t>11</a:t>
+            </a:fld>
+            <a:endParaRPr lang="zh-CN" altLang="en-US"/>
+          </a:p>
+        </p:txBody>
+      </p:sp>
+    </p:spTree>
+  </p:cSld>
+  <p:clrMapOvr>
+    <a:masterClrMapping/>
+  </p:clrMapOvr>
+</p:sld>
+</file>
+
+<file path=ppt/slides/slide12.xml><?xml version="1.0" encoding="utf-8"?>
+<p:sld xmlns:a="http://schemas.openxmlformats.org/drawingml/2006/main" xmlns:r="http://schemas.openxmlformats.org/officeDocument/2006/relationships" xmlns:p="http://schemas.openxmlformats.org/presentationml/2006/main">
+  <p:cSld>
+    <p:spTree>
+      <p:nvGrpSpPr>
+        <p:cNvPr id="1" name=""/>
+        <p:cNvGrpSpPr/>
+        <p:nvPr/>
+      </p:nvGrpSpPr>
+      <p:grpSpPr>
+        <a:xfrm>
+          <a:off x="0" y="0"/>
+          <a:ext cx="0" cy="0"/>
+          <a:chOff x="0" y="0"/>
+          <a:chExt cx="0" cy="0"/>
+        </a:xfrm>
+      </p:grpSpPr>
+      <p:sp>
+        <p:nvSpPr>
+          <p:cNvPr id="5" name="标题 4"/>
+          <p:cNvSpPr>
+            <a:spLocks noGrp="1"/>
+          </p:cNvSpPr>
+          <p:nvPr>
+            <p:ph type="title"/>
+          </p:nvPr>
+        </p:nvSpPr>
+        <p:spPr/>
+        <p:txBody>
+          <a:bodyPr/>
+          <a:lstStyle/>
+          <a:p>
+            <a:r>
+              <a:rPr lang="en-US" dirty="0" smtClean="0"/>
+              <a:t>Chunk selection policy</a:t>
+            </a:r>
+            <a:endParaRPr lang="en-US" dirty="0"/>
+          </a:p>
+        </p:txBody>
+      </p:sp>
+      <p:sp>
+        <p:nvSpPr>
+          <p:cNvPr id="6" name="内容占位符 5"/>
+          <p:cNvSpPr>
+            <a:spLocks noGrp="1"/>
+          </p:cNvSpPr>
+          <p:nvPr>
+            <p:ph idx="1"/>
+          </p:nvPr>
+        </p:nvSpPr>
+        <p:spPr/>
+        <p:txBody>
+          <a:bodyPr/>
+          <a:lstStyle/>
+          <a:p>
+            <a:endParaRPr lang="en-US"/>
+          </a:p>
+        </p:txBody>
+      </p:sp>
+      <p:sp>
+        <p:nvSpPr>
+          <p:cNvPr id="4" name="灯片编号占位符 3"/>
+          <p:cNvSpPr>
+            <a:spLocks noGrp="1"/>
+          </p:cNvSpPr>
+          <p:nvPr>
+            <p:ph type="sldNum" sz="quarter" idx="12"/>
+          </p:nvPr>
+        </p:nvSpPr>
+        <p:spPr/>
+        <p:txBody>
+          <a:bodyPr/>
+          <a:lstStyle/>
+          <a:p>
+            <a:fld id="{41B43038-07B4-481F-A1A3-7BA5DF4C905A}" type="slidenum">
+              <a:rPr lang="zh-CN" altLang="en-US" smtClean="0"/>
+              <a:pPr/>
+              <a:t>12</a:t>
+            </a:fld>
+            <a:endParaRPr lang="zh-CN" altLang="en-US"/>
+          </a:p>
+        </p:txBody>
+      </p:sp>
+    </p:spTree>
+  </p:cSld>
+  <p:clrMapOvr>
+    <a:masterClrMapping/>
+  </p:clrMapOvr>
+</p:sld>
+</file>
+
 <file path=ppt/slides/slide2.xml><?xml version="1.0" encoding="utf-8"?>
 <p:sld xmlns:a="http://schemas.openxmlformats.org/drawingml/2006/main" xmlns:r="http://schemas.openxmlformats.org/officeDocument/2006/relationships" xmlns:p="http://schemas.openxmlformats.org/presentationml/2006/main">
   <p:cSld>
@@ -4364,6 +5002,30 @@
           <a:noFill/>
         </p:spPr>
       </p:pic>
+      <p:sp>
+        <p:nvSpPr>
+          <p:cNvPr id="5" name="灯片编号占位符 4"/>
+          <p:cNvSpPr>
+            <a:spLocks noGrp="1"/>
+          </p:cNvSpPr>
+          <p:nvPr>
+            <p:ph type="sldNum" sz="quarter" idx="12"/>
+          </p:nvPr>
+        </p:nvSpPr>
+        <p:spPr/>
+        <p:txBody>
+          <a:bodyPr/>
+          <a:lstStyle/>
+          <a:p>
+            <a:fld id="{41B43038-07B4-481F-A1A3-7BA5DF4C905A}" type="slidenum">
+              <a:rPr lang="zh-CN" altLang="en-US" smtClean="0"/>
+              <a:pPr/>
+              <a:t>2</a:t>
+            </a:fld>
+            <a:endParaRPr lang="zh-CN" altLang="en-US"/>
+          </a:p>
+        </p:txBody>
+      </p:sp>
     </p:spTree>
   </p:cSld>
   <p:clrMapOvr>
@@ -4486,6 +5148,30 @@
           </a:p>
         </p:txBody>
       </p:sp>
+      <p:sp>
+        <p:nvSpPr>
+          <p:cNvPr id="4" name="灯片编号占位符 3"/>
+          <p:cNvSpPr>
+            <a:spLocks noGrp="1"/>
+          </p:cNvSpPr>
+          <p:nvPr>
+            <p:ph type="sldNum" sz="quarter" idx="12"/>
+          </p:nvPr>
+        </p:nvSpPr>
+        <p:spPr/>
+        <p:txBody>
+          <a:bodyPr/>
+          <a:lstStyle/>
+          <a:p>
+            <a:fld id="{41B43038-07B4-481F-A1A3-7BA5DF4C905A}" type="slidenum">
+              <a:rPr lang="zh-CN" altLang="en-US" smtClean="0"/>
+              <a:pPr/>
+              <a:t>3</a:t>
+            </a:fld>
+            <a:endParaRPr lang="zh-CN" altLang="en-US"/>
+          </a:p>
+        </p:txBody>
+      </p:sp>
     </p:spTree>
   </p:cSld>
   <p:clrMapOvr>
@@ -4747,7 +5433,6 @@
               <a:rPr lang="en-US" altLang="zh-CN" dirty="0" smtClean="0"/>
               <a:t>W-A-I-T !</a:t>
             </a:r>
-            <a:endParaRPr lang="en-US" altLang="zh-CN" dirty="0" smtClean="0"/>
           </a:p>
           <a:p>
             <a:pPr algn="ctr"/>
@@ -4774,11 +5459,7 @@
             </a:r>
             <a:r>
               <a:rPr lang="en-US" altLang="zh-CN" dirty="0" smtClean="0"/>
-              <a:t> NOT in </a:t>
-            </a:r>
-            <a:r>
-              <a:rPr lang="en-US" altLang="zh-CN" dirty="0" smtClean="0"/>
-              <a:t>sequence</a:t>
+              <a:t> NOT in sequence</a:t>
             </a:r>
           </a:p>
           <a:p>
@@ -4797,6 +5478,30 @@
               <a:t>Tit-for-tat</a:t>
             </a:r>
             <a:endParaRPr lang="zh-CN" altLang="en-US" dirty="0"/>
+          </a:p>
+        </p:txBody>
+      </p:sp>
+      <p:sp>
+        <p:nvSpPr>
+          <p:cNvPr id="9" name="灯片编号占位符 8"/>
+          <p:cNvSpPr>
+            <a:spLocks noGrp="1"/>
+          </p:cNvSpPr>
+          <p:nvPr>
+            <p:ph type="sldNum" sz="quarter" idx="12"/>
+          </p:nvPr>
+        </p:nvSpPr>
+        <p:spPr/>
+        <p:txBody>
+          <a:bodyPr/>
+          <a:lstStyle/>
+          <a:p>
+            <a:fld id="{41B43038-07B4-481F-A1A3-7BA5DF4C905A}" type="slidenum">
+              <a:rPr lang="zh-CN" altLang="en-US" smtClean="0"/>
+              <a:pPr/>
+              <a:t>4</a:t>
+            </a:fld>
+            <a:endParaRPr lang="zh-CN" altLang="en-US"/>
           </a:p>
         </p:txBody>
       </p:sp>
@@ -5117,6 +5822,30 @@
           </a:p>
         </p:txBody>
       </p:sp>
+      <p:sp>
+        <p:nvSpPr>
+          <p:cNvPr id="9" name="灯片编号占位符 8"/>
+          <p:cNvSpPr>
+            <a:spLocks noGrp="1"/>
+          </p:cNvSpPr>
+          <p:nvPr>
+            <p:ph type="sldNum" sz="quarter" idx="12"/>
+          </p:nvPr>
+        </p:nvSpPr>
+        <p:spPr/>
+        <p:txBody>
+          <a:bodyPr/>
+          <a:lstStyle/>
+          <a:p>
+            <a:fld id="{41B43038-07B4-481F-A1A3-7BA5DF4C905A}" type="slidenum">
+              <a:rPr lang="zh-CN" altLang="en-US" smtClean="0"/>
+              <a:pPr/>
+              <a:t>5</a:t>
+            </a:fld>
+            <a:endParaRPr lang="zh-CN" altLang="en-US"/>
+          </a:p>
+        </p:txBody>
+      </p:sp>
     </p:spTree>
   </p:cSld>
   <p:clrMapOvr>
@@ -5316,6 +6045,30 @@
           </a:graphicData>
         </a:graphic>
       </p:graphicFrame>
+      <p:sp>
+        <p:nvSpPr>
+          <p:cNvPr id="6" name="灯片编号占位符 5"/>
+          <p:cNvSpPr>
+            <a:spLocks noGrp="1"/>
+          </p:cNvSpPr>
+          <p:nvPr>
+            <p:ph type="sldNum" sz="quarter" idx="12"/>
+          </p:nvPr>
+        </p:nvSpPr>
+        <p:spPr/>
+        <p:txBody>
+          <a:bodyPr/>
+          <a:lstStyle/>
+          <a:p>
+            <a:fld id="{41B43038-07B4-481F-A1A3-7BA5DF4C905A}" type="slidenum">
+              <a:rPr lang="zh-CN" altLang="en-US" smtClean="0"/>
+              <a:pPr/>
+              <a:t>6</a:t>
+            </a:fld>
+            <a:endParaRPr lang="zh-CN" altLang="en-US"/>
+          </a:p>
+        </p:txBody>
+      </p:sp>
     </p:spTree>
   </p:cSld>
   <p:clrMapOvr>
@@ -5403,11 +6156,7 @@
           <a:p>
             <a:r>
               <a:rPr lang="en-US" altLang="zh-CN" dirty="0" smtClean="0"/>
-              <a:t>E</a:t>
-            </a:r>
-            <a:r>
-              <a:rPr lang="en-US" altLang="zh-CN" dirty="0" smtClean="0"/>
-              <a:t>ach peer selects neighbors at random for the randomized chocking interval</a:t>
+              <a:t>Each peer selects neighbors at random for the randomized chocking interval</a:t>
             </a:r>
           </a:p>
           <a:p>
@@ -5432,6 +6181,30 @@
           </a:p>
           <a:p>
             <a:endParaRPr lang="zh-CN" altLang="en-US" dirty="0"/>
+          </a:p>
+        </p:txBody>
+      </p:sp>
+      <p:sp>
+        <p:nvSpPr>
+          <p:cNvPr id="4" name="灯片编号占位符 3"/>
+          <p:cNvSpPr>
+            <a:spLocks noGrp="1"/>
+          </p:cNvSpPr>
+          <p:nvPr>
+            <p:ph type="sldNum" sz="quarter" idx="12"/>
+          </p:nvPr>
+        </p:nvSpPr>
+        <p:spPr/>
+        <p:txBody>
+          <a:bodyPr/>
+          <a:lstStyle/>
+          <a:p>
+            <a:fld id="{41B43038-07B4-481F-A1A3-7BA5DF4C905A}" type="slidenum">
+              <a:rPr lang="zh-CN" altLang="en-US" smtClean="0"/>
+              <a:pPr/>
+              <a:t>7</a:t>
+            </a:fld>
+            <a:endParaRPr lang="zh-CN" altLang="en-US"/>
           </a:p>
         </p:txBody>
       </p:sp>
@@ -5447,6 +6220,204 @@
       </p:par>
     </p:tnLst>
   </p:timing>
+</p:sld>
+</file>
+
+<file path=ppt/slides/slide8.xml><?xml version="1.0" encoding="utf-8"?>
+<p:sld xmlns:a="http://schemas.openxmlformats.org/drawingml/2006/main" xmlns:r="http://schemas.openxmlformats.org/officeDocument/2006/relationships" xmlns:p="http://schemas.openxmlformats.org/presentationml/2006/main">
+  <p:cSld>
+    <p:spTree>
+      <p:nvGrpSpPr>
+        <p:cNvPr id="1" name=""/>
+        <p:cNvGrpSpPr/>
+        <p:nvPr/>
+      </p:nvGrpSpPr>
+      <p:grpSpPr>
+        <a:xfrm>
+          <a:off x="0" y="0"/>
+          <a:ext cx="0" cy="0"/>
+          <a:chOff x="0" y="0"/>
+          <a:chExt cx="0" cy="0"/>
+        </a:xfrm>
+      </p:grpSpPr>
+      <p:sp>
+        <p:nvSpPr>
+          <p:cNvPr id="2" name="标题 1"/>
+          <p:cNvSpPr>
+            <a:spLocks noGrp="1"/>
+          </p:cNvSpPr>
+          <p:nvPr>
+            <p:ph type="title"/>
+          </p:nvPr>
+        </p:nvSpPr>
+        <p:spPr/>
+        <p:txBody>
+          <a:bodyPr/>
+          <a:lstStyle/>
+          <a:p>
+            <a:r>
+              <a:rPr lang="en-US" dirty="0" smtClean="0"/>
+              <a:t>Experimental Setup</a:t>
+            </a:r>
+            <a:endParaRPr lang="en-US" dirty="0"/>
+          </a:p>
+        </p:txBody>
+      </p:sp>
+      <p:sp>
+        <p:nvSpPr>
+          <p:cNvPr id="4" name="文本占位符 3"/>
+          <p:cNvSpPr>
+            <a:spLocks noGrp="1"/>
+          </p:cNvSpPr>
+          <p:nvPr>
+            <p:ph type="body" idx="1"/>
+          </p:nvPr>
+        </p:nvSpPr>
+        <p:spPr/>
+        <p:txBody>
+          <a:bodyPr/>
+          <a:lstStyle/>
+          <a:p>
+            <a:endParaRPr lang="en-US" dirty="0"/>
+          </a:p>
+        </p:txBody>
+      </p:sp>
+      <p:sp>
+        <p:nvSpPr>
+          <p:cNvPr id="5" name="灯片编号占位符 4"/>
+          <p:cNvSpPr>
+            <a:spLocks noGrp="1"/>
+          </p:cNvSpPr>
+          <p:nvPr>
+            <p:ph type="sldNum" sz="quarter" idx="12"/>
+          </p:nvPr>
+        </p:nvSpPr>
+        <p:spPr/>
+        <p:txBody>
+          <a:bodyPr/>
+          <a:lstStyle/>
+          <a:p>
+            <a:fld id="{41B43038-07B4-481F-A1A3-7BA5DF4C905A}" type="slidenum">
+              <a:rPr lang="zh-CN" altLang="en-US" smtClean="0"/>
+              <a:pPr/>
+              <a:t>8</a:t>
+            </a:fld>
+            <a:endParaRPr lang="zh-CN" altLang="en-US"/>
+          </a:p>
+        </p:txBody>
+      </p:sp>
+    </p:spTree>
+  </p:cSld>
+  <p:clrMapOvr>
+    <a:masterClrMapping/>
+  </p:clrMapOvr>
+  <p:timing>
+    <p:tnLst>
+      <p:par>
+        <p:cTn id="1" dur="indefinite" restart="never" nodeType="tmRoot"/>
+      </p:par>
+    </p:tnLst>
+  </p:timing>
+</p:sld>
+</file>
+
+<file path=ppt/slides/slide9.xml><?xml version="1.0" encoding="utf-8"?>
+<p:sld xmlns:a="http://schemas.openxmlformats.org/drawingml/2006/main" xmlns:r="http://schemas.openxmlformats.org/officeDocument/2006/relationships" xmlns:p="http://schemas.openxmlformats.org/presentationml/2006/main">
+  <p:cSld>
+    <p:spTree>
+      <p:nvGrpSpPr>
+        <p:cNvPr id="1" name=""/>
+        <p:cNvGrpSpPr/>
+        <p:nvPr/>
+      </p:nvGrpSpPr>
+      <p:grpSpPr>
+        <a:xfrm>
+          <a:off x="0" y="0"/>
+          <a:ext cx="0" cy="0"/>
+          <a:chOff x="0" y="0"/>
+          <a:chExt cx="0" cy="0"/>
+        </a:xfrm>
+      </p:grpSpPr>
+      <p:sp>
+        <p:nvSpPr>
+          <p:cNvPr id="5" name="标题 4"/>
+          <p:cNvSpPr>
+            <a:spLocks noGrp="1"/>
+          </p:cNvSpPr>
+          <p:nvPr>
+            <p:ph type="title"/>
+          </p:nvPr>
+        </p:nvSpPr>
+        <p:spPr/>
+        <p:txBody>
+          <a:bodyPr/>
+          <a:lstStyle/>
+          <a:p>
+            <a:r>
+              <a:rPr lang="en-US" dirty="0" smtClean="0"/>
+              <a:t>Experimental Setup</a:t>
+            </a:r>
+            <a:endParaRPr lang="en-US" dirty="0"/>
+          </a:p>
+        </p:txBody>
+      </p:sp>
+      <p:sp>
+        <p:nvSpPr>
+          <p:cNvPr id="6" name="内容占位符 5"/>
+          <p:cNvSpPr>
+            <a:spLocks noGrp="1"/>
+          </p:cNvSpPr>
+          <p:nvPr>
+            <p:ph idx="1"/>
+          </p:nvPr>
+        </p:nvSpPr>
+        <p:spPr/>
+        <p:txBody>
+          <a:bodyPr/>
+          <a:lstStyle/>
+          <a:p>
+            <a:r>
+              <a:rPr lang="en-US" dirty="0" smtClean="0"/>
+              <a:t>Homogeneous setting</a:t>
+            </a:r>
+          </a:p>
+          <a:p>
+            <a:pPr lvl="1"/>
+            <a:r>
+              <a:rPr lang="en-US" dirty="0" smtClean="0"/>
+              <a:t>All leeches within a sub-network have the same link band width</a:t>
+            </a:r>
+          </a:p>
+          <a:p>
+            <a:r>
+              <a:rPr lang="en-US" dirty="0" smtClean="0"/>
+              <a:t>Assumed the idealized performance of TCP</a:t>
+            </a:r>
+          </a:p>
+          <a:p>
+            <a:r>
+              <a:rPr lang="en-US" dirty="0" smtClean="0"/>
+              <a:t>Neglect network propagation</a:t>
+            </a:r>
+          </a:p>
+          <a:p>
+            <a:pPr lvl="1"/>
+            <a:r>
+              <a:rPr lang="en-US" dirty="0" smtClean="0"/>
+              <a:t>Ignore the packages used by peers to request chunks</a:t>
+            </a:r>
+          </a:p>
+          <a:p>
+            <a:pPr lvl="2"/>
+            <a:endParaRPr lang="en-US" dirty="0"/>
+          </a:p>
+        </p:txBody>
+      </p:sp>
+    </p:spTree>
+  </p:cSld>
+  <p:clrMapOvr>
+    <a:masterClrMapping/>
+  </p:clrMapOvr>
 </p:sld>
 </file>
 
@@ -5728,4 +6699,287 @@
   <a:objectDefaults/>
   <a:extraClrSchemeLst/>
 </a:theme>
+</file>
+
+<file path=ppt/theme/theme2.xml><?xml version="1.0" encoding="utf-8"?>
+<a:theme xmlns:a="http://schemas.openxmlformats.org/drawingml/2006/main" name="Office 主题">
+  <a:themeElements>
+    <a:clrScheme name="Office">
+      <a:dk1>
+        <a:sysClr val="windowText" lastClr="000000"/>
+      </a:dk1>
+      <a:lt1>
+        <a:sysClr val="window" lastClr="FFFFFF"/>
+      </a:lt1>
+      <a:dk2>
+        <a:srgbClr val="1F497D"/>
+      </a:dk2>
+      <a:lt2>
+        <a:srgbClr val="EEECE1"/>
+      </a:lt2>
+      <a:accent1>
+        <a:srgbClr val="4F81BD"/>
+      </a:accent1>
+      <a:accent2>
+        <a:srgbClr val="C0504D"/>
+      </a:accent2>
+      <a:accent3>
+        <a:srgbClr val="9BBB59"/>
+      </a:accent3>
+      <a:accent4>
+        <a:srgbClr val="8064A2"/>
+      </a:accent4>
+      <a:accent5>
+        <a:srgbClr val="4BACC6"/>
+      </a:accent5>
+      <a:accent6>
+        <a:srgbClr val="F79646"/>
+      </a:accent6>
+      <a:hlink>
+        <a:srgbClr val="0000FF"/>
+      </a:hlink>
+      <a:folHlink>
+        <a:srgbClr val="800080"/>
+      </a:folHlink>
+    </a:clrScheme>
+    <a:fontScheme name="Office">
+      <a:majorFont>
+        <a:latin typeface="Calibri"/>
+        <a:ea typeface=""/>
+        <a:cs typeface=""/>
+        <a:font script="Jpan" typeface="ＭＳ Ｐゴシック"/>
+        <a:font script="Hang" typeface="맑은 고딕"/>
+        <a:font script="Hans" typeface="宋体"/>
+        <a:font script="Hant" typeface="新細明體"/>
+        <a:font script="Arab" typeface="Times New Roman"/>
+        <a:font script="Hebr" typeface="Times New Roman"/>
+        <a:font script="Thai" typeface="Angsana New"/>
+        <a:font script="Ethi" typeface="Nyala"/>
+        <a:font script="Beng" typeface="Vrinda"/>
+        <a:font script="Gujr" typeface="Shruti"/>
+        <a:font script="Khmr" typeface="MoolBoran"/>
+        <a:font script="Knda" typeface="Tunga"/>
+        <a:font script="Guru" typeface="Raavi"/>
+        <a:font script="Cans" typeface="Euphemia"/>
+        <a:font script="Cher" typeface="Plantagenet Cherokee"/>
+        <a:font script="Yiii" typeface="Microsoft Yi Baiti"/>
+        <a:font script="Tibt" typeface="Microsoft Himalaya"/>
+        <a:font script="Thaa" typeface="MV Boli"/>
+        <a:font script="Deva" typeface="Mangal"/>
+        <a:font script="Telu" typeface="Gautami"/>
+        <a:font script="Taml" typeface="Latha"/>
+        <a:font script="Syrc" typeface="Estrangelo Edessa"/>
+        <a:font script="Orya" typeface="Kalinga"/>
+        <a:font script="Mlym" typeface="Kartika"/>
+        <a:font script="Laoo" typeface="DokChampa"/>
+        <a:font script="Sinh" typeface="Iskoola Pota"/>
+        <a:font script="Mong" typeface="Mongolian Baiti"/>
+        <a:font script="Viet" typeface="Times New Roman"/>
+        <a:font script="Uigh" typeface="Microsoft Uighur"/>
+      </a:majorFont>
+      <a:minorFont>
+        <a:latin typeface="Calibri"/>
+        <a:ea typeface=""/>
+        <a:cs typeface=""/>
+        <a:font script="Jpan" typeface="ＭＳ Ｐゴシック"/>
+        <a:font script="Hang" typeface="맑은 고딕"/>
+        <a:font script="Hans" typeface="宋体"/>
+        <a:font script="Hant" typeface="新細明體"/>
+        <a:font script="Arab" typeface="Arial"/>
+        <a:font script="Hebr" typeface="Arial"/>
+        <a:font script="Thai" typeface="Cordia New"/>
+        <a:font script="Ethi" typeface="Nyala"/>
+        <a:font script="Beng" typeface="Vrinda"/>
+        <a:font script="Gujr" typeface="Shruti"/>
+        <a:font script="Khmr" typeface="DaunPenh"/>
+        <a:font script="Knda" typeface="Tunga"/>
+        <a:font script="Guru" typeface="Raavi"/>
+        <a:font script="Cans" typeface="Euphemia"/>
+        <a:font script="Cher" typeface="Plantagenet Cherokee"/>
+        <a:font script="Yiii" typeface="Microsoft Yi Baiti"/>
+        <a:font script="Tibt" typeface="Microsoft Himalaya"/>
+        <a:font script="Thaa" typeface="MV Boli"/>
+        <a:font script="Deva" typeface="Mangal"/>
+        <a:font script="Telu" typeface="Gautami"/>
+        <a:font script="Taml" typeface="Latha"/>
+        <a:font script="Syrc" typeface="Estrangelo Edessa"/>
+        <a:font script="Orya" typeface="Kalinga"/>
+        <a:font script="Mlym" typeface="Kartika"/>
+        <a:font script="Laoo" typeface="DokChampa"/>
+        <a:font script="Sinh" typeface="Iskoola Pota"/>
+        <a:font script="Mong" typeface="Mongolian Baiti"/>
+        <a:font script="Viet" typeface="Arial"/>
+        <a:font script="Uigh" typeface="Microsoft Uighur"/>
+      </a:minorFont>
+    </a:fontScheme>
+    <a:fmtScheme name="Office">
+      <a:fillStyleLst>
+        <a:solidFill>
+          <a:schemeClr val="phClr"/>
+        </a:solidFill>
+        <a:gradFill rotWithShape="1">
+          <a:gsLst>
+            <a:gs pos="0">
+              <a:schemeClr val="phClr">
+                <a:tint val="50000"/>
+                <a:satMod val="300000"/>
+              </a:schemeClr>
+            </a:gs>
+            <a:gs pos="35000">
+              <a:schemeClr val="phClr">
+                <a:tint val="37000"/>
+                <a:satMod val="300000"/>
+              </a:schemeClr>
+            </a:gs>
+            <a:gs pos="100000">
+              <a:schemeClr val="phClr">
+                <a:tint val="15000"/>
+                <a:satMod val="350000"/>
+              </a:schemeClr>
+            </a:gs>
+          </a:gsLst>
+          <a:lin ang="16200000" scaled="1"/>
+        </a:gradFill>
+        <a:gradFill rotWithShape="1">
+          <a:gsLst>
+            <a:gs pos="0">
+              <a:schemeClr val="phClr">
+                <a:shade val="51000"/>
+                <a:satMod val="130000"/>
+              </a:schemeClr>
+            </a:gs>
+            <a:gs pos="80000">
+              <a:schemeClr val="phClr">
+                <a:shade val="93000"/>
+                <a:satMod val="130000"/>
+              </a:schemeClr>
+            </a:gs>
+            <a:gs pos="100000">
+              <a:schemeClr val="phClr">
+                <a:shade val="94000"/>
+                <a:satMod val="135000"/>
+              </a:schemeClr>
+            </a:gs>
+          </a:gsLst>
+          <a:lin ang="16200000" scaled="0"/>
+        </a:gradFill>
+      </a:fillStyleLst>
+      <a:lnStyleLst>
+        <a:ln w="9525" cap="flat" cmpd="sng" algn="ctr">
+          <a:solidFill>
+            <a:schemeClr val="phClr">
+              <a:shade val="95000"/>
+              <a:satMod val="105000"/>
+            </a:schemeClr>
+          </a:solidFill>
+          <a:prstDash val="solid"/>
+        </a:ln>
+        <a:ln w="25400" cap="flat" cmpd="sng" algn="ctr">
+          <a:solidFill>
+            <a:schemeClr val="phClr"/>
+          </a:solidFill>
+          <a:prstDash val="solid"/>
+        </a:ln>
+        <a:ln w="38100" cap="flat" cmpd="sng" algn="ctr">
+          <a:solidFill>
+            <a:schemeClr val="phClr"/>
+          </a:solidFill>
+          <a:prstDash val="solid"/>
+        </a:ln>
+      </a:lnStyleLst>
+      <a:effectStyleLst>
+        <a:effectStyle>
+          <a:effectLst>
+            <a:outerShdw blurRad="40000" dist="20000" dir="5400000" rotWithShape="0">
+              <a:srgbClr val="000000">
+                <a:alpha val="38000"/>
+              </a:srgbClr>
+            </a:outerShdw>
+          </a:effectLst>
+        </a:effectStyle>
+        <a:effectStyle>
+          <a:effectLst>
+            <a:outerShdw blurRad="40000" dist="23000" dir="5400000" rotWithShape="0">
+              <a:srgbClr val="000000">
+                <a:alpha val="35000"/>
+              </a:srgbClr>
+            </a:outerShdw>
+          </a:effectLst>
+        </a:effectStyle>
+        <a:effectStyle>
+          <a:effectLst>
+            <a:outerShdw blurRad="40000" dist="23000" dir="5400000" rotWithShape="0">
+              <a:srgbClr val="000000">
+                <a:alpha val="35000"/>
+              </a:srgbClr>
+            </a:outerShdw>
+          </a:effectLst>
+          <a:scene3d>
+            <a:camera prst="orthographicFront">
+              <a:rot lat="0" lon="0" rev="0"/>
+            </a:camera>
+            <a:lightRig rig="threePt" dir="t">
+              <a:rot lat="0" lon="0" rev="1200000"/>
+            </a:lightRig>
+          </a:scene3d>
+          <a:sp3d>
+            <a:bevelT w="63500" h="25400"/>
+          </a:sp3d>
+        </a:effectStyle>
+      </a:effectStyleLst>
+      <a:bgFillStyleLst>
+        <a:solidFill>
+          <a:schemeClr val="phClr"/>
+        </a:solidFill>
+        <a:gradFill rotWithShape="1">
+          <a:gsLst>
+            <a:gs pos="0">
+              <a:schemeClr val="phClr">
+                <a:tint val="40000"/>
+                <a:satMod val="350000"/>
+              </a:schemeClr>
+            </a:gs>
+            <a:gs pos="40000">
+              <a:schemeClr val="phClr">
+                <a:tint val="45000"/>
+                <a:shade val="99000"/>
+                <a:satMod val="350000"/>
+              </a:schemeClr>
+            </a:gs>
+            <a:gs pos="100000">
+              <a:schemeClr val="phClr">
+                <a:shade val="20000"/>
+                <a:satMod val="255000"/>
+              </a:schemeClr>
+            </a:gs>
+          </a:gsLst>
+          <a:path path="circle">
+            <a:fillToRect l="50000" t="-80000" r="50000" b="180000"/>
+          </a:path>
+        </a:gradFill>
+        <a:gradFill rotWithShape="1">
+          <a:gsLst>
+            <a:gs pos="0">
+              <a:schemeClr val="phClr">
+                <a:tint val="80000"/>
+                <a:satMod val="300000"/>
+              </a:schemeClr>
+            </a:gs>
+            <a:gs pos="100000">
+              <a:schemeClr val="phClr">
+                <a:shade val="30000"/>
+                <a:satMod val="200000"/>
+              </a:schemeClr>
+            </a:gs>
+          </a:gsLst>
+          <a:path path="circle">
+            <a:fillToRect l="50000" t="50000" r="50000" b="50000"/>
+          </a:path>
+        </a:gradFill>
+      </a:bgFillStyleLst>
+    </a:fmtScheme>
+  </a:themeElements>
+  <a:objectDefaults/>
+  <a:extraClrSchemeLst/>
+</a:theme>
 </file>
--- a/Distributed Computing, Peer-to-Peer and GRIDS/final presentation/ppt/Peer-to-Peer Multimedia Streaming Using BitTorrent.pptx
+++ b/Distributed Computing, Peer-to-Peer and GRIDS/final presentation/ppt/Peer-to-Peer Multimedia Streaming Using BitTorrent.pptx
@@ -2,24 +2,43 @@
 <file path=ppt/presentation.xml><?xml version="1.0" encoding="utf-8"?>
 <p:presentation xmlns:a="http://schemas.openxmlformats.org/drawingml/2006/main" xmlns:r="http://schemas.openxmlformats.org/officeDocument/2006/relationships" xmlns:p="http://schemas.openxmlformats.org/presentationml/2006/main" showSpecialPlsOnTitleSld="0" saveSubsetFonts="1">
   <p:sldMasterIdLst>
-    <p:sldMasterId id="2147483672" r:id="rId1"/>
+    <p:sldMasterId id="2147484032" r:id="rId1"/>
   </p:sldMasterIdLst>
   <p:notesMasterIdLst>
-    <p:notesMasterId r:id="rId14"/>
+    <p:notesMasterId r:id="rId33"/>
   </p:notesMasterIdLst>
   <p:sldIdLst>
     <p:sldId id="256" r:id="rId2"/>
-    <p:sldId id="257" r:id="rId3"/>
-    <p:sldId id="258" r:id="rId4"/>
-    <p:sldId id="259" r:id="rId5"/>
-    <p:sldId id="260" r:id="rId6"/>
-    <p:sldId id="261" r:id="rId7"/>
-    <p:sldId id="262" r:id="rId8"/>
-    <p:sldId id="263" r:id="rId9"/>
-    <p:sldId id="264" r:id="rId10"/>
-    <p:sldId id="265" r:id="rId11"/>
-    <p:sldId id="266" r:id="rId12"/>
-    <p:sldId id="267" r:id="rId13"/>
+    <p:sldId id="282" r:id="rId3"/>
+    <p:sldId id="283" r:id="rId4"/>
+    <p:sldId id="257" r:id="rId5"/>
+    <p:sldId id="258" r:id="rId6"/>
+    <p:sldId id="287" r:id="rId7"/>
+    <p:sldId id="284" r:id="rId8"/>
+    <p:sldId id="259" r:id="rId9"/>
+    <p:sldId id="260" r:id="rId10"/>
+    <p:sldId id="261" r:id="rId11"/>
+    <p:sldId id="262" r:id="rId12"/>
+    <p:sldId id="285" r:id="rId13"/>
+    <p:sldId id="263" r:id="rId14"/>
+    <p:sldId id="264" r:id="rId15"/>
+    <p:sldId id="265" r:id="rId16"/>
+    <p:sldId id="266" r:id="rId17"/>
+    <p:sldId id="268" r:id="rId18"/>
+    <p:sldId id="267" r:id="rId19"/>
+    <p:sldId id="269" r:id="rId20"/>
+    <p:sldId id="270" r:id="rId21"/>
+    <p:sldId id="271" r:id="rId22"/>
+    <p:sldId id="272" r:id="rId23"/>
+    <p:sldId id="273" r:id="rId24"/>
+    <p:sldId id="274" r:id="rId25"/>
+    <p:sldId id="275" r:id="rId26"/>
+    <p:sldId id="276" r:id="rId27"/>
+    <p:sldId id="277" r:id="rId28"/>
+    <p:sldId id="286" r:id="rId29"/>
+    <p:sldId id="279" r:id="rId30"/>
+    <p:sldId id="280" r:id="rId31"/>
+    <p:sldId id="281" r:id="rId32"/>
   </p:sldIdLst>
   <p:sldSz cx="9144000" cy="6858000" type="screen4x3"/>
   <p:notesSz cx="6858000" cy="9144000"/>
@@ -203,7 +222,8 @@
           <a:p>
             <a:fld id="{980DB85B-91DF-4148-B101-1BF0F05BA612}" type="datetimeFigureOut">
               <a:rPr lang="en-US" smtClean="0"/>
-              <a:t>2008-05-25</a:t>
+              <a:pPr/>
+              <a:t>5/25/2008</a:t>
             </a:fld>
             <a:endParaRPr lang="en-US"/>
           </a:p>
@@ -364,6 +384,7 @@
           <a:p>
             <a:fld id="{DBEC82B8-0DD3-4A02-A123-D7222EB84BBF}" type="slidenum">
               <a:rPr lang="en-US" smtClean="0"/>
+              <a:pPr/>
               <a:t>‹#›</a:t>
             </a:fld>
             <a:endParaRPr lang="en-US"/>
@@ -470,7 +491,7 @@
 
 <file path=ppt/slideLayouts/slideLayout1.xml><?xml version="1.0" encoding="utf-8"?>
 <p:sldLayout xmlns:a="http://schemas.openxmlformats.org/drawingml/2006/main" xmlns:r="http://schemas.openxmlformats.org/officeDocument/2006/relationships" xmlns:p="http://schemas.openxmlformats.org/presentationml/2006/main" showMasterSp="0" type="title" preserve="1">
-  <p:cSld name="Title Slide">
+  <p:cSld name="标题幻灯片">
     <p:spTree>
       <p:nvGrpSpPr>
         <p:cNvPr id="1" name=""/>
@@ -487,7 +508,7 @@
       </p:grpSpPr>
       <p:sp>
         <p:nvSpPr>
-          <p:cNvPr id="23" name="Rectangle 22"/>
+          <p:cNvPr id="23" name="矩形 22"/>
           <p:cNvSpPr/>
           <p:nvPr/>
         </p:nvSpPr>
@@ -535,7 +556,7 @@
       </p:sp>
       <p:sp>
         <p:nvSpPr>
-          <p:cNvPr id="24" name="Rectangle 23"/>
+          <p:cNvPr id="24" name="矩形 23"/>
           <p:cNvSpPr/>
           <p:nvPr/>
         </p:nvSpPr>
@@ -583,7 +604,7 @@
       </p:sp>
       <p:sp>
         <p:nvSpPr>
-          <p:cNvPr id="25" name="Rectangle 24"/>
+          <p:cNvPr id="25" name="矩形 24"/>
           <p:cNvSpPr/>
           <p:nvPr/>
         </p:nvSpPr>
@@ -631,7 +652,7 @@
       </p:sp>
       <p:sp>
         <p:nvSpPr>
-          <p:cNvPr id="26" name="Rectangle 25"/>
+          <p:cNvPr id="26" name="矩形 25"/>
           <p:cNvSpPr/>
           <p:nvPr/>
         </p:nvSpPr>
@@ -679,7 +700,7 @@
       </p:sp>
       <p:sp>
         <p:nvSpPr>
-          <p:cNvPr id="27" name="Rectangle 26"/>
+          <p:cNvPr id="27" name="矩形 26"/>
           <p:cNvSpPr/>
           <p:nvPr/>
         </p:nvSpPr>
@@ -727,7 +748,7 @@
       </p:sp>
       <p:sp useBgFill="1">
         <p:nvSpPr>
-          <p:cNvPr id="30" name="Rounded Rectangle 29"/>
+          <p:cNvPr id="30" name="圆角矩形 29"/>
           <p:cNvSpPr/>
           <p:nvPr/>
         </p:nvSpPr>
@@ -772,7 +793,7 @@
       </p:sp>
       <p:sp useBgFill="1">
         <p:nvSpPr>
-          <p:cNvPr id="31" name="Rounded Rectangle 30"/>
+          <p:cNvPr id="31" name="圆角矩形 30"/>
           <p:cNvSpPr/>
           <p:nvPr/>
         </p:nvSpPr>
@@ -817,7 +838,7 @@
       </p:sp>
       <p:sp>
         <p:nvSpPr>
-          <p:cNvPr id="7" name="Rectangle 6"/>
+          <p:cNvPr id="7" name="矩形 6"/>
           <p:cNvSpPr/>
           <p:nvPr/>
         </p:nvSpPr>
@@ -865,7 +886,7 @@
       </p:sp>
       <p:sp>
         <p:nvSpPr>
-          <p:cNvPr id="10" name="Rectangle 9"/>
+          <p:cNvPr id="10" name="矩形 9"/>
           <p:cNvSpPr/>
           <p:nvPr/>
         </p:nvSpPr>
@@ -913,7 +934,7 @@
       </p:sp>
       <p:sp>
         <p:nvSpPr>
-          <p:cNvPr id="11" name="Rectangle 10"/>
+          <p:cNvPr id="11" name="矩形 10"/>
           <p:cNvSpPr/>
           <p:nvPr/>
         </p:nvSpPr>
@@ -961,7 +982,7 @@
       </p:sp>
       <p:sp>
         <p:nvSpPr>
-          <p:cNvPr id="19" name="Rectangle 18"/>
+          <p:cNvPr id="19" name="矩形 18"/>
           <p:cNvSpPr/>
           <p:nvPr/>
         </p:nvSpPr>
@@ -1009,7 +1030,7 @@
       </p:sp>
       <p:sp>
         <p:nvSpPr>
-          <p:cNvPr id="8" name="Title 7"/>
+          <p:cNvPr id="8" name="标题 7"/>
           <p:cNvSpPr>
             <a:spLocks noGrp="1"/>
           </p:cNvSpPr>
@@ -1036,8 +1057,8 @@
           </a:lstStyle>
           <a:p>
             <a:r>
-              <a:rPr kumimoji="0" lang="en-US" altLang="zh-CN" smtClean="0"/>
-              <a:t>Click to edit Master title style</a:t>
+              <a:rPr kumimoji="0" lang="zh-CN" altLang="en-US" smtClean="0"/>
+              <a:t>单击此处编辑母版标题样式</a:t>
             </a:r>
             <a:endParaRPr kumimoji="0" lang="en-US"/>
           </a:p>
@@ -1045,7 +1066,7 @@
       </p:sp>
       <p:sp>
         <p:nvSpPr>
-          <p:cNvPr id="9" name="Subtitle 8"/>
+          <p:cNvPr id="9" name="副标题 8"/>
           <p:cNvSpPr>
             <a:spLocks noGrp="1"/>
           </p:cNvSpPr>
@@ -1097,8 +1118,8 @@
           </a:lstStyle>
           <a:p>
             <a:r>
-              <a:rPr kumimoji="0" lang="en-US" altLang="zh-CN" smtClean="0"/>
-              <a:t>Click to edit Master subtitle style</a:t>
+              <a:rPr kumimoji="0" lang="zh-CN" altLang="en-US" smtClean="0"/>
+              <a:t>单击此处编辑母版副标题样式</a:t>
             </a:r>
             <a:endParaRPr kumimoji="0" lang="en-US"/>
           </a:p>
@@ -1106,7 +1127,7 @@
       </p:sp>
       <p:sp>
         <p:nvSpPr>
-          <p:cNvPr id="28" name="Date Placeholder 27"/>
+          <p:cNvPr id="28" name="日期占位符 27"/>
           <p:cNvSpPr>
             <a:spLocks noGrp="1"/>
           </p:cNvSpPr>
@@ -1124,8 +1145,9 @@
           <a:bodyPr/>
           <a:lstStyle/>
           <a:p>
-            <a:fld id="{20171F8C-1E92-46AD-B210-91573650F6F7}" type="datetime1">
+            <a:fld id="{87CDCCA8-F73E-4543-A7AD-D926A584FD1B}" type="datetime1">
               <a:rPr lang="zh-CN" altLang="en-US" smtClean="0"/>
+              <a:pPr/>
               <a:t>2008-5-25</a:t>
             </a:fld>
             <a:endParaRPr lang="zh-CN" altLang="en-US"/>
@@ -1134,7 +1156,7 @@
       </p:sp>
       <p:sp>
         <p:nvSpPr>
-          <p:cNvPr id="17" name="Footer Placeholder 16"/>
+          <p:cNvPr id="17" name="页脚占位符 16"/>
           <p:cNvSpPr>
             <a:spLocks noGrp="1"/>
           </p:cNvSpPr>
@@ -1158,7 +1180,7 @@
       </p:sp>
       <p:sp>
         <p:nvSpPr>
-          <p:cNvPr id="29" name="Slide Number Placeholder 28"/>
+          <p:cNvPr id="29" name="灯片编号占位符 28"/>
           <p:cNvSpPr>
             <a:spLocks noGrp="1"/>
           </p:cNvSpPr>
@@ -1198,12 +1220,13 @@
   <p:clrMapOvr>
     <a:masterClrMapping/>
   </p:clrMapOvr>
+  <p:hf hdr="0" ftr="0" dt="0"/>
 </p:sldLayout>
 </file>
 
 <file path=ppt/slideLayouts/slideLayout10.xml><?xml version="1.0" encoding="utf-8"?>
 <p:sldLayout xmlns:a="http://schemas.openxmlformats.org/drawingml/2006/main" xmlns:r="http://schemas.openxmlformats.org/officeDocument/2006/relationships" xmlns:p="http://schemas.openxmlformats.org/presentationml/2006/main" type="vertTx" preserve="1">
-  <p:cSld name="Title and Vertical Text">
+  <p:cSld name="标题和竖排文字">
     <p:spTree>
       <p:nvGrpSpPr>
         <p:cNvPr id="1" name=""/>
@@ -1220,7 +1243,7 @@
       </p:grpSpPr>
       <p:sp>
         <p:nvSpPr>
-          <p:cNvPr id="2" name="Title 1"/>
+          <p:cNvPr id="2" name="标题 1"/>
           <p:cNvSpPr>
             <a:spLocks noGrp="1"/>
           </p:cNvSpPr>
@@ -1234,8 +1257,8 @@
           <a:lstStyle/>
           <a:p>
             <a:r>
-              <a:rPr kumimoji="0" lang="en-US" altLang="zh-CN" smtClean="0"/>
-              <a:t>Click to edit Master title style</a:t>
+              <a:rPr kumimoji="0" lang="zh-CN" altLang="en-US" smtClean="0"/>
+              <a:t>单击此处编辑母版标题样式</a:t>
             </a:r>
             <a:endParaRPr kumimoji="0" lang="en-US"/>
           </a:p>
@@ -1243,7 +1266,7 @@
       </p:sp>
       <p:sp>
         <p:nvSpPr>
-          <p:cNvPr id="3" name="Vertical Text Placeholder 2"/>
+          <p:cNvPr id="3" name="竖排文字占位符 2"/>
           <p:cNvSpPr>
             <a:spLocks noGrp="1"/>
           </p:cNvSpPr>
@@ -1258,36 +1281,36 @@
           <a:p>
             <a:pPr lvl="0" eaLnBrk="1" latinLnBrk="0" hangingPunct="1"/>
             <a:r>
-              <a:rPr lang="en-US" altLang="zh-CN" smtClean="0"/>
-              <a:t>Click to edit Master text styles</a:t>
+              <a:rPr lang="zh-CN" altLang="en-US" smtClean="0"/>
+              <a:t>单击此处编辑母版文本样式</a:t>
             </a:r>
           </a:p>
           <a:p>
             <a:pPr lvl="1" eaLnBrk="1" latinLnBrk="0" hangingPunct="1"/>
             <a:r>
-              <a:rPr lang="en-US" altLang="zh-CN" smtClean="0"/>
-              <a:t>Second level</a:t>
+              <a:rPr lang="zh-CN" altLang="en-US" smtClean="0"/>
+              <a:t>第二级</a:t>
             </a:r>
           </a:p>
           <a:p>
             <a:pPr lvl="2" eaLnBrk="1" latinLnBrk="0" hangingPunct="1"/>
             <a:r>
-              <a:rPr lang="en-US" altLang="zh-CN" smtClean="0"/>
-              <a:t>Third level</a:t>
+              <a:rPr lang="zh-CN" altLang="en-US" smtClean="0"/>
+              <a:t>第三级</a:t>
             </a:r>
           </a:p>
           <a:p>
             <a:pPr lvl="3" eaLnBrk="1" latinLnBrk="0" hangingPunct="1"/>
             <a:r>
-              <a:rPr lang="en-US" altLang="zh-CN" smtClean="0"/>
-              <a:t>Fourth level</a:t>
+              <a:rPr lang="zh-CN" altLang="en-US" smtClean="0"/>
+              <a:t>第四级</a:t>
             </a:r>
           </a:p>
           <a:p>
             <a:pPr lvl="4" eaLnBrk="1" latinLnBrk="0" hangingPunct="1"/>
             <a:r>
-              <a:rPr lang="en-US" altLang="zh-CN" smtClean="0"/>
-              <a:t>Fifth level</a:t>
+              <a:rPr lang="zh-CN" altLang="en-US" smtClean="0"/>
+              <a:t>第五级</a:t>
             </a:r>
             <a:endParaRPr kumimoji="0" lang="en-US"/>
           </a:p>
@@ -1295,7 +1318,7 @@
       </p:sp>
       <p:sp>
         <p:nvSpPr>
-          <p:cNvPr id="4" name="Date Placeholder 3"/>
+          <p:cNvPr id="4" name="日期占位符 3"/>
           <p:cNvSpPr>
             <a:spLocks noGrp="1"/>
           </p:cNvSpPr>
@@ -1308,8 +1331,9 @@
           <a:bodyPr/>
           <a:lstStyle/>
           <a:p>
-            <a:fld id="{21B82BDE-E66E-46F8-9C63-56AEDFDE41D8}" type="datetime1">
+            <a:fld id="{87CDCCA8-F73E-4543-A7AD-D926A584FD1B}" type="datetime1">
               <a:rPr lang="zh-CN" altLang="en-US" smtClean="0"/>
+              <a:pPr/>
               <a:t>2008-5-25</a:t>
             </a:fld>
             <a:endParaRPr lang="zh-CN" altLang="en-US"/>
@@ -1318,7 +1342,7 @@
       </p:sp>
       <p:sp>
         <p:nvSpPr>
-          <p:cNvPr id="5" name="Footer Placeholder 4"/>
+          <p:cNvPr id="5" name="页脚占位符 4"/>
           <p:cNvSpPr>
             <a:spLocks noGrp="1"/>
           </p:cNvSpPr>
@@ -1337,7 +1361,7 @@
       </p:sp>
       <p:sp>
         <p:nvSpPr>
-          <p:cNvPr id="6" name="Slide Number Placeholder 5"/>
+          <p:cNvPr id="6" name="灯片编号占位符 5"/>
           <p:cNvSpPr>
             <a:spLocks noGrp="1"/>
           </p:cNvSpPr>
@@ -1364,12 +1388,13 @@
   <p:clrMapOvr>
     <a:masterClrMapping/>
   </p:clrMapOvr>
+  <p:hf hdr="0" ftr="0" dt="0"/>
 </p:sldLayout>
 </file>
 
 <file path=ppt/slideLayouts/slideLayout11.xml><?xml version="1.0" encoding="utf-8"?>
 <p:sldLayout xmlns:a="http://schemas.openxmlformats.org/drawingml/2006/main" xmlns:r="http://schemas.openxmlformats.org/officeDocument/2006/relationships" xmlns:p="http://schemas.openxmlformats.org/presentationml/2006/main" type="vertTitleAndTx" preserve="1">
-  <p:cSld name="Vertical Title and Text">
+  <p:cSld name="垂直排列标题与文本">
     <p:spTree>
       <p:nvGrpSpPr>
         <p:cNvPr id="1" name=""/>
@@ -1386,7 +1411,7 @@
       </p:grpSpPr>
       <p:sp>
         <p:nvSpPr>
-          <p:cNvPr id="2" name="Vertical Title 1"/>
+          <p:cNvPr id="2" name="竖排标题 1"/>
           <p:cNvSpPr>
             <a:spLocks noGrp="1"/>
           </p:cNvSpPr>
@@ -1405,8 +1430,8 @@
           <a:lstStyle/>
           <a:p>
             <a:r>
-              <a:rPr kumimoji="0" lang="en-US" altLang="zh-CN" smtClean="0"/>
-              <a:t>Click to edit Master title style</a:t>
+              <a:rPr kumimoji="0" lang="zh-CN" altLang="en-US" smtClean="0"/>
+              <a:t>单击此处编辑母版标题样式</a:t>
             </a:r>
             <a:endParaRPr kumimoji="0" lang="en-US"/>
           </a:p>
@@ -1414,7 +1439,7 @@
       </p:sp>
       <p:sp>
         <p:nvSpPr>
-          <p:cNvPr id="3" name="Vertical Text Placeholder 2"/>
+          <p:cNvPr id="3" name="竖排文字占位符 2"/>
           <p:cNvSpPr>
             <a:spLocks noGrp="1"/>
           </p:cNvSpPr>
@@ -1434,36 +1459,36 @@
           <a:p>
             <a:pPr lvl="0" eaLnBrk="1" latinLnBrk="0" hangingPunct="1"/>
             <a:r>
-              <a:rPr lang="en-US" altLang="zh-CN" smtClean="0"/>
-              <a:t>Click to edit Master text styles</a:t>
+              <a:rPr lang="zh-CN" altLang="en-US" smtClean="0"/>
+              <a:t>单击此处编辑母版文本样式</a:t>
             </a:r>
           </a:p>
           <a:p>
             <a:pPr lvl="1" eaLnBrk="1" latinLnBrk="0" hangingPunct="1"/>
             <a:r>
-              <a:rPr lang="en-US" altLang="zh-CN" smtClean="0"/>
-              <a:t>Second level</a:t>
+              <a:rPr lang="zh-CN" altLang="en-US" smtClean="0"/>
+              <a:t>第二级</a:t>
             </a:r>
           </a:p>
           <a:p>
             <a:pPr lvl="2" eaLnBrk="1" latinLnBrk="0" hangingPunct="1"/>
             <a:r>
-              <a:rPr lang="en-US" altLang="zh-CN" smtClean="0"/>
-              <a:t>Third level</a:t>
+              <a:rPr lang="zh-CN" altLang="en-US" smtClean="0"/>
+              <a:t>第三级</a:t>
             </a:r>
           </a:p>
           <a:p>
             <a:pPr lvl="3" eaLnBrk="1" latinLnBrk="0" hangingPunct="1"/>
             <a:r>
-              <a:rPr lang="en-US" altLang="zh-CN" smtClean="0"/>
-              <a:t>Fourth level</a:t>
+              <a:rPr lang="zh-CN" altLang="en-US" smtClean="0"/>
+              <a:t>第四级</a:t>
             </a:r>
           </a:p>
           <a:p>
             <a:pPr lvl="4" eaLnBrk="1" latinLnBrk="0" hangingPunct="1"/>
             <a:r>
-              <a:rPr lang="en-US" altLang="zh-CN" smtClean="0"/>
-              <a:t>Fifth level</a:t>
+              <a:rPr lang="zh-CN" altLang="en-US" smtClean="0"/>
+              <a:t>第五级</a:t>
             </a:r>
             <a:endParaRPr kumimoji="0" lang="en-US"/>
           </a:p>
@@ -1471,7 +1496,7 @@
       </p:sp>
       <p:sp>
         <p:nvSpPr>
-          <p:cNvPr id="4" name="Date Placeholder 3"/>
+          <p:cNvPr id="4" name="日期占位符 3"/>
           <p:cNvSpPr>
             <a:spLocks noGrp="1"/>
           </p:cNvSpPr>
@@ -1484,8 +1509,9 @@
           <a:bodyPr/>
           <a:lstStyle/>
           <a:p>
-            <a:fld id="{E58FF00C-8B31-42FD-8B16-A61A941EDF58}" type="datetime1">
+            <a:fld id="{87CDCCA8-F73E-4543-A7AD-D926A584FD1B}" type="datetime1">
               <a:rPr lang="zh-CN" altLang="en-US" smtClean="0"/>
+              <a:pPr/>
               <a:t>2008-5-25</a:t>
             </a:fld>
             <a:endParaRPr lang="zh-CN" altLang="en-US"/>
@@ -1494,7 +1520,7 @@
       </p:sp>
       <p:sp>
         <p:nvSpPr>
-          <p:cNvPr id="5" name="Footer Placeholder 4"/>
+          <p:cNvPr id="5" name="页脚占位符 4"/>
           <p:cNvSpPr>
             <a:spLocks noGrp="1"/>
           </p:cNvSpPr>
@@ -1513,7 +1539,7 @@
       </p:sp>
       <p:sp>
         <p:nvSpPr>
-          <p:cNvPr id="6" name="Slide Number Placeholder 5"/>
+          <p:cNvPr id="6" name="灯片编号占位符 5"/>
           <p:cNvSpPr>
             <a:spLocks noGrp="1"/>
           </p:cNvSpPr>
@@ -1540,12 +1566,13 @@
   <p:clrMapOvr>
     <a:masterClrMapping/>
   </p:clrMapOvr>
+  <p:hf hdr="0" ftr="0" dt="0"/>
 </p:sldLayout>
 </file>
 
 <file path=ppt/slideLayouts/slideLayout2.xml><?xml version="1.0" encoding="utf-8"?>
 <p:sldLayout xmlns:a="http://schemas.openxmlformats.org/drawingml/2006/main" xmlns:r="http://schemas.openxmlformats.org/officeDocument/2006/relationships" xmlns:p="http://schemas.openxmlformats.org/presentationml/2006/main" type="obj" preserve="1">
-  <p:cSld name="Title and Content">
+  <p:cSld name="标题和内容">
     <p:spTree>
       <p:nvGrpSpPr>
         <p:cNvPr id="1" name=""/>
@@ -1562,7 +1589,7 @@
       </p:grpSpPr>
       <p:sp>
         <p:nvSpPr>
-          <p:cNvPr id="2" name="Title 1"/>
+          <p:cNvPr id="2" name="标题 1"/>
           <p:cNvSpPr>
             <a:spLocks noGrp="1"/>
           </p:cNvSpPr>
@@ -1576,8 +1603,8 @@
           <a:lstStyle/>
           <a:p>
             <a:r>
-              <a:rPr kumimoji="0" lang="en-US" altLang="zh-CN" smtClean="0"/>
-              <a:t>Click to edit Master title style</a:t>
+              <a:rPr kumimoji="0" lang="zh-CN" altLang="en-US" smtClean="0"/>
+              <a:t>单击此处编辑母版标题样式</a:t>
             </a:r>
             <a:endParaRPr kumimoji="0" lang="en-US"/>
           </a:p>
@@ -1585,7 +1612,7 @@
       </p:sp>
       <p:sp>
         <p:nvSpPr>
-          <p:cNvPr id="3" name="Content Placeholder 2"/>
+          <p:cNvPr id="3" name="内容占位符 2"/>
           <p:cNvSpPr>
             <a:spLocks noGrp="1"/>
           </p:cNvSpPr>
@@ -1600,36 +1627,36 @@
           <a:p>
             <a:pPr lvl="0" eaLnBrk="1" latinLnBrk="0" hangingPunct="1"/>
             <a:r>
-              <a:rPr lang="en-US" altLang="zh-CN" smtClean="0"/>
-              <a:t>Click to edit Master text styles</a:t>
+              <a:rPr lang="zh-CN" altLang="en-US" smtClean="0"/>
+              <a:t>单击此处编辑母版文本样式</a:t>
             </a:r>
           </a:p>
           <a:p>
             <a:pPr lvl="1" eaLnBrk="1" latinLnBrk="0" hangingPunct="1"/>
             <a:r>
-              <a:rPr lang="en-US" altLang="zh-CN" smtClean="0"/>
-              <a:t>Second level</a:t>
+              <a:rPr lang="zh-CN" altLang="en-US" smtClean="0"/>
+              <a:t>第二级</a:t>
             </a:r>
           </a:p>
           <a:p>
             <a:pPr lvl="2" eaLnBrk="1" latinLnBrk="0" hangingPunct="1"/>
             <a:r>
-              <a:rPr lang="en-US" altLang="zh-CN" smtClean="0"/>
-              <a:t>Third level</a:t>
+              <a:rPr lang="zh-CN" altLang="en-US" smtClean="0"/>
+              <a:t>第三级</a:t>
             </a:r>
           </a:p>
           <a:p>
             <a:pPr lvl="3" eaLnBrk="1" latinLnBrk="0" hangingPunct="1"/>
             <a:r>
-              <a:rPr lang="en-US" altLang="zh-CN" smtClean="0"/>
-              <a:t>Fourth level</a:t>
+              <a:rPr lang="zh-CN" altLang="en-US" smtClean="0"/>
+              <a:t>第四级</a:t>
             </a:r>
           </a:p>
           <a:p>
             <a:pPr lvl="4" eaLnBrk="1" latinLnBrk="0" hangingPunct="1"/>
             <a:r>
-              <a:rPr lang="en-US" altLang="zh-CN" smtClean="0"/>
-              <a:t>Fifth level</a:t>
+              <a:rPr lang="zh-CN" altLang="en-US" smtClean="0"/>
+              <a:t>第五级</a:t>
             </a:r>
             <a:endParaRPr kumimoji="0" lang="en-US"/>
           </a:p>
@@ -1637,7 +1664,7 @@
       </p:sp>
       <p:sp>
         <p:nvSpPr>
-          <p:cNvPr id="4" name="Date Placeholder 3"/>
+          <p:cNvPr id="4" name="日期占位符 3"/>
           <p:cNvSpPr>
             <a:spLocks noGrp="1"/>
           </p:cNvSpPr>
@@ -1650,8 +1677,9 @@
           <a:bodyPr/>
           <a:lstStyle/>
           <a:p>
-            <a:fld id="{FC93DC70-35E1-4BA3-9122-785A3CCA6B11}" type="datetime1">
+            <a:fld id="{87CDCCA8-F73E-4543-A7AD-D926A584FD1B}" type="datetime1">
               <a:rPr lang="zh-CN" altLang="en-US" smtClean="0"/>
+              <a:pPr/>
               <a:t>2008-5-25</a:t>
             </a:fld>
             <a:endParaRPr lang="zh-CN" altLang="en-US"/>
@@ -1660,7 +1688,7 @@
       </p:sp>
       <p:sp>
         <p:nvSpPr>
-          <p:cNvPr id="5" name="Footer Placeholder 4"/>
+          <p:cNvPr id="5" name="页脚占位符 4"/>
           <p:cNvSpPr>
             <a:spLocks noGrp="1"/>
           </p:cNvSpPr>
@@ -1679,7 +1707,7 @@
       </p:sp>
       <p:sp>
         <p:nvSpPr>
-          <p:cNvPr id="6" name="Slide Number Placeholder 5"/>
+          <p:cNvPr id="6" name="灯片编号占位符 5"/>
           <p:cNvSpPr>
             <a:spLocks noGrp="1"/>
           </p:cNvSpPr>
@@ -1706,12 +1734,13 @@
   <p:clrMapOvr>
     <a:masterClrMapping/>
   </p:clrMapOvr>
+  <p:hf hdr="0" ftr="0" dt="0"/>
 </p:sldLayout>
 </file>
 
 <file path=ppt/slideLayouts/slideLayout3.xml><?xml version="1.0" encoding="utf-8"?>
 <p:sldLayout xmlns:a="http://schemas.openxmlformats.org/drawingml/2006/main" xmlns:r="http://schemas.openxmlformats.org/officeDocument/2006/relationships" xmlns:p="http://schemas.openxmlformats.org/presentationml/2006/main" type="secHead" preserve="1">
-  <p:cSld name="Section Header">
+  <p:cSld name="节标题">
     <p:spTree>
       <p:nvGrpSpPr>
         <p:cNvPr id="1" name=""/>
@@ -1728,7 +1757,7 @@
       </p:grpSpPr>
       <p:sp>
         <p:nvSpPr>
-          <p:cNvPr id="2" name="Title 1"/>
+          <p:cNvPr id="2" name="标题 1"/>
           <p:cNvSpPr>
             <a:spLocks noGrp="1"/>
           </p:cNvSpPr>
@@ -1773,8 +1802,8 @@
           </a:lstStyle>
           <a:p>
             <a:r>
-              <a:rPr kumimoji="0" lang="en-US" altLang="zh-CN" smtClean="0"/>
-              <a:t>Click to edit Master title style</a:t>
+              <a:rPr kumimoji="0" lang="zh-CN" altLang="en-US" smtClean="0"/>
+              <a:t>单击此处编辑母版标题样式</a:t>
             </a:r>
             <a:endParaRPr kumimoji="0" lang="en-US"/>
           </a:p>
@@ -1782,7 +1811,7 @@
       </p:sp>
       <p:sp>
         <p:nvSpPr>
-          <p:cNvPr id="3" name="Text Placeholder 2"/>
+          <p:cNvPr id="3" name="文本占位符 2"/>
           <p:cNvSpPr>
             <a:spLocks noGrp="1"/>
           </p:cNvSpPr>
@@ -1851,15 +1880,15 @@
           <a:p>
             <a:pPr lvl="0" eaLnBrk="1" latinLnBrk="0" hangingPunct="1"/>
             <a:r>
-              <a:rPr kumimoji="0" lang="en-US" altLang="zh-CN" smtClean="0"/>
-              <a:t>Click to edit Master text styles</a:t>
-            </a:r>
-          </a:p>
-        </p:txBody>
-      </p:sp>
-      <p:sp>
-        <p:nvSpPr>
-          <p:cNvPr id="4" name="Date Placeholder 3"/>
+              <a:rPr kumimoji="0" lang="zh-CN" altLang="en-US" smtClean="0"/>
+              <a:t>单击此处编辑母版文本样式</a:t>
+            </a:r>
+          </a:p>
+        </p:txBody>
+      </p:sp>
+      <p:sp>
+        <p:nvSpPr>
+          <p:cNvPr id="4" name="日期占位符 3"/>
           <p:cNvSpPr>
             <a:spLocks noGrp="1"/>
           </p:cNvSpPr>
@@ -1872,8 +1901,9 @@
           <a:bodyPr/>
           <a:lstStyle/>
           <a:p>
-            <a:fld id="{629A6A5D-FC2D-4B7F-A0C0-C44B2276570A}" type="datetime1">
+            <a:fld id="{87CDCCA8-F73E-4543-A7AD-D926A584FD1B}" type="datetime1">
               <a:rPr lang="zh-CN" altLang="en-US" smtClean="0"/>
+              <a:pPr/>
               <a:t>2008-5-25</a:t>
             </a:fld>
             <a:endParaRPr lang="zh-CN" altLang="en-US"/>
@@ -1882,7 +1912,7 @@
       </p:sp>
       <p:sp>
         <p:nvSpPr>
-          <p:cNvPr id="5" name="Footer Placeholder 4"/>
+          <p:cNvPr id="5" name="页脚占位符 4"/>
           <p:cNvSpPr>
             <a:spLocks noGrp="1"/>
           </p:cNvSpPr>
@@ -1901,7 +1931,7 @@
       </p:sp>
       <p:sp>
         <p:nvSpPr>
-          <p:cNvPr id="6" name="Slide Number Placeholder 5"/>
+          <p:cNvPr id="6" name="灯片编号占位符 5"/>
           <p:cNvSpPr>
             <a:spLocks noGrp="1"/>
           </p:cNvSpPr>
@@ -1928,12 +1958,13 @@
   <p:clrMapOvr>
     <a:masterClrMapping/>
   </p:clrMapOvr>
+  <p:hf hdr="0" ftr="0" dt="0"/>
 </p:sldLayout>
 </file>
 
 <file path=ppt/slideLayouts/slideLayout4.xml><?xml version="1.0" encoding="utf-8"?>
 <p:sldLayout xmlns:a="http://schemas.openxmlformats.org/drawingml/2006/main" xmlns:r="http://schemas.openxmlformats.org/officeDocument/2006/relationships" xmlns:p="http://schemas.openxmlformats.org/presentationml/2006/main" type="twoObj" preserve="1">
-  <p:cSld name="Two Content">
+  <p:cSld name="两栏内容">
     <p:spTree>
       <p:nvGrpSpPr>
         <p:cNvPr id="1" name=""/>
@@ -1950,7 +1981,7 @@
       </p:grpSpPr>
       <p:sp>
         <p:nvSpPr>
-          <p:cNvPr id="2" name="Title 1"/>
+          <p:cNvPr id="2" name="标题 1"/>
           <p:cNvSpPr>
             <a:spLocks noGrp="1"/>
           </p:cNvSpPr>
@@ -1964,8 +1995,8 @@
           <a:lstStyle/>
           <a:p>
             <a:r>
-              <a:rPr kumimoji="0" lang="en-US" altLang="zh-CN" smtClean="0"/>
-              <a:t>Click to edit Master title style</a:t>
+              <a:rPr kumimoji="0" lang="zh-CN" altLang="en-US" smtClean="0"/>
+              <a:t>单击此处编辑母版标题样式</a:t>
             </a:r>
             <a:endParaRPr kumimoji="0" lang="en-US"/>
           </a:p>
@@ -1973,7 +2004,7 @@
       </p:sp>
       <p:sp>
         <p:nvSpPr>
-          <p:cNvPr id="3" name="Content Placeholder 2"/>
+          <p:cNvPr id="3" name="内容占位符 2"/>
           <p:cNvSpPr>
             <a:spLocks noGrp="1"/>
           </p:cNvSpPr>
@@ -2009,36 +2040,36 @@
           <a:p>
             <a:pPr lvl="0" eaLnBrk="1" latinLnBrk="0" hangingPunct="1"/>
             <a:r>
-              <a:rPr lang="en-US" altLang="zh-CN" smtClean="0"/>
-              <a:t>Click to edit Master text styles</a:t>
+              <a:rPr lang="zh-CN" altLang="en-US" smtClean="0"/>
+              <a:t>单击此处编辑母版文本样式</a:t>
             </a:r>
           </a:p>
           <a:p>
             <a:pPr lvl="1" eaLnBrk="1" latinLnBrk="0" hangingPunct="1"/>
             <a:r>
-              <a:rPr lang="en-US" altLang="zh-CN" smtClean="0"/>
-              <a:t>Second level</a:t>
+              <a:rPr lang="zh-CN" altLang="en-US" smtClean="0"/>
+              <a:t>第二级</a:t>
             </a:r>
           </a:p>
           <a:p>
             <a:pPr lvl="2" eaLnBrk="1" latinLnBrk="0" hangingPunct="1"/>
             <a:r>
-              <a:rPr lang="en-US" altLang="zh-CN" smtClean="0"/>
-              <a:t>Third level</a:t>
+              <a:rPr lang="zh-CN" altLang="en-US" smtClean="0"/>
+              <a:t>第三级</a:t>
             </a:r>
           </a:p>
           <a:p>
             <a:pPr lvl="3" eaLnBrk="1" latinLnBrk="0" hangingPunct="1"/>
             <a:r>
-              <a:rPr lang="en-US" altLang="zh-CN" smtClean="0"/>
-              <a:t>Fourth level</a:t>
+              <a:rPr lang="zh-CN" altLang="en-US" smtClean="0"/>
+              <a:t>第四级</a:t>
             </a:r>
           </a:p>
           <a:p>
             <a:pPr lvl="4" eaLnBrk="1" latinLnBrk="0" hangingPunct="1"/>
             <a:r>
-              <a:rPr lang="en-US" altLang="zh-CN" smtClean="0"/>
-              <a:t>Fifth level</a:t>
+              <a:rPr lang="zh-CN" altLang="en-US" smtClean="0"/>
+              <a:t>第五级</a:t>
             </a:r>
             <a:endParaRPr kumimoji="0" lang="en-US"/>
           </a:p>
@@ -2046,7 +2077,7 @@
       </p:sp>
       <p:sp>
         <p:nvSpPr>
-          <p:cNvPr id="4" name="Content Placeholder 3"/>
+          <p:cNvPr id="4" name="内容占位符 3"/>
           <p:cNvSpPr>
             <a:spLocks noGrp="1"/>
           </p:cNvSpPr>
@@ -2082,36 +2113,36 @@
           <a:p>
             <a:pPr lvl="0" eaLnBrk="1" latinLnBrk="0" hangingPunct="1"/>
             <a:r>
-              <a:rPr lang="en-US" altLang="zh-CN" smtClean="0"/>
-              <a:t>Click to edit Master text styles</a:t>
+              <a:rPr lang="zh-CN" altLang="en-US" smtClean="0"/>
+              <a:t>单击此处编辑母版文本样式</a:t>
             </a:r>
           </a:p>
           <a:p>
             <a:pPr lvl="1" eaLnBrk="1" latinLnBrk="0" hangingPunct="1"/>
             <a:r>
-              <a:rPr lang="en-US" altLang="zh-CN" smtClean="0"/>
-              <a:t>Second level</a:t>
+              <a:rPr lang="zh-CN" altLang="en-US" smtClean="0"/>
+              <a:t>第二级</a:t>
             </a:r>
           </a:p>
           <a:p>
             <a:pPr lvl="2" eaLnBrk="1" latinLnBrk="0" hangingPunct="1"/>
             <a:r>
-              <a:rPr lang="en-US" altLang="zh-CN" smtClean="0"/>
-              <a:t>Third level</a:t>
+              <a:rPr lang="zh-CN" altLang="en-US" smtClean="0"/>
+              <a:t>第三级</a:t>
             </a:r>
           </a:p>
           <a:p>
             <a:pPr lvl="3" eaLnBrk="1" latinLnBrk="0" hangingPunct="1"/>
             <a:r>
-              <a:rPr lang="en-US" altLang="zh-CN" smtClean="0"/>
-              <a:t>Fourth level</a:t>
+              <a:rPr lang="zh-CN" altLang="en-US" smtClean="0"/>
+              <a:t>第四级</a:t>
             </a:r>
           </a:p>
           <a:p>
             <a:pPr lvl="4" eaLnBrk="1" latinLnBrk="0" hangingPunct="1"/>
             <a:r>
-              <a:rPr lang="en-US" altLang="zh-CN" smtClean="0"/>
-              <a:t>Fifth level</a:t>
+              <a:rPr lang="zh-CN" altLang="en-US" smtClean="0"/>
+              <a:t>第五级</a:t>
             </a:r>
             <a:endParaRPr kumimoji="0" lang="en-US"/>
           </a:p>
@@ -2119,7 +2150,7 @@
       </p:sp>
       <p:sp>
         <p:nvSpPr>
-          <p:cNvPr id="5" name="Date Placeholder 4"/>
+          <p:cNvPr id="5" name="日期占位符 4"/>
           <p:cNvSpPr>
             <a:spLocks noGrp="1"/>
           </p:cNvSpPr>
@@ -2132,8 +2163,9 @@
           <a:bodyPr/>
           <a:lstStyle/>
           <a:p>
-            <a:fld id="{946BE49D-254B-4290-A16D-06D962C2E00F}" type="datetime1">
+            <a:fld id="{87CDCCA8-F73E-4543-A7AD-D926A584FD1B}" type="datetime1">
               <a:rPr lang="zh-CN" altLang="en-US" smtClean="0"/>
+              <a:pPr/>
               <a:t>2008-5-25</a:t>
             </a:fld>
             <a:endParaRPr lang="zh-CN" altLang="en-US"/>
@@ -2142,7 +2174,7 @@
       </p:sp>
       <p:sp>
         <p:nvSpPr>
-          <p:cNvPr id="6" name="Footer Placeholder 5"/>
+          <p:cNvPr id="6" name="页脚占位符 5"/>
           <p:cNvSpPr>
             <a:spLocks noGrp="1"/>
           </p:cNvSpPr>
@@ -2161,7 +2193,7 @@
       </p:sp>
       <p:sp>
         <p:nvSpPr>
-          <p:cNvPr id="7" name="Slide Number Placeholder 6"/>
+          <p:cNvPr id="7" name="灯片编号占位符 6"/>
           <p:cNvSpPr>
             <a:spLocks noGrp="1"/>
           </p:cNvSpPr>
@@ -2188,12 +2220,13 @@
   <p:clrMapOvr>
     <a:masterClrMapping/>
   </p:clrMapOvr>
+  <p:hf hdr="0" ftr="0" dt="0"/>
 </p:sldLayout>
 </file>
 
 <file path=ppt/slideLayouts/slideLayout5.xml><?xml version="1.0" encoding="utf-8"?>
 <p:sldLayout xmlns:a="http://schemas.openxmlformats.org/drawingml/2006/main" xmlns:r="http://schemas.openxmlformats.org/officeDocument/2006/relationships" xmlns:p="http://schemas.openxmlformats.org/presentationml/2006/main" type="twoTxTwoObj" preserve="1">
-  <p:cSld name="Comparison">
+  <p:cSld name="比较">
     <p:spTree>
       <p:nvGrpSpPr>
         <p:cNvPr id="1" name=""/>
@@ -2210,7 +2243,7 @@
       </p:grpSpPr>
       <p:sp>
         <p:nvSpPr>
-          <p:cNvPr id="2" name="Title 1"/>
+          <p:cNvPr id="2" name="标题 1"/>
           <p:cNvSpPr>
             <a:spLocks noGrp="1"/>
           </p:cNvSpPr>
@@ -2233,8 +2266,8 @@
           </a:lstStyle>
           <a:p>
             <a:r>
-              <a:rPr kumimoji="0" lang="en-US" altLang="zh-CN" smtClean="0"/>
-              <a:t>Click to edit Master title style</a:t>
+              <a:rPr kumimoji="0" lang="zh-CN" altLang="en-US" smtClean="0"/>
+              <a:t>单击此处编辑母版标题样式</a:t>
             </a:r>
             <a:endParaRPr kumimoji="0" lang="en-US"/>
           </a:p>
@@ -2242,7 +2275,7 @@
       </p:sp>
       <p:sp>
         <p:nvSpPr>
-          <p:cNvPr id="3" name="Text Placeholder 2"/>
+          <p:cNvPr id="3" name="文本占位符 2"/>
           <p:cNvSpPr>
             <a:spLocks noGrp="1"/>
           </p:cNvSpPr>
@@ -2302,15 +2335,15 @@
           <a:p>
             <a:pPr lvl="0" eaLnBrk="1" latinLnBrk="0" hangingPunct="1"/>
             <a:r>
-              <a:rPr kumimoji="0" lang="en-US" altLang="zh-CN" smtClean="0"/>
-              <a:t>Click to edit Master text styles</a:t>
-            </a:r>
-          </a:p>
-        </p:txBody>
-      </p:sp>
-      <p:sp>
-        <p:nvSpPr>
-          <p:cNvPr id="4" name="Text Placeholder 3"/>
+              <a:rPr kumimoji="0" lang="zh-CN" altLang="en-US" smtClean="0"/>
+              <a:t>单击此处编辑母版文本样式</a:t>
+            </a:r>
+          </a:p>
+        </p:txBody>
+      </p:sp>
+      <p:sp>
+        <p:nvSpPr>
+          <p:cNvPr id="4" name="文本占位符 3"/>
           <p:cNvSpPr>
             <a:spLocks noGrp="1"/>
           </p:cNvSpPr>
@@ -2370,15 +2403,15 @@
           <a:p>
             <a:pPr lvl="0" eaLnBrk="1" latinLnBrk="0" hangingPunct="1"/>
             <a:r>
-              <a:rPr kumimoji="0" lang="en-US" altLang="zh-CN" smtClean="0"/>
-              <a:t>Click to edit Master text styles</a:t>
-            </a:r>
-          </a:p>
-        </p:txBody>
-      </p:sp>
-      <p:sp>
-        <p:nvSpPr>
-          <p:cNvPr id="5" name="Content Placeholder 4"/>
+              <a:rPr kumimoji="0" lang="zh-CN" altLang="en-US" smtClean="0"/>
+              <a:t>单击此处编辑母版文本样式</a:t>
+            </a:r>
+          </a:p>
+        </p:txBody>
+      </p:sp>
+      <p:sp>
+        <p:nvSpPr>
+          <p:cNvPr id="5" name="内容占位符 4"/>
           <p:cNvSpPr>
             <a:spLocks noGrp="1"/>
           </p:cNvSpPr>
@@ -2414,36 +2447,36 @@
           <a:p>
             <a:pPr lvl="0" eaLnBrk="1" latinLnBrk="0" hangingPunct="1"/>
             <a:r>
-              <a:rPr lang="en-US" altLang="zh-CN" smtClean="0"/>
-              <a:t>Click to edit Master text styles</a:t>
+              <a:rPr lang="zh-CN" altLang="en-US" smtClean="0"/>
+              <a:t>单击此处编辑母版文本样式</a:t>
             </a:r>
           </a:p>
           <a:p>
             <a:pPr lvl="1" eaLnBrk="1" latinLnBrk="0" hangingPunct="1"/>
             <a:r>
-              <a:rPr lang="en-US" altLang="zh-CN" smtClean="0"/>
-              <a:t>Second level</a:t>
+              <a:rPr lang="zh-CN" altLang="en-US" smtClean="0"/>
+              <a:t>第二级</a:t>
             </a:r>
           </a:p>
           <a:p>
             <a:pPr lvl="2" eaLnBrk="1" latinLnBrk="0" hangingPunct="1"/>
             <a:r>
-              <a:rPr lang="en-US" altLang="zh-CN" smtClean="0"/>
-              <a:t>Third level</a:t>
+              <a:rPr lang="zh-CN" altLang="en-US" smtClean="0"/>
+              <a:t>第三级</a:t>
             </a:r>
           </a:p>
           <a:p>
             <a:pPr lvl="3" eaLnBrk="1" latinLnBrk="0" hangingPunct="1"/>
             <a:r>
-              <a:rPr lang="en-US" altLang="zh-CN" smtClean="0"/>
-              <a:t>Fourth level</a:t>
+              <a:rPr lang="zh-CN" altLang="en-US" smtClean="0"/>
+              <a:t>第四级</a:t>
             </a:r>
           </a:p>
           <a:p>
             <a:pPr lvl="4" eaLnBrk="1" latinLnBrk="0" hangingPunct="1"/>
             <a:r>
-              <a:rPr lang="en-US" altLang="zh-CN" smtClean="0"/>
-              <a:t>Fifth level</a:t>
+              <a:rPr lang="zh-CN" altLang="en-US" smtClean="0"/>
+              <a:t>第五级</a:t>
             </a:r>
             <a:endParaRPr kumimoji="0" lang="en-US"/>
           </a:p>
@@ -2451,7 +2484,7 @@
       </p:sp>
       <p:sp>
         <p:nvSpPr>
-          <p:cNvPr id="6" name="Content Placeholder 5"/>
+          <p:cNvPr id="6" name="内容占位符 5"/>
           <p:cNvSpPr>
             <a:spLocks noGrp="1"/>
           </p:cNvSpPr>
@@ -2487,36 +2520,36 @@
           <a:p>
             <a:pPr lvl="0" eaLnBrk="1" latinLnBrk="0" hangingPunct="1"/>
             <a:r>
-              <a:rPr lang="en-US" altLang="zh-CN" smtClean="0"/>
-              <a:t>Click to edit Master text styles</a:t>
+              <a:rPr lang="zh-CN" altLang="en-US" smtClean="0"/>
+              <a:t>单击此处编辑母版文本样式</a:t>
             </a:r>
           </a:p>
           <a:p>
             <a:pPr lvl="1" eaLnBrk="1" latinLnBrk="0" hangingPunct="1"/>
             <a:r>
-              <a:rPr lang="en-US" altLang="zh-CN" smtClean="0"/>
-              <a:t>Second level</a:t>
+              <a:rPr lang="zh-CN" altLang="en-US" smtClean="0"/>
+              <a:t>第二级</a:t>
             </a:r>
           </a:p>
           <a:p>
             <a:pPr lvl="2" eaLnBrk="1" latinLnBrk="0" hangingPunct="1"/>
             <a:r>
-              <a:rPr lang="en-US" altLang="zh-CN" smtClean="0"/>
-              <a:t>Third level</a:t>
+              <a:rPr lang="zh-CN" altLang="en-US" smtClean="0"/>
+              <a:t>第三级</a:t>
             </a:r>
           </a:p>
           <a:p>
             <a:pPr lvl="3" eaLnBrk="1" latinLnBrk="0" hangingPunct="1"/>
             <a:r>
-              <a:rPr lang="en-US" altLang="zh-CN" smtClean="0"/>
-              <a:t>Fourth level</a:t>
+              <a:rPr lang="zh-CN" altLang="en-US" smtClean="0"/>
+              <a:t>第四级</a:t>
             </a:r>
           </a:p>
           <a:p>
             <a:pPr lvl="4" eaLnBrk="1" latinLnBrk="0" hangingPunct="1"/>
             <a:r>
-              <a:rPr lang="en-US" altLang="zh-CN" smtClean="0"/>
-              <a:t>Fifth level</a:t>
+              <a:rPr lang="zh-CN" altLang="en-US" smtClean="0"/>
+              <a:t>第五级</a:t>
             </a:r>
             <a:endParaRPr kumimoji="0" lang="en-US"/>
           </a:p>
@@ -2524,7 +2557,7 @@
       </p:sp>
       <p:sp>
         <p:nvSpPr>
-          <p:cNvPr id="26" name="Date Placeholder 25"/>
+          <p:cNvPr id="26" name="日期占位符 25"/>
           <p:cNvSpPr>
             <a:spLocks noGrp="1"/>
           </p:cNvSpPr>
@@ -2537,8 +2570,9 @@
           <a:bodyPr rtlCol="0"/>
           <a:lstStyle/>
           <a:p>
-            <a:fld id="{5D79F012-7655-4813-BDF5-5ADE0C3F1241}" type="datetime1">
+            <a:fld id="{87CDCCA8-F73E-4543-A7AD-D926A584FD1B}" type="datetime1">
               <a:rPr lang="zh-CN" altLang="en-US" smtClean="0"/>
+              <a:pPr/>
               <a:t>2008-5-25</a:t>
             </a:fld>
             <a:endParaRPr lang="zh-CN" altLang="en-US"/>
@@ -2547,7 +2581,7 @@
       </p:sp>
       <p:sp>
         <p:nvSpPr>
-          <p:cNvPr id="27" name="Slide Number Placeholder 26"/>
+          <p:cNvPr id="27" name="灯片编号占位符 26"/>
           <p:cNvSpPr>
             <a:spLocks noGrp="1"/>
           </p:cNvSpPr>
@@ -2571,7 +2605,7 @@
       </p:sp>
       <p:sp>
         <p:nvSpPr>
-          <p:cNvPr id="28" name="Footer Placeholder 27"/>
+          <p:cNvPr id="28" name="页脚占位符 27"/>
           <p:cNvSpPr>
             <a:spLocks noGrp="1"/>
           </p:cNvSpPr>
@@ -2593,12 +2627,13 @@
   <p:clrMapOvr>
     <a:masterClrMapping/>
   </p:clrMapOvr>
+  <p:hf hdr="0" ftr="0" dt="0"/>
 </p:sldLayout>
 </file>
 
 <file path=ppt/slideLayouts/slideLayout6.xml><?xml version="1.0" encoding="utf-8"?>
 <p:sldLayout xmlns:a="http://schemas.openxmlformats.org/drawingml/2006/main" xmlns:r="http://schemas.openxmlformats.org/officeDocument/2006/relationships" xmlns:p="http://schemas.openxmlformats.org/presentationml/2006/main" type="titleOnly" preserve="1">
-  <p:cSld name="Title Only">
+  <p:cSld name="仅标题">
     <p:spTree>
       <p:nvGrpSpPr>
         <p:cNvPr id="1" name=""/>
@@ -2615,7 +2650,7 @@
       </p:grpSpPr>
       <p:sp>
         <p:nvSpPr>
-          <p:cNvPr id="2" name="Title 1"/>
+          <p:cNvPr id="2" name="标题 1"/>
           <p:cNvSpPr>
             <a:spLocks noGrp="1"/>
           </p:cNvSpPr>
@@ -2642,8 +2677,8 @@
           </a:lstStyle>
           <a:p>
             <a:r>
-              <a:rPr kumimoji="0" lang="en-US" altLang="zh-CN" smtClean="0"/>
-              <a:t>Click to edit Master title style</a:t>
+              <a:rPr kumimoji="0" lang="zh-CN" altLang="en-US" smtClean="0"/>
+              <a:t>单击此处编辑母版标题样式</a:t>
             </a:r>
             <a:endParaRPr kumimoji="0" lang="en-US"/>
           </a:p>
@@ -2651,7 +2686,7 @@
       </p:sp>
       <p:sp>
         <p:nvSpPr>
-          <p:cNvPr id="3" name="Date Placeholder 2"/>
+          <p:cNvPr id="3" name="日期占位符 2"/>
           <p:cNvSpPr>
             <a:spLocks noGrp="1"/>
           </p:cNvSpPr>
@@ -2669,8 +2704,9 @@
           <a:bodyPr/>
           <a:lstStyle/>
           <a:p>
-            <a:fld id="{65EA6DDD-AB2B-47F0-8486-11444B3068BB}" type="datetime1">
+            <a:fld id="{87CDCCA8-F73E-4543-A7AD-D926A584FD1B}" type="datetime1">
               <a:rPr lang="zh-CN" altLang="en-US" smtClean="0"/>
+              <a:pPr/>
               <a:t>2008-5-25</a:t>
             </a:fld>
             <a:endParaRPr lang="zh-CN" altLang="en-US"/>
@@ -2679,7 +2715,7 @@
       </p:sp>
       <p:sp>
         <p:nvSpPr>
-          <p:cNvPr id="4" name="Footer Placeholder 3"/>
+          <p:cNvPr id="4" name="页脚占位符 3"/>
           <p:cNvSpPr>
             <a:spLocks noGrp="1"/>
           </p:cNvSpPr>
@@ -2703,7 +2739,7 @@
       </p:sp>
       <p:sp>
         <p:nvSpPr>
-          <p:cNvPr id="5" name="Slide Number Placeholder 4"/>
+          <p:cNvPr id="5" name="灯片编号占位符 4"/>
           <p:cNvSpPr>
             <a:spLocks noGrp="1"/>
           </p:cNvSpPr>
@@ -2735,12 +2771,13 @@
   <p:clrMapOvr>
     <a:masterClrMapping/>
   </p:clrMapOvr>
+  <p:hf hdr="0" ftr="0" dt="0"/>
 </p:sldLayout>
 </file>
 
 <file path=ppt/slideLayouts/slideLayout7.xml><?xml version="1.0" encoding="utf-8"?>
 <p:sldLayout xmlns:a="http://schemas.openxmlformats.org/drawingml/2006/main" xmlns:r="http://schemas.openxmlformats.org/officeDocument/2006/relationships" xmlns:p="http://schemas.openxmlformats.org/presentationml/2006/main" type="blank" preserve="1">
-  <p:cSld name="Blank">
+  <p:cSld name="空白">
     <p:spTree>
       <p:nvGrpSpPr>
         <p:cNvPr id="1" name=""/>
@@ -2757,7 +2794,7 @@
       </p:grpSpPr>
       <p:sp>
         <p:nvSpPr>
-          <p:cNvPr id="2" name="Date Placeholder 1"/>
+          <p:cNvPr id="2" name="日期占位符 1"/>
           <p:cNvSpPr>
             <a:spLocks noGrp="1"/>
           </p:cNvSpPr>
@@ -2770,8 +2807,9 @@
           <a:bodyPr/>
           <a:lstStyle/>
           <a:p>
-            <a:fld id="{2E45ABB5-571D-4D26-AD03-7F3FAA91C156}" type="datetime1">
+            <a:fld id="{87CDCCA8-F73E-4543-A7AD-D926A584FD1B}" type="datetime1">
               <a:rPr lang="zh-CN" altLang="en-US" smtClean="0"/>
+              <a:pPr/>
               <a:t>2008-5-25</a:t>
             </a:fld>
             <a:endParaRPr lang="zh-CN" altLang="en-US"/>
@@ -2780,7 +2818,7 @@
       </p:sp>
       <p:sp>
         <p:nvSpPr>
-          <p:cNvPr id="3" name="Footer Placeholder 2"/>
+          <p:cNvPr id="3" name="页脚占位符 2"/>
           <p:cNvSpPr>
             <a:spLocks noGrp="1"/>
           </p:cNvSpPr>
@@ -2799,7 +2837,7 @@
       </p:sp>
       <p:sp>
         <p:nvSpPr>
-          <p:cNvPr id="4" name="Slide Number Placeholder 3"/>
+          <p:cNvPr id="4" name="灯片编号占位符 3"/>
           <p:cNvSpPr>
             <a:spLocks noGrp="1"/>
           </p:cNvSpPr>
@@ -2826,12 +2864,13 @@
   <p:clrMapOvr>
     <a:masterClrMapping/>
   </p:clrMapOvr>
+  <p:hf hdr="0" ftr="0" dt="0"/>
 </p:sldLayout>
 </file>
 
 <file path=ppt/slideLayouts/slideLayout8.xml><?xml version="1.0" encoding="utf-8"?>
 <p:sldLayout xmlns:a="http://schemas.openxmlformats.org/drawingml/2006/main" xmlns:r="http://schemas.openxmlformats.org/officeDocument/2006/relationships" xmlns:p="http://schemas.openxmlformats.org/presentationml/2006/main" type="objTx" preserve="1">
-  <p:cSld name="Content with Caption">
+  <p:cSld name="内容与标题">
     <p:spTree>
       <p:nvGrpSpPr>
         <p:cNvPr id="1" name=""/>
@@ -2848,7 +2887,7 @@
       </p:grpSpPr>
       <p:sp>
         <p:nvSpPr>
-          <p:cNvPr id="2" name="Title 1"/>
+          <p:cNvPr id="2" name="标题 1"/>
           <p:cNvSpPr>
             <a:spLocks noGrp="1"/>
           </p:cNvSpPr>
@@ -2872,8 +2911,8 @@
           </a:lstStyle>
           <a:p>
             <a:r>
-              <a:rPr kumimoji="0" lang="en-US" altLang="zh-CN" smtClean="0"/>
-              <a:t>Click to edit Master title style</a:t>
+              <a:rPr kumimoji="0" lang="zh-CN" altLang="en-US" smtClean="0"/>
+              <a:t>单击此处编辑母版标题样式</a:t>
             </a:r>
             <a:endParaRPr kumimoji="0" lang="en-US"/>
           </a:p>
@@ -2881,7 +2920,7 @@
       </p:sp>
       <p:sp>
         <p:nvSpPr>
-          <p:cNvPr id="3" name="Text Placeholder 2"/>
+          <p:cNvPr id="3" name="文本占位符 2"/>
           <p:cNvSpPr>
             <a:spLocks noGrp="1"/>
           </p:cNvSpPr>
@@ -2922,15 +2961,15 @@
           <a:p>
             <a:pPr lvl="0" eaLnBrk="1" latinLnBrk="0" hangingPunct="1"/>
             <a:r>
-              <a:rPr kumimoji="0" lang="en-US" altLang="zh-CN" smtClean="0"/>
-              <a:t>Click to edit Master text styles</a:t>
-            </a:r>
-          </a:p>
-        </p:txBody>
-      </p:sp>
-      <p:sp>
-        <p:nvSpPr>
-          <p:cNvPr id="4" name="Content Placeholder 3"/>
+              <a:rPr kumimoji="0" lang="zh-CN" altLang="en-US" smtClean="0"/>
+              <a:t>单击此处编辑母版文本样式</a:t>
+            </a:r>
+          </a:p>
+        </p:txBody>
+      </p:sp>
+      <p:sp>
+        <p:nvSpPr>
+          <p:cNvPr id="4" name="内容占位符 3"/>
           <p:cNvSpPr>
             <a:spLocks noGrp="1"/>
           </p:cNvSpPr>
@@ -2966,36 +3005,36 @@
           <a:p>
             <a:pPr lvl="0" eaLnBrk="1" latinLnBrk="0" hangingPunct="1"/>
             <a:r>
-              <a:rPr lang="en-US" altLang="zh-CN" smtClean="0"/>
-              <a:t>Click to edit Master text styles</a:t>
+              <a:rPr lang="zh-CN" altLang="en-US" smtClean="0"/>
+              <a:t>单击此处编辑母版文本样式</a:t>
             </a:r>
           </a:p>
           <a:p>
             <a:pPr lvl="1" eaLnBrk="1" latinLnBrk="0" hangingPunct="1"/>
             <a:r>
-              <a:rPr lang="en-US" altLang="zh-CN" smtClean="0"/>
-              <a:t>Second level</a:t>
+              <a:rPr lang="zh-CN" altLang="en-US" smtClean="0"/>
+              <a:t>第二级</a:t>
             </a:r>
           </a:p>
           <a:p>
             <a:pPr lvl="2" eaLnBrk="1" latinLnBrk="0" hangingPunct="1"/>
             <a:r>
-              <a:rPr lang="en-US" altLang="zh-CN" smtClean="0"/>
-              <a:t>Third level</a:t>
+              <a:rPr lang="zh-CN" altLang="en-US" smtClean="0"/>
+              <a:t>第三级</a:t>
             </a:r>
           </a:p>
           <a:p>
             <a:pPr lvl="3" eaLnBrk="1" latinLnBrk="0" hangingPunct="1"/>
             <a:r>
-              <a:rPr lang="en-US" altLang="zh-CN" smtClean="0"/>
-              <a:t>Fourth level</a:t>
+              <a:rPr lang="zh-CN" altLang="en-US" smtClean="0"/>
+              <a:t>第四级</a:t>
             </a:r>
           </a:p>
           <a:p>
             <a:pPr lvl="4" eaLnBrk="1" latinLnBrk="0" hangingPunct="1"/>
             <a:r>
-              <a:rPr lang="en-US" altLang="zh-CN" smtClean="0"/>
-              <a:t>Fifth level</a:t>
+              <a:rPr lang="zh-CN" altLang="en-US" smtClean="0"/>
+              <a:t>第五级</a:t>
             </a:r>
             <a:endParaRPr kumimoji="0" lang="en-US"/>
           </a:p>
@@ -3003,7 +3042,7 @@
       </p:sp>
       <p:sp>
         <p:nvSpPr>
-          <p:cNvPr id="5" name="Date Placeholder 4"/>
+          <p:cNvPr id="5" name="日期占位符 4"/>
           <p:cNvSpPr>
             <a:spLocks noGrp="1"/>
           </p:cNvSpPr>
@@ -3016,8 +3055,9 @@
           <a:bodyPr/>
           <a:lstStyle/>
           <a:p>
-            <a:fld id="{49386D0B-F515-4410-ACB6-506383687188}" type="datetime1">
+            <a:fld id="{87CDCCA8-F73E-4543-A7AD-D926A584FD1B}" type="datetime1">
               <a:rPr lang="zh-CN" altLang="en-US" smtClean="0"/>
+              <a:pPr/>
               <a:t>2008-5-25</a:t>
             </a:fld>
             <a:endParaRPr lang="zh-CN" altLang="en-US"/>
@@ -3026,7 +3066,7 @@
       </p:sp>
       <p:sp>
         <p:nvSpPr>
-          <p:cNvPr id="6" name="Footer Placeholder 5"/>
+          <p:cNvPr id="6" name="页脚占位符 5"/>
           <p:cNvSpPr>
             <a:spLocks noGrp="1"/>
           </p:cNvSpPr>
@@ -3045,7 +3085,7 @@
       </p:sp>
       <p:sp>
         <p:nvSpPr>
-          <p:cNvPr id="7" name="Slide Number Placeholder 6"/>
+          <p:cNvPr id="7" name="灯片编号占位符 6"/>
           <p:cNvSpPr>
             <a:spLocks noGrp="1"/>
           </p:cNvSpPr>
@@ -3072,12 +3112,13 @@
   <p:clrMapOvr>
     <a:masterClrMapping/>
   </p:clrMapOvr>
+  <p:hf hdr="0" ftr="0" dt="0"/>
 </p:sldLayout>
 </file>
 
 <file path=ppt/slideLayouts/slideLayout9.xml><?xml version="1.0" encoding="utf-8"?>
 <p:sldLayout xmlns:a="http://schemas.openxmlformats.org/drawingml/2006/main" xmlns:r="http://schemas.openxmlformats.org/officeDocument/2006/relationships" xmlns:p="http://schemas.openxmlformats.org/presentationml/2006/main" type="picTx" preserve="1">
-  <p:cSld name="Picture with Caption">
+  <p:cSld name="图片与标题">
     <p:spTree>
       <p:nvGrpSpPr>
         <p:cNvPr id="1" name=""/>
@@ -3094,7 +3135,7 @@
       </p:grpSpPr>
       <p:sp>
         <p:nvSpPr>
-          <p:cNvPr id="2" name="Title 1"/>
+          <p:cNvPr id="2" name="标题 1"/>
           <p:cNvSpPr>
             <a:spLocks noGrp="1"/>
           </p:cNvSpPr>
@@ -3118,8 +3159,8 @@
           </a:lstStyle>
           <a:p>
             <a:r>
-              <a:rPr kumimoji="0" lang="en-US" altLang="zh-CN" smtClean="0"/>
-              <a:t>Click to edit Master title style</a:t>
+              <a:rPr kumimoji="0" lang="zh-CN" altLang="en-US" smtClean="0"/>
+              <a:t>单击此处编辑母版标题样式</a:t>
             </a:r>
             <a:endParaRPr kumimoji="0" lang="en-US"/>
           </a:p>
@@ -3127,7 +3168,7 @@
       </p:sp>
       <p:sp>
         <p:nvSpPr>
-          <p:cNvPr id="3" name="Picture Placeholder 2"/>
+          <p:cNvPr id="3" name="图片占位符 2"/>
           <p:cNvSpPr>
             <a:spLocks noGrp="1"/>
           </p:cNvSpPr>
@@ -3179,8 +3220,8 @@
           </a:lstStyle>
           <a:p>
             <a:r>
-              <a:rPr kumimoji="0" lang="en-US" altLang="zh-CN" smtClean="0"/>
-              <a:t>Click icon to add picture</a:t>
+              <a:rPr kumimoji="0" lang="zh-CN" altLang="en-US" smtClean="0"/>
+              <a:t>单击图标添加图片</a:t>
             </a:r>
             <a:endParaRPr kumimoji="0" lang="en-US" dirty="0"/>
           </a:p>
@@ -3188,7 +3229,7 @@
       </p:sp>
       <p:sp>
         <p:nvSpPr>
-          <p:cNvPr id="4" name="Text Placeholder 3"/>
+          <p:cNvPr id="4" name="文本占位符 3"/>
           <p:cNvSpPr>
             <a:spLocks noGrp="1"/>
           </p:cNvSpPr>
@@ -3240,15 +3281,15 @@
           <a:p>
             <a:pPr lvl="0" eaLnBrk="1" latinLnBrk="0" hangingPunct="1"/>
             <a:r>
-              <a:rPr kumimoji="0" lang="en-US" altLang="zh-CN" smtClean="0"/>
-              <a:t>Click to edit Master text styles</a:t>
-            </a:r>
-          </a:p>
-        </p:txBody>
-      </p:sp>
-      <p:sp>
-        <p:nvSpPr>
-          <p:cNvPr id="5" name="Date Placeholder 4"/>
+              <a:rPr kumimoji="0" lang="zh-CN" altLang="en-US" smtClean="0"/>
+              <a:t>单击此处编辑母版文本样式</a:t>
+            </a:r>
+          </a:p>
+        </p:txBody>
+      </p:sp>
+      <p:sp>
+        <p:nvSpPr>
+          <p:cNvPr id="5" name="日期占位符 4"/>
           <p:cNvSpPr>
             <a:spLocks noGrp="1"/>
           </p:cNvSpPr>
@@ -3261,8 +3302,9 @@
           <a:bodyPr/>
           <a:lstStyle/>
           <a:p>
-            <a:fld id="{A07A876D-5345-4512-898F-D77BB984C416}" type="datetime1">
+            <a:fld id="{87CDCCA8-F73E-4543-A7AD-D926A584FD1B}" type="datetime1">
               <a:rPr lang="zh-CN" altLang="en-US" smtClean="0"/>
+              <a:pPr/>
               <a:t>2008-5-25</a:t>
             </a:fld>
             <a:endParaRPr lang="zh-CN" altLang="en-US"/>
@@ -3271,7 +3313,7 @@
       </p:sp>
       <p:sp>
         <p:nvSpPr>
-          <p:cNvPr id="6" name="Footer Placeholder 5"/>
+          <p:cNvPr id="6" name="页脚占位符 5"/>
           <p:cNvSpPr>
             <a:spLocks noGrp="1"/>
           </p:cNvSpPr>
@@ -3290,7 +3332,7 @@
       </p:sp>
       <p:sp>
         <p:nvSpPr>
-          <p:cNvPr id="7" name="Slide Number Placeholder 6"/>
+          <p:cNvPr id="7" name="灯片编号占位符 6"/>
           <p:cNvSpPr>
             <a:spLocks noGrp="1"/>
           </p:cNvSpPr>
@@ -3317,6 +3359,7 @@
   <p:clrMapOvr>
     <a:masterClrMapping/>
   </p:clrMapOvr>
+  <p:hf hdr="0" ftr="0" dt="0"/>
 </p:sldLayout>
 </file>
 
@@ -3344,7 +3387,7 @@
       </p:grpSpPr>
       <p:sp>
         <p:nvSpPr>
-          <p:cNvPr id="28" name="Rectangle 27"/>
+          <p:cNvPr id="28" name="矩形 27"/>
           <p:cNvSpPr/>
           <p:nvPr/>
         </p:nvSpPr>
@@ -3392,7 +3435,7 @@
       </p:sp>
       <p:sp>
         <p:nvSpPr>
-          <p:cNvPr id="29" name="Rectangle 28"/>
+          <p:cNvPr id="29" name="矩形 28"/>
           <p:cNvSpPr/>
           <p:nvPr/>
         </p:nvSpPr>
@@ -3440,7 +3483,7 @@
       </p:sp>
       <p:sp>
         <p:nvSpPr>
-          <p:cNvPr id="30" name="Rectangle 29"/>
+          <p:cNvPr id="30" name="矩形 29"/>
           <p:cNvSpPr/>
           <p:nvPr/>
         </p:nvSpPr>
@@ -3488,7 +3531,7 @@
       </p:sp>
       <p:sp>
         <p:nvSpPr>
-          <p:cNvPr id="31" name="Rectangle 30"/>
+          <p:cNvPr id="31" name="矩形 30"/>
           <p:cNvSpPr/>
           <p:nvPr/>
         </p:nvSpPr>
@@ -3536,7 +3579,7 @@
       </p:sp>
       <p:sp>
         <p:nvSpPr>
-          <p:cNvPr id="32" name="Rectangle 31"/>
+          <p:cNvPr id="32" name="矩形 31"/>
           <p:cNvSpPr/>
           <p:nvPr/>
         </p:nvSpPr>
@@ -3584,7 +3627,7 @@
       </p:sp>
       <p:sp useBgFill="1">
         <p:nvSpPr>
-          <p:cNvPr id="33" name="Rounded Rectangle 32"/>
+          <p:cNvPr id="33" name="圆角矩形 32"/>
           <p:cNvSpPr/>
           <p:nvPr/>
         </p:nvSpPr>
@@ -3629,7 +3672,7 @@
       </p:sp>
       <p:sp useBgFill="1">
         <p:nvSpPr>
-          <p:cNvPr id="34" name="Rounded Rectangle 33"/>
+          <p:cNvPr id="34" name="圆角矩形 33"/>
           <p:cNvSpPr/>
           <p:nvPr/>
         </p:nvSpPr>
@@ -3674,7 +3717,7 @@
       </p:sp>
       <p:sp>
         <p:nvSpPr>
-          <p:cNvPr id="35" name="Rectangle 34"/>
+          <p:cNvPr id="35" name="矩形 34"/>
           <p:cNvSpPr/>
           <p:nvPr/>
         </p:nvSpPr>
@@ -3722,7 +3765,7 @@
       </p:sp>
       <p:sp>
         <p:nvSpPr>
-          <p:cNvPr id="36" name="Rectangle 35"/>
+          <p:cNvPr id="36" name="矩形 35"/>
           <p:cNvSpPr/>
           <p:nvPr/>
         </p:nvSpPr>
@@ -3770,7 +3813,7 @@
       </p:sp>
       <p:sp>
         <p:nvSpPr>
-          <p:cNvPr id="37" name="Rectangle 36"/>
+          <p:cNvPr id="37" name="矩形 36"/>
           <p:cNvSpPr/>
           <p:nvPr/>
         </p:nvSpPr>
@@ -3818,7 +3861,7 @@
       </p:sp>
       <p:sp>
         <p:nvSpPr>
-          <p:cNvPr id="38" name="Rectangle 37"/>
+          <p:cNvPr id="38" name="矩形 37"/>
           <p:cNvSpPr/>
           <p:nvPr/>
         </p:nvSpPr>
@@ -3866,7 +3909,7 @@
       </p:sp>
       <p:sp>
         <p:nvSpPr>
-          <p:cNvPr id="39" name="Rectangle 38"/>
+          <p:cNvPr id="39" name="矩形 38"/>
           <p:cNvSpPr/>
           <p:nvPr/>
         </p:nvSpPr>
@@ -3914,7 +3957,7 @@
       </p:sp>
       <p:sp>
         <p:nvSpPr>
-          <p:cNvPr id="40" name="Rectangle 39"/>
+          <p:cNvPr id="40" name="矩形 39"/>
           <p:cNvSpPr/>
           <p:nvPr/>
         </p:nvSpPr>
@@ -3962,7 +4005,7 @@
       </p:sp>
       <p:sp>
         <p:nvSpPr>
-          <p:cNvPr id="22" name="Title Placeholder 21"/>
+          <p:cNvPr id="22" name="标题占位符 21"/>
           <p:cNvSpPr>
             <a:spLocks noGrp="1"/>
           </p:cNvSpPr>
@@ -3986,8 +4029,8 @@
           <a:lstStyle/>
           <a:p>
             <a:r>
-              <a:rPr kumimoji="0" lang="en-US" altLang="zh-CN" smtClean="0"/>
-              <a:t>Click to edit Master title style</a:t>
+              <a:rPr kumimoji="0" lang="zh-CN" altLang="en-US" smtClean="0"/>
+              <a:t>单击此处编辑母版标题样式</a:t>
             </a:r>
             <a:endParaRPr kumimoji="0" lang="en-US"/>
           </a:p>
@@ -3995,7 +4038,7 @@
       </p:sp>
       <p:sp>
         <p:nvSpPr>
-          <p:cNvPr id="13" name="Text Placeholder 12"/>
+          <p:cNvPr id="13" name="文本占位符 12"/>
           <p:cNvSpPr>
             <a:spLocks noGrp="1"/>
           </p:cNvSpPr>
@@ -4020,36 +4063,36 @@
           <a:p>
             <a:pPr lvl="0" eaLnBrk="1" latinLnBrk="0" hangingPunct="1"/>
             <a:r>
-              <a:rPr kumimoji="0" lang="en-US" altLang="zh-CN" smtClean="0"/>
-              <a:t>Click to edit Master text styles</a:t>
+              <a:rPr kumimoji="0" lang="zh-CN" altLang="en-US" smtClean="0"/>
+              <a:t>单击此处编辑母版文本样式</a:t>
             </a:r>
           </a:p>
           <a:p>
             <a:pPr lvl="1" eaLnBrk="1" latinLnBrk="0" hangingPunct="1"/>
             <a:r>
-              <a:rPr kumimoji="0" lang="en-US" altLang="zh-CN" smtClean="0"/>
-              <a:t>Second level</a:t>
+              <a:rPr kumimoji="0" lang="zh-CN" altLang="en-US" smtClean="0"/>
+              <a:t>第二级</a:t>
             </a:r>
           </a:p>
           <a:p>
             <a:pPr lvl="2" eaLnBrk="1" latinLnBrk="0" hangingPunct="1"/>
             <a:r>
-              <a:rPr kumimoji="0" lang="en-US" altLang="zh-CN" smtClean="0"/>
-              <a:t>Third level</a:t>
+              <a:rPr kumimoji="0" lang="zh-CN" altLang="en-US" smtClean="0"/>
+              <a:t>第三级</a:t>
             </a:r>
           </a:p>
           <a:p>
             <a:pPr lvl="3" eaLnBrk="1" latinLnBrk="0" hangingPunct="1"/>
             <a:r>
-              <a:rPr kumimoji="0" lang="en-US" altLang="zh-CN" smtClean="0"/>
-              <a:t>Fourth level</a:t>
+              <a:rPr kumimoji="0" lang="zh-CN" altLang="en-US" smtClean="0"/>
+              <a:t>第四级</a:t>
             </a:r>
           </a:p>
           <a:p>
             <a:pPr lvl="4" eaLnBrk="1" latinLnBrk="0" hangingPunct="1"/>
             <a:r>
-              <a:rPr kumimoji="0" lang="en-US" altLang="zh-CN" smtClean="0"/>
-              <a:t>Fifth level</a:t>
+              <a:rPr kumimoji="0" lang="zh-CN" altLang="en-US" smtClean="0"/>
+              <a:t>第五级</a:t>
             </a:r>
             <a:endParaRPr kumimoji="0" lang="en-US"/>
           </a:p>
@@ -4057,7 +4100,7 @@
       </p:sp>
       <p:sp>
         <p:nvSpPr>
-          <p:cNvPr id="14" name="Date Placeholder 13"/>
+          <p:cNvPr id="14" name="日期占位符 13"/>
           <p:cNvSpPr>
             <a:spLocks noGrp="1"/>
           </p:cNvSpPr>
@@ -4088,6 +4131,7 @@
           <a:p>
             <a:fld id="{87CDCCA8-F73E-4543-A7AD-D926A584FD1B}" type="datetime1">
               <a:rPr lang="zh-CN" altLang="en-US" smtClean="0"/>
+              <a:pPr/>
               <a:t>2008-5-25</a:t>
             </a:fld>
             <a:endParaRPr lang="zh-CN" altLang="en-US"/>
@@ -4096,7 +4140,7 @@
       </p:sp>
       <p:sp>
         <p:nvSpPr>
-          <p:cNvPr id="3" name="Footer Placeholder 2"/>
+          <p:cNvPr id="3" name="页脚占位符 2"/>
           <p:cNvSpPr>
             <a:spLocks noGrp="1"/>
           </p:cNvSpPr>
@@ -4131,7 +4175,7 @@
       </p:sp>
       <p:sp>
         <p:nvSpPr>
-          <p:cNvPr id="23" name="Slide Number Placeholder 22"/>
+          <p:cNvPr id="23" name="灯片编号占位符 22"/>
           <p:cNvSpPr>
             <a:spLocks noGrp="1"/>
           </p:cNvSpPr>
@@ -4173,17 +4217,17 @@
   </p:cSld>
   <p:clrMap bg1="lt1" tx1="dk1" bg2="lt2" tx2="dk2" accent1="accent1" accent2="accent2" accent3="accent3" accent4="accent4" accent5="accent5" accent6="accent6" hlink="hlink" folHlink="folHlink"/>
   <p:sldLayoutIdLst>
-    <p:sldLayoutId id="2147483673" r:id="rId1"/>
-    <p:sldLayoutId id="2147483674" r:id="rId2"/>
-    <p:sldLayoutId id="2147483675" r:id="rId3"/>
-    <p:sldLayoutId id="2147483676" r:id="rId4"/>
-    <p:sldLayoutId id="2147483677" r:id="rId5"/>
-    <p:sldLayoutId id="2147483678" r:id="rId6"/>
-    <p:sldLayoutId id="2147483679" r:id="rId7"/>
-    <p:sldLayoutId id="2147483680" r:id="rId8"/>
-    <p:sldLayoutId id="2147483681" r:id="rId9"/>
-    <p:sldLayoutId id="2147483682" r:id="rId10"/>
-    <p:sldLayoutId id="2147483683" r:id="rId11"/>
+    <p:sldLayoutId id="2147484033" r:id="rId1"/>
+    <p:sldLayoutId id="2147484034" r:id="rId2"/>
+    <p:sldLayoutId id="2147484035" r:id="rId3"/>
+    <p:sldLayoutId id="2147484036" r:id="rId4"/>
+    <p:sldLayoutId id="2147484037" r:id="rId5"/>
+    <p:sldLayoutId id="2147484038" r:id="rId6"/>
+    <p:sldLayoutId id="2147484039" r:id="rId7"/>
+    <p:sldLayoutId id="2147484040" r:id="rId8"/>
+    <p:sldLayoutId id="2147484041" r:id="rId9"/>
+    <p:sldLayoutId id="2147484042" r:id="rId10"/>
+    <p:sldLayoutId id="2147484043" r:id="rId11"/>
   </p:sldLayoutIdLst>
   <p:hf hdr="0" ftr="0" dt="0"/>
   <p:txStyles>
@@ -4521,7 +4565,9 @@
         </p:nvSpPr>
         <p:spPr/>
         <p:txBody>
-          <a:bodyPr/>
+          <a:bodyPr>
+            <a:normAutofit/>
+          </a:bodyPr>
           <a:lstStyle/>
           <a:p>
             <a:r>
@@ -4586,7 +4632,7 @@
       </p:grpSpPr>
       <p:sp>
         <p:nvSpPr>
-          <p:cNvPr id="2" name="标题 1"/>
+          <p:cNvPr id="2" name="Title 1"/>
           <p:cNvSpPr>
             <a:spLocks noGrp="1"/>
           </p:cNvSpPr>
@@ -4600,16 +4646,16 @@
           <a:lstStyle/>
           <a:p>
             <a:r>
-              <a:rPr lang="en-US" dirty="0" smtClean="0"/>
-              <a:t>Measure the performance</a:t>
-            </a:r>
-            <a:endParaRPr lang="en-US" dirty="0"/>
-          </a:p>
-        </p:txBody>
-      </p:sp>
-      <p:sp>
-        <p:nvSpPr>
-          <p:cNvPr id="3" name="内容占位符 2"/>
+              <a:rPr lang="en-US" altLang="zh-CN" dirty="0" smtClean="0"/>
+              <a:t>Chunk selection policy</a:t>
+            </a:r>
+            <a:endParaRPr lang="zh-CN" altLang="en-US" dirty="0"/>
+          </a:p>
+        </p:txBody>
+      </p:sp>
+      <p:sp>
+        <p:nvSpPr>
+          <p:cNvPr id="3" name="Content Placeholder 2"/>
           <p:cNvSpPr>
             <a:spLocks noGrp="1"/>
           </p:cNvSpPr>
@@ -4623,33 +4669,84 @@
           <a:lstStyle/>
           <a:p>
             <a:r>
-              <a:rPr lang="en-US" dirty="0" smtClean="0"/>
-              <a:t>Success ratio</a:t>
-            </a:r>
-          </a:p>
-          <a:p>
-            <a:pPr lvl="1">
-              <a:buNone/>
-            </a:pPr>
-            <a:endParaRPr lang="en-US" dirty="0" smtClean="0"/>
-          </a:p>
-          <a:p>
-            <a:r>
-              <a:rPr lang="en-US" dirty="0" smtClean="0"/>
-              <a:t>Normalized network throughput</a:t>
-            </a:r>
-          </a:p>
-          <a:p>
-            <a:pPr lvl="1">
-              <a:buNone/>
-            </a:pPr>
-            <a:endParaRPr lang="en-US" dirty="0"/>
-          </a:p>
-        </p:txBody>
-      </p:sp>
-      <p:sp>
-        <p:nvSpPr>
-          <p:cNvPr id="4" name="灯片编号占位符 3"/>
+              <a:rPr lang="en-US" altLang="zh-CN" dirty="0" smtClean="0"/>
+              <a:t>NOT in sequence</a:t>
+            </a:r>
+          </a:p>
+          <a:p>
+            <a:endParaRPr lang="en-US" altLang="zh-CN" dirty="0" smtClean="0"/>
+          </a:p>
+          <a:p>
+            <a:r>
+              <a:rPr lang="en-US" altLang="zh-CN" dirty="0" smtClean="0"/>
+              <a:t>Sliding window</a:t>
+            </a:r>
+          </a:p>
+          <a:p>
+            <a:endParaRPr lang="en-US" altLang="zh-CN" dirty="0" smtClean="0"/>
+          </a:p>
+          <a:p>
+            <a:endParaRPr lang="en-US" altLang="zh-CN" dirty="0" smtClean="0"/>
+          </a:p>
+          <a:p>
+            <a:r>
+              <a:rPr lang="en-US" altLang="zh-CN" sz="2000" i="1" dirty="0" smtClean="0"/>
+              <a:t>w</a:t>
+            </a:r>
+            <a:r>
+              <a:rPr lang="en-US" altLang="zh-CN" sz="2000" dirty="0" smtClean="0"/>
+              <a:t>: size of window</a:t>
+            </a:r>
+          </a:p>
+          <a:p>
+            <a:r>
+              <a:rPr lang="en-US" altLang="zh-CN" sz="2000" i="1" dirty="0" smtClean="0"/>
+              <a:t>d</a:t>
+            </a:r>
+            <a:r>
+              <a:rPr lang="en-US" altLang="zh-CN" sz="2000" dirty="0" smtClean="0"/>
+              <a:t>: playback delay</a:t>
+            </a:r>
+          </a:p>
+          <a:p>
+            <a:r>
+              <a:rPr lang="en-US" altLang="zh-CN" sz="2000" i="1" dirty="0" smtClean="0"/>
+              <a:t>b</a:t>
+            </a:r>
+            <a:r>
+              <a:rPr lang="en-US" altLang="zh-CN" sz="2000" dirty="0" smtClean="0"/>
+              <a:t>: </a:t>
+            </a:r>
+            <a:r>
+              <a:rPr lang="en-US" altLang="zh-CN" sz="2000" dirty="0" err="1" smtClean="0"/>
+              <a:t>vido</a:t>
+            </a:r>
+            <a:r>
+              <a:rPr lang="en-US" altLang="zh-CN" sz="2000" dirty="0" smtClean="0"/>
+              <a:t> consumption rate</a:t>
+            </a:r>
+          </a:p>
+          <a:p>
+            <a:r>
+              <a:rPr lang="en-US" altLang="zh-CN" sz="2000" i="1" dirty="0" smtClean="0"/>
+              <a:t>c</a:t>
+            </a:r>
+            <a:r>
+              <a:rPr lang="en-US" altLang="zh-CN" sz="2000" dirty="0" smtClean="0"/>
+              <a:t>: chunk size</a:t>
+            </a:r>
+          </a:p>
+          <a:p>
+            <a:endParaRPr lang="en-US" altLang="zh-CN" dirty="0" smtClean="0"/>
+          </a:p>
+          <a:p>
+            <a:endParaRPr lang="en-US" altLang="zh-CN" dirty="0" smtClean="0"/>
+          </a:p>
+        </p:txBody>
+      </p:sp>
+      <p:sp>
+        <p:nvSpPr>
+          <p:cNvPr id="6" name="灯片编号占位符 5"/>
           <p:cNvSpPr>
             <a:spLocks noGrp="1"/>
           </p:cNvSpPr>
@@ -4659,7 +4756,9 @@
         </p:nvSpPr>
         <p:spPr/>
         <p:txBody>
-          <a:bodyPr/>
+          <a:bodyPr>
+            <a:normAutofit/>
+          </a:bodyPr>
           <a:lstStyle/>
           <a:p>
             <a:fld id="{41B43038-07B4-481F-A1A3-7BA5DF4C905A}" type="slidenum">
@@ -4668,1327 +4767,6 @@
               <a:t>10</a:t>
             </a:fld>
             <a:endParaRPr lang="zh-CN" altLang="en-US"/>
-          </a:p>
-        </p:txBody>
-      </p:sp>
-    </p:spTree>
-  </p:cSld>
-  <p:clrMapOvr>
-    <a:masterClrMapping/>
-  </p:clrMapOvr>
-</p:sld>
-</file>
-
-<file path=ppt/slides/slide11.xml><?xml version="1.0" encoding="utf-8"?>
-<p:sld xmlns:a="http://schemas.openxmlformats.org/drawingml/2006/main" xmlns:r="http://schemas.openxmlformats.org/officeDocument/2006/relationships" xmlns:p="http://schemas.openxmlformats.org/presentationml/2006/main">
-  <p:cSld>
-    <p:spTree>
-      <p:nvGrpSpPr>
-        <p:cNvPr id="1" name=""/>
-        <p:cNvGrpSpPr/>
-        <p:nvPr/>
-      </p:nvGrpSpPr>
-      <p:grpSpPr>
-        <a:xfrm>
-          <a:off x="0" y="0"/>
-          <a:ext cx="0" cy="0"/>
-          <a:chOff x="0" y="0"/>
-          <a:chExt cx="0" cy="0"/>
-        </a:xfrm>
-      </p:grpSpPr>
-      <p:sp>
-        <p:nvSpPr>
-          <p:cNvPr id="7" name="标题 6"/>
-          <p:cNvSpPr>
-            <a:spLocks noGrp="1"/>
-          </p:cNvSpPr>
-          <p:nvPr>
-            <p:ph type="title"/>
-          </p:nvPr>
-        </p:nvSpPr>
-        <p:spPr/>
-        <p:txBody>
-          <a:bodyPr/>
-          <a:lstStyle/>
-          <a:p>
-            <a:r>
-              <a:rPr lang="en-US" dirty="0" smtClean="0"/>
-              <a:t>Experimental Result</a:t>
-            </a:r>
-            <a:endParaRPr lang="en-US" dirty="0"/>
-          </a:p>
-        </p:txBody>
-      </p:sp>
-      <p:sp>
-        <p:nvSpPr>
-          <p:cNvPr id="8" name="文本占位符 7"/>
-          <p:cNvSpPr>
-            <a:spLocks noGrp="1"/>
-          </p:cNvSpPr>
-          <p:nvPr>
-            <p:ph type="body" idx="1"/>
-          </p:nvPr>
-        </p:nvSpPr>
-        <p:spPr/>
-        <p:txBody>
-          <a:bodyPr/>
-          <a:lstStyle/>
-          <a:p>
-            <a:endParaRPr lang="en-US"/>
-          </a:p>
-        </p:txBody>
-      </p:sp>
-      <p:sp>
-        <p:nvSpPr>
-          <p:cNvPr id="4" name="灯片编号占位符 3"/>
-          <p:cNvSpPr>
-            <a:spLocks noGrp="1"/>
-          </p:cNvSpPr>
-          <p:nvPr>
-            <p:ph type="sldNum" sz="quarter" idx="12"/>
-          </p:nvPr>
-        </p:nvSpPr>
-        <p:spPr/>
-        <p:txBody>
-          <a:bodyPr/>
-          <a:lstStyle/>
-          <a:p>
-            <a:fld id="{41B43038-07B4-481F-A1A3-7BA5DF4C905A}" type="slidenum">
-              <a:rPr lang="zh-CN" altLang="en-US" smtClean="0"/>
-              <a:pPr/>
-              <a:t>11</a:t>
-            </a:fld>
-            <a:endParaRPr lang="zh-CN" altLang="en-US"/>
-          </a:p>
-        </p:txBody>
-      </p:sp>
-    </p:spTree>
-  </p:cSld>
-  <p:clrMapOvr>
-    <a:masterClrMapping/>
-  </p:clrMapOvr>
-</p:sld>
-</file>
-
-<file path=ppt/slides/slide12.xml><?xml version="1.0" encoding="utf-8"?>
-<p:sld xmlns:a="http://schemas.openxmlformats.org/drawingml/2006/main" xmlns:r="http://schemas.openxmlformats.org/officeDocument/2006/relationships" xmlns:p="http://schemas.openxmlformats.org/presentationml/2006/main">
-  <p:cSld>
-    <p:spTree>
-      <p:nvGrpSpPr>
-        <p:cNvPr id="1" name=""/>
-        <p:cNvGrpSpPr/>
-        <p:nvPr/>
-      </p:nvGrpSpPr>
-      <p:grpSpPr>
-        <a:xfrm>
-          <a:off x="0" y="0"/>
-          <a:ext cx="0" cy="0"/>
-          <a:chOff x="0" y="0"/>
-          <a:chExt cx="0" cy="0"/>
-        </a:xfrm>
-      </p:grpSpPr>
-      <p:sp>
-        <p:nvSpPr>
-          <p:cNvPr id="5" name="标题 4"/>
-          <p:cNvSpPr>
-            <a:spLocks noGrp="1"/>
-          </p:cNvSpPr>
-          <p:nvPr>
-            <p:ph type="title"/>
-          </p:nvPr>
-        </p:nvSpPr>
-        <p:spPr/>
-        <p:txBody>
-          <a:bodyPr/>
-          <a:lstStyle/>
-          <a:p>
-            <a:r>
-              <a:rPr lang="en-US" dirty="0" smtClean="0"/>
-              <a:t>Chunk selection policy</a:t>
-            </a:r>
-            <a:endParaRPr lang="en-US" dirty="0"/>
-          </a:p>
-        </p:txBody>
-      </p:sp>
-      <p:sp>
-        <p:nvSpPr>
-          <p:cNvPr id="6" name="内容占位符 5"/>
-          <p:cNvSpPr>
-            <a:spLocks noGrp="1"/>
-          </p:cNvSpPr>
-          <p:nvPr>
-            <p:ph idx="1"/>
-          </p:nvPr>
-        </p:nvSpPr>
-        <p:spPr/>
-        <p:txBody>
-          <a:bodyPr/>
-          <a:lstStyle/>
-          <a:p>
-            <a:endParaRPr lang="en-US"/>
-          </a:p>
-        </p:txBody>
-      </p:sp>
-      <p:sp>
-        <p:nvSpPr>
-          <p:cNvPr id="4" name="灯片编号占位符 3"/>
-          <p:cNvSpPr>
-            <a:spLocks noGrp="1"/>
-          </p:cNvSpPr>
-          <p:nvPr>
-            <p:ph type="sldNum" sz="quarter" idx="12"/>
-          </p:nvPr>
-        </p:nvSpPr>
-        <p:spPr/>
-        <p:txBody>
-          <a:bodyPr/>
-          <a:lstStyle/>
-          <a:p>
-            <a:fld id="{41B43038-07B4-481F-A1A3-7BA5DF4C905A}" type="slidenum">
-              <a:rPr lang="zh-CN" altLang="en-US" smtClean="0"/>
-              <a:pPr/>
-              <a:t>12</a:t>
-            </a:fld>
-            <a:endParaRPr lang="zh-CN" altLang="en-US"/>
-          </a:p>
-        </p:txBody>
-      </p:sp>
-    </p:spTree>
-  </p:cSld>
-  <p:clrMapOvr>
-    <a:masterClrMapping/>
-  </p:clrMapOvr>
-</p:sld>
-</file>
-
-<file path=ppt/slides/slide2.xml><?xml version="1.0" encoding="utf-8"?>
-<p:sld xmlns:a="http://schemas.openxmlformats.org/drawingml/2006/main" xmlns:r="http://schemas.openxmlformats.org/officeDocument/2006/relationships" xmlns:p="http://schemas.openxmlformats.org/presentationml/2006/main">
-  <p:cSld>
-    <p:spTree>
-      <p:nvGrpSpPr>
-        <p:cNvPr id="1" name=""/>
-        <p:cNvGrpSpPr/>
-        <p:nvPr/>
-      </p:nvGrpSpPr>
-      <p:grpSpPr>
-        <a:xfrm>
-          <a:off x="0" y="0"/>
-          <a:ext cx="0" cy="0"/>
-          <a:chOff x="0" y="0"/>
-          <a:chExt cx="0" cy="0"/>
-        </a:xfrm>
-      </p:grpSpPr>
-      <p:sp>
-        <p:nvSpPr>
-          <p:cNvPr id="2" name="Title 1"/>
-          <p:cNvSpPr>
-            <a:spLocks noGrp="1"/>
-          </p:cNvSpPr>
-          <p:nvPr>
-            <p:ph type="title"/>
-          </p:nvPr>
-        </p:nvSpPr>
-        <p:spPr/>
-        <p:txBody>
-          <a:bodyPr/>
-          <a:lstStyle/>
-          <a:p>
-            <a:r>
-              <a:rPr lang="en-US" altLang="zh-CN" dirty="0" err="1" smtClean="0"/>
-              <a:t>BitTorrent</a:t>
-            </a:r>
-            <a:endParaRPr lang="zh-CN" altLang="en-US" dirty="0"/>
-          </a:p>
-        </p:txBody>
-      </p:sp>
-      <p:sp>
-        <p:nvSpPr>
-          <p:cNvPr id="3" name="Content Placeholder 2"/>
-          <p:cNvSpPr>
-            <a:spLocks noGrp="1"/>
-          </p:cNvSpPr>
-          <p:nvPr>
-            <p:ph idx="1"/>
-          </p:nvPr>
-        </p:nvSpPr>
-        <p:spPr/>
-        <p:txBody>
-          <a:bodyPr/>
-          <a:lstStyle/>
-          <a:p>
-            <a:r>
-              <a:rPr lang="en-US" altLang="zh-CN" dirty="0" smtClean="0"/>
-              <a:t>Leech</a:t>
-            </a:r>
-          </a:p>
-          <a:p>
-            <a:pPr lvl="1"/>
-            <a:r>
-              <a:rPr lang="en-US" altLang="zh-CN" dirty="0" smtClean="0"/>
-              <a:t>down/up-load</a:t>
-            </a:r>
-          </a:p>
-          <a:p>
-            <a:r>
-              <a:rPr lang="en-US" altLang="zh-CN" dirty="0" smtClean="0"/>
-              <a:t>Seed</a:t>
-            </a:r>
-          </a:p>
-          <a:p>
-            <a:pPr lvl="1"/>
-            <a:r>
-              <a:rPr lang="en-US" altLang="zh-CN" dirty="0" smtClean="0"/>
-              <a:t>upload</a:t>
-            </a:r>
-          </a:p>
-          <a:p>
-            <a:r>
-              <a:rPr lang="en-US" altLang="zh-CN" dirty="0" smtClean="0"/>
-              <a:t>Swarm</a:t>
-            </a:r>
-          </a:p>
-          <a:p>
-            <a:pPr lvl="1"/>
-            <a:r>
-              <a:rPr lang="en-US" altLang="zh-CN" dirty="0" err="1" smtClean="0"/>
-              <a:t>overylay</a:t>
-            </a:r>
-            <a:endParaRPr lang="en-US" altLang="zh-CN" dirty="0" smtClean="0"/>
-          </a:p>
-          <a:p>
-            <a:r>
-              <a:rPr lang="en-US" altLang="zh-CN" dirty="0" smtClean="0"/>
-              <a:t>Tracker</a:t>
-            </a:r>
-          </a:p>
-          <a:p>
-            <a:pPr lvl="1"/>
-            <a:r>
-              <a:rPr lang="en-US" altLang="zh-CN" dirty="0" smtClean="0"/>
-              <a:t>manager</a:t>
-            </a:r>
-          </a:p>
-          <a:p>
-            <a:endParaRPr lang="en-US" altLang="zh-CN" dirty="0" smtClean="0"/>
-          </a:p>
-          <a:p>
-            <a:endParaRPr lang="zh-CN" altLang="en-US" dirty="0"/>
-          </a:p>
-        </p:txBody>
-      </p:sp>
-      <p:pic>
-        <p:nvPicPr>
-          <p:cNvPr id="1026" name="Picture 2" descr="C:\Users\Sike Huang\Desktop\jubil2007.jpg"/>
-          <p:cNvPicPr>
-            <a:picLocks noChangeAspect="1" noChangeArrowheads="1"/>
-          </p:cNvPicPr>
-          <p:nvPr/>
-        </p:nvPicPr>
-        <p:blipFill>
-          <a:blip r:embed="rId2"/>
-          <a:srcRect/>
-          <a:stretch>
-            <a:fillRect/>
-          </a:stretch>
-        </p:blipFill>
-        <p:spPr bwMode="auto">
-          <a:xfrm>
-            <a:off x="3332193" y="2428868"/>
-            <a:ext cx="5740401" cy="3632200"/>
-          </a:xfrm>
-          <a:prstGeom prst="rect">
-            <a:avLst/>
-          </a:prstGeom>
-          <a:noFill/>
-        </p:spPr>
-      </p:pic>
-      <p:sp>
-        <p:nvSpPr>
-          <p:cNvPr id="5" name="灯片编号占位符 4"/>
-          <p:cNvSpPr>
-            <a:spLocks noGrp="1"/>
-          </p:cNvSpPr>
-          <p:nvPr>
-            <p:ph type="sldNum" sz="quarter" idx="12"/>
-          </p:nvPr>
-        </p:nvSpPr>
-        <p:spPr/>
-        <p:txBody>
-          <a:bodyPr/>
-          <a:lstStyle/>
-          <a:p>
-            <a:fld id="{41B43038-07B4-481F-A1A3-7BA5DF4C905A}" type="slidenum">
-              <a:rPr lang="zh-CN" altLang="en-US" smtClean="0"/>
-              <a:pPr/>
-              <a:t>2</a:t>
-            </a:fld>
-            <a:endParaRPr lang="zh-CN" altLang="en-US"/>
-          </a:p>
-        </p:txBody>
-      </p:sp>
-    </p:spTree>
-  </p:cSld>
-  <p:clrMapOvr>
-    <a:masterClrMapping/>
-  </p:clrMapOvr>
-  <p:timing>
-    <p:tnLst>
-      <p:par>
-        <p:cTn id="1" dur="indefinite" restart="never" nodeType="tmRoot"/>
-      </p:par>
-    </p:tnLst>
-  </p:timing>
-</p:sld>
-</file>
-
-<file path=ppt/slides/slide3.xml><?xml version="1.0" encoding="utf-8"?>
-<p:sld xmlns:a="http://schemas.openxmlformats.org/drawingml/2006/main" xmlns:r="http://schemas.openxmlformats.org/officeDocument/2006/relationships" xmlns:p="http://schemas.openxmlformats.org/presentationml/2006/main">
-  <p:cSld>
-    <p:spTree>
-      <p:nvGrpSpPr>
-        <p:cNvPr id="1" name=""/>
-        <p:cNvGrpSpPr/>
-        <p:nvPr/>
-      </p:nvGrpSpPr>
-      <p:grpSpPr>
-        <a:xfrm>
-          <a:off x="0" y="0"/>
-          <a:ext cx="0" cy="0"/>
-          <a:chOff x="0" y="0"/>
-          <a:chExt cx="0" cy="0"/>
-        </a:xfrm>
-      </p:grpSpPr>
-      <p:sp>
-        <p:nvSpPr>
-          <p:cNvPr id="2" name="Title 1"/>
-          <p:cNvSpPr>
-            <a:spLocks noGrp="1"/>
-          </p:cNvSpPr>
-          <p:nvPr>
-            <p:ph type="title"/>
-          </p:nvPr>
-        </p:nvSpPr>
-        <p:spPr/>
-        <p:txBody>
-          <a:bodyPr/>
-          <a:lstStyle/>
-          <a:p>
-            <a:r>
-              <a:rPr lang="en-US" altLang="zh-CN" dirty="0" smtClean="0"/>
-              <a:t>Polices in BT</a:t>
-            </a:r>
-            <a:endParaRPr lang="zh-CN" altLang="en-US" dirty="0"/>
-          </a:p>
-        </p:txBody>
-      </p:sp>
-      <p:sp>
-        <p:nvSpPr>
-          <p:cNvPr id="3" name="Content Placeholder 2"/>
-          <p:cNvSpPr>
-            <a:spLocks noGrp="1"/>
-          </p:cNvSpPr>
-          <p:nvPr>
-            <p:ph idx="1"/>
-          </p:nvPr>
-        </p:nvSpPr>
-        <p:spPr/>
-        <p:txBody>
-          <a:bodyPr/>
-          <a:lstStyle/>
-          <a:p>
-            <a:r>
-              <a:rPr lang="en-US" altLang="zh-CN" dirty="0" smtClean="0"/>
-              <a:t>Rarest-first</a:t>
-            </a:r>
-          </a:p>
-          <a:p>
-            <a:pPr lvl="1"/>
-            <a:r>
-              <a:rPr lang="en-US" altLang="zh-CN" dirty="0" smtClean="0"/>
-              <a:t>least replicated chunks</a:t>
-            </a:r>
-          </a:p>
-          <a:p>
-            <a:r>
-              <a:rPr lang="en-US" altLang="zh-CN" dirty="0" smtClean="0"/>
-              <a:t> Tit-for-tat</a:t>
-            </a:r>
-          </a:p>
-          <a:p>
-            <a:pPr lvl="1"/>
-            <a:r>
-              <a:rPr lang="en-US" altLang="zh-CN" dirty="0" smtClean="0"/>
-              <a:t>choking, deter free rider</a:t>
-            </a:r>
-          </a:p>
-          <a:p>
-            <a:r>
-              <a:rPr lang="en-US" altLang="zh-CN" dirty="0" smtClean="0"/>
-              <a:t>Optimistic </a:t>
-            </a:r>
-            <a:r>
-              <a:rPr lang="en-US" altLang="zh-CN" dirty="0" err="1" smtClean="0"/>
-              <a:t>unchoking</a:t>
-            </a:r>
-            <a:endParaRPr lang="en-US" altLang="zh-CN" dirty="0" smtClean="0"/>
-          </a:p>
-          <a:p>
-            <a:pPr lvl="1"/>
-            <a:r>
-              <a:rPr lang="en-US" altLang="zh-CN" dirty="0" err="1" smtClean="0"/>
-              <a:t>reserver</a:t>
-            </a:r>
-            <a:r>
-              <a:rPr lang="en-US" altLang="zh-CN" dirty="0" smtClean="0"/>
-              <a:t> upload BW to random peers </a:t>
-            </a:r>
-          </a:p>
-          <a:p>
-            <a:endParaRPr lang="zh-CN" altLang="en-US" dirty="0"/>
-          </a:p>
-        </p:txBody>
-      </p:sp>
-      <p:sp>
-        <p:nvSpPr>
-          <p:cNvPr id="4" name="灯片编号占位符 3"/>
-          <p:cNvSpPr>
-            <a:spLocks noGrp="1"/>
-          </p:cNvSpPr>
-          <p:nvPr>
-            <p:ph type="sldNum" sz="quarter" idx="12"/>
-          </p:nvPr>
-        </p:nvSpPr>
-        <p:spPr/>
-        <p:txBody>
-          <a:bodyPr/>
-          <a:lstStyle/>
-          <a:p>
-            <a:fld id="{41B43038-07B4-481F-A1A3-7BA5DF4C905A}" type="slidenum">
-              <a:rPr lang="zh-CN" altLang="en-US" smtClean="0"/>
-              <a:pPr/>
-              <a:t>3</a:t>
-            </a:fld>
-            <a:endParaRPr lang="zh-CN" altLang="en-US"/>
-          </a:p>
-        </p:txBody>
-      </p:sp>
-    </p:spTree>
-  </p:cSld>
-  <p:clrMapOvr>
-    <a:masterClrMapping/>
-  </p:clrMapOvr>
-  <p:timing>
-    <p:tnLst>
-      <p:par>
-        <p:cTn id="1" dur="indefinite" restart="never" nodeType="tmRoot"/>
-      </p:par>
-    </p:tnLst>
-  </p:timing>
-</p:sld>
-</file>
-
-<file path=ppt/slides/slide4.xml><?xml version="1.0" encoding="utf-8"?>
-<p:sld xmlns:a="http://schemas.openxmlformats.org/drawingml/2006/main" xmlns:r="http://schemas.openxmlformats.org/officeDocument/2006/relationships" xmlns:p="http://schemas.openxmlformats.org/presentationml/2006/main">
-  <p:cSld>
-    <p:spTree>
-      <p:nvGrpSpPr>
-        <p:cNvPr id="1" name=""/>
-        <p:cNvGrpSpPr/>
-        <p:nvPr/>
-      </p:nvGrpSpPr>
-      <p:grpSpPr>
-        <a:xfrm>
-          <a:off x="0" y="0"/>
-          <a:ext cx="0" cy="0"/>
-          <a:chOff x="0" y="0"/>
-          <a:chExt cx="0" cy="0"/>
-        </a:xfrm>
-      </p:grpSpPr>
-      <p:sp>
-        <p:nvSpPr>
-          <p:cNvPr id="2" name="Title 1"/>
-          <p:cNvSpPr>
-            <a:spLocks noGrp="1"/>
-          </p:cNvSpPr>
-          <p:nvPr>
-            <p:ph type="title"/>
-          </p:nvPr>
-        </p:nvSpPr>
-        <p:spPr/>
-        <p:txBody>
-          <a:bodyPr/>
-          <a:lstStyle/>
-          <a:p>
-            <a:r>
-              <a:rPr lang="en-US" altLang="zh-CN" dirty="0" smtClean="0"/>
-              <a:t>BT + Multimedia</a:t>
-            </a:r>
-            <a:endParaRPr lang="zh-CN" altLang="en-US" dirty="0"/>
-          </a:p>
-        </p:txBody>
-      </p:sp>
-      <p:pic>
-        <p:nvPicPr>
-          <p:cNvPr id="2050" name="Picture 2" descr="C:\Users\Sike Huang\Desktop\bittorrent_logo.gif"/>
-          <p:cNvPicPr>
-            <a:picLocks noChangeAspect="1" noChangeArrowheads="1"/>
-          </p:cNvPicPr>
-          <p:nvPr/>
-        </p:nvPicPr>
-        <p:blipFill>
-          <a:blip r:embed="rId2"/>
-          <a:srcRect/>
-          <a:stretch>
-            <a:fillRect/>
-          </a:stretch>
-        </p:blipFill>
-        <p:spPr bwMode="auto">
-          <a:xfrm>
-            <a:off x="1071538" y="4357694"/>
-            <a:ext cx="762000" cy="762000"/>
-          </a:xfrm>
-          <a:prstGeom prst="rect">
-            <a:avLst/>
-          </a:prstGeom>
-          <a:noFill/>
-        </p:spPr>
-      </p:pic>
-      <p:pic>
-        <p:nvPicPr>
-          <p:cNvPr id="2051" name="Picture 3" descr="C:\Users\Sike Huang\Desktop\Windows_media_player_logo.jpg"/>
-          <p:cNvPicPr>
-            <a:picLocks noChangeAspect="1" noChangeArrowheads="1"/>
-          </p:cNvPicPr>
-          <p:nvPr/>
-        </p:nvPicPr>
-        <p:blipFill>
-          <a:blip r:embed="rId3"/>
-          <a:srcRect/>
-          <a:stretch>
-            <a:fillRect/>
-          </a:stretch>
-        </p:blipFill>
-        <p:spPr bwMode="auto">
-          <a:xfrm>
-            <a:off x="3428992" y="4714884"/>
-            <a:ext cx="952500" cy="952500"/>
-          </a:xfrm>
-          <a:prstGeom prst="rect">
-            <a:avLst/>
-          </a:prstGeom>
-          <a:noFill/>
-        </p:spPr>
-      </p:pic>
-      <p:sp>
-        <p:nvSpPr>
-          <p:cNvPr id="6" name="Rounded Rectangular Callout 5"/>
-          <p:cNvSpPr/>
-          <p:nvPr/>
-        </p:nvSpPr>
-        <p:spPr>
-          <a:xfrm>
-            <a:off x="714348" y="2285992"/>
-            <a:ext cx="2500330" cy="1643074"/>
-          </a:xfrm>
-          <a:prstGeom prst="wedgeRoundRectCallout">
-            <a:avLst/>
-          </a:prstGeom>
-        </p:spPr>
-        <p:style>
-          <a:lnRef idx="2">
-            <a:schemeClr val="accent1">
-              <a:shade val="50000"/>
-            </a:schemeClr>
-          </a:lnRef>
-          <a:fillRef idx="1">
-            <a:schemeClr val="accent1"/>
-          </a:fillRef>
-          <a:effectRef idx="0">
-            <a:schemeClr val="accent1"/>
-          </a:effectRef>
-          <a:fontRef idx="minor">
-            <a:schemeClr val="lt1"/>
-          </a:fontRef>
-        </p:style>
-        <p:txBody>
-          <a:bodyPr rtlCol="0" anchor="ctr"/>
-          <a:lstStyle/>
-          <a:p>
-            <a:pPr algn="ctr"/>
-            <a:r>
-              <a:rPr lang="en-US" altLang="zh-CN" dirty="0" smtClean="0"/>
-              <a:t>I’m scalable, efficient, cost-effective, self-improving, easy to deploy…</a:t>
-            </a:r>
-            <a:endParaRPr lang="zh-CN" altLang="en-US" dirty="0"/>
-          </a:p>
-        </p:txBody>
-      </p:sp>
-      <p:sp>
-        <p:nvSpPr>
-          <p:cNvPr id="8" name="Oval Callout 7"/>
-          <p:cNvSpPr/>
-          <p:nvPr/>
-        </p:nvSpPr>
-        <p:spPr>
-          <a:xfrm>
-            <a:off x="3500430" y="3429000"/>
-            <a:ext cx="1357322" cy="969838"/>
-          </a:xfrm>
-          <a:prstGeom prst="wedgeEllipseCallout">
-            <a:avLst/>
-          </a:prstGeom>
-        </p:spPr>
-        <p:style>
-          <a:lnRef idx="2">
-            <a:schemeClr val="accent1">
-              <a:shade val="50000"/>
-            </a:schemeClr>
-          </a:lnRef>
-          <a:fillRef idx="1">
-            <a:schemeClr val="accent1"/>
-          </a:fillRef>
-          <a:effectRef idx="0">
-            <a:schemeClr val="accent1"/>
-          </a:effectRef>
-          <a:fontRef idx="minor">
-            <a:schemeClr val="lt1"/>
-          </a:fontRef>
-        </p:style>
-        <p:txBody>
-          <a:bodyPr rtlCol="0" anchor="ctr"/>
-          <a:lstStyle/>
-          <a:p>
-            <a:pPr algn="ctr"/>
-            <a:r>
-              <a:rPr lang="en-US" altLang="zh-CN" dirty="0" smtClean="0"/>
-              <a:t>Marry Me</a:t>
-            </a:r>
-            <a:endParaRPr lang="zh-CN" altLang="en-US" dirty="0"/>
-          </a:p>
-        </p:txBody>
-      </p:sp>
-      <p:pic>
-        <p:nvPicPr>
-          <p:cNvPr id="2052" name="Picture 4" descr="C:\Users\Sike Huang\Desktop\super_man_100.png"/>
-          <p:cNvPicPr>
-            <a:picLocks noChangeAspect="1" noChangeArrowheads="1"/>
-          </p:cNvPicPr>
-          <p:nvPr/>
-        </p:nvPicPr>
-        <p:blipFill>
-          <a:blip r:embed="rId4"/>
-          <a:srcRect/>
-          <a:stretch>
-            <a:fillRect/>
-          </a:stretch>
-        </p:blipFill>
-        <p:spPr bwMode="auto">
-          <a:xfrm>
-            <a:off x="5834078" y="5405458"/>
-            <a:ext cx="952500" cy="952500"/>
-          </a:xfrm>
-          <a:prstGeom prst="rect">
-            <a:avLst/>
-          </a:prstGeom>
-          <a:noFill/>
-        </p:spPr>
-      </p:pic>
-      <p:sp>
-        <p:nvSpPr>
-          <p:cNvPr id="11" name="Rectangular Callout 10"/>
-          <p:cNvSpPr/>
-          <p:nvPr/>
-        </p:nvSpPr>
-        <p:spPr>
-          <a:xfrm>
-            <a:off x="5429256" y="2214554"/>
-            <a:ext cx="3214710" cy="2786082"/>
-          </a:xfrm>
-          <a:prstGeom prst="wedgeRectCallout">
-            <a:avLst/>
-          </a:prstGeom>
-        </p:spPr>
-        <p:style>
-          <a:lnRef idx="2">
-            <a:schemeClr val="accent1">
-              <a:shade val="50000"/>
-            </a:schemeClr>
-          </a:lnRef>
-          <a:fillRef idx="1">
-            <a:schemeClr val="accent1"/>
-          </a:fillRef>
-          <a:effectRef idx="0">
-            <a:schemeClr val="accent1"/>
-          </a:effectRef>
-          <a:fontRef idx="minor">
-            <a:schemeClr val="lt1"/>
-          </a:fontRef>
-        </p:style>
-        <p:txBody>
-          <a:bodyPr rtlCol="0" anchor="ctr"/>
-          <a:lstStyle/>
-          <a:p>
-            <a:pPr algn="ctr"/>
-            <a:r>
-              <a:rPr lang="en-US" altLang="zh-CN" dirty="0" smtClean="0"/>
-              <a:t>W-A-I-T !</a:t>
-            </a:r>
-          </a:p>
-          <a:p>
-            <a:pPr algn="ctr"/>
-            <a:endParaRPr lang="en-US" altLang="zh-CN" dirty="0" smtClean="0"/>
-          </a:p>
-          <a:p>
-            <a:pPr algn="ctr"/>
-            <a:r>
-              <a:rPr lang="en-US" altLang="zh-CN" dirty="0" smtClean="0"/>
-              <a:t>Two problems:</a:t>
-            </a:r>
-          </a:p>
-          <a:p>
-            <a:pPr algn="ctr"/>
-            <a:endParaRPr lang="en-US" altLang="zh-CN" dirty="0" smtClean="0"/>
-          </a:p>
-          <a:p>
-            <a:pPr marL="342900" indent="-342900">
-              <a:buAutoNum type="arabicPeriod"/>
-            </a:pPr>
-            <a:r>
-              <a:rPr lang="en-US" altLang="zh-CN" dirty="0" err="1" smtClean="0"/>
-              <a:t>Dowload</a:t>
-            </a:r>
-            <a:r>
-              <a:rPr lang="en-US" altLang="zh-CN" dirty="0" smtClean="0"/>
-              <a:t> NOT in sequence</a:t>
-            </a:r>
-          </a:p>
-          <a:p>
-            <a:pPr marL="800100" lvl="1" indent="-342900">
-              <a:buFont typeface="Arial" pitchFamily="34" charset="0"/>
-              <a:buChar char="•"/>
-            </a:pPr>
-            <a:endParaRPr lang="en-US" altLang="zh-CN" dirty="0" smtClean="0"/>
-          </a:p>
-          <a:p>
-            <a:pPr marL="342900" indent="-342900">
-              <a:buAutoNum type="arabicPeriod"/>
-            </a:pPr>
-            <a:r>
-              <a:rPr lang="en-US" altLang="zh-CN" dirty="0" smtClean="0"/>
-              <a:t>Tit-for-tat</a:t>
-            </a:r>
-            <a:endParaRPr lang="zh-CN" altLang="en-US" dirty="0"/>
-          </a:p>
-        </p:txBody>
-      </p:sp>
-      <p:sp>
-        <p:nvSpPr>
-          <p:cNvPr id="9" name="灯片编号占位符 8"/>
-          <p:cNvSpPr>
-            <a:spLocks noGrp="1"/>
-          </p:cNvSpPr>
-          <p:nvPr>
-            <p:ph type="sldNum" sz="quarter" idx="12"/>
-          </p:nvPr>
-        </p:nvSpPr>
-        <p:spPr/>
-        <p:txBody>
-          <a:bodyPr/>
-          <a:lstStyle/>
-          <a:p>
-            <a:fld id="{41B43038-07B4-481F-A1A3-7BA5DF4C905A}" type="slidenum">
-              <a:rPr lang="zh-CN" altLang="en-US" smtClean="0"/>
-              <a:pPr/>
-              <a:t>4</a:t>
-            </a:fld>
-            <a:endParaRPr lang="zh-CN" altLang="en-US"/>
-          </a:p>
-        </p:txBody>
-      </p:sp>
-    </p:spTree>
-  </p:cSld>
-  <p:clrMapOvr>
-    <a:masterClrMapping/>
-  </p:clrMapOvr>
-  <p:timing>
-    <p:tnLst>
-      <p:par>
-        <p:cTn id="1" dur="indefinite" restart="never" nodeType="tmRoot"/>
-      </p:par>
-    </p:tnLst>
-  </p:timing>
-</p:sld>
-</file>
-
-<file path=ppt/slides/slide5.xml><?xml version="1.0" encoding="utf-8"?>
-<p:sld xmlns:a="http://schemas.openxmlformats.org/drawingml/2006/main" xmlns:r="http://schemas.openxmlformats.org/officeDocument/2006/relationships" xmlns:p="http://schemas.openxmlformats.org/presentationml/2006/main">
-  <p:cSld>
-    <p:spTree>
-      <p:nvGrpSpPr>
-        <p:cNvPr id="1" name=""/>
-        <p:cNvGrpSpPr/>
-        <p:nvPr/>
-      </p:nvGrpSpPr>
-      <p:grpSpPr>
-        <a:xfrm>
-          <a:off x="0" y="0"/>
-          <a:ext cx="0" cy="0"/>
-          <a:chOff x="0" y="0"/>
-          <a:chExt cx="0" cy="0"/>
-        </a:xfrm>
-      </p:grpSpPr>
-      <p:sp>
-        <p:nvSpPr>
-          <p:cNvPr id="2" name="Title 1"/>
-          <p:cNvSpPr>
-            <a:spLocks noGrp="1"/>
-          </p:cNvSpPr>
-          <p:nvPr>
-            <p:ph type="title"/>
-          </p:nvPr>
-        </p:nvSpPr>
-        <p:spPr/>
-        <p:txBody>
-          <a:bodyPr/>
-          <a:lstStyle/>
-          <a:p>
-            <a:r>
-              <a:rPr lang="en-US" altLang="zh-CN" dirty="0" smtClean="0"/>
-              <a:t>Work this out</a:t>
-            </a:r>
-            <a:endParaRPr lang="zh-CN" altLang="en-US" dirty="0"/>
-          </a:p>
-        </p:txBody>
-      </p:sp>
-      <p:pic>
-        <p:nvPicPr>
-          <p:cNvPr id="1026" name="Picture 2"/>
-          <p:cNvPicPr>
-            <a:picLocks noChangeAspect="1" noChangeArrowheads="1"/>
-          </p:cNvPicPr>
-          <p:nvPr/>
-        </p:nvPicPr>
-        <p:blipFill>
-          <a:blip r:embed="rId2"/>
-          <a:srcRect/>
-          <a:stretch>
-            <a:fillRect/>
-          </a:stretch>
-        </p:blipFill>
-        <p:spPr bwMode="auto">
-          <a:xfrm>
-            <a:off x="812029" y="5072074"/>
-            <a:ext cx="1259641" cy="1143008"/>
-          </a:xfrm>
-          <a:prstGeom prst="rect">
-            <a:avLst/>
-          </a:prstGeom>
-          <a:noFill/>
-          <a:ln w="9525">
-            <a:noFill/>
-            <a:miter lim="800000"/>
-            <a:headEnd/>
-            <a:tailEnd/>
-          </a:ln>
-          <a:effectLst/>
-        </p:spPr>
-      </p:pic>
-      <p:pic>
-        <p:nvPicPr>
-          <p:cNvPr id="1027" name="Picture 3"/>
-          <p:cNvPicPr>
-            <a:picLocks noChangeAspect="1" noChangeArrowheads="1"/>
-          </p:cNvPicPr>
-          <p:nvPr/>
-        </p:nvPicPr>
-        <p:blipFill>
-          <a:blip r:embed="rId3"/>
-          <a:srcRect/>
-          <a:stretch>
-            <a:fillRect/>
-          </a:stretch>
-        </p:blipFill>
-        <p:spPr bwMode="auto">
-          <a:xfrm>
-            <a:off x="3786182" y="5072073"/>
-            <a:ext cx="1214446" cy="1226237"/>
-          </a:xfrm>
-          <a:prstGeom prst="rect">
-            <a:avLst/>
-          </a:prstGeom>
-          <a:noFill/>
-          <a:ln w="9525">
-            <a:noFill/>
-            <a:miter lim="800000"/>
-            <a:headEnd/>
-            <a:tailEnd/>
-          </a:ln>
-          <a:effectLst/>
-        </p:spPr>
-      </p:pic>
-      <p:pic>
-        <p:nvPicPr>
-          <p:cNvPr id="1028" name="Picture 4"/>
-          <p:cNvPicPr>
-            <a:picLocks noChangeAspect="1" noChangeArrowheads="1"/>
-          </p:cNvPicPr>
-          <p:nvPr/>
-        </p:nvPicPr>
-        <p:blipFill>
-          <a:blip r:embed="rId4"/>
-          <a:srcRect/>
-          <a:stretch>
-            <a:fillRect/>
-          </a:stretch>
-        </p:blipFill>
-        <p:spPr bwMode="auto">
-          <a:xfrm>
-            <a:off x="6858016" y="5143512"/>
-            <a:ext cx="1214446" cy="1157161"/>
-          </a:xfrm>
-          <a:prstGeom prst="rect">
-            <a:avLst/>
-          </a:prstGeom>
-          <a:noFill/>
-          <a:ln w="9525">
-            <a:noFill/>
-            <a:miter lim="800000"/>
-            <a:headEnd/>
-            <a:tailEnd/>
-          </a:ln>
-          <a:effectLst/>
-        </p:spPr>
-      </p:pic>
-      <p:sp>
-        <p:nvSpPr>
-          <p:cNvPr id="10" name="Cloud Callout 9"/>
-          <p:cNvSpPr/>
-          <p:nvPr/>
-        </p:nvSpPr>
-        <p:spPr>
-          <a:xfrm>
-            <a:off x="2928926" y="2000240"/>
-            <a:ext cx="4786346" cy="2643206"/>
-          </a:xfrm>
-          <a:prstGeom prst="cloudCallout">
-            <a:avLst/>
-          </a:prstGeom>
-        </p:spPr>
-        <p:style>
-          <a:lnRef idx="2">
-            <a:schemeClr val="accent1">
-              <a:shade val="50000"/>
-            </a:schemeClr>
-          </a:lnRef>
-          <a:fillRef idx="1">
-            <a:schemeClr val="accent1"/>
-          </a:fillRef>
-          <a:effectRef idx="0">
-            <a:schemeClr val="accent1"/>
-          </a:effectRef>
-          <a:fontRef idx="minor">
-            <a:schemeClr val="lt1"/>
-          </a:fontRef>
-        </p:style>
-        <p:txBody>
-          <a:bodyPr rtlCol="0" anchor="ctr"/>
-          <a:lstStyle/>
-          <a:p>
-            <a:pPr algn="ctr"/>
-            <a:r>
-              <a:rPr lang="en-US" altLang="zh-CN" dirty="0" smtClean="0"/>
-              <a:t>Propose two modifications in BT:</a:t>
-            </a:r>
-          </a:p>
-          <a:p>
-            <a:pPr algn="ctr"/>
-            <a:endParaRPr lang="en-US" altLang="zh-CN" dirty="0" smtClean="0"/>
-          </a:p>
-          <a:p>
-            <a:pPr marL="342900" indent="-342900">
-              <a:buAutoNum type="arabicPeriod"/>
-            </a:pPr>
-            <a:r>
-              <a:rPr lang="en-US" altLang="zh-CN" dirty="0" smtClean="0"/>
-              <a:t>Chunk selection policy</a:t>
-            </a:r>
-          </a:p>
-          <a:p>
-            <a:pPr marL="342900" indent="-342900">
-              <a:buAutoNum type="arabicPeriod"/>
-            </a:pPr>
-            <a:endParaRPr lang="en-US" altLang="zh-CN" dirty="0" smtClean="0"/>
-          </a:p>
-          <a:p>
-            <a:pPr marL="342900" indent="-342900">
-              <a:buAutoNum type="arabicPeriod"/>
-            </a:pPr>
-            <a:r>
-              <a:rPr lang="en-US" altLang="zh-CN" dirty="0" smtClean="0"/>
-              <a:t>Neighbor selection policy</a:t>
-            </a:r>
-          </a:p>
-          <a:p>
-            <a:pPr algn="ctr"/>
-            <a:endParaRPr lang="zh-CN" altLang="en-US" dirty="0"/>
-          </a:p>
-        </p:txBody>
-      </p:sp>
-      <p:sp>
-        <p:nvSpPr>
-          <p:cNvPr id="11" name="Chevron 10"/>
-          <p:cNvSpPr/>
-          <p:nvPr/>
-        </p:nvSpPr>
-        <p:spPr>
-          <a:xfrm>
-            <a:off x="2285984" y="5572140"/>
-            <a:ext cx="1071570" cy="285752"/>
-          </a:xfrm>
-          <a:prstGeom prst="chevron">
-            <a:avLst/>
-          </a:prstGeom>
-        </p:spPr>
-        <p:style>
-          <a:lnRef idx="2">
-            <a:schemeClr val="accent1">
-              <a:shade val="50000"/>
-            </a:schemeClr>
-          </a:lnRef>
-          <a:fillRef idx="1">
-            <a:schemeClr val="accent1"/>
-          </a:fillRef>
-          <a:effectRef idx="0">
-            <a:schemeClr val="accent1"/>
-          </a:effectRef>
-          <a:fontRef idx="minor">
-            <a:schemeClr val="lt1"/>
-          </a:fontRef>
-        </p:style>
-        <p:txBody>
-          <a:bodyPr rtlCol="0" anchor="ctr"/>
-          <a:lstStyle/>
-          <a:p>
-            <a:pPr algn="ctr"/>
-            <a:endParaRPr lang="zh-CN" altLang="en-US">
-              <a:solidFill>
-                <a:schemeClr val="tx1"/>
-              </a:solidFill>
-            </a:endParaRPr>
-          </a:p>
-        </p:txBody>
-      </p:sp>
-      <p:sp>
-        <p:nvSpPr>
-          <p:cNvPr id="12" name="Chevron 11"/>
-          <p:cNvSpPr/>
-          <p:nvPr/>
-        </p:nvSpPr>
-        <p:spPr>
-          <a:xfrm>
-            <a:off x="5357818" y="5572140"/>
-            <a:ext cx="1071570" cy="285752"/>
-          </a:xfrm>
-          <a:prstGeom prst="chevron">
-            <a:avLst/>
-          </a:prstGeom>
-        </p:spPr>
-        <p:style>
-          <a:lnRef idx="2">
-            <a:schemeClr val="accent1">
-              <a:shade val="50000"/>
-            </a:schemeClr>
-          </a:lnRef>
-          <a:fillRef idx="1">
-            <a:schemeClr val="accent1"/>
-          </a:fillRef>
-          <a:effectRef idx="0">
-            <a:schemeClr val="accent1"/>
-          </a:effectRef>
-          <a:fontRef idx="minor">
-            <a:schemeClr val="lt1"/>
-          </a:fontRef>
-        </p:style>
-        <p:txBody>
-          <a:bodyPr rtlCol="0" anchor="ctr"/>
-          <a:lstStyle/>
-          <a:p>
-            <a:pPr algn="ctr"/>
-            <a:endParaRPr lang="zh-CN" altLang="en-US">
-              <a:solidFill>
-                <a:schemeClr val="tx1"/>
-              </a:solidFill>
-            </a:endParaRPr>
-          </a:p>
-        </p:txBody>
-      </p:sp>
-      <p:sp>
-        <p:nvSpPr>
-          <p:cNvPr id="9" name="灯片编号占位符 8"/>
-          <p:cNvSpPr>
-            <a:spLocks noGrp="1"/>
-          </p:cNvSpPr>
-          <p:nvPr>
-            <p:ph type="sldNum" sz="quarter" idx="12"/>
-          </p:nvPr>
-        </p:nvSpPr>
-        <p:spPr/>
-        <p:txBody>
-          <a:bodyPr/>
-          <a:lstStyle/>
-          <a:p>
-            <a:fld id="{41B43038-07B4-481F-A1A3-7BA5DF4C905A}" type="slidenum">
-              <a:rPr lang="zh-CN" altLang="en-US" smtClean="0"/>
-              <a:pPr/>
-              <a:t>5</a:t>
-            </a:fld>
-            <a:endParaRPr lang="zh-CN" altLang="en-US"/>
-          </a:p>
-        </p:txBody>
-      </p:sp>
-    </p:spTree>
-  </p:cSld>
-  <p:clrMapOvr>
-    <a:masterClrMapping/>
-  </p:clrMapOvr>
-  <p:timing>
-    <p:tnLst>
-      <p:par>
-        <p:cTn id="1" dur="indefinite" restart="never" nodeType="tmRoot"/>
-      </p:par>
-    </p:tnLst>
-  </p:timing>
-</p:sld>
-</file>
-
-<file path=ppt/slides/slide6.xml><?xml version="1.0" encoding="utf-8"?>
-<p:sld xmlns:a="http://schemas.openxmlformats.org/drawingml/2006/main" xmlns:r="http://schemas.openxmlformats.org/officeDocument/2006/relationships" xmlns:p="http://schemas.openxmlformats.org/presentationml/2006/main">
-  <p:cSld>
-    <p:spTree>
-      <p:nvGrpSpPr>
-        <p:cNvPr id="1" name=""/>
-        <p:cNvGrpSpPr/>
-        <p:nvPr/>
-      </p:nvGrpSpPr>
-      <p:grpSpPr>
-        <a:xfrm>
-          <a:off x="0" y="0"/>
-          <a:ext cx="0" cy="0"/>
-          <a:chOff x="0" y="0"/>
-          <a:chExt cx="0" cy="0"/>
-        </a:xfrm>
-      </p:grpSpPr>
-      <p:sp>
-        <p:nvSpPr>
-          <p:cNvPr id="2" name="Title 1"/>
-          <p:cNvSpPr>
-            <a:spLocks noGrp="1"/>
-          </p:cNvSpPr>
-          <p:nvPr>
-            <p:ph type="title"/>
-          </p:nvPr>
-        </p:nvSpPr>
-        <p:spPr/>
-        <p:txBody>
-          <a:bodyPr/>
-          <a:lstStyle/>
-          <a:p>
-            <a:r>
-              <a:rPr lang="en-US" altLang="zh-CN" dirty="0" smtClean="0"/>
-              <a:t>Chunk selection policy</a:t>
-            </a:r>
-            <a:endParaRPr lang="zh-CN" altLang="en-US" dirty="0"/>
-          </a:p>
-        </p:txBody>
-      </p:sp>
-      <p:sp>
-        <p:nvSpPr>
-          <p:cNvPr id="3" name="Content Placeholder 2"/>
-          <p:cNvSpPr>
-            <a:spLocks noGrp="1"/>
-          </p:cNvSpPr>
-          <p:nvPr>
-            <p:ph idx="1"/>
-          </p:nvPr>
-        </p:nvSpPr>
-        <p:spPr/>
-        <p:txBody>
-          <a:bodyPr/>
-          <a:lstStyle/>
-          <a:p>
-            <a:r>
-              <a:rPr lang="en-US" altLang="zh-CN" dirty="0" smtClean="0"/>
-              <a:t>NOT in sequence</a:t>
-            </a:r>
-          </a:p>
-          <a:p>
-            <a:endParaRPr lang="en-US" altLang="zh-CN" dirty="0" smtClean="0"/>
-          </a:p>
-          <a:p>
-            <a:r>
-              <a:rPr lang="en-US" altLang="zh-CN" dirty="0" smtClean="0"/>
-              <a:t>Sliding window</a:t>
-            </a:r>
-          </a:p>
-          <a:p>
-            <a:endParaRPr lang="en-US" altLang="zh-CN" dirty="0" smtClean="0"/>
-          </a:p>
-          <a:p>
-            <a:endParaRPr lang="en-US" altLang="zh-CN" dirty="0" smtClean="0"/>
-          </a:p>
-          <a:p>
-            <a:r>
-              <a:rPr lang="en-US" altLang="zh-CN" sz="2000" i="1" dirty="0" smtClean="0"/>
-              <a:t>w</a:t>
-            </a:r>
-            <a:r>
-              <a:rPr lang="en-US" altLang="zh-CN" sz="2000" dirty="0" smtClean="0"/>
-              <a:t>: size of window</a:t>
-            </a:r>
-          </a:p>
-          <a:p>
-            <a:r>
-              <a:rPr lang="en-US" altLang="zh-CN" sz="2000" i="1" dirty="0" smtClean="0"/>
-              <a:t>d</a:t>
-            </a:r>
-            <a:r>
-              <a:rPr lang="en-US" altLang="zh-CN" sz="2000" dirty="0" smtClean="0"/>
-              <a:t>: playback delay</a:t>
-            </a:r>
-          </a:p>
-          <a:p>
-            <a:r>
-              <a:rPr lang="en-US" altLang="zh-CN" sz="2000" i="1" dirty="0" smtClean="0"/>
-              <a:t>b</a:t>
-            </a:r>
-            <a:r>
-              <a:rPr lang="en-US" altLang="zh-CN" sz="2000" dirty="0" smtClean="0"/>
-              <a:t>: </a:t>
-            </a:r>
-            <a:r>
-              <a:rPr lang="en-US" altLang="zh-CN" sz="2000" dirty="0" err="1" smtClean="0"/>
-              <a:t>vido</a:t>
-            </a:r>
-            <a:r>
-              <a:rPr lang="en-US" altLang="zh-CN" sz="2000" dirty="0" smtClean="0"/>
-              <a:t> consumption rate</a:t>
-            </a:r>
-          </a:p>
-          <a:p>
-            <a:r>
-              <a:rPr lang="en-US" altLang="zh-CN" sz="2000" i="1" dirty="0" smtClean="0"/>
-              <a:t>c</a:t>
-            </a:r>
-            <a:r>
-              <a:rPr lang="en-US" altLang="zh-CN" sz="2000" dirty="0" smtClean="0"/>
-              <a:t>: chunk size</a:t>
-            </a:r>
-          </a:p>
-          <a:p>
-            <a:endParaRPr lang="en-US" altLang="zh-CN" dirty="0" smtClean="0"/>
-          </a:p>
-          <a:p>
-            <a:endParaRPr lang="en-US" altLang="zh-CN" dirty="0" smtClean="0"/>
           </a:p>
         </p:txBody>
       </p:sp>
@@ -6045,30 +4823,6 @@
           </a:graphicData>
         </a:graphic>
       </p:graphicFrame>
-      <p:sp>
-        <p:nvSpPr>
-          <p:cNvPr id="6" name="灯片编号占位符 5"/>
-          <p:cNvSpPr>
-            <a:spLocks noGrp="1"/>
-          </p:cNvSpPr>
-          <p:nvPr>
-            <p:ph type="sldNum" sz="quarter" idx="12"/>
-          </p:nvPr>
-        </p:nvSpPr>
-        <p:spPr/>
-        <p:txBody>
-          <a:bodyPr/>
-          <a:lstStyle/>
-          <a:p>
-            <a:fld id="{41B43038-07B4-481F-A1A3-7BA5DF4C905A}" type="slidenum">
-              <a:rPr lang="zh-CN" altLang="en-US" smtClean="0"/>
-              <a:pPr/>
-              <a:t>6</a:t>
-            </a:fld>
-            <a:endParaRPr lang="zh-CN" altLang="en-US"/>
-          </a:p>
-        </p:txBody>
-      </p:sp>
     </p:spTree>
   </p:cSld>
   <p:clrMapOvr>
@@ -6081,6 +4835,3579 @@
       </p:par>
     </p:tnLst>
   </p:timing>
+</p:sld>
+</file>
+
+<file path=ppt/slides/slide11.xml><?xml version="1.0" encoding="utf-8"?>
+<p:sld xmlns:a="http://schemas.openxmlformats.org/drawingml/2006/main" xmlns:r="http://schemas.openxmlformats.org/officeDocument/2006/relationships" xmlns:p="http://schemas.openxmlformats.org/presentationml/2006/main">
+  <p:cSld>
+    <p:spTree>
+      <p:nvGrpSpPr>
+        <p:cNvPr id="1" name=""/>
+        <p:cNvGrpSpPr/>
+        <p:nvPr/>
+      </p:nvGrpSpPr>
+      <p:grpSpPr>
+        <a:xfrm>
+          <a:off x="0" y="0"/>
+          <a:ext cx="0" cy="0"/>
+          <a:chOff x="0" y="0"/>
+          <a:chExt cx="0" cy="0"/>
+        </a:xfrm>
+      </p:grpSpPr>
+      <p:sp>
+        <p:nvSpPr>
+          <p:cNvPr id="2" name="Title 1"/>
+          <p:cNvSpPr>
+            <a:spLocks noGrp="1"/>
+          </p:cNvSpPr>
+          <p:nvPr>
+            <p:ph type="title"/>
+          </p:nvPr>
+        </p:nvSpPr>
+        <p:spPr/>
+        <p:txBody>
+          <a:bodyPr/>
+          <a:lstStyle/>
+          <a:p>
+            <a:r>
+              <a:rPr lang="en-US" altLang="zh-CN" dirty="0" smtClean="0"/>
+              <a:t>Neighbor selection policy</a:t>
+            </a:r>
+            <a:endParaRPr lang="zh-CN" altLang="en-US" dirty="0"/>
+          </a:p>
+        </p:txBody>
+      </p:sp>
+      <p:sp>
+        <p:nvSpPr>
+          <p:cNvPr id="3" name="Content Placeholder 2"/>
+          <p:cNvSpPr>
+            <a:spLocks noGrp="1"/>
+          </p:cNvSpPr>
+          <p:nvPr>
+            <p:ph idx="1"/>
+          </p:nvPr>
+        </p:nvSpPr>
+        <p:spPr/>
+        <p:txBody>
+          <a:bodyPr>
+            <a:normAutofit/>
+          </a:bodyPr>
+          <a:lstStyle/>
+          <a:p>
+            <a:r>
+              <a:rPr lang="en-US" altLang="zh-CN" dirty="0" smtClean="0"/>
+              <a:t>Advantaged peers favor each other</a:t>
+            </a:r>
+          </a:p>
+          <a:p>
+            <a:r>
+              <a:rPr lang="en-US" altLang="zh-CN" dirty="0" smtClean="0"/>
+              <a:t>Slower peers suffer from slow start</a:t>
+            </a:r>
+          </a:p>
+          <a:p>
+            <a:endParaRPr lang="en-US" altLang="zh-CN" dirty="0" smtClean="0"/>
+          </a:p>
+          <a:p>
+            <a:r>
+              <a:rPr lang="en-US" altLang="zh-CN" dirty="0" smtClean="0"/>
+              <a:t>Each peer selects neighbors at random for the randomized chocking interval</a:t>
+            </a:r>
+          </a:p>
+          <a:p>
+            <a:pPr lvl="1"/>
+            <a:r>
+              <a:rPr lang="en-US" altLang="zh-CN" dirty="0" smtClean="0"/>
+              <a:t>At the beginning of every playback</a:t>
+            </a:r>
+          </a:p>
+          <a:p>
+            <a:r>
+              <a:rPr lang="en-US" altLang="zh-CN" dirty="0" smtClean="0"/>
+              <a:t>Use tit-for-tat policy until the end of the playback duration to deter free riding</a:t>
+            </a:r>
+          </a:p>
+          <a:p>
+            <a:pPr lvl="1"/>
+            <a:r>
+              <a:rPr lang="en-US" altLang="zh-CN" dirty="0" smtClean="0"/>
+              <a:t>Once they have chunks to exchange peers </a:t>
+            </a:r>
+          </a:p>
+          <a:p>
+            <a:endParaRPr lang="zh-CN" altLang="en-US" dirty="0"/>
+          </a:p>
+        </p:txBody>
+      </p:sp>
+      <p:sp>
+        <p:nvSpPr>
+          <p:cNvPr id="4" name="灯片编号占位符 3"/>
+          <p:cNvSpPr>
+            <a:spLocks noGrp="1"/>
+          </p:cNvSpPr>
+          <p:nvPr>
+            <p:ph type="sldNum" sz="quarter" idx="12"/>
+          </p:nvPr>
+        </p:nvSpPr>
+        <p:spPr/>
+        <p:txBody>
+          <a:bodyPr>
+            <a:normAutofit/>
+          </a:bodyPr>
+          <a:lstStyle/>
+          <a:p>
+            <a:fld id="{41B43038-07B4-481F-A1A3-7BA5DF4C905A}" type="slidenum">
+              <a:rPr lang="zh-CN" altLang="en-US" smtClean="0"/>
+              <a:pPr/>
+              <a:t>11</a:t>
+            </a:fld>
+            <a:endParaRPr lang="zh-CN" altLang="en-US"/>
+          </a:p>
+        </p:txBody>
+      </p:sp>
+    </p:spTree>
+  </p:cSld>
+  <p:clrMapOvr>
+    <a:masterClrMapping/>
+  </p:clrMapOvr>
+  <p:timing>
+    <p:tnLst>
+      <p:par>
+        <p:cTn id="1" dur="indefinite" restart="never" nodeType="tmRoot"/>
+      </p:par>
+    </p:tnLst>
+  </p:timing>
+</p:sld>
+</file>
+
+<file path=ppt/slides/slide12.xml><?xml version="1.0" encoding="utf-8"?>
+<p:sld xmlns:a="http://schemas.openxmlformats.org/drawingml/2006/main" xmlns:r="http://schemas.openxmlformats.org/officeDocument/2006/relationships" xmlns:p="http://schemas.openxmlformats.org/presentationml/2006/main">
+  <p:cSld>
+    <p:spTree>
+      <p:nvGrpSpPr>
+        <p:cNvPr id="1" name=""/>
+        <p:cNvGrpSpPr/>
+        <p:nvPr/>
+      </p:nvGrpSpPr>
+      <p:grpSpPr>
+        <a:xfrm>
+          <a:off x="0" y="0"/>
+          <a:ext cx="0" cy="0"/>
+          <a:chOff x="0" y="0"/>
+          <a:chExt cx="0" cy="0"/>
+        </a:xfrm>
+      </p:grpSpPr>
+      <p:sp>
+        <p:nvSpPr>
+          <p:cNvPr id="2" name="标题 1"/>
+          <p:cNvSpPr>
+            <a:spLocks noGrp="1"/>
+          </p:cNvSpPr>
+          <p:nvPr>
+            <p:ph type="title"/>
+          </p:nvPr>
+        </p:nvSpPr>
+        <p:spPr/>
+        <p:txBody>
+          <a:bodyPr/>
+          <a:lstStyle/>
+          <a:p>
+            <a:r>
+              <a:rPr lang="en-US" dirty="0" smtClean="0"/>
+              <a:t>Agenda</a:t>
+            </a:r>
+            <a:endParaRPr lang="en-US" dirty="0"/>
+          </a:p>
+        </p:txBody>
+      </p:sp>
+      <p:sp>
+        <p:nvSpPr>
+          <p:cNvPr id="3" name="内容占位符 2"/>
+          <p:cNvSpPr>
+            <a:spLocks noGrp="1"/>
+          </p:cNvSpPr>
+          <p:nvPr>
+            <p:ph idx="1"/>
+          </p:nvPr>
+        </p:nvSpPr>
+        <p:spPr/>
+        <p:txBody>
+          <a:bodyPr/>
+          <a:lstStyle/>
+          <a:p>
+            <a:pPr>
+              <a:spcBef>
+                <a:spcPts val="1000"/>
+              </a:spcBef>
+            </a:pPr>
+            <a:r>
+              <a:rPr lang="en-US" sz="4000" dirty="0" smtClean="0"/>
+              <a:t>Introduction</a:t>
+            </a:r>
+          </a:p>
+          <a:p>
+            <a:pPr>
+              <a:spcBef>
+                <a:spcPts val="1000"/>
+              </a:spcBef>
+            </a:pPr>
+            <a:r>
+              <a:rPr lang="en-US" sz="4000" dirty="0" smtClean="0"/>
+              <a:t>BT + Multimedia</a:t>
+            </a:r>
+          </a:p>
+          <a:p>
+            <a:pPr>
+              <a:spcBef>
+                <a:spcPts val="1000"/>
+              </a:spcBef>
+            </a:pPr>
+            <a:r>
+              <a:rPr lang="en-US" sz="4000" b="1" dirty="0" smtClean="0">
+                <a:solidFill>
+                  <a:srgbClr val="FF0000"/>
+                </a:solidFill>
+              </a:rPr>
+              <a:t>Experimental</a:t>
+            </a:r>
+          </a:p>
+          <a:p>
+            <a:pPr>
+              <a:spcBef>
+                <a:spcPts val="1000"/>
+              </a:spcBef>
+            </a:pPr>
+            <a:r>
+              <a:rPr lang="en-US" sz="4000" dirty="0" smtClean="0"/>
+              <a:t>Conclusion</a:t>
+            </a:r>
+            <a:endParaRPr lang="en-US" sz="4000" dirty="0" smtClean="0"/>
+          </a:p>
+          <a:p>
+            <a:endParaRPr lang="en-US" dirty="0" smtClean="0"/>
+          </a:p>
+          <a:p>
+            <a:endParaRPr lang="en-US" dirty="0"/>
+          </a:p>
+        </p:txBody>
+      </p:sp>
+      <p:sp>
+        <p:nvSpPr>
+          <p:cNvPr id="4" name="灯片编号占位符 3"/>
+          <p:cNvSpPr>
+            <a:spLocks noGrp="1"/>
+          </p:cNvSpPr>
+          <p:nvPr>
+            <p:ph type="sldNum" sz="quarter" idx="12"/>
+          </p:nvPr>
+        </p:nvSpPr>
+        <p:spPr/>
+        <p:txBody>
+          <a:bodyPr/>
+          <a:lstStyle/>
+          <a:p>
+            <a:fld id="{41B43038-07B4-481F-A1A3-7BA5DF4C905A}" type="slidenum">
+              <a:rPr lang="zh-CN" altLang="en-US" smtClean="0"/>
+              <a:pPr/>
+              <a:t>12</a:t>
+            </a:fld>
+            <a:endParaRPr lang="zh-CN" altLang="en-US"/>
+          </a:p>
+        </p:txBody>
+      </p:sp>
+    </p:spTree>
+  </p:cSld>
+  <p:clrMapOvr>
+    <a:masterClrMapping/>
+  </p:clrMapOvr>
+</p:sld>
+</file>
+
+<file path=ppt/slides/slide13.xml><?xml version="1.0" encoding="utf-8"?>
+<p:sld xmlns:a="http://schemas.openxmlformats.org/drawingml/2006/main" xmlns:r="http://schemas.openxmlformats.org/officeDocument/2006/relationships" xmlns:p="http://schemas.openxmlformats.org/presentationml/2006/main">
+  <p:cSld>
+    <p:spTree>
+      <p:nvGrpSpPr>
+        <p:cNvPr id="1" name=""/>
+        <p:cNvGrpSpPr/>
+        <p:nvPr/>
+      </p:nvGrpSpPr>
+      <p:grpSpPr>
+        <a:xfrm>
+          <a:off x="0" y="0"/>
+          <a:ext cx="0" cy="0"/>
+          <a:chOff x="0" y="0"/>
+          <a:chExt cx="0" cy="0"/>
+        </a:xfrm>
+      </p:grpSpPr>
+      <p:sp>
+        <p:nvSpPr>
+          <p:cNvPr id="2" name="标题 1"/>
+          <p:cNvSpPr>
+            <a:spLocks noGrp="1"/>
+          </p:cNvSpPr>
+          <p:nvPr>
+            <p:ph type="title"/>
+          </p:nvPr>
+        </p:nvSpPr>
+        <p:spPr/>
+        <p:txBody>
+          <a:bodyPr/>
+          <a:lstStyle/>
+          <a:p>
+            <a:r>
+              <a:rPr lang="en-US" dirty="0" smtClean="0"/>
+              <a:t>Experimental Setup</a:t>
+            </a:r>
+            <a:endParaRPr lang="en-US" dirty="0"/>
+          </a:p>
+        </p:txBody>
+      </p:sp>
+      <p:sp>
+        <p:nvSpPr>
+          <p:cNvPr id="4" name="文本占位符 3"/>
+          <p:cNvSpPr>
+            <a:spLocks noGrp="1"/>
+          </p:cNvSpPr>
+          <p:nvPr>
+            <p:ph type="body" idx="1"/>
+          </p:nvPr>
+        </p:nvSpPr>
+        <p:spPr/>
+        <p:txBody>
+          <a:bodyPr/>
+          <a:lstStyle/>
+          <a:p>
+            <a:endParaRPr lang="en-US" dirty="0"/>
+          </a:p>
+        </p:txBody>
+      </p:sp>
+      <p:sp>
+        <p:nvSpPr>
+          <p:cNvPr id="5" name="灯片编号占位符 4"/>
+          <p:cNvSpPr>
+            <a:spLocks noGrp="1"/>
+          </p:cNvSpPr>
+          <p:nvPr>
+            <p:ph type="sldNum" sz="quarter" idx="12"/>
+          </p:nvPr>
+        </p:nvSpPr>
+        <p:spPr/>
+        <p:txBody>
+          <a:bodyPr/>
+          <a:lstStyle/>
+          <a:p>
+            <a:fld id="{41B43038-07B4-481F-A1A3-7BA5DF4C905A}" type="slidenum">
+              <a:rPr lang="zh-CN" altLang="en-US" smtClean="0"/>
+              <a:pPr/>
+              <a:t>13</a:t>
+            </a:fld>
+            <a:endParaRPr lang="zh-CN" altLang="en-US"/>
+          </a:p>
+        </p:txBody>
+      </p:sp>
+    </p:spTree>
+  </p:cSld>
+  <p:clrMapOvr>
+    <a:masterClrMapping/>
+  </p:clrMapOvr>
+  <p:timing>
+    <p:tnLst>
+      <p:par>
+        <p:cTn id="1" dur="indefinite" restart="never" nodeType="tmRoot"/>
+      </p:par>
+    </p:tnLst>
+  </p:timing>
+</p:sld>
+</file>
+
+<file path=ppt/slides/slide14.xml><?xml version="1.0" encoding="utf-8"?>
+<p:sld xmlns:a="http://schemas.openxmlformats.org/drawingml/2006/main" xmlns:r="http://schemas.openxmlformats.org/officeDocument/2006/relationships" xmlns:p="http://schemas.openxmlformats.org/presentationml/2006/main">
+  <p:cSld>
+    <p:spTree>
+      <p:nvGrpSpPr>
+        <p:cNvPr id="1" name=""/>
+        <p:cNvGrpSpPr/>
+        <p:nvPr/>
+      </p:nvGrpSpPr>
+      <p:grpSpPr>
+        <a:xfrm>
+          <a:off x="0" y="0"/>
+          <a:ext cx="0" cy="0"/>
+          <a:chOff x="0" y="0"/>
+          <a:chExt cx="0" cy="0"/>
+        </a:xfrm>
+      </p:grpSpPr>
+      <p:sp>
+        <p:nvSpPr>
+          <p:cNvPr id="5" name="标题 4"/>
+          <p:cNvSpPr>
+            <a:spLocks noGrp="1"/>
+          </p:cNvSpPr>
+          <p:nvPr>
+            <p:ph type="title"/>
+          </p:nvPr>
+        </p:nvSpPr>
+        <p:spPr/>
+        <p:txBody>
+          <a:bodyPr/>
+          <a:lstStyle/>
+          <a:p>
+            <a:r>
+              <a:rPr lang="en-US" dirty="0" smtClean="0"/>
+              <a:t>Experimental Setup</a:t>
+            </a:r>
+            <a:endParaRPr lang="en-US" dirty="0"/>
+          </a:p>
+        </p:txBody>
+      </p:sp>
+      <p:sp>
+        <p:nvSpPr>
+          <p:cNvPr id="6" name="内容占位符 5"/>
+          <p:cNvSpPr>
+            <a:spLocks noGrp="1"/>
+          </p:cNvSpPr>
+          <p:nvPr>
+            <p:ph idx="1"/>
+          </p:nvPr>
+        </p:nvSpPr>
+        <p:spPr/>
+        <p:txBody>
+          <a:bodyPr/>
+          <a:lstStyle/>
+          <a:p>
+            <a:r>
+              <a:rPr lang="en-US" dirty="0" smtClean="0"/>
+              <a:t>Homogeneous setting</a:t>
+            </a:r>
+          </a:p>
+          <a:p>
+            <a:pPr lvl="1"/>
+            <a:r>
+              <a:rPr lang="en-US" dirty="0" smtClean="0"/>
+              <a:t>All leeches within a sub-network have the same link band width</a:t>
+            </a:r>
+          </a:p>
+          <a:p>
+            <a:r>
+              <a:rPr lang="en-US" dirty="0" smtClean="0"/>
+              <a:t>Assumed the idealized performance of TCP</a:t>
+            </a:r>
+          </a:p>
+          <a:p>
+            <a:r>
+              <a:rPr lang="en-US" dirty="0" smtClean="0"/>
+              <a:t>Neglect network propagation</a:t>
+            </a:r>
+          </a:p>
+          <a:p>
+            <a:pPr lvl="1"/>
+            <a:r>
+              <a:rPr lang="en-US" dirty="0" smtClean="0"/>
+              <a:t>Ignore the packages used by peers to request chunks</a:t>
+            </a:r>
+          </a:p>
+          <a:p>
+            <a:pPr lvl="2"/>
+            <a:endParaRPr lang="en-US" dirty="0"/>
+          </a:p>
+        </p:txBody>
+      </p:sp>
+    </p:spTree>
+  </p:cSld>
+  <p:clrMapOvr>
+    <a:masterClrMapping/>
+  </p:clrMapOvr>
+  <p:timing>
+    <p:tnLst>
+      <p:par>
+        <p:cTn id="1" dur="indefinite" restart="never" nodeType="tmRoot"/>
+      </p:par>
+    </p:tnLst>
+  </p:timing>
+</p:sld>
+</file>
+
+<file path=ppt/slides/slide15.xml><?xml version="1.0" encoding="utf-8"?>
+<p:sld xmlns:a="http://schemas.openxmlformats.org/drawingml/2006/main" xmlns:r="http://schemas.openxmlformats.org/officeDocument/2006/relationships" xmlns:p="http://schemas.openxmlformats.org/presentationml/2006/main">
+  <p:cSld>
+    <p:spTree>
+      <p:nvGrpSpPr>
+        <p:cNvPr id="1" name=""/>
+        <p:cNvGrpSpPr/>
+        <p:nvPr/>
+      </p:nvGrpSpPr>
+      <p:grpSpPr>
+        <a:xfrm>
+          <a:off x="0" y="0"/>
+          <a:ext cx="0" cy="0"/>
+          <a:chOff x="0" y="0"/>
+          <a:chExt cx="0" cy="0"/>
+        </a:xfrm>
+      </p:grpSpPr>
+      <p:sp>
+        <p:nvSpPr>
+          <p:cNvPr id="2" name="标题 1"/>
+          <p:cNvSpPr>
+            <a:spLocks noGrp="1"/>
+          </p:cNvSpPr>
+          <p:nvPr>
+            <p:ph type="title"/>
+          </p:nvPr>
+        </p:nvSpPr>
+        <p:spPr/>
+        <p:txBody>
+          <a:bodyPr/>
+          <a:lstStyle/>
+          <a:p>
+            <a:r>
+              <a:rPr lang="en-US" dirty="0" smtClean="0"/>
+              <a:t>Measure the performance</a:t>
+            </a:r>
+            <a:endParaRPr lang="en-US" dirty="0"/>
+          </a:p>
+        </p:txBody>
+      </p:sp>
+      <p:sp>
+        <p:nvSpPr>
+          <p:cNvPr id="3" name="内容占位符 2"/>
+          <p:cNvSpPr>
+            <a:spLocks noGrp="1"/>
+          </p:cNvSpPr>
+          <p:nvPr>
+            <p:ph idx="1"/>
+          </p:nvPr>
+        </p:nvSpPr>
+        <p:spPr/>
+        <p:txBody>
+          <a:bodyPr/>
+          <a:lstStyle/>
+          <a:p>
+            <a:r>
+              <a:rPr lang="en-US" dirty="0" smtClean="0"/>
+              <a:t>Success ratio</a:t>
+            </a:r>
+          </a:p>
+          <a:p>
+            <a:pPr lvl="1">
+              <a:buNone/>
+            </a:pPr>
+            <a:endParaRPr lang="en-US" dirty="0" smtClean="0"/>
+          </a:p>
+          <a:p>
+            <a:r>
+              <a:rPr lang="en-US" dirty="0" smtClean="0"/>
+              <a:t>Normalized network throughput</a:t>
+            </a:r>
+          </a:p>
+          <a:p>
+            <a:pPr lvl="1">
+              <a:buNone/>
+            </a:pPr>
+            <a:endParaRPr lang="en-US" dirty="0"/>
+          </a:p>
+        </p:txBody>
+      </p:sp>
+      <p:sp>
+        <p:nvSpPr>
+          <p:cNvPr id="4" name="灯片编号占位符 3"/>
+          <p:cNvSpPr>
+            <a:spLocks noGrp="1"/>
+          </p:cNvSpPr>
+          <p:nvPr>
+            <p:ph type="sldNum" sz="quarter" idx="12"/>
+          </p:nvPr>
+        </p:nvSpPr>
+        <p:spPr/>
+        <p:txBody>
+          <a:bodyPr>
+            <a:normAutofit/>
+          </a:bodyPr>
+          <a:lstStyle/>
+          <a:p>
+            <a:fld id="{41B43038-07B4-481F-A1A3-7BA5DF4C905A}" type="slidenum">
+              <a:rPr lang="zh-CN" altLang="en-US" smtClean="0"/>
+              <a:pPr/>
+              <a:t>15</a:t>
+            </a:fld>
+            <a:endParaRPr lang="zh-CN" altLang="en-US"/>
+          </a:p>
+        </p:txBody>
+      </p:sp>
+    </p:spTree>
+  </p:cSld>
+  <p:clrMapOvr>
+    <a:masterClrMapping/>
+  </p:clrMapOvr>
+  <p:timing>
+    <p:tnLst>
+      <p:par>
+        <p:cTn id="1" dur="indefinite" restart="never" nodeType="tmRoot"/>
+      </p:par>
+    </p:tnLst>
+  </p:timing>
+</p:sld>
+</file>
+
+<file path=ppt/slides/slide16.xml><?xml version="1.0" encoding="utf-8"?>
+<p:sld xmlns:a="http://schemas.openxmlformats.org/drawingml/2006/main" xmlns:r="http://schemas.openxmlformats.org/officeDocument/2006/relationships" xmlns:p="http://schemas.openxmlformats.org/presentationml/2006/main">
+  <p:cSld>
+    <p:spTree>
+      <p:nvGrpSpPr>
+        <p:cNvPr id="1" name=""/>
+        <p:cNvGrpSpPr/>
+        <p:nvPr/>
+      </p:nvGrpSpPr>
+      <p:grpSpPr>
+        <a:xfrm>
+          <a:off x="0" y="0"/>
+          <a:ext cx="0" cy="0"/>
+          <a:chOff x="0" y="0"/>
+          <a:chExt cx="0" cy="0"/>
+        </a:xfrm>
+      </p:grpSpPr>
+      <p:sp>
+        <p:nvSpPr>
+          <p:cNvPr id="7" name="标题 6"/>
+          <p:cNvSpPr>
+            <a:spLocks noGrp="1"/>
+          </p:cNvSpPr>
+          <p:nvPr>
+            <p:ph type="title"/>
+          </p:nvPr>
+        </p:nvSpPr>
+        <p:spPr/>
+        <p:txBody>
+          <a:bodyPr/>
+          <a:lstStyle/>
+          <a:p>
+            <a:r>
+              <a:rPr lang="en-US" dirty="0" smtClean="0"/>
+              <a:t>Experimental Result</a:t>
+            </a:r>
+            <a:endParaRPr lang="en-US" dirty="0"/>
+          </a:p>
+        </p:txBody>
+      </p:sp>
+      <p:sp>
+        <p:nvSpPr>
+          <p:cNvPr id="8" name="文本占位符 7"/>
+          <p:cNvSpPr>
+            <a:spLocks noGrp="1"/>
+          </p:cNvSpPr>
+          <p:nvPr>
+            <p:ph type="body" idx="1"/>
+          </p:nvPr>
+        </p:nvSpPr>
+        <p:spPr/>
+        <p:txBody>
+          <a:bodyPr/>
+          <a:lstStyle/>
+          <a:p>
+            <a:endParaRPr lang="en-US"/>
+          </a:p>
+        </p:txBody>
+      </p:sp>
+      <p:sp>
+        <p:nvSpPr>
+          <p:cNvPr id="4" name="灯片编号占位符 3"/>
+          <p:cNvSpPr>
+            <a:spLocks noGrp="1"/>
+          </p:cNvSpPr>
+          <p:nvPr>
+            <p:ph type="sldNum" sz="quarter" idx="12"/>
+          </p:nvPr>
+        </p:nvSpPr>
+        <p:spPr/>
+        <p:txBody>
+          <a:bodyPr/>
+          <a:lstStyle/>
+          <a:p>
+            <a:fld id="{41B43038-07B4-481F-A1A3-7BA5DF4C905A}" type="slidenum">
+              <a:rPr lang="zh-CN" altLang="en-US" smtClean="0"/>
+              <a:pPr/>
+              <a:t>16</a:t>
+            </a:fld>
+            <a:endParaRPr lang="zh-CN" altLang="en-US"/>
+          </a:p>
+        </p:txBody>
+      </p:sp>
+    </p:spTree>
+  </p:cSld>
+  <p:clrMapOvr>
+    <a:masterClrMapping/>
+  </p:clrMapOvr>
+  <p:timing>
+    <p:tnLst>
+      <p:par>
+        <p:cTn id="1" dur="indefinite" restart="never" nodeType="tmRoot"/>
+      </p:par>
+    </p:tnLst>
+  </p:timing>
+</p:sld>
+</file>
+
+<file path=ppt/slides/slide17.xml><?xml version="1.0" encoding="utf-8"?>
+<p:sld xmlns:a="http://schemas.openxmlformats.org/drawingml/2006/main" xmlns:r="http://schemas.openxmlformats.org/officeDocument/2006/relationships" xmlns:p="http://schemas.openxmlformats.org/presentationml/2006/main">
+  <p:cSld>
+    <p:spTree>
+      <p:nvGrpSpPr>
+        <p:cNvPr id="1" name=""/>
+        <p:cNvGrpSpPr/>
+        <p:nvPr/>
+      </p:nvGrpSpPr>
+      <p:grpSpPr>
+        <a:xfrm>
+          <a:off x="0" y="0"/>
+          <a:ext cx="0" cy="0"/>
+          <a:chOff x="0" y="0"/>
+          <a:chExt cx="0" cy="0"/>
+        </a:xfrm>
+      </p:grpSpPr>
+      <p:sp>
+        <p:nvSpPr>
+          <p:cNvPr id="5" name="标题 4"/>
+          <p:cNvSpPr>
+            <a:spLocks noGrp="1"/>
+          </p:cNvSpPr>
+          <p:nvPr>
+            <p:ph type="title"/>
+          </p:nvPr>
+        </p:nvSpPr>
+        <p:spPr/>
+        <p:txBody>
+          <a:bodyPr/>
+          <a:lstStyle/>
+          <a:p>
+            <a:r>
+              <a:rPr lang="en-US" dirty="0" smtClean="0"/>
+              <a:t>Chunk selection policy</a:t>
+            </a:r>
+            <a:endParaRPr lang="en-US" dirty="0"/>
+          </a:p>
+        </p:txBody>
+      </p:sp>
+      <p:sp>
+        <p:nvSpPr>
+          <p:cNvPr id="6" name="内容占位符 5"/>
+          <p:cNvSpPr>
+            <a:spLocks noGrp="1"/>
+          </p:cNvSpPr>
+          <p:nvPr>
+            <p:ph idx="1"/>
+          </p:nvPr>
+        </p:nvSpPr>
+        <p:spPr/>
+        <p:txBody>
+          <a:bodyPr/>
+          <a:lstStyle/>
+          <a:p>
+            <a:r>
+              <a:rPr lang="en-US" dirty="0" smtClean="0"/>
+              <a:t>Rarest-first policy (original BT)</a:t>
+            </a:r>
+          </a:p>
+          <a:p>
+            <a:endParaRPr lang="en-US" dirty="0" smtClean="0"/>
+          </a:p>
+          <a:p>
+            <a:r>
+              <a:rPr lang="en-US" dirty="0" smtClean="0"/>
+              <a:t>Sequential policy</a:t>
+            </a:r>
+          </a:p>
+          <a:p>
+            <a:endParaRPr lang="en-US" dirty="0" smtClean="0"/>
+          </a:p>
+          <a:p>
+            <a:r>
+              <a:rPr lang="en-US" dirty="0" smtClean="0"/>
+              <a:t>Sliding window and rarest-first policy</a:t>
+            </a:r>
+            <a:endParaRPr lang="en-US" dirty="0"/>
+          </a:p>
+        </p:txBody>
+      </p:sp>
+      <p:sp>
+        <p:nvSpPr>
+          <p:cNvPr id="4" name="灯片编号占位符 3"/>
+          <p:cNvSpPr>
+            <a:spLocks noGrp="1"/>
+          </p:cNvSpPr>
+          <p:nvPr>
+            <p:ph type="sldNum" sz="quarter" idx="12"/>
+          </p:nvPr>
+        </p:nvSpPr>
+        <p:spPr/>
+        <p:txBody>
+          <a:bodyPr>
+            <a:normAutofit/>
+          </a:bodyPr>
+          <a:lstStyle/>
+          <a:p>
+            <a:fld id="{41B43038-07B4-481F-A1A3-7BA5DF4C905A}" type="slidenum">
+              <a:rPr lang="zh-CN" altLang="en-US" smtClean="0"/>
+              <a:pPr/>
+              <a:t>17</a:t>
+            </a:fld>
+            <a:endParaRPr lang="zh-CN" altLang="en-US"/>
+          </a:p>
+        </p:txBody>
+      </p:sp>
+    </p:spTree>
+  </p:cSld>
+  <p:clrMapOvr>
+    <a:masterClrMapping/>
+  </p:clrMapOvr>
+  <p:timing>
+    <p:tnLst>
+      <p:par>
+        <p:cTn id="1" dur="indefinite" restart="never" nodeType="tmRoot"/>
+      </p:par>
+    </p:tnLst>
+  </p:timing>
+</p:sld>
+</file>
+
+<file path=ppt/slides/slide18.xml><?xml version="1.0" encoding="utf-8"?>
+<p:sld xmlns:a="http://schemas.openxmlformats.org/drawingml/2006/main" xmlns:r="http://schemas.openxmlformats.org/officeDocument/2006/relationships" xmlns:p="http://schemas.openxmlformats.org/presentationml/2006/main">
+  <p:cSld>
+    <p:spTree>
+      <p:nvGrpSpPr>
+        <p:cNvPr id="1" name=""/>
+        <p:cNvGrpSpPr/>
+        <p:nvPr/>
+      </p:nvGrpSpPr>
+      <p:grpSpPr>
+        <a:xfrm>
+          <a:off x="0" y="0"/>
+          <a:ext cx="0" cy="0"/>
+          <a:chOff x="0" y="0"/>
+          <a:chExt cx="0" cy="0"/>
+        </a:xfrm>
+      </p:grpSpPr>
+      <p:sp>
+        <p:nvSpPr>
+          <p:cNvPr id="5" name="标题 4"/>
+          <p:cNvSpPr>
+            <a:spLocks noGrp="1"/>
+          </p:cNvSpPr>
+          <p:nvPr>
+            <p:ph type="title"/>
+          </p:nvPr>
+        </p:nvSpPr>
+        <p:spPr>
+          <a:xfrm>
+            <a:off x="500034" y="500042"/>
+            <a:ext cx="8229600" cy="1066800"/>
+          </a:xfrm>
+        </p:spPr>
+        <p:txBody>
+          <a:bodyPr>
+            <a:normAutofit/>
+          </a:bodyPr>
+          <a:lstStyle/>
+          <a:p>
+            <a:r>
+              <a:rPr lang="en-US" dirty="0" smtClean="0"/>
+              <a:t>Chunk selection policy (continue)</a:t>
+            </a:r>
+            <a:endParaRPr lang="en-US" dirty="0"/>
+          </a:p>
+        </p:txBody>
+      </p:sp>
+      <p:sp>
+        <p:nvSpPr>
+          <p:cNvPr id="6" name="内容占位符 5"/>
+          <p:cNvSpPr>
+            <a:spLocks noGrp="1"/>
+          </p:cNvSpPr>
+          <p:nvPr>
+            <p:ph idx="1"/>
+          </p:nvPr>
+        </p:nvSpPr>
+        <p:spPr/>
+        <p:txBody>
+          <a:bodyPr/>
+          <a:lstStyle/>
+          <a:p>
+            <a:endParaRPr lang="en-US" dirty="0"/>
+          </a:p>
+        </p:txBody>
+      </p:sp>
+      <p:sp>
+        <p:nvSpPr>
+          <p:cNvPr id="4" name="灯片编号占位符 3"/>
+          <p:cNvSpPr>
+            <a:spLocks noGrp="1"/>
+          </p:cNvSpPr>
+          <p:nvPr>
+            <p:ph type="sldNum" sz="quarter" idx="12"/>
+          </p:nvPr>
+        </p:nvSpPr>
+        <p:spPr/>
+        <p:txBody>
+          <a:bodyPr>
+            <a:normAutofit/>
+          </a:bodyPr>
+          <a:lstStyle/>
+          <a:p>
+            <a:fld id="{41B43038-07B4-481F-A1A3-7BA5DF4C905A}" type="slidenum">
+              <a:rPr lang="zh-CN" altLang="en-US" smtClean="0"/>
+              <a:pPr/>
+              <a:t>18</a:t>
+            </a:fld>
+            <a:endParaRPr lang="zh-CN" altLang="en-US"/>
+          </a:p>
+        </p:txBody>
+      </p:sp>
+      <p:pic>
+        <p:nvPicPr>
+          <p:cNvPr id="21506" name="Picture 2" descr="C:\Documents and Settings\Tom\My Documents\Homework\Distributed Computing, Peer-to-Peer and GRIDS\final presentation\stuff\effectiveness of the sliding window concept.png"/>
+          <p:cNvPicPr>
+            <a:picLocks noChangeAspect="1" noChangeArrowheads="1"/>
+          </p:cNvPicPr>
+          <p:nvPr/>
+        </p:nvPicPr>
+        <p:blipFill>
+          <a:blip r:embed="rId2"/>
+          <a:srcRect/>
+          <a:stretch>
+            <a:fillRect/>
+          </a:stretch>
+        </p:blipFill>
+        <p:spPr bwMode="auto">
+          <a:xfrm>
+            <a:off x="1857356" y="2000240"/>
+            <a:ext cx="5680534" cy="4534161"/>
+          </a:xfrm>
+          <a:prstGeom prst="rect">
+            <a:avLst/>
+          </a:prstGeom>
+          <a:noFill/>
+        </p:spPr>
+      </p:pic>
+    </p:spTree>
+  </p:cSld>
+  <p:clrMapOvr>
+    <a:masterClrMapping/>
+  </p:clrMapOvr>
+  <p:timing>
+    <p:tnLst>
+      <p:par>
+        <p:cTn id="1" dur="indefinite" restart="never" nodeType="tmRoot"/>
+      </p:par>
+    </p:tnLst>
+  </p:timing>
+</p:sld>
+</file>
+
+<file path=ppt/slides/slide19.xml><?xml version="1.0" encoding="utf-8"?>
+<p:sld xmlns:a="http://schemas.openxmlformats.org/drawingml/2006/main" xmlns:r="http://schemas.openxmlformats.org/officeDocument/2006/relationships" xmlns:p="http://schemas.openxmlformats.org/presentationml/2006/main">
+  <p:cSld>
+    <p:spTree>
+      <p:nvGrpSpPr>
+        <p:cNvPr id="1" name=""/>
+        <p:cNvGrpSpPr/>
+        <p:nvPr/>
+      </p:nvGrpSpPr>
+      <p:grpSpPr>
+        <a:xfrm>
+          <a:off x="0" y="0"/>
+          <a:ext cx="0" cy="0"/>
+          <a:chOff x="0" y="0"/>
+          <a:chExt cx="0" cy="0"/>
+        </a:xfrm>
+      </p:grpSpPr>
+      <p:sp>
+        <p:nvSpPr>
+          <p:cNvPr id="9" name="标题 8"/>
+          <p:cNvSpPr>
+            <a:spLocks noGrp="1"/>
+          </p:cNvSpPr>
+          <p:nvPr>
+            <p:ph type="title"/>
+          </p:nvPr>
+        </p:nvSpPr>
+        <p:spPr/>
+        <p:txBody>
+          <a:bodyPr/>
+          <a:lstStyle/>
+          <a:p>
+            <a:r>
+              <a:rPr lang="en-US" dirty="0" smtClean="0"/>
+              <a:t>Window Size</a:t>
+            </a:r>
+            <a:endParaRPr lang="en-US" dirty="0"/>
+          </a:p>
+        </p:txBody>
+      </p:sp>
+      <p:sp>
+        <p:nvSpPr>
+          <p:cNvPr id="10" name="内容占位符 9"/>
+          <p:cNvSpPr>
+            <a:spLocks noGrp="1"/>
+          </p:cNvSpPr>
+          <p:nvPr>
+            <p:ph sz="half" idx="1"/>
+          </p:nvPr>
+        </p:nvSpPr>
+        <p:spPr/>
+        <p:txBody>
+          <a:bodyPr/>
+          <a:lstStyle/>
+          <a:p>
+            <a:endParaRPr lang="en-US"/>
+          </a:p>
+        </p:txBody>
+      </p:sp>
+      <p:sp>
+        <p:nvSpPr>
+          <p:cNvPr id="11" name="内容占位符 10"/>
+          <p:cNvSpPr>
+            <a:spLocks noGrp="1"/>
+          </p:cNvSpPr>
+          <p:nvPr>
+            <p:ph sz="half" idx="2"/>
+          </p:nvPr>
+        </p:nvSpPr>
+        <p:spPr>
+          <a:xfrm>
+            <a:off x="3857620" y="2249424"/>
+            <a:ext cx="4829180" cy="4525963"/>
+          </a:xfrm>
+        </p:spPr>
+        <p:txBody>
+          <a:bodyPr>
+            <a:normAutofit/>
+          </a:bodyPr>
+          <a:lstStyle/>
+          <a:p>
+            <a:r>
+              <a:rPr lang="en-US" sz="2400" i="1" dirty="0" smtClean="0"/>
+              <a:t>d = the playback delay</a:t>
+            </a:r>
+          </a:p>
+          <a:p>
+            <a:endParaRPr lang="en-US" sz="2400" i="1" dirty="0" smtClean="0"/>
+          </a:p>
+          <a:p>
+            <a:r>
+              <a:rPr lang="en-US" sz="2400" i="1" dirty="0" smtClean="0"/>
+              <a:t>b = the video </a:t>
+            </a:r>
+            <a:r>
+              <a:rPr lang="en-US" sz="2400" dirty="0" smtClean="0"/>
+              <a:t>consumption  rate</a:t>
+            </a:r>
+          </a:p>
+          <a:p>
+            <a:endParaRPr lang="en-US" sz="2400" dirty="0" smtClean="0"/>
+          </a:p>
+          <a:p>
+            <a:r>
+              <a:rPr lang="en-US" sz="2400" i="1" dirty="0" smtClean="0"/>
+              <a:t>c  = chunk size</a:t>
+            </a:r>
+            <a:endParaRPr lang="en-US" sz="2400" dirty="0"/>
+          </a:p>
+        </p:txBody>
+      </p:sp>
+      <p:sp>
+        <p:nvSpPr>
+          <p:cNvPr id="4" name="灯片编号占位符 3"/>
+          <p:cNvSpPr>
+            <a:spLocks noGrp="1"/>
+          </p:cNvSpPr>
+          <p:nvPr>
+            <p:ph type="sldNum" sz="quarter" idx="12"/>
+          </p:nvPr>
+        </p:nvSpPr>
+        <p:spPr/>
+        <p:txBody>
+          <a:bodyPr>
+            <a:normAutofit/>
+          </a:bodyPr>
+          <a:lstStyle/>
+          <a:p>
+            <a:fld id="{41B43038-07B4-481F-A1A3-7BA5DF4C905A}" type="slidenum">
+              <a:rPr lang="zh-CN" altLang="en-US" smtClean="0"/>
+              <a:pPr/>
+              <a:t>19</a:t>
+            </a:fld>
+            <a:endParaRPr lang="zh-CN" altLang="en-US"/>
+          </a:p>
+        </p:txBody>
+      </p:sp>
+      <p:pic>
+        <p:nvPicPr>
+          <p:cNvPr id="22530" name="Picture 2" descr="C:\Documents and Settings\Tom\My Documents\Homework\Distributed Computing, Peer-to-Peer and GRIDS\final presentation\stuff\window_size_function.png"/>
+          <p:cNvPicPr>
+            <a:picLocks noChangeAspect="1" noChangeArrowheads="1"/>
+          </p:cNvPicPr>
+          <p:nvPr/>
+        </p:nvPicPr>
+        <p:blipFill>
+          <a:blip r:embed="rId2"/>
+          <a:srcRect/>
+          <a:stretch>
+            <a:fillRect/>
+          </a:stretch>
+        </p:blipFill>
+        <p:spPr bwMode="auto">
+          <a:xfrm>
+            <a:off x="357158" y="2857496"/>
+            <a:ext cx="3286148" cy="2819682"/>
+          </a:xfrm>
+          <a:prstGeom prst="rect">
+            <a:avLst/>
+          </a:prstGeom>
+          <a:noFill/>
+        </p:spPr>
+      </p:pic>
+    </p:spTree>
+  </p:cSld>
+  <p:clrMapOvr>
+    <a:masterClrMapping/>
+  </p:clrMapOvr>
+  <p:timing>
+    <p:tnLst>
+      <p:par>
+        <p:cTn id="1" dur="indefinite" restart="never" nodeType="tmRoot"/>
+      </p:par>
+    </p:tnLst>
+  </p:timing>
+</p:sld>
+</file>
+
+<file path=ppt/slides/slide2.xml><?xml version="1.0" encoding="utf-8"?>
+<p:sld xmlns:a="http://schemas.openxmlformats.org/drawingml/2006/main" xmlns:r="http://schemas.openxmlformats.org/officeDocument/2006/relationships" xmlns:p="http://schemas.openxmlformats.org/presentationml/2006/main">
+  <p:cSld>
+    <p:spTree>
+      <p:nvGrpSpPr>
+        <p:cNvPr id="1" name=""/>
+        <p:cNvGrpSpPr/>
+        <p:nvPr/>
+      </p:nvGrpSpPr>
+      <p:grpSpPr>
+        <a:xfrm>
+          <a:off x="0" y="0"/>
+          <a:ext cx="0" cy="0"/>
+          <a:chOff x="0" y="0"/>
+          <a:chExt cx="0" cy="0"/>
+        </a:xfrm>
+      </p:grpSpPr>
+      <p:sp>
+        <p:nvSpPr>
+          <p:cNvPr id="2" name="标题 1"/>
+          <p:cNvSpPr>
+            <a:spLocks noGrp="1"/>
+          </p:cNvSpPr>
+          <p:nvPr>
+            <p:ph type="title"/>
+          </p:nvPr>
+        </p:nvSpPr>
+        <p:spPr/>
+        <p:txBody>
+          <a:bodyPr/>
+          <a:lstStyle/>
+          <a:p>
+            <a:r>
+              <a:rPr lang="en-US" dirty="0" smtClean="0"/>
+              <a:t>Agenda</a:t>
+            </a:r>
+            <a:endParaRPr lang="en-US" dirty="0"/>
+          </a:p>
+        </p:txBody>
+      </p:sp>
+      <p:sp>
+        <p:nvSpPr>
+          <p:cNvPr id="3" name="内容占位符 2"/>
+          <p:cNvSpPr>
+            <a:spLocks noGrp="1"/>
+          </p:cNvSpPr>
+          <p:nvPr>
+            <p:ph idx="1"/>
+          </p:nvPr>
+        </p:nvSpPr>
+        <p:spPr/>
+        <p:txBody>
+          <a:bodyPr/>
+          <a:lstStyle/>
+          <a:p>
+            <a:pPr>
+              <a:spcBef>
+                <a:spcPts val="1000"/>
+              </a:spcBef>
+            </a:pPr>
+            <a:r>
+              <a:rPr lang="en-US" sz="4000" dirty="0" smtClean="0"/>
+              <a:t>Introduction</a:t>
+            </a:r>
+          </a:p>
+          <a:p>
+            <a:pPr>
+              <a:spcBef>
+                <a:spcPts val="1000"/>
+              </a:spcBef>
+            </a:pPr>
+            <a:r>
+              <a:rPr lang="en-US" sz="4000" dirty="0" smtClean="0"/>
+              <a:t>BT + Multimedia</a:t>
+            </a:r>
+          </a:p>
+          <a:p>
+            <a:pPr>
+              <a:spcBef>
+                <a:spcPts val="1000"/>
+              </a:spcBef>
+            </a:pPr>
+            <a:r>
+              <a:rPr lang="en-US" sz="4000" dirty="0" smtClean="0"/>
+              <a:t>Experimental</a:t>
+            </a:r>
+          </a:p>
+          <a:p>
+            <a:pPr>
+              <a:spcBef>
+                <a:spcPts val="1000"/>
+              </a:spcBef>
+            </a:pPr>
+            <a:r>
+              <a:rPr lang="en-US" sz="4000" dirty="0" smtClean="0"/>
+              <a:t>Conclusion</a:t>
+            </a:r>
+            <a:endParaRPr lang="en-US" sz="4000" dirty="0" smtClean="0"/>
+          </a:p>
+          <a:p>
+            <a:endParaRPr lang="en-US" dirty="0" smtClean="0"/>
+          </a:p>
+          <a:p>
+            <a:endParaRPr lang="en-US" dirty="0"/>
+          </a:p>
+        </p:txBody>
+      </p:sp>
+      <p:sp>
+        <p:nvSpPr>
+          <p:cNvPr id="4" name="灯片编号占位符 3"/>
+          <p:cNvSpPr>
+            <a:spLocks noGrp="1"/>
+          </p:cNvSpPr>
+          <p:nvPr>
+            <p:ph type="sldNum" sz="quarter" idx="12"/>
+          </p:nvPr>
+        </p:nvSpPr>
+        <p:spPr/>
+        <p:txBody>
+          <a:bodyPr/>
+          <a:lstStyle/>
+          <a:p>
+            <a:fld id="{41B43038-07B4-481F-A1A3-7BA5DF4C905A}" type="slidenum">
+              <a:rPr lang="zh-CN" altLang="en-US" smtClean="0"/>
+              <a:pPr/>
+              <a:t>2</a:t>
+            </a:fld>
+            <a:endParaRPr lang="zh-CN" altLang="en-US"/>
+          </a:p>
+        </p:txBody>
+      </p:sp>
+    </p:spTree>
+  </p:cSld>
+  <p:clrMapOvr>
+    <a:masterClrMapping/>
+  </p:clrMapOvr>
+</p:sld>
+</file>
+
+<file path=ppt/slides/slide20.xml><?xml version="1.0" encoding="utf-8"?>
+<p:sld xmlns:a="http://schemas.openxmlformats.org/drawingml/2006/main" xmlns:r="http://schemas.openxmlformats.org/officeDocument/2006/relationships" xmlns:p="http://schemas.openxmlformats.org/presentationml/2006/main">
+  <p:cSld>
+    <p:spTree>
+      <p:nvGrpSpPr>
+        <p:cNvPr id="1" name=""/>
+        <p:cNvGrpSpPr/>
+        <p:nvPr/>
+      </p:nvGrpSpPr>
+      <p:grpSpPr>
+        <a:xfrm>
+          <a:off x="0" y="0"/>
+          <a:ext cx="0" cy="0"/>
+          <a:chOff x="0" y="0"/>
+          <a:chExt cx="0" cy="0"/>
+        </a:xfrm>
+      </p:grpSpPr>
+      <p:sp>
+        <p:nvSpPr>
+          <p:cNvPr id="6" name="标题 5"/>
+          <p:cNvSpPr>
+            <a:spLocks noGrp="1"/>
+          </p:cNvSpPr>
+          <p:nvPr>
+            <p:ph type="title"/>
+          </p:nvPr>
+        </p:nvSpPr>
+        <p:spPr/>
+        <p:txBody>
+          <a:bodyPr/>
+          <a:lstStyle/>
+          <a:p>
+            <a:r>
+              <a:rPr lang="en-US" dirty="0" smtClean="0"/>
+              <a:t>Neighbor Selection policy</a:t>
+            </a:r>
+            <a:endParaRPr lang="en-US" dirty="0"/>
+          </a:p>
+        </p:txBody>
+      </p:sp>
+      <p:sp>
+        <p:nvSpPr>
+          <p:cNvPr id="7" name="内容占位符 6"/>
+          <p:cNvSpPr>
+            <a:spLocks noGrp="1"/>
+          </p:cNvSpPr>
+          <p:nvPr>
+            <p:ph idx="1"/>
+          </p:nvPr>
+        </p:nvSpPr>
+        <p:spPr/>
+        <p:txBody>
+          <a:bodyPr/>
+          <a:lstStyle/>
+          <a:p>
+            <a:r>
+              <a:rPr lang="en-US" dirty="0" smtClean="0"/>
+              <a:t>BT-randomized-tit-for-tat</a:t>
+            </a:r>
+          </a:p>
+          <a:p>
+            <a:pPr>
+              <a:buNone/>
+            </a:pPr>
+            <a:endParaRPr lang="en-US" dirty="0" smtClean="0"/>
+          </a:p>
+          <a:p>
+            <a:r>
+              <a:rPr lang="en-US" dirty="0" smtClean="0"/>
+              <a:t>BT-tit-for-tat</a:t>
+            </a:r>
+            <a:endParaRPr lang="en-US" dirty="0"/>
+          </a:p>
+        </p:txBody>
+      </p:sp>
+      <p:sp>
+        <p:nvSpPr>
+          <p:cNvPr id="5" name="灯片编号占位符 4"/>
+          <p:cNvSpPr>
+            <a:spLocks noGrp="1"/>
+          </p:cNvSpPr>
+          <p:nvPr>
+            <p:ph type="sldNum" sz="quarter" idx="12"/>
+          </p:nvPr>
+        </p:nvSpPr>
+        <p:spPr/>
+        <p:txBody>
+          <a:bodyPr>
+            <a:normAutofit/>
+          </a:bodyPr>
+          <a:lstStyle/>
+          <a:p>
+            <a:fld id="{41B43038-07B4-481F-A1A3-7BA5DF4C905A}" type="slidenum">
+              <a:rPr lang="zh-CN" altLang="en-US" smtClean="0"/>
+              <a:pPr/>
+              <a:t>20</a:t>
+            </a:fld>
+            <a:endParaRPr lang="zh-CN" altLang="en-US"/>
+          </a:p>
+        </p:txBody>
+      </p:sp>
+    </p:spTree>
+  </p:cSld>
+  <p:clrMapOvr>
+    <a:masterClrMapping/>
+  </p:clrMapOvr>
+  <p:timing>
+    <p:tnLst>
+      <p:par>
+        <p:cTn id="1" dur="indefinite" restart="never" nodeType="tmRoot"/>
+      </p:par>
+    </p:tnLst>
+  </p:timing>
+</p:sld>
+</file>
+
+<file path=ppt/slides/slide21.xml><?xml version="1.0" encoding="utf-8"?>
+<p:sld xmlns:a="http://schemas.openxmlformats.org/drawingml/2006/main" xmlns:r="http://schemas.openxmlformats.org/officeDocument/2006/relationships" xmlns:p="http://schemas.openxmlformats.org/presentationml/2006/main">
+  <p:cSld>
+    <p:spTree>
+      <p:nvGrpSpPr>
+        <p:cNvPr id="1" name=""/>
+        <p:cNvGrpSpPr/>
+        <p:nvPr/>
+      </p:nvGrpSpPr>
+      <p:grpSpPr>
+        <a:xfrm>
+          <a:off x="0" y="0"/>
+          <a:ext cx="0" cy="0"/>
+          <a:chOff x="0" y="0"/>
+          <a:chExt cx="0" cy="0"/>
+        </a:xfrm>
+      </p:grpSpPr>
+      <p:sp>
+        <p:nvSpPr>
+          <p:cNvPr id="2" name="标题 1"/>
+          <p:cNvSpPr>
+            <a:spLocks noGrp="1"/>
+          </p:cNvSpPr>
+          <p:nvPr>
+            <p:ph type="title"/>
+          </p:nvPr>
+        </p:nvSpPr>
+        <p:spPr/>
+        <p:txBody>
+          <a:bodyPr/>
+          <a:lstStyle/>
+          <a:p>
+            <a:r>
+              <a:rPr lang="en-US" dirty="0" smtClean="0"/>
+              <a:t>Three types of Regions</a:t>
+            </a:r>
+            <a:endParaRPr lang="en-US" dirty="0"/>
+          </a:p>
+        </p:txBody>
+      </p:sp>
+      <p:sp>
+        <p:nvSpPr>
+          <p:cNvPr id="5" name="内容占位符 4"/>
+          <p:cNvSpPr>
+            <a:spLocks noGrp="1"/>
+          </p:cNvSpPr>
+          <p:nvPr>
+            <p:ph sz="half" idx="1"/>
+          </p:nvPr>
+        </p:nvSpPr>
+        <p:spPr>
+          <a:xfrm>
+            <a:off x="457200" y="2249424"/>
+            <a:ext cx="6758006" cy="4525963"/>
+          </a:xfrm>
+        </p:spPr>
+        <p:txBody>
+          <a:bodyPr>
+            <a:normAutofit/>
+          </a:bodyPr>
+          <a:lstStyle/>
+          <a:p>
+            <a:r>
+              <a:rPr lang="en-US" dirty="0" smtClean="0"/>
+              <a:t>Resource-rich         ( r &gt; b )</a:t>
+            </a:r>
+          </a:p>
+          <a:p>
+            <a:r>
+              <a:rPr lang="en-US" dirty="0" smtClean="0"/>
+              <a:t>Resource-critical    ( r </a:t>
+            </a:r>
+            <a:r>
+              <a:rPr lang="en-US" dirty="0" smtClean="0"/>
+              <a:t>≈ b)</a:t>
+            </a:r>
+          </a:p>
+          <a:p>
+            <a:r>
+              <a:rPr lang="en-US" dirty="0" smtClean="0"/>
+              <a:t>Resource-starved   ( r &lt; b )</a:t>
+            </a:r>
+          </a:p>
+          <a:p>
+            <a:endParaRPr lang="en-US" dirty="0" smtClean="0"/>
+          </a:p>
+          <a:p>
+            <a:endParaRPr lang="en-US" dirty="0" smtClean="0"/>
+          </a:p>
+          <a:p>
+            <a:r>
+              <a:rPr lang="en-US" dirty="0" smtClean="0"/>
+              <a:t>b  = video consumption rate</a:t>
+            </a:r>
+          </a:p>
+          <a:p>
+            <a:r>
+              <a:rPr lang="en-US" dirty="0" smtClean="0"/>
+              <a:t>r = average observed download rate (</a:t>
+            </a:r>
+            <a:r>
+              <a:rPr lang="en-US" dirty="0" smtClean="0"/>
+              <a:t>4.048 Mbps)</a:t>
+            </a:r>
+            <a:endParaRPr lang="en-US" dirty="0" smtClean="0"/>
+          </a:p>
+          <a:p>
+            <a:endParaRPr lang="en-US" dirty="0" smtClean="0"/>
+          </a:p>
+          <a:p>
+            <a:endParaRPr lang="en-US" dirty="0" smtClean="0"/>
+          </a:p>
+          <a:p>
+            <a:r>
+              <a:rPr lang="en-US" dirty="0" smtClean="0"/>
+              <a:t>S = </a:t>
+            </a:r>
+            <a:r>
+              <a:rPr lang="en-US" dirty="0" smtClean="0"/>
+              <a:t>v</a:t>
+            </a:r>
+            <a:r>
+              <a:rPr lang="en-US" dirty="0" smtClean="0"/>
+              <a:t>ideo size (150 MB)</a:t>
+            </a:r>
+          </a:p>
+          <a:p>
+            <a:r>
+              <a:rPr lang="en-US" dirty="0" smtClean="0"/>
+              <a:t>t = average video distribution time (296.418 s)</a:t>
+            </a:r>
+          </a:p>
+          <a:p>
+            <a:endParaRPr lang="en-US" dirty="0" smtClean="0"/>
+          </a:p>
+          <a:p>
+            <a:pPr>
+              <a:buNone/>
+            </a:pPr>
+            <a:endParaRPr lang="en-US" dirty="0"/>
+          </a:p>
+        </p:txBody>
+      </p:sp>
+      <p:pic>
+        <p:nvPicPr>
+          <p:cNvPr id="21506" name="Picture 2"/>
+          <p:cNvPicPr>
+            <a:picLocks noGrp="1" noChangeAspect="1" noChangeArrowheads="1"/>
+          </p:cNvPicPr>
+          <p:nvPr>
+            <p:ph sz="half" idx="2"/>
+          </p:nvPr>
+        </p:nvPicPr>
+        <p:blipFill>
+          <a:blip r:embed="rId2"/>
+          <a:stretch>
+            <a:fillRect/>
+          </a:stretch>
+        </p:blipFill>
+        <p:spPr bwMode="auto">
+          <a:xfrm>
+            <a:off x="4648200" y="2743386"/>
+            <a:ext cx="4038600" cy="3538165"/>
+          </a:xfrm>
+          <a:prstGeom prst="rect">
+            <a:avLst/>
+          </a:prstGeom>
+          <a:noFill/>
+          <a:ln w="9525">
+            <a:noFill/>
+            <a:miter lim="800000"/>
+            <a:headEnd/>
+            <a:tailEnd/>
+          </a:ln>
+          <a:effectLst/>
+        </p:spPr>
+      </p:pic>
+      <p:sp>
+        <p:nvSpPr>
+          <p:cNvPr id="4" name="灯片编号占位符 3"/>
+          <p:cNvSpPr>
+            <a:spLocks noGrp="1"/>
+          </p:cNvSpPr>
+          <p:nvPr>
+            <p:ph type="sldNum" sz="quarter" idx="12"/>
+          </p:nvPr>
+        </p:nvSpPr>
+        <p:spPr/>
+        <p:txBody>
+          <a:bodyPr>
+            <a:normAutofit/>
+          </a:bodyPr>
+          <a:lstStyle/>
+          <a:p>
+            <a:fld id="{41B43038-07B4-481F-A1A3-7BA5DF4C905A}" type="slidenum">
+              <a:rPr lang="zh-CN" altLang="en-US" smtClean="0"/>
+              <a:pPr/>
+              <a:t>21</a:t>
+            </a:fld>
+            <a:endParaRPr lang="zh-CN" altLang="en-US"/>
+          </a:p>
+        </p:txBody>
+      </p:sp>
+    </p:spTree>
+  </p:cSld>
+  <p:clrMapOvr>
+    <a:masterClrMapping/>
+  </p:clrMapOvr>
+  <p:timing>
+    <p:tnLst>
+      <p:par>
+        <p:cTn id="1" dur="indefinite" restart="never" nodeType="tmRoot"/>
+      </p:par>
+    </p:tnLst>
+  </p:timing>
+</p:sld>
+</file>
+
+<file path=ppt/slides/slide22.xml><?xml version="1.0" encoding="utf-8"?>
+<p:sld xmlns:a="http://schemas.openxmlformats.org/drawingml/2006/main" xmlns:r="http://schemas.openxmlformats.org/officeDocument/2006/relationships" xmlns:p="http://schemas.openxmlformats.org/presentationml/2006/main">
+  <p:cSld>
+    <p:spTree>
+      <p:nvGrpSpPr>
+        <p:cNvPr id="1" name=""/>
+        <p:cNvGrpSpPr/>
+        <p:nvPr/>
+      </p:nvGrpSpPr>
+      <p:grpSpPr>
+        <a:xfrm>
+          <a:off x="0" y="0"/>
+          <a:ext cx="0" cy="0"/>
+          <a:chOff x="0" y="0"/>
+          <a:chExt cx="0" cy="0"/>
+        </a:xfrm>
+      </p:grpSpPr>
+      <p:sp>
+        <p:nvSpPr>
+          <p:cNvPr id="6" name="标题 5"/>
+          <p:cNvSpPr>
+            <a:spLocks noGrp="1"/>
+          </p:cNvSpPr>
+          <p:nvPr>
+            <p:ph type="title"/>
+          </p:nvPr>
+        </p:nvSpPr>
+        <p:spPr/>
+        <p:txBody>
+          <a:bodyPr/>
+          <a:lstStyle/>
+          <a:p>
+            <a:r>
+              <a:rPr lang="en-US" dirty="0" smtClean="0"/>
+              <a:t>Success Ratio</a:t>
+            </a:r>
+            <a:endParaRPr lang="en-US" dirty="0"/>
+          </a:p>
+        </p:txBody>
+      </p:sp>
+      <p:pic>
+        <p:nvPicPr>
+          <p:cNvPr id="22530" name="Picture 2"/>
+          <p:cNvPicPr>
+            <a:picLocks noGrp="1" noChangeAspect="1" noChangeArrowheads="1"/>
+          </p:cNvPicPr>
+          <p:nvPr>
+            <p:ph idx="1"/>
+          </p:nvPr>
+        </p:nvPicPr>
+        <p:blipFill>
+          <a:blip r:embed="rId2"/>
+          <a:stretch>
+            <a:fillRect/>
+          </a:stretch>
+        </p:blipFill>
+        <p:spPr bwMode="auto">
+          <a:xfrm>
+            <a:off x="2126084" y="2249488"/>
+            <a:ext cx="4891831" cy="4324350"/>
+          </a:xfrm>
+          <a:prstGeom prst="rect">
+            <a:avLst/>
+          </a:prstGeom>
+          <a:noFill/>
+          <a:ln w="9525">
+            <a:noFill/>
+            <a:miter lim="800000"/>
+            <a:headEnd/>
+            <a:tailEnd/>
+          </a:ln>
+          <a:effectLst/>
+        </p:spPr>
+      </p:pic>
+      <p:sp>
+        <p:nvSpPr>
+          <p:cNvPr id="5" name="灯片编号占位符 4"/>
+          <p:cNvSpPr>
+            <a:spLocks noGrp="1"/>
+          </p:cNvSpPr>
+          <p:nvPr>
+            <p:ph type="sldNum" sz="quarter" idx="12"/>
+          </p:nvPr>
+        </p:nvSpPr>
+        <p:spPr/>
+        <p:txBody>
+          <a:bodyPr>
+            <a:normAutofit/>
+          </a:bodyPr>
+          <a:lstStyle/>
+          <a:p>
+            <a:fld id="{41B43038-07B4-481F-A1A3-7BA5DF4C905A}" type="slidenum">
+              <a:rPr lang="zh-CN" altLang="en-US" smtClean="0"/>
+              <a:pPr/>
+              <a:t>22</a:t>
+            </a:fld>
+            <a:endParaRPr lang="zh-CN" altLang="en-US"/>
+          </a:p>
+        </p:txBody>
+      </p:sp>
+    </p:spTree>
+  </p:cSld>
+  <p:clrMapOvr>
+    <a:masterClrMapping/>
+  </p:clrMapOvr>
+  <p:timing>
+    <p:tnLst>
+      <p:par>
+        <p:cTn id="1" dur="indefinite" restart="never" nodeType="tmRoot"/>
+      </p:par>
+    </p:tnLst>
+  </p:timing>
+</p:sld>
+</file>
+
+<file path=ppt/slides/slide23.xml><?xml version="1.0" encoding="utf-8"?>
+<p:sld xmlns:a="http://schemas.openxmlformats.org/drawingml/2006/main" xmlns:r="http://schemas.openxmlformats.org/officeDocument/2006/relationships" xmlns:p="http://schemas.openxmlformats.org/presentationml/2006/main">
+  <p:cSld>
+    <p:spTree>
+      <p:nvGrpSpPr>
+        <p:cNvPr id="1" name=""/>
+        <p:cNvGrpSpPr/>
+        <p:nvPr/>
+      </p:nvGrpSpPr>
+      <p:grpSpPr>
+        <a:xfrm>
+          <a:off x="0" y="0"/>
+          <a:ext cx="0" cy="0"/>
+          <a:chOff x="0" y="0"/>
+          <a:chExt cx="0" cy="0"/>
+        </a:xfrm>
+      </p:grpSpPr>
+      <p:sp>
+        <p:nvSpPr>
+          <p:cNvPr id="2" name="标题 1"/>
+          <p:cNvSpPr>
+            <a:spLocks noGrp="1"/>
+          </p:cNvSpPr>
+          <p:nvPr>
+            <p:ph type="title"/>
+          </p:nvPr>
+        </p:nvSpPr>
+        <p:spPr/>
+        <p:txBody>
+          <a:bodyPr/>
+          <a:lstStyle/>
+          <a:p>
+            <a:r>
+              <a:rPr lang="en-US" dirty="0" smtClean="0"/>
+              <a:t>Success </a:t>
+            </a:r>
+            <a:r>
+              <a:rPr lang="en-US" dirty="0" smtClean="0"/>
+              <a:t>Rate (continue)</a:t>
+            </a:r>
+            <a:endParaRPr lang="en-US" dirty="0"/>
+          </a:p>
+        </p:txBody>
+      </p:sp>
+      <p:pic>
+        <p:nvPicPr>
+          <p:cNvPr id="23554" name="Picture 2"/>
+          <p:cNvPicPr>
+            <a:picLocks noGrp="1" noChangeAspect="1" noChangeArrowheads="1"/>
+          </p:cNvPicPr>
+          <p:nvPr>
+            <p:ph idx="1"/>
+          </p:nvPr>
+        </p:nvPicPr>
+        <p:blipFill>
+          <a:blip r:embed="rId2"/>
+          <a:stretch>
+            <a:fillRect/>
+          </a:stretch>
+        </p:blipFill>
+        <p:spPr bwMode="auto">
+          <a:xfrm>
+            <a:off x="1972947" y="2249488"/>
+            <a:ext cx="5198106" cy="4324350"/>
+          </a:xfrm>
+          <a:prstGeom prst="rect">
+            <a:avLst/>
+          </a:prstGeom>
+          <a:noFill/>
+          <a:ln w="9525">
+            <a:noFill/>
+            <a:miter lim="800000"/>
+            <a:headEnd/>
+            <a:tailEnd/>
+          </a:ln>
+          <a:effectLst/>
+        </p:spPr>
+      </p:pic>
+      <p:sp>
+        <p:nvSpPr>
+          <p:cNvPr id="4" name="灯片编号占位符 3"/>
+          <p:cNvSpPr>
+            <a:spLocks noGrp="1"/>
+          </p:cNvSpPr>
+          <p:nvPr>
+            <p:ph type="sldNum" sz="quarter" idx="12"/>
+          </p:nvPr>
+        </p:nvSpPr>
+        <p:spPr/>
+        <p:txBody>
+          <a:bodyPr>
+            <a:normAutofit/>
+          </a:bodyPr>
+          <a:lstStyle/>
+          <a:p>
+            <a:fld id="{41B43038-07B4-481F-A1A3-7BA5DF4C905A}" type="slidenum">
+              <a:rPr lang="zh-CN" altLang="en-US" smtClean="0"/>
+              <a:pPr/>
+              <a:t>23</a:t>
+            </a:fld>
+            <a:endParaRPr lang="zh-CN" altLang="en-US"/>
+          </a:p>
+        </p:txBody>
+      </p:sp>
+    </p:spTree>
+  </p:cSld>
+  <p:clrMapOvr>
+    <a:masterClrMapping/>
+  </p:clrMapOvr>
+  <p:timing>
+    <p:tnLst>
+      <p:par>
+        <p:cTn id="1" dur="indefinite" restart="never" nodeType="tmRoot"/>
+      </p:par>
+    </p:tnLst>
+  </p:timing>
+</p:sld>
+</file>
+
+<file path=ppt/slides/slide24.xml><?xml version="1.0" encoding="utf-8"?>
+<p:sld xmlns:a="http://schemas.openxmlformats.org/drawingml/2006/main" xmlns:r="http://schemas.openxmlformats.org/officeDocument/2006/relationships" xmlns:p="http://schemas.openxmlformats.org/presentationml/2006/main">
+  <p:cSld>
+    <p:spTree>
+      <p:nvGrpSpPr>
+        <p:cNvPr id="1" name=""/>
+        <p:cNvGrpSpPr/>
+        <p:nvPr/>
+      </p:nvGrpSpPr>
+      <p:grpSpPr>
+        <a:xfrm>
+          <a:off x="0" y="0"/>
+          <a:ext cx="0" cy="0"/>
+          <a:chOff x="0" y="0"/>
+          <a:chExt cx="0" cy="0"/>
+        </a:xfrm>
+      </p:grpSpPr>
+      <p:sp>
+        <p:nvSpPr>
+          <p:cNvPr id="2" name="标题 1"/>
+          <p:cNvSpPr>
+            <a:spLocks noGrp="1"/>
+          </p:cNvSpPr>
+          <p:nvPr>
+            <p:ph type="title"/>
+          </p:nvPr>
+        </p:nvSpPr>
+        <p:spPr/>
+        <p:txBody>
+          <a:bodyPr/>
+          <a:lstStyle/>
+          <a:p>
+            <a:r>
+              <a:rPr lang="en-US" dirty="0" smtClean="0"/>
+              <a:t>Success Rate(continue)</a:t>
+            </a:r>
+            <a:endParaRPr lang="en-US" dirty="0"/>
+          </a:p>
+        </p:txBody>
+      </p:sp>
+      <p:pic>
+        <p:nvPicPr>
+          <p:cNvPr id="24578" name="Picture 2"/>
+          <p:cNvPicPr>
+            <a:picLocks noGrp="1" noChangeAspect="1" noChangeArrowheads="1"/>
+          </p:cNvPicPr>
+          <p:nvPr>
+            <p:ph idx="1"/>
+          </p:nvPr>
+        </p:nvPicPr>
+        <p:blipFill>
+          <a:blip r:embed="rId2"/>
+          <a:stretch>
+            <a:fillRect/>
+          </a:stretch>
+        </p:blipFill>
+        <p:spPr bwMode="auto">
+          <a:xfrm>
+            <a:off x="2069262" y="2249488"/>
+            <a:ext cx="5005475" cy="4324350"/>
+          </a:xfrm>
+          <a:prstGeom prst="rect">
+            <a:avLst/>
+          </a:prstGeom>
+          <a:noFill/>
+          <a:ln w="9525">
+            <a:noFill/>
+            <a:miter lim="800000"/>
+            <a:headEnd/>
+            <a:tailEnd/>
+          </a:ln>
+          <a:effectLst/>
+        </p:spPr>
+      </p:pic>
+      <p:sp>
+        <p:nvSpPr>
+          <p:cNvPr id="4" name="灯片编号占位符 3"/>
+          <p:cNvSpPr>
+            <a:spLocks noGrp="1"/>
+          </p:cNvSpPr>
+          <p:nvPr>
+            <p:ph type="sldNum" sz="quarter" idx="12"/>
+          </p:nvPr>
+        </p:nvSpPr>
+        <p:spPr/>
+        <p:txBody>
+          <a:bodyPr>
+            <a:normAutofit/>
+          </a:bodyPr>
+          <a:lstStyle/>
+          <a:p>
+            <a:fld id="{41B43038-07B4-481F-A1A3-7BA5DF4C905A}" type="slidenum">
+              <a:rPr lang="zh-CN" altLang="en-US" smtClean="0"/>
+              <a:pPr/>
+              <a:t>24</a:t>
+            </a:fld>
+            <a:endParaRPr lang="zh-CN" altLang="en-US"/>
+          </a:p>
+        </p:txBody>
+      </p:sp>
+    </p:spTree>
+  </p:cSld>
+  <p:clrMapOvr>
+    <a:masterClrMapping/>
+  </p:clrMapOvr>
+  <p:timing>
+    <p:tnLst>
+      <p:par>
+        <p:cTn id="1" dur="indefinite" restart="never" nodeType="tmRoot"/>
+      </p:par>
+    </p:tnLst>
+  </p:timing>
+</p:sld>
+</file>
+
+<file path=ppt/slides/slide25.xml><?xml version="1.0" encoding="utf-8"?>
+<p:sld xmlns:a="http://schemas.openxmlformats.org/drawingml/2006/main" xmlns:r="http://schemas.openxmlformats.org/officeDocument/2006/relationships" xmlns:p="http://schemas.openxmlformats.org/presentationml/2006/main">
+  <p:cSld>
+    <p:spTree>
+      <p:nvGrpSpPr>
+        <p:cNvPr id="1" name=""/>
+        <p:cNvGrpSpPr/>
+        <p:nvPr/>
+      </p:nvGrpSpPr>
+      <p:grpSpPr>
+        <a:xfrm>
+          <a:off x="0" y="0"/>
+          <a:ext cx="0" cy="0"/>
+          <a:chOff x="0" y="0"/>
+          <a:chExt cx="0" cy="0"/>
+        </a:xfrm>
+      </p:grpSpPr>
+      <p:sp>
+        <p:nvSpPr>
+          <p:cNvPr id="2" name="标题 1"/>
+          <p:cNvSpPr>
+            <a:spLocks noGrp="1"/>
+          </p:cNvSpPr>
+          <p:nvPr>
+            <p:ph type="title"/>
+          </p:nvPr>
+        </p:nvSpPr>
+        <p:spPr/>
+        <p:txBody>
+          <a:bodyPr>
+            <a:normAutofit/>
+          </a:bodyPr>
+          <a:lstStyle/>
+          <a:p>
+            <a:r>
+              <a:rPr lang="en-US" dirty="0" smtClean="0"/>
+              <a:t>Normalized network throughput</a:t>
+            </a:r>
+            <a:endParaRPr lang="en-US" dirty="0"/>
+          </a:p>
+        </p:txBody>
+      </p:sp>
+      <p:sp>
+        <p:nvSpPr>
+          <p:cNvPr id="3" name="内容占位符 2"/>
+          <p:cNvSpPr>
+            <a:spLocks noGrp="1"/>
+          </p:cNvSpPr>
+          <p:nvPr>
+            <p:ph idx="1"/>
+          </p:nvPr>
+        </p:nvSpPr>
+        <p:spPr/>
+        <p:txBody>
+          <a:bodyPr/>
+          <a:lstStyle/>
+          <a:p>
+            <a:r>
+              <a:rPr lang="en-US" dirty="0" smtClean="0"/>
+              <a:t>The ratio </a:t>
+            </a:r>
+            <a:r>
+              <a:rPr lang="en-US" dirty="0" smtClean="0"/>
+              <a:t>of the total number of bytes uploaded by </a:t>
+            </a:r>
+            <a:r>
+              <a:rPr lang="en-US" dirty="0" smtClean="0"/>
+              <a:t>all the </a:t>
+            </a:r>
+            <a:r>
+              <a:rPr lang="en-US" dirty="0" smtClean="0"/>
+              <a:t>peers up until that time to the network </a:t>
+            </a:r>
+            <a:r>
+              <a:rPr lang="en-US" dirty="0" smtClean="0"/>
+              <a:t>capacity (</a:t>
+            </a:r>
+            <a:r>
+              <a:rPr lang="en-US" dirty="0" smtClean="0"/>
+              <a:t>i.e. total network bandwidth).</a:t>
+            </a:r>
+            <a:endParaRPr lang="en-US" dirty="0"/>
+          </a:p>
+        </p:txBody>
+      </p:sp>
+      <p:sp>
+        <p:nvSpPr>
+          <p:cNvPr id="4" name="灯片编号占位符 3"/>
+          <p:cNvSpPr>
+            <a:spLocks noGrp="1"/>
+          </p:cNvSpPr>
+          <p:nvPr>
+            <p:ph type="sldNum" sz="quarter" idx="12"/>
+          </p:nvPr>
+        </p:nvSpPr>
+        <p:spPr/>
+        <p:txBody>
+          <a:bodyPr>
+            <a:normAutofit/>
+          </a:bodyPr>
+          <a:lstStyle/>
+          <a:p>
+            <a:fld id="{41B43038-07B4-481F-A1A3-7BA5DF4C905A}" type="slidenum">
+              <a:rPr lang="zh-CN" altLang="en-US" smtClean="0"/>
+              <a:pPr/>
+              <a:t>25</a:t>
+            </a:fld>
+            <a:endParaRPr lang="zh-CN" altLang="en-US"/>
+          </a:p>
+        </p:txBody>
+      </p:sp>
+    </p:spTree>
+  </p:cSld>
+  <p:clrMapOvr>
+    <a:masterClrMapping/>
+  </p:clrMapOvr>
+  <p:timing>
+    <p:tnLst>
+      <p:par>
+        <p:cTn id="1" dur="indefinite" restart="never" nodeType="tmRoot"/>
+      </p:par>
+    </p:tnLst>
+  </p:timing>
+</p:sld>
+</file>
+
+<file path=ppt/slides/slide26.xml><?xml version="1.0" encoding="utf-8"?>
+<p:sld xmlns:a="http://schemas.openxmlformats.org/drawingml/2006/main" xmlns:r="http://schemas.openxmlformats.org/officeDocument/2006/relationships" xmlns:p="http://schemas.openxmlformats.org/presentationml/2006/main">
+  <p:cSld>
+    <p:spTree>
+      <p:nvGrpSpPr>
+        <p:cNvPr id="1" name=""/>
+        <p:cNvGrpSpPr/>
+        <p:nvPr/>
+      </p:nvGrpSpPr>
+      <p:grpSpPr>
+        <a:xfrm>
+          <a:off x="0" y="0"/>
+          <a:ext cx="0" cy="0"/>
+          <a:chOff x="0" y="0"/>
+          <a:chExt cx="0" cy="0"/>
+        </a:xfrm>
+      </p:grpSpPr>
+      <p:sp>
+        <p:nvSpPr>
+          <p:cNvPr id="2" name="标题 1"/>
+          <p:cNvSpPr>
+            <a:spLocks noGrp="1"/>
+          </p:cNvSpPr>
+          <p:nvPr>
+            <p:ph type="title"/>
+          </p:nvPr>
+        </p:nvSpPr>
+        <p:spPr/>
+        <p:txBody>
+          <a:bodyPr>
+            <a:normAutofit/>
+          </a:bodyPr>
+          <a:lstStyle/>
+          <a:p>
+            <a:r>
+              <a:rPr lang="en-US" dirty="0" smtClean="0"/>
+              <a:t>Normalized Network Throughput</a:t>
+            </a:r>
+            <a:endParaRPr lang="en-US" dirty="0"/>
+          </a:p>
+        </p:txBody>
+      </p:sp>
+      <p:pic>
+        <p:nvPicPr>
+          <p:cNvPr id="25602" name="Picture 2"/>
+          <p:cNvPicPr>
+            <a:picLocks noGrp="1" noChangeAspect="1" noChangeArrowheads="1"/>
+          </p:cNvPicPr>
+          <p:nvPr>
+            <p:ph idx="1"/>
+          </p:nvPr>
+        </p:nvPicPr>
+        <p:blipFill>
+          <a:blip r:embed="rId2"/>
+          <a:stretch>
+            <a:fillRect/>
+          </a:stretch>
+        </p:blipFill>
+        <p:spPr bwMode="auto">
+          <a:xfrm>
+            <a:off x="1714480" y="2143116"/>
+            <a:ext cx="5500726" cy="4443484"/>
+          </a:xfrm>
+          <a:prstGeom prst="round2DiagRect">
+            <a:avLst>
+              <a:gd name="adj1" fmla="val 16667"/>
+              <a:gd name="adj2" fmla="val 0"/>
+            </a:avLst>
+          </a:prstGeom>
+          <a:ln w="88900" cap="sq">
+            <a:solidFill>
+              <a:srgbClr val="FFFFFF"/>
+            </a:solidFill>
+            <a:miter lim="800000"/>
+          </a:ln>
+          <a:effectLst>
+            <a:outerShdw blurRad="254000" algn="tl" rotWithShape="0">
+              <a:srgbClr val="000000">
+                <a:alpha val="43000"/>
+              </a:srgbClr>
+            </a:outerShdw>
+          </a:effectLst>
+        </p:spPr>
+      </p:pic>
+      <p:sp>
+        <p:nvSpPr>
+          <p:cNvPr id="4" name="灯片编号占位符 3"/>
+          <p:cNvSpPr>
+            <a:spLocks noGrp="1"/>
+          </p:cNvSpPr>
+          <p:nvPr>
+            <p:ph type="sldNum" sz="quarter" idx="12"/>
+          </p:nvPr>
+        </p:nvSpPr>
+        <p:spPr/>
+        <p:txBody>
+          <a:bodyPr>
+            <a:normAutofit/>
+          </a:bodyPr>
+          <a:lstStyle/>
+          <a:p>
+            <a:fld id="{41B43038-07B4-481F-A1A3-7BA5DF4C905A}" type="slidenum">
+              <a:rPr lang="zh-CN" altLang="en-US" smtClean="0"/>
+              <a:pPr/>
+              <a:t>26</a:t>
+            </a:fld>
+            <a:endParaRPr lang="zh-CN" altLang="en-US"/>
+          </a:p>
+        </p:txBody>
+      </p:sp>
+    </p:spTree>
+  </p:cSld>
+  <p:clrMapOvr>
+    <a:masterClrMapping/>
+  </p:clrMapOvr>
+  <p:timing>
+    <p:tnLst>
+      <p:par>
+        <p:cTn id="1" dur="indefinite" restart="never" nodeType="tmRoot"/>
+      </p:par>
+    </p:tnLst>
+  </p:timing>
+</p:sld>
+</file>
+
+<file path=ppt/slides/slide27.xml><?xml version="1.0" encoding="utf-8"?>
+<p:sld xmlns:a="http://schemas.openxmlformats.org/drawingml/2006/main" xmlns:r="http://schemas.openxmlformats.org/officeDocument/2006/relationships" xmlns:p="http://schemas.openxmlformats.org/presentationml/2006/main">
+  <p:cSld>
+    <p:spTree>
+      <p:nvGrpSpPr>
+        <p:cNvPr id="1" name=""/>
+        <p:cNvGrpSpPr/>
+        <p:nvPr/>
+      </p:nvGrpSpPr>
+      <p:grpSpPr>
+        <a:xfrm>
+          <a:off x="0" y="0"/>
+          <a:ext cx="0" cy="0"/>
+          <a:chOff x="0" y="0"/>
+          <a:chExt cx="0" cy="0"/>
+        </a:xfrm>
+      </p:grpSpPr>
+      <p:sp>
+        <p:nvSpPr>
+          <p:cNvPr id="2" name="标题 1"/>
+          <p:cNvSpPr>
+            <a:spLocks noGrp="1"/>
+          </p:cNvSpPr>
+          <p:nvPr>
+            <p:ph type="title"/>
+          </p:nvPr>
+        </p:nvSpPr>
+        <p:spPr/>
+        <p:txBody>
+          <a:bodyPr>
+            <a:normAutofit/>
+          </a:bodyPr>
+          <a:lstStyle/>
+          <a:p>
+            <a:r>
+              <a:rPr lang="en-US" dirty="0" smtClean="0"/>
+              <a:t>Normalized Network Throughput</a:t>
+            </a:r>
+            <a:endParaRPr lang="en-US" dirty="0"/>
+          </a:p>
+        </p:txBody>
+      </p:sp>
+      <p:pic>
+        <p:nvPicPr>
+          <p:cNvPr id="26626" name="Picture 2"/>
+          <p:cNvPicPr>
+            <a:picLocks noGrp="1" noChangeAspect="1" noChangeArrowheads="1"/>
+          </p:cNvPicPr>
+          <p:nvPr>
+            <p:ph idx="1"/>
+          </p:nvPr>
+        </p:nvPicPr>
+        <p:blipFill>
+          <a:blip r:embed="rId2"/>
+          <a:stretch>
+            <a:fillRect/>
+          </a:stretch>
+        </p:blipFill>
+        <p:spPr bwMode="auto">
+          <a:xfrm>
+            <a:off x="1929341" y="2249488"/>
+            <a:ext cx="5285317" cy="4324350"/>
+          </a:xfrm>
+          <a:prstGeom prst="round2DiagRect">
+            <a:avLst>
+              <a:gd name="adj1" fmla="val 16667"/>
+              <a:gd name="adj2" fmla="val 0"/>
+            </a:avLst>
+          </a:prstGeom>
+          <a:ln w="88900" cap="sq">
+            <a:solidFill>
+              <a:srgbClr val="FFFFFF"/>
+            </a:solidFill>
+            <a:miter lim="800000"/>
+          </a:ln>
+          <a:effectLst>
+            <a:outerShdw blurRad="254000" algn="tl" rotWithShape="0">
+              <a:srgbClr val="000000">
+                <a:alpha val="43000"/>
+              </a:srgbClr>
+            </a:outerShdw>
+          </a:effectLst>
+        </p:spPr>
+      </p:pic>
+      <p:sp>
+        <p:nvSpPr>
+          <p:cNvPr id="4" name="灯片编号占位符 3"/>
+          <p:cNvSpPr>
+            <a:spLocks noGrp="1"/>
+          </p:cNvSpPr>
+          <p:nvPr>
+            <p:ph type="sldNum" sz="quarter" idx="12"/>
+          </p:nvPr>
+        </p:nvSpPr>
+        <p:spPr/>
+        <p:txBody>
+          <a:bodyPr>
+            <a:normAutofit/>
+          </a:bodyPr>
+          <a:lstStyle/>
+          <a:p>
+            <a:fld id="{41B43038-07B4-481F-A1A3-7BA5DF4C905A}" type="slidenum">
+              <a:rPr lang="zh-CN" altLang="en-US" smtClean="0"/>
+              <a:pPr/>
+              <a:t>27</a:t>
+            </a:fld>
+            <a:endParaRPr lang="zh-CN" altLang="en-US"/>
+          </a:p>
+        </p:txBody>
+      </p:sp>
+    </p:spTree>
+  </p:cSld>
+  <p:clrMapOvr>
+    <a:masterClrMapping/>
+  </p:clrMapOvr>
+  <p:timing>
+    <p:tnLst>
+      <p:par>
+        <p:cTn id="1" dur="indefinite" restart="never" nodeType="tmRoot"/>
+      </p:par>
+    </p:tnLst>
+  </p:timing>
+</p:sld>
+</file>
+
+<file path=ppt/slides/slide28.xml><?xml version="1.0" encoding="utf-8"?>
+<p:sld xmlns:a="http://schemas.openxmlformats.org/drawingml/2006/main" xmlns:r="http://schemas.openxmlformats.org/officeDocument/2006/relationships" xmlns:p="http://schemas.openxmlformats.org/presentationml/2006/main">
+  <p:cSld>
+    <p:spTree>
+      <p:nvGrpSpPr>
+        <p:cNvPr id="1" name=""/>
+        <p:cNvGrpSpPr/>
+        <p:nvPr/>
+      </p:nvGrpSpPr>
+      <p:grpSpPr>
+        <a:xfrm>
+          <a:off x="0" y="0"/>
+          <a:ext cx="0" cy="0"/>
+          <a:chOff x="0" y="0"/>
+          <a:chExt cx="0" cy="0"/>
+        </a:xfrm>
+      </p:grpSpPr>
+      <p:sp>
+        <p:nvSpPr>
+          <p:cNvPr id="2" name="标题 1"/>
+          <p:cNvSpPr>
+            <a:spLocks noGrp="1"/>
+          </p:cNvSpPr>
+          <p:nvPr>
+            <p:ph type="title"/>
+          </p:nvPr>
+        </p:nvSpPr>
+        <p:spPr/>
+        <p:txBody>
+          <a:bodyPr/>
+          <a:lstStyle/>
+          <a:p>
+            <a:r>
+              <a:rPr lang="en-US" dirty="0" smtClean="0"/>
+              <a:t>Agenda</a:t>
+            </a:r>
+            <a:endParaRPr lang="en-US" dirty="0"/>
+          </a:p>
+        </p:txBody>
+      </p:sp>
+      <p:sp>
+        <p:nvSpPr>
+          <p:cNvPr id="3" name="内容占位符 2"/>
+          <p:cNvSpPr>
+            <a:spLocks noGrp="1"/>
+          </p:cNvSpPr>
+          <p:nvPr>
+            <p:ph idx="1"/>
+          </p:nvPr>
+        </p:nvSpPr>
+        <p:spPr/>
+        <p:txBody>
+          <a:bodyPr/>
+          <a:lstStyle/>
+          <a:p>
+            <a:pPr>
+              <a:spcBef>
+                <a:spcPts val="1000"/>
+              </a:spcBef>
+            </a:pPr>
+            <a:r>
+              <a:rPr lang="en-US" sz="4000" dirty="0" smtClean="0"/>
+              <a:t>Introduction</a:t>
+            </a:r>
+          </a:p>
+          <a:p>
+            <a:pPr>
+              <a:spcBef>
+                <a:spcPts val="1000"/>
+              </a:spcBef>
+            </a:pPr>
+            <a:r>
+              <a:rPr lang="en-US" sz="4000" dirty="0" smtClean="0"/>
+              <a:t>BT + Multimedia</a:t>
+            </a:r>
+          </a:p>
+          <a:p>
+            <a:pPr>
+              <a:spcBef>
+                <a:spcPts val="1000"/>
+              </a:spcBef>
+            </a:pPr>
+            <a:r>
+              <a:rPr lang="en-US" sz="4000" dirty="0" smtClean="0"/>
+              <a:t>Experimental</a:t>
+            </a:r>
+          </a:p>
+          <a:p>
+            <a:pPr>
+              <a:spcBef>
+                <a:spcPts val="1000"/>
+              </a:spcBef>
+            </a:pPr>
+            <a:r>
+              <a:rPr lang="en-US" sz="4000" b="1" dirty="0" smtClean="0">
+                <a:solidFill>
+                  <a:srgbClr val="FF0000"/>
+                </a:solidFill>
+              </a:rPr>
+              <a:t>Conclusion</a:t>
+            </a:r>
+            <a:endParaRPr lang="en-US" sz="4000" b="1" dirty="0" smtClean="0">
+              <a:solidFill>
+                <a:srgbClr val="FF0000"/>
+              </a:solidFill>
+            </a:endParaRPr>
+          </a:p>
+          <a:p>
+            <a:endParaRPr lang="en-US" dirty="0" smtClean="0"/>
+          </a:p>
+          <a:p>
+            <a:endParaRPr lang="en-US" dirty="0"/>
+          </a:p>
+        </p:txBody>
+      </p:sp>
+      <p:sp>
+        <p:nvSpPr>
+          <p:cNvPr id="4" name="灯片编号占位符 3"/>
+          <p:cNvSpPr>
+            <a:spLocks noGrp="1"/>
+          </p:cNvSpPr>
+          <p:nvPr>
+            <p:ph type="sldNum" sz="quarter" idx="12"/>
+          </p:nvPr>
+        </p:nvSpPr>
+        <p:spPr/>
+        <p:txBody>
+          <a:bodyPr/>
+          <a:lstStyle/>
+          <a:p>
+            <a:fld id="{41B43038-07B4-481F-A1A3-7BA5DF4C905A}" type="slidenum">
+              <a:rPr lang="zh-CN" altLang="en-US" smtClean="0"/>
+              <a:pPr/>
+              <a:t>28</a:t>
+            </a:fld>
+            <a:endParaRPr lang="zh-CN" altLang="en-US"/>
+          </a:p>
+        </p:txBody>
+      </p:sp>
+    </p:spTree>
+  </p:cSld>
+  <p:clrMapOvr>
+    <a:masterClrMapping/>
+  </p:clrMapOvr>
+</p:sld>
+</file>
+
+<file path=ppt/slides/slide29.xml><?xml version="1.0" encoding="utf-8"?>
+<p:sld xmlns:a="http://schemas.openxmlformats.org/drawingml/2006/main" xmlns:r="http://schemas.openxmlformats.org/officeDocument/2006/relationships" xmlns:p="http://schemas.openxmlformats.org/presentationml/2006/main">
+  <p:cSld>
+    <p:spTree>
+      <p:nvGrpSpPr>
+        <p:cNvPr id="1" name=""/>
+        <p:cNvGrpSpPr/>
+        <p:nvPr/>
+      </p:nvGrpSpPr>
+      <p:grpSpPr>
+        <a:xfrm>
+          <a:off x="0" y="0"/>
+          <a:ext cx="0" cy="0"/>
+          <a:chOff x="0" y="0"/>
+          <a:chExt cx="0" cy="0"/>
+        </a:xfrm>
+      </p:grpSpPr>
+      <p:sp>
+        <p:nvSpPr>
+          <p:cNvPr id="5" name="标题 4"/>
+          <p:cNvSpPr>
+            <a:spLocks noGrp="1"/>
+          </p:cNvSpPr>
+          <p:nvPr>
+            <p:ph type="title"/>
+          </p:nvPr>
+        </p:nvSpPr>
+        <p:spPr/>
+        <p:txBody>
+          <a:bodyPr/>
+          <a:lstStyle/>
+          <a:p>
+            <a:r>
+              <a:rPr lang="en-US" dirty="0" smtClean="0"/>
+              <a:t>Conclusion</a:t>
+            </a:r>
+            <a:endParaRPr lang="en-US" dirty="0"/>
+          </a:p>
+        </p:txBody>
+      </p:sp>
+      <p:sp>
+        <p:nvSpPr>
+          <p:cNvPr id="6" name="内容占位符 5"/>
+          <p:cNvSpPr>
+            <a:spLocks noGrp="1"/>
+          </p:cNvSpPr>
+          <p:nvPr>
+            <p:ph idx="1"/>
+          </p:nvPr>
+        </p:nvSpPr>
+        <p:spPr/>
+        <p:txBody>
+          <a:bodyPr/>
+          <a:lstStyle/>
+          <a:p>
+            <a:r>
+              <a:rPr lang="en-US" dirty="0" smtClean="0"/>
+              <a:t>Sliding Window</a:t>
+            </a:r>
+          </a:p>
+          <a:p>
+            <a:r>
+              <a:rPr lang="en-US" dirty="0" smtClean="0"/>
+              <a:t>Randomized-tit-for-tat</a:t>
+            </a:r>
+            <a:endParaRPr lang="en-US" dirty="0"/>
+          </a:p>
+        </p:txBody>
+      </p:sp>
+      <p:sp>
+        <p:nvSpPr>
+          <p:cNvPr id="4" name="灯片编号占位符 3"/>
+          <p:cNvSpPr>
+            <a:spLocks noGrp="1"/>
+          </p:cNvSpPr>
+          <p:nvPr>
+            <p:ph type="sldNum" sz="quarter" idx="12"/>
+          </p:nvPr>
+        </p:nvSpPr>
+        <p:spPr/>
+        <p:txBody>
+          <a:bodyPr>
+            <a:normAutofit/>
+          </a:bodyPr>
+          <a:lstStyle/>
+          <a:p>
+            <a:fld id="{41B43038-07B4-481F-A1A3-7BA5DF4C905A}" type="slidenum">
+              <a:rPr lang="zh-CN" altLang="en-US" smtClean="0"/>
+              <a:pPr/>
+              <a:t>29</a:t>
+            </a:fld>
+            <a:endParaRPr lang="zh-CN" altLang="en-US"/>
+          </a:p>
+        </p:txBody>
+      </p:sp>
+    </p:spTree>
+  </p:cSld>
+  <p:clrMapOvr>
+    <a:masterClrMapping/>
+  </p:clrMapOvr>
+  <p:timing>
+    <p:tnLst>
+      <p:par>
+        <p:cTn id="1" dur="indefinite" restart="never" nodeType="tmRoot"/>
+      </p:par>
+    </p:tnLst>
+  </p:timing>
+</p:sld>
+</file>
+
+<file path=ppt/slides/slide3.xml><?xml version="1.0" encoding="utf-8"?>
+<p:sld xmlns:a="http://schemas.openxmlformats.org/drawingml/2006/main" xmlns:r="http://schemas.openxmlformats.org/officeDocument/2006/relationships" xmlns:p="http://schemas.openxmlformats.org/presentationml/2006/main">
+  <p:cSld>
+    <p:spTree>
+      <p:nvGrpSpPr>
+        <p:cNvPr id="1" name=""/>
+        <p:cNvGrpSpPr/>
+        <p:nvPr/>
+      </p:nvGrpSpPr>
+      <p:grpSpPr>
+        <a:xfrm>
+          <a:off x="0" y="0"/>
+          <a:ext cx="0" cy="0"/>
+          <a:chOff x="0" y="0"/>
+          <a:chExt cx="0" cy="0"/>
+        </a:xfrm>
+      </p:grpSpPr>
+      <p:sp>
+        <p:nvSpPr>
+          <p:cNvPr id="2" name="标题 1"/>
+          <p:cNvSpPr>
+            <a:spLocks noGrp="1"/>
+          </p:cNvSpPr>
+          <p:nvPr>
+            <p:ph type="title"/>
+          </p:nvPr>
+        </p:nvSpPr>
+        <p:spPr/>
+        <p:txBody>
+          <a:bodyPr/>
+          <a:lstStyle/>
+          <a:p>
+            <a:r>
+              <a:rPr lang="en-US" dirty="0" smtClean="0"/>
+              <a:t>Agenda</a:t>
+            </a:r>
+            <a:endParaRPr lang="en-US" dirty="0"/>
+          </a:p>
+        </p:txBody>
+      </p:sp>
+      <p:sp>
+        <p:nvSpPr>
+          <p:cNvPr id="3" name="内容占位符 2"/>
+          <p:cNvSpPr>
+            <a:spLocks noGrp="1"/>
+          </p:cNvSpPr>
+          <p:nvPr>
+            <p:ph idx="1"/>
+          </p:nvPr>
+        </p:nvSpPr>
+        <p:spPr/>
+        <p:txBody>
+          <a:bodyPr/>
+          <a:lstStyle/>
+          <a:p>
+            <a:pPr>
+              <a:spcBef>
+                <a:spcPts val="1000"/>
+              </a:spcBef>
+            </a:pPr>
+            <a:r>
+              <a:rPr lang="en-US" sz="4000" b="1" dirty="0" smtClean="0">
+                <a:solidFill>
+                  <a:srgbClr val="FF0000"/>
+                </a:solidFill>
+              </a:rPr>
+              <a:t>Introduction</a:t>
+            </a:r>
+          </a:p>
+          <a:p>
+            <a:pPr>
+              <a:spcBef>
+                <a:spcPts val="1000"/>
+              </a:spcBef>
+            </a:pPr>
+            <a:r>
+              <a:rPr lang="en-US" sz="4000" dirty="0" smtClean="0"/>
+              <a:t>BT + Multimedia</a:t>
+            </a:r>
+          </a:p>
+          <a:p>
+            <a:pPr>
+              <a:spcBef>
+                <a:spcPts val="1000"/>
+              </a:spcBef>
+            </a:pPr>
+            <a:r>
+              <a:rPr lang="en-US" sz="4000" dirty="0" smtClean="0"/>
+              <a:t>Experimental</a:t>
+            </a:r>
+          </a:p>
+          <a:p>
+            <a:pPr>
+              <a:spcBef>
+                <a:spcPts val="1000"/>
+              </a:spcBef>
+            </a:pPr>
+            <a:r>
+              <a:rPr lang="en-US" sz="4000" dirty="0" smtClean="0"/>
+              <a:t>Conclusion</a:t>
+            </a:r>
+            <a:endParaRPr lang="en-US" sz="4000" dirty="0" smtClean="0"/>
+          </a:p>
+          <a:p>
+            <a:endParaRPr lang="en-US" dirty="0" smtClean="0"/>
+          </a:p>
+          <a:p>
+            <a:endParaRPr lang="en-US" dirty="0"/>
+          </a:p>
+        </p:txBody>
+      </p:sp>
+      <p:sp>
+        <p:nvSpPr>
+          <p:cNvPr id="4" name="灯片编号占位符 3"/>
+          <p:cNvSpPr>
+            <a:spLocks noGrp="1"/>
+          </p:cNvSpPr>
+          <p:nvPr>
+            <p:ph type="sldNum" sz="quarter" idx="12"/>
+          </p:nvPr>
+        </p:nvSpPr>
+        <p:spPr/>
+        <p:txBody>
+          <a:bodyPr/>
+          <a:lstStyle/>
+          <a:p>
+            <a:fld id="{41B43038-07B4-481F-A1A3-7BA5DF4C905A}" type="slidenum">
+              <a:rPr lang="zh-CN" altLang="en-US" smtClean="0"/>
+              <a:pPr/>
+              <a:t>3</a:t>
+            </a:fld>
+            <a:endParaRPr lang="zh-CN" altLang="en-US"/>
+          </a:p>
+        </p:txBody>
+      </p:sp>
+    </p:spTree>
+  </p:cSld>
+  <p:clrMapOvr>
+    <a:masterClrMapping/>
+  </p:clrMapOvr>
+</p:sld>
+</file>
+
+<file path=ppt/slides/slide30.xml><?xml version="1.0" encoding="utf-8"?>
+<p:sld xmlns:a="http://schemas.openxmlformats.org/drawingml/2006/main" xmlns:r="http://schemas.openxmlformats.org/officeDocument/2006/relationships" xmlns:p="http://schemas.openxmlformats.org/presentationml/2006/main">
+  <p:cSld>
+    <p:spTree>
+      <p:nvGrpSpPr>
+        <p:cNvPr id="1" name=""/>
+        <p:cNvGrpSpPr/>
+        <p:nvPr/>
+      </p:nvGrpSpPr>
+      <p:grpSpPr>
+        <a:xfrm>
+          <a:off x="0" y="0"/>
+          <a:ext cx="0" cy="0"/>
+          <a:chOff x="0" y="0"/>
+          <a:chExt cx="0" cy="0"/>
+        </a:xfrm>
+      </p:grpSpPr>
+      <p:sp>
+        <p:nvSpPr>
+          <p:cNvPr id="2" name="标题 1"/>
+          <p:cNvSpPr>
+            <a:spLocks noGrp="1"/>
+          </p:cNvSpPr>
+          <p:nvPr>
+            <p:ph type="title"/>
+          </p:nvPr>
+        </p:nvSpPr>
+        <p:spPr/>
+        <p:txBody>
+          <a:bodyPr/>
+          <a:lstStyle/>
+          <a:p>
+            <a:r>
+              <a:rPr lang="en-US" dirty="0" smtClean="0"/>
+              <a:t>Future Work</a:t>
+            </a:r>
+            <a:endParaRPr lang="en-US" dirty="0"/>
+          </a:p>
+        </p:txBody>
+      </p:sp>
+      <p:sp>
+        <p:nvSpPr>
+          <p:cNvPr id="3" name="内容占位符 2"/>
+          <p:cNvSpPr>
+            <a:spLocks noGrp="1"/>
+          </p:cNvSpPr>
+          <p:nvPr>
+            <p:ph idx="1"/>
+          </p:nvPr>
+        </p:nvSpPr>
+        <p:spPr/>
+        <p:txBody>
+          <a:bodyPr/>
+          <a:lstStyle/>
+          <a:p>
+            <a:r>
+              <a:rPr lang="en-US" dirty="0" smtClean="0"/>
+              <a:t>Control mechanism</a:t>
+            </a:r>
+          </a:p>
+          <a:p>
+            <a:pPr lvl="1"/>
+            <a:r>
+              <a:rPr lang="en-US" dirty="0" smtClean="0"/>
+              <a:t>playback delay VS </a:t>
+            </a:r>
+            <a:r>
+              <a:rPr lang="en-US" dirty="0" err="1" smtClean="0"/>
+              <a:t>QoS</a:t>
+            </a:r>
+            <a:endParaRPr lang="en-US" dirty="0" smtClean="0"/>
+          </a:p>
+          <a:p>
+            <a:endParaRPr lang="en-US" dirty="0" smtClean="0"/>
+          </a:p>
+          <a:p>
+            <a:r>
+              <a:rPr lang="en-US" dirty="0" smtClean="0"/>
+              <a:t>Peer dynamicity</a:t>
+            </a:r>
+          </a:p>
+          <a:p>
+            <a:pPr lvl="1"/>
+            <a:r>
+              <a:rPr lang="en-US" dirty="0" smtClean="0"/>
+              <a:t>Join and leave</a:t>
+            </a:r>
+          </a:p>
+          <a:p>
+            <a:endParaRPr lang="en-US" dirty="0"/>
+          </a:p>
+        </p:txBody>
+      </p:sp>
+      <p:sp>
+        <p:nvSpPr>
+          <p:cNvPr id="4" name="灯片编号占位符 3"/>
+          <p:cNvSpPr>
+            <a:spLocks noGrp="1"/>
+          </p:cNvSpPr>
+          <p:nvPr>
+            <p:ph type="sldNum" sz="quarter" idx="12"/>
+          </p:nvPr>
+        </p:nvSpPr>
+        <p:spPr/>
+        <p:txBody>
+          <a:bodyPr>
+            <a:normAutofit/>
+          </a:bodyPr>
+          <a:lstStyle/>
+          <a:p>
+            <a:fld id="{41B43038-07B4-481F-A1A3-7BA5DF4C905A}" type="slidenum">
+              <a:rPr lang="zh-CN" altLang="en-US" smtClean="0"/>
+              <a:pPr/>
+              <a:t>30</a:t>
+            </a:fld>
+            <a:endParaRPr lang="zh-CN" altLang="en-US"/>
+          </a:p>
+        </p:txBody>
+      </p:sp>
+    </p:spTree>
+  </p:cSld>
+  <p:clrMapOvr>
+    <a:masterClrMapping/>
+  </p:clrMapOvr>
+  <p:timing>
+    <p:tnLst>
+      <p:par>
+        <p:cTn id="1" dur="indefinite" restart="never" nodeType="tmRoot"/>
+      </p:par>
+    </p:tnLst>
+  </p:timing>
+</p:sld>
+</file>
+
+<file path=ppt/slides/slide31.xml><?xml version="1.0" encoding="utf-8"?>
+<p:sld xmlns:a="http://schemas.openxmlformats.org/drawingml/2006/main" xmlns:r="http://schemas.openxmlformats.org/officeDocument/2006/relationships" xmlns:p="http://schemas.openxmlformats.org/presentationml/2006/main">
+  <p:cSld>
+    <p:spTree>
+      <p:nvGrpSpPr>
+        <p:cNvPr id="1" name=""/>
+        <p:cNvGrpSpPr/>
+        <p:nvPr/>
+      </p:nvGrpSpPr>
+      <p:grpSpPr>
+        <a:xfrm>
+          <a:off x="0" y="0"/>
+          <a:ext cx="0" cy="0"/>
+          <a:chOff x="0" y="0"/>
+          <a:chExt cx="0" cy="0"/>
+        </a:xfrm>
+      </p:grpSpPr>
+      <p:sp>
+        <p:nvSpPr>
+          <p:cNvPr id="5" name="标题 4"/>
+          <p:cNvSpPr>
+            <a:spLocks noGrp="1"/>
+          </p:cNvSpPr>
+          <p:nvPr>
+            <p:ph type="ctrTitle"/>
+          </p:nvPr>
+        </p:nvSpPr>
+        <p:spPr/>
+        <p:txBody>
+          <a:bodyPr/>
+          <a:lstStyle/>
+          <a:p>
+            <a:endParaRPr lang="en-US" dirty="0"/>
+          </a:p>
+        </p:txBody>
+      </p:sp>
+      <p:sp>
+        <p:nvSpPr>
+          <p:cNvPr id="6" name="副标题 5"/>
+          <p:cNvSpPr>
+            <a:spLocks noGrp="1"/>
+          </p:cNvSpPr>
+          <p:nvPr>
+            <p:ph type="subTitle" idx="1"/>
+          </p:nvPr>
+        </p:nvSpPr>
+        <p:spPr/>
+        <p:txBody>
+          <a:bodyPr/>
+          <a:lstStyle/>
+          <a:p>
+            <a:endParaRPr lang="en-US" dirty="0"/>
+          </a:p>
+        </p:txBody>
+      </p:sp>
+      <p:sp>
+        <p:nvSpPr>
+          <p:cNvPr id="4" name="灯片编号占位符 3"/>
+          <p:cNvSpPr>
+            <a:spLocks noGrp="1"/>
+          </p:cNvSpPr>
+          <p:nvPr>
+            <p:ph type="sldNum" sz="quarter" idx="12"/>
+          </p:nvPr>
+        </p:nvSpPr>
+        <p:spPr/>
+        <p:txBody>
+          <a:bodyPr/>
+          <a:lstStyle/>
+          <a:p>
+            <a:fld id="{41B43038-07B4-481F-A1A3-7BA5DF4C905A}" type="slidenum">
+              <a:rPr lang="zh-CN" altLang="en-US" smtClean="0"/>
+              <a:pPr/>
+              <a:t>31</a:t>
+            </a:fld>
+            <a:endParaRPr lang="zh-CN" altLang="en-US"/>
+          </a:p>
+        </p:txBody>
+      </p:sp>
+      <p:sp>
+        <p:nvSpPr>
+          <p:cNvPr id="7" name="矩形 6"/>
+          <p:cNvSpPr/>
+          <p:nvPr/>
+        </p:nvSpPr>
+        <p:spPr>
+          <a:xfrm>
+            <a:off x="214282" y="1928802"/>
+            <a:ext cx="6572296" cy="1323439"/>
+          </a:xfrm>
+          <a:prstGeom prst="rect">
+            <a:avLst/>
+          </a:prstGeom>
+          <a:noFill/>
+        </p:spPr>
+        <p:txBody>
+          <a:bodyPr wrap="square" lIns="91440" tIns="45720" rIns="91440" bIns="45720">
+            <a:spAutoFit/>
+          </a:bodyPr>
+          <a:lstStyle/>
+          <a:p>
+            <a:pPr algn="ctr"/>
+            <a:r>
+              <a:rPr lang="en-US" altLang="zh-CN" sz="8000" b="1" cap="none" spc="0" dirty="0" smtClean="0">
+                <a:ln w="1905"/>
+                <a:solidFill>
+                  <a:schemeClr val="bg1"/>
+                </a:solidFill>
+                <a:effectLst>
+                  <a:innerShdw blurRad="69850" dist="43180" dir="5400000">
+                    <a:srgbClr val="000000">
+                      <a:alpha val="65000"/>
+                    </a:srgbClr>
+                  </a:innerShdw>
+                </a:effectLst>
+              </a:rPr>
+              <a:t>Thanks</a:t>
+            </a:r>
+            <a:endParaRPr lang="zh-CN" altLang="en-US" sz="8000" b="1" cap="none" spc="0" dirty="0">
+              <a:ln w="1905"/>
+              <a:solidFill>
+                <a:schemeClr val="bg1"/>
+              </a:solidFill>
+              <a:effectLst>
+                <a:innerShdw blurRad="69850" dist="43180" dir="5400000">
+                  <a:srgbClr val="000000">
+                    <a:alpha val="65000"/>
+                  </a:srgbClr>
+                </a:innerShdw>
+              </a:effectLst>
+            </a:endParaRPr>
+          </a:p>
+        </p:txBody>
+      </p:sp>
+      <p:sp>
+        <p:nvSpPr>
+          <p:cNvPr id="8" name="矩形 7"/>
+          <p:cNvSpPr/>
+          <p:nvPr/>
+        </p:nvSpPr>
+        <p:spPr>
+          <a:xfrm>
+            <a:off x="3428992" y="4929198"/>
+            <a:ext cx="2183611" cy="923330"/>
+          </a:xfrm>
+          <a:prstGeom prst="rect">
+            <a:avLst/>
+          </a:prstGeom>
+          <a:noFill/>
+        </p:spPr>
+        <p:txBody>
+          <a:bodyPr wrap="none" lIns="91440" tIns="45720" rIns="91440" bIns="45720">
+            <a:spAutoFit/>
+          </a:bodyPr>
+          <a:lstStyle/>
+          <a:p>
+            <a:pPr algn="ctr"/>
+            <a:r>
+              <a:rPr lang="en-US" altLang="zh-CN" sz="5400" b="1" cap="all" dirty="0" smtClean="0">
+                <a:ln w="9000" cmpd="sng">
+                  <a:solidFill>
+                    <a:schemeClr val="accent4">
+                      <a:shade val="50000"/>
+                      <a:satMod val="120000"/>
+                    </a:schemeClr>
+                  </a:solidFill>
+                  <a:prstDash val="solid"/>
+                </a:ln>
+                <a:gradFill>
+                  <a:gsLst>
+                    <a:gs pos="0">
+                      <a:schemeClr val="accent4">
+                        <a:shade val="20000"/>
+                        <a:satMod val="245000"/>
+                      </a:schemeClr>
+                    </a:gs>
+                    <a:gs pos="43000">
+                      <a:schemeClr val="accent4">
+                        <a:satMod val="255000"/>
+                      </a:schemeClr>
+                    </a:gs>
+                    <a:gs pos="48000">
+                      <a:schemeClr val="accent4">
+                        <a:shade val="85000"/>
+                        <a:satMod val="255000"/>
+                      </a:schemeClr>
+                    </a:gs>
+                    <a:gs pos="100000">
+                      <a:schemeClr val="accent4">
+                        <a:shade val="20000"/>
+                        <a:satMod val="245000"/>
+                      </a:schemeClr>
+                    </a:gs>
+                  </a:gsLst>
+                  <a:lin ang="5400000"/>
+                </a:gradFill>
+                <a:effectLst>
+                  <a:reflection blurRad="12700" stA="28000" endPos="45000" dist="1000" dir="5400000" sy="-100000" algn="bl" rotWithShape="0"/>
+                </a:effectLst>
+              </a:rPr>
+              <a:t>Q &amp; A</a:t>
+            </a:r>
+            <a:endParaRPr lang="zh-CN" altLang="en-US" sz="5400" b="1" cap="all" spc="0" dirty="0">
+              <a:ln w="9000" cmpd="sng">
+                <a:solidFill>
+                  <a:schemeClr val="accent4">
+                    <a:shade val="50000"/>
+                    <a:satMod val="120000"/>
+                  </a:schemeClr>
+                </a:solidFill>
+                <a:prstDash val="solid"/>
+              </a:ln>
+              <a:gradFill>
+                <a:gsLst>
+                  <a:gs pos="0">
+                    <a:schemeClr val="accent4">
+                      <a:shade val="20000"/>
+                      <a:satMod val="245000"/>
+                    </a:schemeClr>
+                  </a:gs>
+                  <a:gs pos="43000">
+                    <a:schemeClr val="accent4">
+                      <a:satMod val="255000"/>
+                    </a:schemeClr>
+                  </a:gs>
+                  <a:gs pos="48000">
+                    <a:schemeClr val="accent4">
+                      <a:shade val="85000"/>
+                      <a:satMod val="255000"/>
+                    </a:schemeClr>
+                  </a:gs>
+                  <a:gs pos="100000">
+                    <a:schemeClr val="accent4">
+                      <a:shade val="20000"/>
+                      <a:satMod val="245000"/>
+                    </a:schemeClr>
+                  </a:gs>
+                </a:gsLst>
+                <a:lin ang="5400000"/>
+              </a:gradFill>
+              <a:effectLst>
+                <a:reflection blurRad="12700" stA="28000" endPos="45000" dist="1000" dir="5400000" sy="-100000" algn="bl" rotWithShape="0"/>
+              </a:effectLst>
+            </a:endParaRPr>
+          </a:p>
+        </p:txBody>
+      </p:sp>
+    </p:spTree>
+  </p:cSld>
+  <p:clrMapOvr>
+    <a:masterClrMapping/>
+  </p:clrMapOvr>
+  <p:timing>
+    <p:tnLst>
+      <p:par>
+        <p:cTn id="1" dur="indefinite" restart="never" nodeType="tmRoot"/>
+      </p:par>
+    </p:tnLst>
+  </p:timing>
+</p:sld>
+</file>
+
+<file path=ppt/slides/slide4.xml><?xml version="1.0" encoding="utf-8"?>
+<p:sld xmlns:a="http://schemas.openxmlformats.org/drawingml/2006/main" xmlns:r="http://schemas.openxmlformats.org/officeDocument/2006/relationships" xmlns:p="http://schemas.openxmlformats.org/presentationml/2006/main">
+  <p:cSld>
+    <p:spTree>
+      <p:nvGrpSpPr>
+        <p:cNvPr id="1" name=""/>
+        <p:cNvGrpSpPr/>
+        <p:nvPr/>
+      </p:nvGrpSpPr>
+      <p:grpSpPr>
+        <a:xfrm>
+          <a:off x="0" y="0"/>
+          <a:ext cx="0" cy="0"/>
+          <a:chOff x="0" y="0"/>
+          <a:chExt cx="0" cy="0"/>
+        </a:xfrm>
+      </p:grpSpPr>
+      <p:sp>
+        <p:nvSpPr>
+          <p:cNvPr id="2" name="Title 1"/>
+          <p:cNvSpPr>
+            <a:spLocks noGrp="1"/>
+          </p:cNvSpPr>
+          <p:nvPr>
+            <p:ph type="title"/>
+          </p:nvPr>
+        </p:nvSpPr>
+        <p:spPr/>
+        <p:txBody>
+          <a:bodyPr/>
+          <a:lstStyle/>
+          <a:p>
+            <a:r>
+              <a:rPr lang="en-US" altLang="zh-CN" dirty="0" err="1" smtClean="0"/>
+              <a:t>BitTorrent</a:t>
+            </a:r>
+            <a:endParaRPr lang="zh-CN" altLang="en-US" dirty="0"/>
+          </a:p>
+        </p:txBody>
+      </p:sp>
+      <p:sp>
+        <p:nvSpPr>
+          <p:cNvPr id="3" name="Content Placeholder 2"/>
+          <p:cNvSpPr>
+            <a:spLocks noGrp="1"/>
+          </p:cNvSpPr>
+          <p:nvPr>
+            <p:ph idx="1"/>
+          </p:nvPr>
+        </p:nvSpPr>
+        <p:spPr/>
+        <p:txBody>
+          <a:bodyPr/>
+          <a:lstStyle/>
+          <a:p>
+            <a:r>
+              <a:rPr lang="en-US" altLang="zh-CN" dirty="0" smtClean="0"/>
+              <a:t>Leech</a:t>
+            </a:r>
+          </a:p>
+          <a:p>
+            <a:pPr lvl="1"/>
+            <a:r>
+              <a:rPr lang="en-US" altLang="zh-CN" dirty="0" smtClean="0"/>
+              <a:t>down/up-load</a:t>
+            </a:r>
+          </a:p>
+          <a:p>
+            <a:r>
+              <a:rPr lang="en-US" altLang="zh-CN" dirty="0" smtClean="0"/>
+              <a:t>Seed</a:t>
+            </a:r>
+          </a:p>
+          <a:p>
+            <a:pPr lvl="1"/>
+            <a:r>
+              <a:rPr lang="en-US" altLang="zh-CN" dirty="0" smtClean="0"/>
+              <a:t>upload</a:t>
+            </a:r>
+          </a:p>
+          <a:p>
+            <a:r>
+              <a:rPr lang="en-US" altLang="zh-CN" dirty="0" smtClean="0"/>
+              <a:t>Swarm</a:t>
+            </a:r>
+          </a:p>
+          <a:p>
+            <a:pPr lvl="1"/>
+            <a:r>
+              <a:rPr lang="en-US" altLang="zh-CN" dirty="0" err="1" smtClean="0"/>
+              <a:t>overylay</a:t>
+            </a:r>
+            <a:endParaRPr lang="en-US" altLang="zh-CN" dirty="0" smtClean="0"/>
+          </a:p>
+          <a:p>
+            <a:r>
+              <a:rPr lang="en-US" altLang="zh-CN" dirty="0" smtClean="0"/>
+              <a:t>Tracker</a:t>
+            </a:r>
+          </a:p>
+          <a:p>
+            <a:pPr lvl="1"/>
+            <a:r>
+              <a:rPr lang="en-US" altLang="zh-CN" dirty="0" smtClean="0"/>
+              <a:t>manager</a:t>
+            </a:r>
+          </a:p>
+          <a:p>
+            <a:endParaRPr lang="en-US" altLang="zh-CN" dirty="0" smtClean="0"/>
+          </a:p>
+          <a:p>
+            <a:endParaRPr lang="zh-CN" altLang="en-US" dirty="0"/>
+          </a:p>
+        </p:txBody>
+      </p:sp>
+      <p:sp>
+        <p:nvSpPr>
+          <p:cNvPr id="5" name="灯片编号占位符 4"/>
+          <p:cNvSpPr>
+            <a:spLocks noGrp="1"/>
+          </p:cNvSpPr>
+          <p:nvPr>
+            <p:ph type="sldNum" sz="quarter" idx="12"/>
+          </p:nvPr>
+        </p:nvSpPr>
+        <p:spPr/>
+        <p:txBody>
+          <a:bodyPr>
+            <a:normAutofit/>
+          </a:bodyPr>
+          <a:lstStyle/>
+          <a:p>
+            <a:fld id="{41B43038-07B4-481F-A1A3-7BA5DF4C905A}" type="slidenum">
+              <a:rPr lang="zh-CN" altLang="en-US" smtClean="0"/>
+              <a:pPr/>
+              <a:t>4</a:t>
+            </a:fld>
+            <a:endParaRPr lang="zh-CN" altLang="en-US"/>
+          </a:p>
+        </p:txBody>
+      </p:sp>
+      <p:pic>
+        <p:nvPicPr>
+          <p:cNvPr id="1026" name="Picture 2" descr="C:\Users\Sike Huang\Desktop\jubil2007.jpg"/>
+          <p:cNvPicPr>
+            <a:picLocks noChangeAspect="1" noChangeArrowheads="1"/>
+          </p:cNvPicPr>
+          <p:nvPr/>
+        </p:nvPicPr>
+        <p:blipFill>
+          <a:blip r:embed="rId2"/>
+          <a:srcRect/>
+          <a:stretch>
+            <a:fillRect/>
+          </a:stretch>
+        </p:blipFill>
+        <p:spPr bwMode="auto">
+          <a:xfrm>
+            <a:off x="3332193" y="2428868"/>
+            <a:ext cx="5740401" cy="3632200"/>
+          </a:xfrm>
+          <a:prstGeom prst="rect">
+            <a:avLst/>
+          </a:prstGeom>
+          <a:noFill/>
+        </p:spPr>
+      </p:pic>
+    </p:spTree>
+  </p:cSld>
+  <p:clrMapOvr>
+    <a:masterClrMapping/>
+  </p:clrMapOvr>
+  <p:timing>
+    <p:tnLst>
+      <p:par>
+        <p:cTn id="1" dur="indefinite" restart="never" nodeType="tmRoot"/>
+      </p:par>
+    </p:tnLst>
+  </p:timing>
+</p:sld>
+</file>
+
+<file path=ppt/slides/slide5.xml><?xml version="1.0" encoding="utf-8"?>
+<p:sld xmlns:a="http://schemas.openxmlformats.org/drawingml/2006/main" xmlns:r="http://schemas.openxmlformats.org/officeDocument/2006/relationships" xmlns:p="http://schemas.openxmlformats.org/presentationml/2006/main">
+  <p:cSld>
+    <p:spTree>
+      <p:nvGrpSpPr>
+        <p:cNvPr id="1" name=""/>
+        <p:cNvGrpSpPr/>
+        <p:nvPr/>
+      </p:nvGrpSpPr>
+      <p:grpSpPr>
+        <a:xfrm>
+          <a:off x="0" y="0"/>
+          <a:ext cx="0" cy="0"/>
+          <a:chOff x="0" y="0"/>
+          <a:chExt cx="0" cy="0"/>
+        </a:xfrm>
+      </p:grpSpPr>
+      <p:sp>
+        <p:nvSpPr>
+          <p:cNvPr id="2" name="Title 1"/>
+          <p:cNvSpPr>
+            <a:spLocks noGrp="1"/>
+          </p:cNvSpPr>
+          <p:nvPr>
+            <p:ph type="title"/>
+          </p:nvPr>
+        </p:nvSpPr>
+        <p:spPr/>
+        <p:txBody>
+          <a:bodyPr/>
+          <a:lstStyle/>
+          <a:p>
+            <a:r>
+              <a:rPr lang="en-US" altLang="zh-CN" dirty="0" smtClean="0"/>
+              <a:t>Polices in BT</a:t>
+            </a:r>
+            <a:endParaRPr lang="zh-CN" altLang="en-US" dirty="0"/>
+          </a:p>
+        </p:txBody>
+      </p:sp>
+      <p:sp>
+        <p:nvSpPr>
+          <p:cNvPr id="3" name="Content Placeholder 2"/>
+          <p:cNvSpPr>
+            <a:spLocks noGrp="1"/>
+          </p:cNvSpPr>
+          <p:nvPr>
+            <p:ph idx="1"/>
+          </p:nvPr>
+        </p:nvSpPr>
+        <p:spPr/>
+        <p:txBody>
+          <a:bodyPr/>
+          <a:lstStyle/>
+          <a:p>
+            <a:r>
+              <a:rPr lang="en-US" altLang="zh-CN" dirty="0" smtClean="0"/>
+              <a:t>Rarest-first</a:t>
+            </a:r>
+          </a:p>
+          <a:p>
+            <a:pPr lvl="1"/>
+            <a:r>
+              <a:rPr lang="en-US" altLang="zh-CN" dirty="0" smtClean="0"/>
+              <a:t>least replicated chunks</a:t>
+            </a:r>
+          </a:p>
+          <a:p>
+            <a:r>
+              <a:rPr lang="en-US" altLang="zh-CN" dirty="0" smtClean="0"/>
+              <a:t> Tit-for-tat</a:t>
+            </a:r>
+          </a:p>
+          <a:p>
+            <a:pPr lvl="1"/>
+            <a:r>
+              <a:rPr lang="en-US" altLang="zh-CN" dirty="0" smtClean="0"/>
+              <a:t>choking, deter free rider</a:t>
+            </a:r>
+          </a:p>
+          <a:p>
+            <a:r>
+              <a:rPr lang="en-US" altLang="zh-CN" dirty="0" smtClean="0"/>
+              <a:t>Optimistic </a:t>
+            </a:r>
+            <a:r>
+              <a:rPr lang="en-US" altLang="zh-CN" dirty="0" err="1" smtClean="0"/>
+              <a:t>unchoking</a:t>
+            </a:r>
+            <a:endParaRPr lang="en-US" altLang="zh-CN" dirty="0" smtClean="0"/>
+          </a:p>
+          <a:p>
+            <a:pPr lvl="1"/>
+            <a:r>
+              <a:rPr lang="en-US" altLang="zh-CN" dirty="0" err="1" smtClean="0"/>
+              <a:t>reserver</a:t>
+            </a:r>
+            <a:r>
+              <a:rPr lang="en-US" altLang="zh-CN" dirty="0" smtClean="0"/>
+              <a:t> upload BW to random peers </a:t>
+            </a:r>
+          </a:p>
+          <a:p>
+            <a:endParaRPr lang="zh-CN" altLang="en-US" dirty="0"/>
+          </a:p>
+        </p:txBody>
+      </p:sp>
+      <p:sp>
+        <p:nvSpPr>
+          <p:cNvPr id="4" name="灯片编号占位符 3"/>
+          <p:cNvSpPr>
+            <a:spLocks noGrp="1"/>
+          </p:cNvSpPr>
+          <p:nvPr>
+            <p:ph type="sldNum" sz="quarter" idx="12"/>
+          </p:nvPr>
+        </p:nvSpPr>
+        <p:spPr/>
+        <p:txBody>
+          <a:bodyPr>
+            <a:normAutofit/>
+          </a:bodyPr>
+          <a:lstStyle/>
+          <a:p>
+            <a:fld id="{41B43038-07B4-481F-A1A3-7BA5DF4C905A}" type="slidenum">
+              <a:rPr lang="zh-CN" altLang="en-US" smtClean="0"/>
+              <a:pPr/>
+              <a:t>5</a:t>
+            </a:fld>
+            <a:endParaRPr lang="zh-CN" altLang="en-US"/>
+          </a:p>
+        </p:txBody>
+      </p:sp>
+    </p:spTree>
+  </p:cSld>
+  <p:clrMapOvr>
+    <a:masterClrMapping/>
+  </p:clrMapOvr>
+  <p:timing>
+    <p:tnLst>
+      <p:par>
+        <p:cTn id="1" dur="indefinite" restart="never" nodeType="tmRoot"/>
+      </p:par>
+    </p:tnLst>
+  </p:timing>
+</p:sld>
+</file>
+
+<file path=ppt/slides/slide6.xml><?xml version="1.0" encoding="utf-8"?>
+<p:sld xmlns:a="http://schemas.openxmlformats.org/drawingml/2006/main" xmlns:r="http://schemas.openxmlformats.org/officeDocument/2006/relationships" xmlns:p="http://schemas.openxmlformats.org/presentationml/2006/main">
+  <p:cSld>
+    <p:spTree>
+      <p:nvGrpSpPr>
+        <p:cNvPr id="1" name=""/>
+        <p:cNvGrpSpPr/>
+        <p:nvPr/>
+      </p:nvGrpSpPr>
+      <p:grpSpPr>
+        <a:xfrm>
+          <a:off x="0" y="0"/>
+          <a:ext cx="0" cy="0"/>
+          <a:chOff x="0" y="0"/>
+          <a:chExt cx="0" cy="0"/>
+        </a:xfrm>
+      </p:grpSpPr>
+      <p:sp>
+        <p:nvSpPr>
+          <p:cNvPr id="2" name="标题 1"/>
+          <p:cNvSpPr>
+            <a:spLocks noGrp="1"/>
+          </p:cNvSpPr>
+          <p:nvPr>
+            <p:ph type="title"/>
+          </p:nvPr>
+        </p:nvSpPr>
+        <p:spPr/>
+        <p:txBody>
+          <a:bodyPr/>
+          <a:lstStyle/>
+          <a:p>
+            <a:r>
+              <a:rPr lang="en-US" dirty="0" smtClean="0"/>
+              <a:t>Multimedia</a:t>
+            </a:r>
+            <a:endParaRPr lang="en-US" dirty="0"/>
+          </a:p>
+        </p:txBody>
+      </p:sp>
+      <p:sp>
+        <p:nvSpPr>
+          <p:cNvPr id="3" name="内容占位符 2"/>
+          <p:cNvSpPr>
+            <a:spLocks noGrp="1"/>
+          </p:cNvSpPr>
+          <p:nvPr>
+            <p:ph idx="1"/>
+          </p:nvPr>
+        </p:nvSpPr>
+        <p:spPr/>
+        <p:txBody>
+          <a:bodyPr>
+            <a:normAutofit/>
+          </a:bodyPr>
+          <a:lstStyle/>
+          <a:p>
+            <a:r>
+              <a:rPr lang="en-US" sz="5400" dirty="0" smtClean="0"/>
+              <a:t>Quality</a:t>
+            </a:r>
+          </a:p>
+          <a:p>
+            <a:endParaRPr lang="en-US" sz="5400" dirty="0" smtClean="0"/>
+          </a:p>
+          <a:p>
+            <a:r>
+              <a:rPr lang="en-US" sz="5400" dirty="0" smtClean="0"/>
+              <a:t>Speed</a:t>
+            </a:r>
+            <a:endParaRPr lang="en-US" sz="5400" dirty="0"/>
+          </a:p>
+        </p:txBody>
+      </p:sp>
+      <p:sp>
+        <p:nvSpPr>
+          <p:cNvPr id="4" name="灯片编号占位符 3"/>
+          <p:cNvSpPr>
+            <a:spLocks noGrp="1"/>
+          </p:cNvSpPr>
+          <p:nvPr>
+            <p:ph type="sldNum" sz="quarter" idx="12"/>
+          </p:nvPr>
+        </p:nvSpPr>
+        <p:spPr/>
+        <p:txBody>
+          <a:bodyPr/>
+          <a:lstStyle/>
+          <a:p>
+            <a:fld id="{41B43038-07B4-481F-A1A3-7BA5DF4C905A}" type="slidenum">
+              <a:rPr lang="zh-CN" altLang="en-US" smtClean="0"/>
+              <a:pPr/>
+              <a:t>6</a:t>
+            </a:fld>
+            <a:endParaRPr lang="zh-CN" altLang="en-US"/>
+          </a:p>
+        </p:txBody>
+      </p:sp>
+    </p:spTree>
+  </p:cSld>
+  <p:clrMapOvr>
+    <a:masterClrMapping/>
+  </p:clrMapOvr>
 </p:sld>
 </file>
 
@@ -6103,7 +8430,7 @@
       </p:grpSpPr>
       <p:sp>
         <p:nvSpPr>
-          <p:cNvPr id="2" name="Title 1"/>
+          <p:cNvPr id="2" name="标题 1"/>
           <p:cNvSpPr>
             <a:spLocks noGrp="1"/>
           </p:cNvSpPr>
@@ -6117,16 +8444,16 @@
           <a:lstStyle/>
           <a:p>
             <a:r>
-              <a:rPr lang="en-US" altLang="zh-CN" dirty="0" smtClean="0"/>
-              <a:t>Neighbor selection policy</a:t>
-            </a:r>
-            <a:endParaRPr lang="zh-CN" altLang="en-US" dirty="0"/>
-          </a:p>
-        </p:txBody>
-      </p:sp>
-      <p:sp>
-        <p:nvSpPr>
-          <p:cNvPr id="3" name="Content Placeholder 2"/>
+              <a:rPr lang="en-US" dirty="0" smtClean="0"/>
+              <a:t>Agenda</a:t>
+            </a:r>
+            <a:endParaRPr lang="en-US" dirty="0"/>
+          </a:p>
+        </p:txBody>
+      </p:sp>
+      <p:sp>
+        <p:nvSpPr>
+          <p:cNvPr id="3" name="内容占位符 2"/>
           <p:cNvSpPr>
             <a:spLocks noGrp="1"/>
           </p:cNvSpPr>
@@ -6139,48 +8466,59 @@
           <a:bodyPr/>
           <a:lstStyle/>
           <a:p>
-            <a:r>
-              <a:rPr lang="en-US" altLang="zh-CN" dirty="0" smtClean="0"/>
-              <a:t>Advantaged peers favor each other</a:t>
-            </a:r>
-          </a:p>
-          <a:p>
-            <a:r>
-              <a:rPr lang="en-US" altLang="zh-CN" dirty="0" smtClean="0"/>
-              <a:t>Slower peers suffer from slow start</a:t>
-            </a:r>
-          </a:p>
-          <a:p>
-            <a:endParaRPr lang="en-US" altLang="zh-CN" dirty="0" smtClean="0"/>
-          </a:p>
-          <a:p>
-            <a:r>
-              <a:rPr lang="en-US" altLang="zh-CN" dirty="0" smtClean="0"/>
-              <a:t>Each peer selects neighbors at random for the randomized chocking interval</a:t>
-            </a:r>
-          </a:p>
-          <a:p>
-            <a:pPr lvl="1"/>
-            <a:r>
-              <a:rPr lang="en-US" altLang="zh-CN" dirty="0" smtClean="0"/>
-              <a:t>At the beginning of every playback</a:t>
-            </a:r>
-          </a:p>
-          <a:p>
-            <a:r>
-              <a:rPr lang="en-US" altLang="zh-CN" dirty="0" smtClean="0"/>
-              <a:t>Use tit-for-tat policy until the end of the playback duration to deter free riding</a:t>
-            </a:r>
-          </a:p>
-          <a:p>
-            <a:pPr lvl="1"/>
-            <a:r>
-              <a:rPr lang="en-US" altLang="zh-CN" dirty="0" smtClean="0"/>
-              <a:t>Once they have chunks to exchange peers </a:t>
-            </a:r>
-          </a:p>
-          <a:p>
-            <a:endParaRPr lang="zh-CN" altLang="en-US" dirty="0"/>
+            <a:pPr>
+              <a:spcBef>
+                <a:spcPts val="1000"/>
+              </a:spcBef>
+            </a:pPr>
+            <a:r>
+              <a:rPr lang="en-US" sz="4000" dirty="0" smtClean="0"/>
+              <a:t>Introduction</a:t>
+            </a:r>
+          </a:p>
+          <a:p>
+            <a:pPr>
+              <a:spcBef>
+                <a:spcPts val="1000"/>
+              </a:spcBef>
+            </a:pPr>
+            <a:r>
+              <a:rPr lang="en-US" sz="4000" b="1" dirty="0" smtClean="0">
+                <a:solidFill>
+                  <a:srgbClr val="FF0000"/>
+                </a:solidFill>
+              </a:rPr>
+              <a:t>BT + Multimedia</a:t>
+            </a:r>
+          </a:p>
+          <a:p>
+            <a:pPr>
+              <a:spcBef>
+                <a:spcPts val="1000"/>
+              </a:spcBef>
+            </a:pPr>
+            <a:r>
+              <a:rPr lang="en-US" sz="4000" dirty="0" smtClean="0"/>
+              <a:t>Experimental</a:t>
+            </a:r>
+          </a:p>
+          <a:p>
+            <a:pPr>
+              <a:spcBef>
+                <a:spcPts val="1000"/>
+              </a:spcBef>
+            </a:pPr>
+            <a:r>
+              <a:rPr lang="en-US" sz="4000" dirty="0" smtClean="0"/>
+              <a:t>Conclusion</a:t>
+            </a:r>
+            <a:endParaRPr lang="en-US" sz="4000" dirty="0" smtClean="0"/>
+          </a:p>
+          <a:p>
+            <a:endParaRPr lang="en-US" dirty="0" smtClean="0"/>
+          </a:p>
+          <a:p>
+            <a:endParaRPr lang="en-US" dirty="0"/>
           </a:p>
         </p:txBody>
       </p:sp>
@@ -6213,13 +8551,6 @@
   <p:clrMapOvr>
     <a:masterClrMapping/>
   </p:clrMapOvr>
-  <p:timing>
-    <p:tnLst>
-      <p:par>
-        <p:cTn id="1" dur="indefinite" restart="never" nodeType="tmRoot"/>
-      </p:par>
-    </p:tnLst>
-  </p:timing>
 </p:sld>
 </file>
 
@@ -6242,7 +8573,7 @@
       </p:grpSpPr>
       <p:sp>
         <p:nvSpPr>
-          <p:cNvPr id="2" name="标题 1"/>
+          <p:cNvPr id="2" name="Title 1"/>
           <p:cNvSpPr>
             <a:spLocks noGrp="1"/>
           </p:cNvSpPr>
@@ -6256,35 +8587,16 @@
           <a:lstStyle/>
           <a:p>
             <a:r>
-              <a:rPr lang="en-US" dirty="0" smtClean="0"/>
-              <a:t>Experimental Setup</a:t>
-            </a:r>
-            <a:endParaRPr lang="en-US" dirty="0"/>
-          </a:p>
-        </p:txBody>
-      </p:sp>
-      <p:sp>
-        <p:nvSpPr>
-          <p:cNvPr id="4" name="文本占位符 3"/>
-          <p:cNvSpPr>
-            <a:spLocks noGrp="1"/>
-          </p:cNvSpPr>
-          <p:nvPr>
-            <p:ph type="body" idx="1"/>
-          </p:nvPr>
-        </p:nvSpPr>
-        <p:spPr/>
-        <p:txBody>
-          <a:bodyPr/>
-          <a:lstStyle/>
-          <a:p>
-            <a:endParaRPr lang="en-US" dirty="0"/>
-          </a:p>
-        </p:txBody>
-      </p:sp>
-      <p:sp>
-        <p:nvSpPr>
-          <p:cNvPr id="5" name="灯片编号占位符 4"/>
+              <a:rPr lang="en-US" altLang="zh-CN" dirty="0" smtClean="0"/>
+              <a:t>BT + Multimedia</a:t>
+            </a:r>
+            <a:endParaRPr lang="zh-CN" altLang="en-US" dirty="0"/>
+          </a:p>
+        </p:txBody>
+      </p:sp>
+      <p:sp>
+        <p:nvSpPr>
+          <p:cNvPr id="9" name="灯片编号占位符 8"/>
           <p:cNvSpPr>
             <a:spLocks noGrp="1"/>
           </p:cNvSpPr>
@@ -6294,7 +8606,9 @@
         </p:nvSpPr>
         <p:spPr/>
         <p:txBody>
-          <a:bodyPr/>
+          <a:bodyPr>
+            <a:normAutofit/>
+          </a:bodyPr>
           <a:lstStyle/>
           <a:p>
             <a:fld id="{41B43038-07B4-481F-A1A3-7BA5DF4C905A}" type="slidenum">
@@ -6303,6 +8617,260 @@
               <a:t>8</a:t>
             </a:fld>
             <a:endParaRPr lang="zh-CN" altLang="en-US"/>
+          </a:p>
+        </p:txBody>
+      </p:sp>
+      <p:pic>
+        <p:nvPicPr>
+          <p:cNvPr id="2050" name="Picture 2" descr="C:\Users\Sike Huang\Desktop\bittorrent_logo.gif"/>
+          <p:cNvPicPr>
+            <a:picLocks noChangeAspect="1" noChangeArrowheads="1"/>
+          </p:cNvPicPr>
+          <p:nvPr/>
+        </p:nvPicPr>
+        <p:blipFill>
+          <a:blip r:embed="rId2"/>
+          <a:srcRect/>
+          <a:stretch>
+            <a:fillRect/>
+          </a:stretch>
+        </p:blipFill>
+        <p:spPr bwMode="auto">
+          <a:xfrm>
+            <a:off x="1071538" y="4357694"/>
+            <a:ext cx="762000" cy="762000"/>
+          </a:xfrm>
+          <a:prstGeom prst="rect">
+            <a:avLst/>
+          </a:prstGeom>
+          <a:noFill/>
+        </p:spPr>
+      </p:pic>
+      <p:pic>
+        <p:nvPicPr>
+          <p:cNvPr id="2051" name="Picture 3" descr="C:\Users\Sike Huang\Desktop\Windows_media_player_logo.jpg"/>
+          <p:cNvPicPr>
+            <a:picLocks noChangeAspect="1" noChangeArrowheads="1"/>
+          </p:cNvPicPr>
+          <p:nvPr/>
+        </p:nvPicPr>
+        <p:blipFill>
+          <a:blip r:embed="rId3"/>
+          <a:srcRect/>
+          <a:stretch>
+            <a:fillRect/>
+          </a:stretch>
+        </p:blipFill>
+        <p:spPr bwMode="auto">
+          <a:xfrm>
+            <a:off x="3428992" y="4714884"/>
+            <a:ext cx="952500" cy="952500"/>
+          </a:xfrm>
+          <a:prstGeom prst="rect">
+            <a:avLst/>
+          </a:prstGeom>
+          <a:noFill/>
+        </p:spPr>
+      </p:pic>
+      <p:sp>
+        <p:nvSpPr>
+          <p:cNvPr id="6" name="Rounded Rectangular Callout 5"/>
+          <p:cNvSpPr/>
+          <p:nvPr/>
+        </p:nvSpPr>
+        <p:spPr>
+          <a:xfrm>
+            <a:off x="714348" y="2285992"/>
+            <a:ext cx="2500330" cy="1643074"/>
+          </a:xfrm>
+          <a:prstGeom prst="wedgeRoundRectCallout">
+            <a:avLst/>
+          </a:prstGeom>
+        </p:spPr>
+        <p:style>
+          <a:lnRef idx="2">
+            <a:schemeClr val="accent1">
+              <a:shade val="50000"/>
+            </a:schemeClr>
+          </a:lnRef>
+          <a:fillRef idx="1">
+            <a:schemeClr val="accent1"/>
+          </a:fillRef>
+          <a:effectRef idx="0">
+            <a:schemeClr val="accent1"/>
+          </a:effectRef>
+          <a:fontRef idx="minor">
+            <a:schemeClr val="lt1"/>
+          </a:fontRef>
+        </p:style>
+        <p:txBody>
+          <a:bodyPr rtlCol="0" anchor="ctr"/>
+          <a:lstStyle/>
+          <a:p>
+            <a:pPr algn="ctr"/>
+            <a:r>
+              <a:rPr lang="en-US" altLang="zh-CN" dirty="0" smtClean="0"/>
+              <a:t>I’m scalable, efficient, cost-effective, self-improving, easy to deploy…</a:t>
+            </a:r>
+            <a:endParaRPr lang="zh-CN" altLang="en-US" dirty="0"/>
+          </a:p>
+        </p:txBody>
+      </p:sp>
+      <p:sp>
+        <p:nvSpPr>
+          <p:cNvPr id="8" name="Oval Callout 7"/>
+          <p:cNvSpPr/>
+          <p:nvPr/>
+        </p:nvSpPr>
+        <p:spPr>
+          <a:xfrm>
+            <a:off x="3500430" y="3429000"/>
+            <a:ext cx="1357322" cy="969838"/>
+          </a:xfrm>
+          <a:prstGeom prst="wedgeEllipseCallout">
+            <a:avLst/>
+          </a:prstGeom>
+        </p:spPr>
+        <p:style>
+          <a:lnRef idx="2">
+            <a:schemeClr val="accent1">
+              <a:shade val="50000"/>
+            </a:schemeClr>
+          </a:lnRef>
+          <a:fillRef idx="1">
+            <a:schemeClr val="accent1"/>
+          </a:fillRef>
+          <a:effectRef idx="0">
+            <a:schemeClr val="accent1"/>
+          </a:effectRef>
+          <a:fontRef idx="minor">
+            <a:schemeClr val="lt1"/>
+          </a:fontRef>
+        </p:style>
+        <p:txBody>
+          <a:bodyPr rtlCol="0" anchor="ctr"/>
+          <a:lstStyle/>
+          <a:p>
+            <a:pPr algn="ctr"/>
+            <a:r>
+              <a:rPr lang="en-US" altLang="zh-CN" dirty="0" smtClean="0"/>
+              <a:t>Marry Me</a:t>
+            </a:r>
+            <a:endParaRPr lang="zh-CN" altLang="en-US" dirty="0"/>
+          </a:p>
+        </p:txBody>
+      </p:sp>
+      <p:pic>
+        <p:nvPicPr>
+          <p:cNvPr id="2052" name="Picture 4" descr="C:\Users\Sike Huang\Desktop\super_man_100.png"/>
+          <p:cNvPicPr>
+            <a:picLocks noChangeAspect="1" noChangeArrowheads="1"/>
+          </p:cNvPicPr>
+          <p:nvPr/>
+        </p:nvPicPr>
+        <p:blipFill>
+          <a:blip r:embed="rId4"/>
+          <a:srcRect/>
+          <a:stretch>
+            <a:fillRect/>
+          </a:stretch>
+        </p:blipFill>
+        <p:spPr bwMode="auto">
+          <a:xfrm>
+            <a:off x="5834078" y="5405458"/>
+            <a:ext cx="952500" cy="952500"/>
+          </a:xfrm>
+          <a:prstGeom prst="rect">
+            <a:avLst/>
+          </a:prstGeom>
+          <a:noFill/>
+        </p:spPr>
+      </p:pic>
+      <p:sp>
+        <p:nvSpPr>
+          <p:cNvPr id="11" name="Rectangular Callout 10"/>
+          <p:cNvSpPr/>
+          <p:nvPr/>
+        </p:nvSpPr>
+        <p:spPr>
+          <a:xfrm>
+            <a:off x="5429256" y="2214554"/>
+            <a:ext cx="3214710" cy="2786082"/>
+          </a:xfrm>
+          <a:prstGeom prst="wedgeRectCallout">
+            <a:avLst/>
+          </a:prstGeom>
+        </p:spPr>
+        <p:style>
+          <a:lnRef idx="2">
+            <a:schemeClr val="accent1">
+              <a:shade val="50000"/>
+            </a:schemeClr>
+          </a:lnRef>
+          <a:fillRef idx="1">
+            <a:schemeClr val="accent1"/>
+          </a:fillRef>
+          <a:effectRef idx="0">
+            <a:schemeClr val="accent1"/>
+          </a:effectRef>
+          <a:fontRef idx="minor">
+            <a:schemeClr val="lt1"/>
+          </a:fontRef>
+        </p:style>
+        <p:txBody>
+          <a:bodyPr rtlCol="0" anchor="ctr"/>
+          <a:lstStyle/>
+          <a:p>
+            <a:pPr algn="ctr"/>
+            <a:r>
+              <a:rPr lang="en-US" altLang="zh-CN" dirty="0" smtClean="0"/>
+              <a:t>W-A-I-T !</a:t>
+            </a:r>
+          </a:p>
+          <a:p>
+            <a:pPr algn="ctr"/>
+            <a:endParaRPr lang="en-US" altLang="zh-CN" dirty="0" smtClean="0"/>
+          </a:p>
+          <a:p>
+            <a:pPr algn="ctr"/>
+            <a:r>
+              <a:rPr lang="en-US" altLang="zh-CN" dirty="0" smtClean="0"/>
+              <a:t>Two problems:</a:t>
+            </a:r>
+          </a:p>
+          <a:p>
+            <a:pPr algn="ctr"/>
+            <a:endParaRPr lang="en-US" altLang="zh-CN" dirty="0" smtClean="0"/>
+          </a:p>
+          <a:p>
+            <a:pPr marL="342900" indent="-342900">
+              <a:buAutoNum type="arabicPeriod"/>
+            </a:pPr>
+            <a:r>
+              <a:rPr lang="en-US" altLang="zh-CN" dirty="0" err="1" smtClean="0"/>
+              <a:t>Dowload</a:t>
+            </a:r>
+            <a:r>
+              <a:rPr lang="en-US" altLang="zh-CN" dirty="0" smtClean="0"/>
+              <a:t> NOT in sequence</a:t>
+            </a:r>
+          </a:p>
+          <a:p>
+            <a:pPr marL="800100" lvl="1" indent="-342900">
+              <a:buFont typeface="Arial" pitchFamily="34" charset="0"/>
+              <a:buChar char="•"/>
+            </a:pPr>
+            <a:endParaRPr lang="en-US" altLang="zh-CN" dirty="0" smtClean="0"/>
+          </a:p>
+          <a:p>
+            <a:pPr marL="342900" indent="-342900">
+              <a:buAutoNum type="arabicPeriod"/>
+            </a:pPr>
+            <a:r>
+              <a:rPr lang="en-US" altLang="zh-CN" dirty="0" smtClean="0"/>
+              <a:t>Tit-for-tat</a:t>
+            </a:r>
+            <a:endParaRPr lang="zh-CN" altLang="en-US" dirty="0"/>
           </a:p>
         </p:txBody>
       </p:sp>
@@ -6340,7 +8908,7 @@
       </p:grpSpPr>
       <p:sp>
         <p:nvSpPr>
-          <p:cNvPr id="5" name="标题 4"/>
+          <p:cNvPr id="2" name="Title 1"/>
           <p:cNvSpPr>
             <a:spLocks noGrp="1"/>
           </p:cNvSpPr>
@@ -6354,62 +8922,298 @@
           <a:lstStyle/>
           <a:p>
             <a:r>
-              <a:rPr lang="en-US" dirty="0" smtClean="0"/>
-              <a:t>Experimental Setup</a:t>
-            </a:r>
-            <a:endParaRPr lang="en-US" dirty="0"/>
-          </a:p>
-        </p:txBody>
-      </p:sp>
-      <p:sp>
-        <p:nvSpPr>
-          <p:cNvPr id="6" name="内容占位符 5"/>
-          <p:cNvSpPr>
-            <a:spLocks noGrp="1"/>
-          </p:cNvSpPr>
-          <p:nvPr>
-            <p:ph idx="1"/>
-          </p:nvPr>
-        </p:nvSpPr>
-        <p:spPr/>
-        <p:txBody>
-          <a:bodyPr/>
-          <a:lstStyle/>
-          <a:p>
-            <a:r>
-              <a:rPr lang="en-US" dirty="0" smtClean="0"/>
-              <a:t>Homogeneous setting</a:t>
-            </a:r>
-          </a:p>
-          <a:p>
-            <a:pPr lvl="1"/>
-            <a:r>
-              <a:rPr lang="en-US" dirty="0" smtClean="0"/>
-              <a:t>All leeches within a sub-network have the same link band width</a:t>
-            </a:r>
-          </a:p>
-          <a:p>
-            <a:r>
-              <a:rPr lang="en-US" dirty="0" smtClean="0"/>
-              <a:t>Assumed the idealized performance of TCP</a:t>
-            </a:r>
-          </a:p>
-          <a:p>
-            <a:r>
-              <a:rPr lang="en-US" dirty="0" smtClean="0"/>
-              <a:t>Neglect network propagation</a:t>
-            </a:r>
-          </a:p>
-          <a:p>
-            <a:pPr lvl="1"/>
-            <a:r>
-              <a:rPr lang="en-US" dirty="0" smtClean="0"/>
-              <a:t>Ignore the packages used by peers to request chunks</a:t>
-            </a:r>
-          </a:p>
-          <a:p>
-            <a:pPr lvl="2"/>
-            <a:endParaRPr lang="en-US" dirty="0"/>
+              <a:rPr lang="en-US" altLang="zh-CN" dirty="0" smtClean="0"/>
+              <a:t>Work this out</a:t>
+            </a:r>
+            <a:endParaRPr lang="zh-CN" altLang="en-US" dirty="0"/>
+          </a:p>
+        </p:txBody>
+      </p:sp>
+      <p:sp>
+        <p:nvSpPr>
+          <p:cNvPr id="9" name="灯片编号占位符 8"/>
+          <p:cNvSpPr>
+            <a:spLocks noGrp="1"/>
+          </p:cNvSpPr>
+          <p:nvPr>
+            <p:ph type="sldNum" sz="quarter" idx="12"/>
+          </p:nvPr>
+        </p:nvSpPr>
+        <p:spPr/>
+        <p:txBody>
+          <a:bodyPr>
+            <a:normAutofit/>
+          </a:bodyPr>
+          <a:lstStyle/>
+          <a:p>
+            <a:fld id="{41B43038-07B4-481F-A1A3-7BA5DF4C905A}" type="slidenum">
+              <a:rPr lang="zh-CN" altLang="en-US" smtClean="0"/>
+              <a:pPr/>
+              <a:t>9</a:t>
+            </a:fld>
+            <a:endParaRPr lang="zh-CN" altLang="en-US"/>
+          </a:p>
+        </p:txBody>
+      </p:sp>
+      <p:pic>
+        <p:nvPicPr>
+          <p:cNvPr id="1026" name="Picture 2"/>
+          <p:cNvPicPr>
+            <a:picLocks noChangeAspect="1" noChangeArrowheads="1"/>
+          </p:cNvPicPr>
+          <p:nvPr/>
+        </p:nvPicPr>
+        <p:blipFill>
+          <a:blip r:embed="rId2"/>
+          <a:srcRect/>
+          <a:stretch>
+            <a:fillRect/>
+          </a:stretch>
+        </p:blipFill>
+        <p:spPr bwMode="auto">
+          <a:xfrm>
+            <a:off x="812029" y="5272235"/>
+            <a:ext cx="1259641" cy="1143008"/>
+          </a:xfrm>
+          <a:prstGeom prst="rect">
+            <a:avLst/>
+          </a:prstGeom>
+          <a:noFill/>
+          <a:ln w="9525">
+            <a:noFill/>
+            <a:miter lim="800000"/>
+            <a:headEnd/>
+            <a:tailEnd/>
+          </a:ln>
+          <a:effectLst/>
+        </p:spPr>
+      </p:pic>
+      <p:pic>
+        <p:nvPicPr>
+          <p:cNvPr id="1027" name="Picture 3"/>
+          <p:cNvPicPr>
+            <a:picLocks noChangeAspect="1" noChangeArrowheads="1"/>
+          </p:cNvPicPr>
+          <p:nvPr/>
+        </p:nvPicPr>
+        <p:blipFill>
+          <a:blip r:embed="rId3"/>
+          <a:srcRect/>
+          <a:stretch>
+            <a:fillRect/>
+          </a:stretch>
+        </p:blipFill>
+        <p:spPr bwMode="auto">
+          <a:xfrm>
+            <a:off x="3786182" y="5272234"/>
+            <a:ext cx="1214446" cy="1226237"/>
+          </a:xfrm>
+          <a:prstGeom prst="rect">
+            <a:avLst/>
+          </a:prstGeom>
+          <a:noFill/>
+          <a:ln w="9525">
+            <a:noFill/>
+            <a:miter lim="800000"/>
+            <a:headEnd/>
+            <a:tailEnd/>
+          </a:ln>
+          <a:effectLst/>
+        </p:spPr>
+      </p:pic>
+      <p:pic>
+        <p:nvPicPr>
+          <p:cNvPr id="1028" name="Picture 4"/>
+          <p:cNvPicPr>
+            <a:picLocks noChangeAspect="1" noChangeArrowheads="1"/>
+          </p:cNvPicPr>
+          <p:nvPr/>
+        </p:nvPicPr>
+        <p:blipFill>
+          <a:blip r:embed="rId4"/>
+          <a:srcRect/>
+          <a:stretch>
+            <a:fillRect/>
+          </a:stretch>
+        </p:blipFill>
+        <p:spPr bwMode="auto">
+          <a:xfrm>
+            <a:off x="6858016" y="5343673"/>
+            <a:ext cx="1214446" cy="1157161"/>
+          </a:xfrm>
+          <a:prstGeom prst="rect">
+            <a:avLst/>
+          </a:prstGeom>
+          <a:noFill/>
+          <a:ln w="9525">
+            <a:noFill/>
+            <a:miter lim="800000"/>
+            <a:headEnd/>
+            <a:tailEnd/>
+          </a:ln>
+          <a:effectLst/>
+        </p:spPr>
+      </p:pic>
+      <p:sp>
+        <p:nvSpPr>
+          <p:cNvPr id="10" name="Cloud Callout 9"/>
+          <p:cNvSpPr/>
+          <p:nvPr/>
+        </p:nvSpPr>
+        <p:spPr>
+          <a:xfrm>
+            <a:off x="2928926" y="2200401"/>
+            <a:ext cx="4786346" cy="2643206"/>
+          </a:xfrm>
+          <a:prstGeom prst="cloudCallout">
+            <a:avLst/>
+          </a:prstGeom>
+        </p:spPr>
+        <p:style>
+          <a:lnRef idx="2">
+            <a:schemeClr val="accent1">
+              <a:shade val="50000"/>
+            </a:schemeClr>
+          </a:lnRef>
+          <a:fillRef idx="1">
+            <a:schemeClr val="accent1"/>
+          </a:fillRef>
+          <a:effectRef idx="0">
+            <a:schemeClr val="accent1"/>
+          </a:effectRef>
+          <a:fontRef idx="minor">
+            <a:schemeClr val="lt1"/>
+          </a:fontRef>
+        </p:style>
+        <p:txBody>
+          <a:bodyPr rtlCol="0" anchor="ctr"/>
+          <a:lstStyle/>
+          <a:p>
+            <a:pPr algn="ctr"/>
+            <a:r>
+              <a:rPr lang="en-US" altLang="zh-CN" dirty="0" smtClean="0"/>
+              <a:t>Propose two modifications in BT:</a:t>
+            </a:r>
+          </a:p>
+          <a:p>
+            <a:pPr algn="ctr"/>
+            <a:endParaRPr lang="en-US" altLang="zh-CN" dirty="0" smtClean="0"/>
+          </a:p>
+          <a:p>
+            <a:pPr marL="342900" indent="-342900">
+              <a:buAutoNum type="arabicPeriod"/>
+            </a:pPr>
+            <a:r>
+              <a:rPr lang="en-US" altLang="zh-CN" dirty="0" smtClean="0"/>
+              <a:t>Chunk selection policy</a:t>
+            </a:r>
+          </a:p>
+          <a:p>
+            <a:pPr marL="342900" indent="-342900">
+              <a:buAutoNum type="arabicPeriod"/>
+            </a:pPr>
+            <a:endParaRPr lang="en-US" altLang="zh-CN" dirty="0" smtClean="0"/>
+          </a:p>
+          <a:p>
+            <a:pPr marL="342900" indent="-342900">
+              <a:buAutoNum type="arabicPeriod"/>
+            </a:pPr>
+            <a:r>
+              <a:rPr lang="en-US" altLang="zh-CN" dirty="0" smtClean="0"/>
+              <a:t>Neighbor selection policy</a:t>
+            </a:r>
+          </a:p>
+          <a:p>
+            <a:pPr algn="ctr"/>
+            <a:endParaRPr lang="zh-CN" altLang="en-US" dirty="0"/>
+          </a:p>
+        </p:txBody>
+      </p:sp>
+      <p:sp>
+        <p:nvSpPr>
+          <p:cNvPr id="11" name="Chevron 10"/>
+          <p:cNvSpPr/>
+          <p:nvPr/>
+        </p:nvSpPr>
+        <p:spPr>
+          <a:xfrm>
+            <a:off x="2285984" y="5772301"/>
+            <a:ext cx="1071570" cy="285752"/>
+          </a:xfrm>
+          <a:prstGeom prst="chevron">
+            <a:avLst/>
+          </a:prstGeom>
+        </p:spPr>
+        <p:style>
+          <a:lnRef idx="2">
+            <a:schemeClr val="accent1">
+              <a:shade val="50000"/>
+            </a:schemeClr>
+          </a:lnRef>
+          <a:fillRef idx="1">
+            <a:schemeClr val="accent1"/>
+          </a:fillRef>
+          <a:effectRef idx="0">
+            <a:schemeClr val="accent1"/>
+          </a:effectRef>
+          <a:fontRef idx="minor">
+            <a:schemeClr val="lt1"/>
+          </a:fontRef>
+        </p:style>
+        <p:txBody>
+          <a:bodyPr rtlCol="0" anchor="ctr"/>
+          <a:lstStyle/>
+          <a:p>
+            <a:pPr algn="ctr"/>
+            <a:endParaRPr lang="zh-CN" altLang="en-US">
+              <a:solidFill>
+                <a:schemeClr val="tx1"/>
+              </a:solidFill>
+            </a:endParaRPr>
+          </a:p>
+        </p:txBody>
+      </p:sp>
+      <p:sp>
+        <p:nvSpPr>
+          <p:cNvPr id="12" name="Chevron 11"/>
+          <p:cNvSpPr/>
+          <p:nvPr/>
+        </p:nvSpPr>
+        <p:spPr>
+          <a:xfrm>
+            <a:off x="5357818" y="5772301"/>
+            <a:ext cx="1071570" cy="285752"/>
+          </a:xfrm>
+          <a:prstGeom prst="chevron">
+            <a:avLst/>
+          </a:prstGeom>
+        </p:spPr>
+        <p:style>
+          <a:lnRef idx="2">
+            <a:schemeClr val="accent1">
+              <a:shade val="50000"/>
+            </a:schemeClr>
+          </a:lnRef>
+          <a:fillRef idx="1">
+            <a:schemeClr val="accent1"/>
+          </a:fillRef>
+          <a:effectRef idx="0">
+            <a:schemeClr val="accent1"/>
+          </a:effectRef>
+          <a:fontRef idx="minor">
+            <a:schemeClr val="lt1"/>
+          </a:fontRef>
+        </p:style>
+        <p:txBody>
+          <a:bodyPr rtlCol="0" anchor="ctr"/>
+          <a:lstStyle/>
+          <a:p>
+            <a:pPr algn="ctr"/>
+            <a:endParaRPr lang="zh-CN" altLang="en-US">
+              <a:solidFill>
+                <a:schemeClr val="tx1"/>
+              </a:solidFill>
+            </a:endParaRPr>
           </a:p>
         </p:txBody>
       </p:sp>
@@ -6418,13 +9222,20 @@
   <p:clrMapOvr>
     <a:masterClrMapping/>
   </p:clrMapOvr>
+  <p:timing>
+    <p:tnLst>
+      <p:par>
+        <p:cTn id="1" dur="indefinite" restart="never" nodeType="tmRoot"/>
+      </p:par>
+    </p:tnLst>
+  </p:timing>
 </p:sld>
 </file>
 
 <file path=ppt/theme/theme1.xml><?xml version="1.0" encoding="utf-8"?>
-<a:theme xmlns:a="http://schemas.openxmlformats.org/drawingml/2006/main" name="Urban">
+<a:theme xmlns:a="http://schemas.openxmlformats.org/drawingml/2006/main" name="都市">
   <a:themeElements>
-    <a:clrScheme name="Urban">
+    <a:clrScheme name="都市">
       <a:dk1>
         <a:sysClr val="windowText" lastClr="000000"/>
       </a:dk1>
@@ -6462,7 +9273,7 @@
         <a:srgbClr val="C2A874"/>
       </a:folHlink>
     </a:clrScheme>
-    <a:fontScheme name="Urban">
+    <a:fontScheme name="都市">
       <a:majorFont>
         <a:latin typeface="Trebuchet MS"/>
         <a:ea typeface=""/>
@@ -6532,7 +9343,7 @@
         <a:font script="Uigh" typeface="Microsoft Uighur"/>
       </a:minorFont>
     </a:fontScheme>
-    <a:fmtScheme name="Urban">
+    <a:fmtScheme name="跋涉">
       <a:fillStyleLst>
         <a:solidFill>
           <a:schemeClr val="phClr"/>
@@ -6541,66 +9352,87 @@
           <a:gsLst>
             <a:gs pos="0">
               <a:schemeClr val="phClr">
-                <a:tint val="1000"/>
-                <a:satMod val="255000"/>
+                <a:tint val="30000"/>
+                <a:satMod val="250000"/>
               </a:schemeClr>
             </a:gs>
-            <a:gs pos="55000">
+            <a:gs pos="72000">
               <a:schemeClr val="phClr">
-                <a:tint val="12000"/>
-                <a:satMod val="255000"/>
+                <a:tint val="75000"/>
+                <a:satMod val="210000"/>
               </a:schemeClr>
             </a:gs>
             <a:gs pos="100000">
               <a:schemeClr val="phClr">
-                <a:tint val="45000"/>
-                <a:satMod val="250000"/>
+                <a:tint val="85000"/>
+                <a:satMod val="210000"/>
               </a:schemeClr>
             </a:gs>
           </a:gsLst>
-          <a:path path="circle">
-            <a:fillToRect l="-40000" t="-90000" r="140000" b="190000"/>
-          </a:path>
+          <a:lin ang="5400000" scaled="1"/>
         </a:gradFill>
         <a:gradFill rotWithShape="1">
           <a:gsLst>
             <a:gs pos="0">
               <a:schemeClr val="phClr">
-                <a:tint val="43000"/>
-                <a:satMod val="165000"/>
+                <a:tint val="75000"/>
+                <a:shade val="85000"/>
+                <a:satMod val="230000"/>
               </a:schemeClr>
             </a:gs>
-            <a:gs pos="55000">
+            <a:gs pos="25000">
               <a:schemeClr val="phClr">
-                <a:tint val="83000"/>
-                <a:satMod val="155000"/>
+                <a:tint val="90000"/>
+                <a:shade val="70000"/>
+                <a:satMod val="220000"/>
+              </a:schemeClr>
+            </a:gs>
+            <a:gs pos="50000">
+              <a:schemeClr val="phClr">
+                <a:tint val="90000"/>
+                <a:shade val="58000"/>
+                <a:satMod val="225000"/>
+              </a:schemeClr>
+            </a:gs>
+            <a:gs pos="65000">
+              <a:schemeClr val="phClr">
+                <a:tint val="90000"/>
+                <a:shade val="58000"/>
+                <a:satMod val="225000"/>
+              </a:schemeClr>
+            </a:gs>
+            <a:gs pos="80000">
+              <a:schemeClr val="phClr">
+                <a:tint val="90000"/>
+                <a:shade val="69000"/>
+                <a:satMod val="220000"/>
               </a:schemeClr>
             </a:gs>
             <a:gs pos="100000">
               <a:schemeClr val="phClr">
-                <a:shade val="85000"/>
+                <a:tint val="77000"/>
+                <a:shade val="80000"/>
+                <a:satMod val="230000"/>
               </a:schemeClr>
             </a:gs>
           </a:gsLst>
-          <a:path path="circle">
-            <a:fillToRect l="-40000" t="-90000" r="140000" b="190000"/>
-          </a:path>
+          <a:lin ang="5400000" scaled="1"/>
         </a:gradFill>
       </a:fillStyleLst>
       <a:lnStyleLst>
-        <a:ln w="9525" cap="flat" cmpd="sng" algn="ctr">
+        <a:ln w="10000" cap="flat" cmpd="sng" algn="ctr">
           <a:solidFill>
             <a:schemeClr val="phClr"/>
           </a:solidFill>
           <a:prstDash val="solid"/>
         </a:ln>
-        <a:ln w="19050" cap="flat" cmpd="sng" algn="ctr">
+        <a:ln w="25400" cap="flat" cmpd="sng" algn="ctr">
           <a:solidFill>
             <a:schemeClr val="phClr"/>
           </a:solidFill>
           <a:prstDash val="solid"/>
         </a:ln>
-        <a:ln w="31750" cap="flat" cmpd="sng" algn="ctr">
+        <a:ln w="38100" cap="flat" cmpd="sng" algn="ctr">
           <a:solidFill>
             <a:schemeClr val="phClr"/>
           </a:solidFill>
@@ -6610,43 +9442,55 @@
       <a:effectStyleLst>
         <a:effectStyle>
           <a:effectLst>
-            <a:outerShdw blurRad="51500" dist="25400" dir="5400000" rotWithShape="0">
-              <a:srgbClr val="000000">
-                <a:alpha val="40000"/>
+            <a:outerShdw blurRad="76200" dist="50800" dir="5400000" rotWithShape="0">
+              <a:srgbClr val="4E3B30">
+                <a:alpha val="60000"/>
               </a:srgbClr>
             </a:outerShdw>
           </a:effectLst>
         </a:effectStyle>
         <a:effectStyle>
           <a:effectLst>
-            <a:outerShdw blurRad="50800" dist="25400" dir="5400000" rotWithShape="0">
-              <a:srgbClr val="000000">
-                <a:alpha val="45000"/>
-              </a:srgbClr>
-            </a:outerShdw>
-          </a:effectLst>
-        </a:effectStyle>
-        <a:effectStyle>
-          <a:effectLst>
-            <a:outerShdw blurRad="50800" dist="25400" dir="5400000" rotWithShape="0">
-              <a:srgbClr val="000000">
-                <a:alpha val="45000"/>
+            <a:outerShdw blurRad="76200" dist="50800" dir="5400000" rotWithShape="0">
+              <a:srgbClr val="4E3B30">
+                <a:alpha val="60000"/>
               </a:srgbClr>
             </a:outerShdw>
           </a:effectLst>
           <a:scene3d>
-            <a:camera prst="orthographicFront" fov="0">
+            <a:camera prst="orthographicFront">
               <a:rot lat="0" lon="0" rev="0"/>
             </a:camera>
-            <a:lightRig rig="flat" dir="t">
-              <a:rot lat="0" lon="0" rev="20040000"/>
+            <a:lightRig rig="threePt" dir="tl">
+              <a:rot lat="0" lon="0" rev="0"/>
             </a:lightRig>
           </a:scene3d>
-          <a:sp3d contourW="12700" prstMaterial="dkEdge">
-            <a:bevelT w="25400" h="38100" prst="convex"/>
+          <a:sp3d prstMaterial="metal">
+            <a:bevelT w="10000" h="10000"/>
+          </a:sp3d>
+        </a:effectStyle>
+        <a:effectStyle>
+          <a:effectLst>
+            <a:outerShdw blurRad="76200" dist="50800" dir="5400000" rotWithShape="0">
+              <a:srgbClr val="4E3B30">
+                <a:alpha val="60000"/>
+              </a:srgbClr>
+            </a:outerShdw>
+          </a:effectLst>
+          <a:scene3d>
+            <a:camera prst="obliqueTopLeft" fov="600000">
+              <a:rot lat="0" lon="0" rev="0"/>
+            </a:camera>
+            <a:lightRig rig="balanced" dir="t">
+              <a:rot lat="0" lon="0" rev="19200000"/>
+            </a:lightRig>
+          </a:scene3d>
+          <a:sp3d contourW="12700" prstMaterial="matte">
+            <a:bevelT w="60000" h="50800"/>
             <a:contourClr>
               <a:schemeClr val="phClr">
-                <a:satMod val="115000"/>
+                <a:shade val="60000"/>
+                <a:satMod val="110000"/>
               </a:schemeClr>
             </a:contourClr>
           </a:sp3d>

--- a/Distributed Computing, Peer-to-Peer and GRIDS/final presentation/ppt/Peer-to-Peer Multimedia Streaming Using BitTorrent.pptx
+++ b/Distributed Computing, Peer-to-Peer and GRIDS/final presentation/ppt/Peer-to-Peer Multimedia Streaming Using BitTorrent.pptx
@@ -11,14 +11,14 @@
     <p:sldId id="256" r:id="rId2"/>
     <p:sldId id="282" r:id="rId3"/>
     <p:sldId id="283" r:id="rId4"/>
-    <p:sldId id="257" r:id="rId5"/>
+    <p:sldId id="293" r:id="rId5"/>
     <p:sldId id="258" r:id="rId6"/>
     <p:sldId id="287" r:id="rId7"/>
     <p:sldId id="284" r:id="rId8"/>
-    <p:sldId id="259" r:id="rId9"/>
-    <p:sldId id="260" r:id="rId10"/>
-    <p:sldId id="261" r:id="rId11"/>
-    <p:sldId id="262" r:id="rId12"/>
+    <p:sldId id="289" r:id="rId9"/>
+    <p:sldId id="290" r:id="rId10"/>
+    <p:sldId id="291" r:id="rId11"/>
+    <p:sldId id="292" r:id="rId12"/>
     <p:sldId id="285" r:id="rId13"/>
     <p:sldId id="263" r:id="rId14"/>
     <p:sldId id="264" r:id="rId15"/>
@@ -38,7 +38,7 @@
     <p:sldId id="286" r:id="rId29"/>
     <p:sldId id="279" r:id="rId30"/>
     <p:sldId id="280" r:id="rId31"/>
-    <p:sldId id="281" r:id="rId32"/>
+    <p:sldId id="294" r:id="rId32"/>
   </p:sldIdLst>
   <p:sldSz cx="9144000" cy="6858000" type="screen4x3"/>
   <p:notesSz cx="6858000" cy="9144000"/>
@@ -487,6 +487,88 @@
     </a:lvl9pPr>
   </p:notesStyle>
 </p:notesMaster>
+</file>
+
+<file path=ppt/notesSlides/notesSlide1.xml><?xml version="1.0" encoding="utf-8"?>
+<p:notes xmlns:a="http://schemas.openxmlformats.org/drawingml/2006/main" xmlns:r="http://schemas.openxmlformats.org/officeDocument/2006/relationships" xmlns:p="http://schemas.openxmlformats.org/presentationml/2006/main">
+  <p:cSld>
+    <p:spTree>
+      <p:nvGrpSpPr>
+        <p:cNvPr id="1" name=""/>
+        <p:cNvGrpSpPr/>
+        <p:nvPr/>
+      </p:nvGrpSpPr>
+      <p:grpSpPr>
+        <a:xfrm>
+          <a:off x="0" y="0"/>
+          <a:ext cx="0" cy="0"/>
+          <a:chOff x="0" y="0"/>
+          <a:chExt cx="0" cy="0"/>
+        </a:xfrm>
+      </p:grpSpPr>
+      <p:sp>
+        <p:nvSpPr>
+          <p:cNvPr id="2" name="Slide Image Placeholder 1"/>
+          <p:cNvSpPr>
+            <a:spLocks noGrp="1" noRot="1" noChangeAspect="1"/>
+          </p:cNvSpPr>
+          <p:nvPr>
+            <p:ph type="sldImg"/>
+          </p:nvPr>
+        </p:nvSpPr>
+        <p:spPr/>
+      </p:sp>
+      <p:sp>
+        <p:nvSpPr>
+          <p:cNvPr id="3" name="Notes Placeholder 2"/>
+          <p:cNvSpPr>
+            <a:spLocks noGrp="1"/>
+          </p:cNvSpPr>
+          <p:nvPr>
+            <p:ph type="body" idx="1"/>
+          </p:nvPr>
+        </p:nvSpPr>
+        <p:spPr/>
+        <p:txBody>
+          <a:bodyPr>
+            <a:normAutofit/>
+          </a:bodyPr>
+          <a:lstStyle/>
+          <a:p>
+            <a:endParaRPr lang="zh-CN" altLang="en-US" dirty="0"/>
+          </a:p>
+        </p:txBody>
+      </p:sp>
+      <p:sp>
+        <p:nvSpPr>
+          <p:cNvPr id="4" name="Slide Number Placeholder 3"/>
+          <p:cNvSpPr>
+            <a:spLocks noGrp="1"/>
+          </p:cNvSpPr>
+          <p:nvPr>
+            <p:ph type="sldNum" sz="quarter" idx="10"/>
+          </p:nvPr>
+        </p:nvSpPr>
+        <p:spPr/>
+        <p:txBody>
+          <a:bodyPr/>
+          <a:lstStyle/>
+          <a:p>
+            <a:fld id="{7517175B-DC43-40D8-AB81-E0EA8FEAF36E}" type="slidenum">
+              <a:rPr lang="zh-CN" altLang="en-US" smtClean="0"/>
+              <a:pPr/>
+              <a:t>9</a:t>
+            </a:fld>
+            <a:endParaRPr lang="zh-CN" altLang="en-US"/>
+          </a:p>
+        </p:txBody>
+      </p:sp>
+    </p:spTree>
+  </p:cSld>
+  <p:clrMapOvr>
+    <a:masterClrMapping/>
+  </p:clrMapOvr>
+</p:notes>
 </file>
 
 <file path=ppt/slideLayouts/slideLayout1.xml><?xml version="1.0" encoding="utf-8"?>
@@ -4663,123 +4745,115 @@
             <p:ph idx="1"/>
           </p:nvPr>
         </p:nvSpPr>
-        <p:spPr/>
-        <p:txBody>
-          <a:bodyPr/>
-          <a:lstStyle/>
-          <a:p>
-            <a:r>
-              <a:rPr lang="en-US" altLang="zh-CN" dirty="0" smtClean="0"/>
-              <a:t>NOT in sequence</a:t>
-            </a:r>
-          </a:p>
-          <a:p>
-            <a:endParaRPr lang="en-US" altLang="zh-CN" dirty="0" smtClean="0"/>
-          </a:p>
-          <a:p>
-            <a:r>
-              <a:rPr lang="en-US" altLang="zh-CN" dirty="0" smtClean="0"/>
-              <a:t>Sliding window</a:t>
-            </a:r>
-          </a:p>
-          <a:p>
-            <a:endParaRPr lang="en-US" altLang="zh-CN" dirty="0" smtClean="0"/>
-          </a:p>
-          <a:p>
-            <a:endParaRPr lang="en-US" altLang="zh-CN" dirty="0" smtClean="0"/>
-          </a:p>
-          <a:p>
-            <a:r>
-              <a:rPr lang="en-US" altLang="zh-CN" sz="2000" i="1" dirty="0" smtClean="0"/>
-              <a:t>w</a:t>
-            </a:r>
-            <a:r>
-              <a:rPr lang="en-US" altLang="zh-CN" sz="2000" dirty="0" smtClean="0"/>
-              <a:t>: size of window</a:t>
-            </a:r>
-          </a:p>
-          <a:p>
-            <a:r>
-              <a:rPr lang="en-US" altLang="zh-CN" sz="2000" i="1" dirty="0" smtClean="0"/>
-              <a:t>d</a:t>
-            </a:r>
-            <a:r>
-              <a:rPr lang="en-US" altLang="zh-CN" sz="2000" dirty="0" smtClean="0"/>
-              <a:t>: playback delay</a:t>
-            </a:r>
-          </a:p>
-          <a:p>
-            <a:r>
-              <a:rPr lang="en-US" altLang="zh-CN" sz="2000" i="1" dirty="0" smtClean="0"/>
-              <a:t>b</a:t>
-            </a:r>
-            <a:r>
-              <a:rPr lang="en-US" altLang="zh-CN" sz="2000" dirty="0" smtClean="0"/>
-              <a:t>: </a:t>
-            </a:r>
-            <a:r>
-              <a:rPr lang="en-US" altLang="zh-CN" sz="2000" dirty="0" err="1" smtClean="0"/>
-              <a:t>vido</a:t>
-            </a:r>
-            <a:r>
-              <a:rPr lang="en-US" altLang="zh-CN" sz="2000" dirty="0" smtClean="0"/>
-              <a:t> consumption rate</a:t>
-            </a:r>
-          </a:p>
-          <a:p>
-            <a:r>
-              <a:rPr lang="en-US" altLang="zh-CN" sz="2000" i="1" dirty="0" smtClean="0"/>
-              <a:t>c</a:t>
-            </a:r>
-            <a:r>
-              <a:rPr lang="en-US" altLang="zh-CN" sz="2000" dirty="0" smtClean="0"/>
-              <a:t>: chunk size</a:t>
-            </a:r>
-          </a:p>
-          <a:p>
-            <a:endParaRPr lang="en-US" altLang="zh-CN" dirty="0" smtClean="0"/>
-          </a:p>
-          <a:p>
-            <a:endParaRPr lang="en-US" altLang="zh-CN" dirty="0" smtClean="0"/>
-          </a:p>
-        </p:txBody>
-      </p:sp>
-      <p:sp>
-        <p:nvSpPr>
-          <p:cNvPr id="6" name="灯片编号占位符 5"/>
-          <p:cNvSpPr>
-            <a:spLocks noGrp="1"/>
-          </p:cNvSpPr>
-          <p:nvPr>
-            <p:ph type="sldNum" sz="quarter" idx="12"/>
-          </p:nvPr>
-        </p:nvSpPr>
-        <p:spPr/>
+        <p:spPr>
+          <a:xfrm>
+            <a:off x="457200" y="2928934"/>
+            <a:ext cx="8229600" cy="3645602"/>
+          </a:xfrm>
+        </p:spPr>
         <p:txBody>
           <a:bodyPr>
             <a:normAutofit/>
           </a:bodyPr>
           <a:lstStyle/>
           <a:p>
-            <a:fld id="{41B43038-07B4-481F-A1A3-7BA5DF4C905A}" type="slidenum">
-              <a:rPr lang="zh-CN" altLang="en-US" smtClean="0"/>
-              <a:pPr/>
-              <a:t>10</a:t>
-            </a:fld>
-            <a:endParaRPr lang="zh-CN" altLang="en-US"/>
+            <a:endParaRPr lang="en-US" altLang="zh-CN" dirty="0" smtClean="0"/>
+          </a:p>
+          <a:p>
+            <a:r>
+              <a:rPr lang="en-US" altLang="zh-CN" dirty="0" smtClean="0"/>
+              <a:t>Sliding window</a:t>
+            </a:r>
+          </a:p>
+          <a:p>
+            <a:pPr lvl="1"/>
+            <a:r>
+              <a:rPr lang="en-US" altLang="zh-CN" dirty="0" smtClean="0"/>
+              <a:t>w = </a:t>
+            </a:r>
+            <a:r>
+              <a:rPr lang="en-US" altLang="zh-CN" i="1" dirty="0" smtClean="0"/>
+              <a:t>db</a:t>
+            </a:r>
+            <a:r>
+              <a:rPr lang="en-US" altLang="zh-CN" dirty="0" smtClean="0"/>
+              <a:t>/</a:t>
+            </a:r>
+            <a:r>
+              <a:rPr lang="en-US" altLang="zh-CN" i="1" dirty="0" smtClean="0"/>
+              <a:t>c</a:t>
+            </a:r>
+            <a:endParaRPr lang="en-US" altLang="zh-CN" i="1" dirty="0" smtClean="0"/>
+          </a:p>
+          <a:p>
+            <a:endParaRPr lang="en-US" altLang="zh-CN" dirty="0" smtClean="0"/>
+          </a:p>
+          <a:p>
+            <a:r>
+              <a:rPr lang="en-US" altLang="zh-CN" sz="2000" i="1" dirty="0" smtClean="0"/>
+              <a:t>w</a:t>
+            </a:r>
+            <a:r>
+              <a:rPr lang="en-US" altLang="zh-CN" sz="2000" dirty="0" smtClean="0"/>
+              <a:t>: size of window</a:t>
+            </a:r>
+          </a:p>
+          <a:p>
+            <a:r>
+              <a:rPr lang="en-US" altLang="zh-CN" sz="2000" i="1" dirty="0" smtClean="0"/>
+              <a:t>d</a:t>
+            </a:r>
+            <a:r>
+              <a:rPr lang="en-US" altLang="zh-CN" sz="2000" dirty="0" smtClean="0"/>
+              <a:t>: playback delay</a:t>
+            </a:r>
+          </a:p>
+          <a:p>
+            <a:r>
+              <a:rPr lang="en-US" altLang="zh-CN" sz="2000" i="1" dirty="0" smtClean="0"/>
+              <a:t>b</a:t>
+            </a:r>
+            <a:r>
+              <a:rPr lang="en-US" altLang="zh-CN" sz="2000" dirty="0" smtClean="0"/>
+              <a:t>: </a:t>
+            </a:r>
+            <a:r>
+              <a:rPr lang="en-US" altLang="zh-CN" sz="2000" dirty="0" err="1" smtClean="0"/>
+              <a:t>vido</a:t>
+            </a:r>
+            <a:r>
+              <a:rPr lang="en-US" altLang="zh-CN" sz="2000" dirty="0" smtClean="0"/>
+              <a:t> consumption rate</a:t>
+            </a:r>
+          </a:p>
+          <a:p>
+            <a:r>
+              <a:rPr lang="en-US" altLang="zh-CN" sz="2000" i="1" dirty="0" smtClean="0"/>
+              <a:t>c</a:t>
+            </a:r>
+            <a:r>
+              <a:rPr lang="en-US" altLang="zh-CN" sz="2000" dirty="0" smtClean="0"/>
+              <a:t>: chunk size</a:t>
+            </a:r>
+          </a:p>
+          <a:p>
+            <a:endParaRPr lang="en-US" altLang="zh-CN" dirty="0" smtClean="0"/>
+          </a:p>
+          <a:p>
+            <a:endParaRPr lang="en-US" altLang="zh-CN" dirty="0" smtClean="0"/>
           </a:p>
         </p:txBody>
       </p:sp>
       <p:pic>
         <p:nvPicPr>
-          <p:cNvPr id="2050" name="Picture 2"/>
+          <p:cNvPr id="26627" name="Picture 3"/>
           <p:cNvPicPr>
             <a:picLocks noChangeAspect="1" noChangeArrowheads="1"/>
           </p:cNvPicPr>
           <p:nvPr/>
         </p:nvPicPr>
         <p:blipFill>
-          <a:blip r:embed="rId3"/>
+          <a:blip r:embed="rId2"/>
           <a:srcRect/>
           <a:stretch>
             <a:fillRect/>
@@ -4787,8 +4861,8 @@
         </p:blipFill>
         <p:spPr bwMode="auto">
           <a:xfrm>
-            <a:off x="3786182" y="2191430"/>
-            <a:ext cx="5214974" cy="3737900"/>
+            <a:off x="3857620" y="2143116"/>
+            <a:ext cx="5021191" cy="4000528"/>
           </a:xfrm>
           <a:prstGeom prst="rect">
             <a:avLst/>
@@ -4803,37 +4877,483 @@
           <a:effectLst/>
         </p:spPr>
       </p:pic>
-      <p:graphicFrame>
-        <p:nvGraphicFramePr>
-          <p:cNvPr id="2053" name="Object 5"/>
-          <p:cNvGraphicFramePr>
-            <a:graphicFrameLocks noChangeAspect="1"/>
-          </p:cNvGraphicFramePr>
+      <p:sp>
+        <p:nvSpPr>
+          <p:cNvPr id="7" name="TextBox 6"/>
+          <p:cNvSpPr txBox="1"/>
           <p:nvPr/>
-        </p:nvGraphicFramePr>
-        <p:xfrm>
-          <a:off x="785786" y="3786190"/>
-          <a:ext cx="2500330" cy="714380"/>
-        </p:xfrm>
-        <a:graphic>
-          <a:graphicData uri="http://schemas.openxmlformats.org/presentationml/2006/ole">
-            <p:oleObj spid="_x0000_s2053" name="Equation" r:id="rId4" imgW="622080" imgH="177480" progId="Equation.3">
-              <p:embed/>
-            </p:oleObj>
-          </a:graphicData>
-        </a:graphic>
-      </p:graphicFrame>
+        </p:nvSpPr>
+        <p:spPr>
+          <a:xfrm>
+            <a:off x="500034" y="2571744"/>
+            <a:ext cx="3643338" cy="800219"/>
+          </a:xfrm>
+          <a:prstGeom prst="rect">
+            <a:avLst/>
+          </a:prstGeom>
+          <a:noFill/>
+        </p:spPr>
+        <p:txBody>
+          <a:bodyPr wrap="square" rtlCol="0">
+            <a:spAutoFit/>
+          </a:bodyPr>
+          <a:lstStyle/>
+          <a:p>
+            <a:pPr marL="365760" indent="-256032">
+              <a:spcBef>
+                <a:spcPts val="300"/>
+              </a:spcBef>
+              <a:buClr>
+                <a:schemeClr val="accent3"/>
+              </a:buClr>
+              <a:buFont typeface="Georgia"/>
+              <a:buChar char="•"/>
+            </a:pPr>
+            <a:r>
+              <a:rPr lang="en-US" altLang="zh-CN" sz="2800" dirty="0" smtClean="0"/>
+              <a:t>NOT in sequence</a:t>
+            </a:r>
+          </a:p>
+          <a:p>
+            <a:endParaRPr lang="en-US" dirty="0"/>
+          </a:p>
+        </p:txBody>
+      </p:sp>
+      <p:cxnSp>
+        <p:nvCxnSpPr>
+          <p:cNvPr id="9" name="直接连接符 8"/>
+          <p:cNvCxnSpPr/>
+          <p:nvPr/>
+        </p:nvCxnSpPr>
+        <p:spPr>
+          <a:xfrm>
+            <a:off x="428596" y="2857496"/>
+            <a:ext cx="3429024" cy="1588"/>
+          </a:xfrm>
+          <a:prstGeom prst="line">
+            <a:avLst/>
+          </a:prstGeom>
+        </p:spPr>
+        <p:style>
+          <a:lnRef idx="2">
+            <a:schemeClr val="dk1"/>
+          </a:lnRef>
+          <a:fillRef idx="0">
+            <a:schemeClr val="dk1"/>
+          </a:fillRef>
+          <a:effectRef idx="1">
+            <a:schemeClr val="dk1"/>
+          </a:effectRef>
+          <a:fontRef idx="minor">
+            <a:schemeClr val="tx1"/>
+          </a:fontRef>
+        </p:style>
+      </p:cxnSp>
     </p:spTree>
   </p:cSld>
   <p:clrMapOvr>
     <a:masterClrMapping/>
   </p:clrMapOvr>
+  <p:transition/>
   <p:timing>
     <p:tnLst>
       <p:par>
-        <p:cTn id="1" dur="indefinite" restart="never" nodeType="tmRoot"/>
+        <p:cTn id="1" dur="indefinite" restart="never" nodeType="tmRoot">
+          <p:childTnLst>
+            <p:seq concurrent="1" nextAc="seek">
+              <p:cTn id="2" dur="indefinite" nodeType="mainSeq">
+                <p:childTnLst>
+                  <p:par>
+                    <p:cTn id="3" fill="hold">
+                      <p:stCondLst>
+                        <p:cond delay="indefinite"/>
+                      </p:stCondLst>
+                      <p:childTnLst>
+                        <p:par>
+                          <p:cTn id="4" fill="hold">
+                            <p:stCondLst>
+                              <p:cond delay="0"/>
+                            </p:stCondLst>
+                            <p:childTnLst>
+                              <p:par>
+                                <p:cTn id="5" presetID="2" presetClass="entr" presetSubtype="8" fill="hold" nodeType="clickEffect">
+                                  <p:stCondLst>
+                                    <p:cond delay="0"/>
+                                  </p:stCondLst>
+                                  <p:childTnLst>
+                                    <p:set>
+                                      <p:cBhvr>
+                                        <p:cTn id="6" dur="1" fill="hold">
+                                          <p:stCondLst>
+                                            <p:cond delay="0"/>
+                                          </p:stCondLst>
+                                        </p:cTn>
+                                        <p:tgtEl>
+                                          <p:spTgt spid="9"/>
+                                        </p:tgtEl>
+                                        <p:attrNameLst>
+                                          <p:attrName>style.visibility</p:attrName>
+                                        </p:attrNameLst>
+                                      </p:cBhvr>
+                                      <p:to>
+                                        <p:strVal val="visible"/>
+                                      </p:to>
+                                    </p:set>
+                                    <p:anim calcmode="lin" valueType="num">
+                                      <p:cBhvr additive="base">
+                                        <p:cTn id="7" dur="500" fill="hold"/>
+                                        <p:tgtEl>
+                                          <p:spTgt spid="9"/>
+                                        </p:tgtEl>
+                                        <p:attrNameLst>
+                                          <p:attrName>ppt_x</p:attrName>
+                                        </p:attrNameLst>
+                                      </p:cBhvr>
+                                      <p:tavLst>
+                                        <p:tav tm="0">
+                                          <p:val>
+                                            <p:strVal val="0-#ppt_w/2"/>
+                                          </p:val>
+                                        </p:tav>
+                                        <p:tav tm="100000">
+                                          <p:val>
+                                            <p:strVal val="#ppt_x"/>
+                                          </p:val>
+                                        </p:tav>
+                                      </p:tavLst>
+                                    </p:anim>
+                                    <p:anim calcmode="lin" valueType="num">
+                                      <p:cBhvr additive="base">
+                                        <p:cTn id="8" dur="500" fill="hold"/>
+                                        <p:tgtEl>
+                                          <p:spTgt spid="9"/>
+                                        </p:tgtEl>
+                                        <p:attrNameLst>
+                                          <p:attrName>ppt_y</p:attrName>
+                                        </p:attrNameLst>
+                                      </p:cBhvr>
+                                      <p:tavLst>
+                                        <p:tav tm="0">
+                                          <p:val>
+                                            <p:strVal val="#ppt_y"/>
+                                          </p:val>
+                                        </p:tav>
+                                        <p:tav tm="100000">
+                                          <p:val>
+                                            <p:strVal val="#ppt_y"/>
+                                          </p:val>
+                                        </p:tav>
+                                      </p:tavLst>
+                                    </p:anim>
+                                  </p:childTnLst>
+                                </p:cTn>
+                              </p:par>
+                            </p:childTnLst>
+                          </p:cTn>
+                        </p:par>
+                      </p:childTnLst>
+                    </p:cTn>
+                  </p:par>
+                  <p:par>
+                    <p:cTn id="9" fill="hold">
+                      <p:stCondLst>
+                        <p:cond delay="indefinite"/>
+                      </p:stCondLst>
+                      <p:childTnLst>
+                        <p:par>
+                          <p:cTn id="10" fill="hold">
+                            <p:stCondLst>
+                              <p:cond delay="0"/>
+                            </p:stCondLst>
+                            <p:childTnLst>
+                              <p:par>
+                                <p:cTn id="11" presetID="3" presetClass="entr" presetSubtype="10" fill="hold" grpId="0" nodeType="clickEffect">
+                                  <p:stCondLst>
+                                    <p:cond delay="0"/>
+                                  </p:stCondLst>
+                                  <p:childTnLst>
+                                    <p:set>
+                                      <p:cBhvr>
+                                        <p:cTn id="12" dur="1" fill="hold">
+                                          <p:stCondLst>
+                                            <p:cond delay="0"/>
+                                          </p:stCondLst>
+                                        </p:cTn>
+                                        <p:tgtEl>
+                                          <p:spTgt spid="3">
+                                            <p:txEl>
+                                              <p:pRg st="1" end="1"/>
+                                            </p:txEl>
+                                          </p:spTgt>
+                                        </p:tgtEl>
+                                        <p:attrNameLst>
+                                          <p:attrName>style.visibility</p:attrName>
+                                        </p:attrNameLst>
+                                      </p:cBhvr>
+                                      <p:to>
+                                        <p:strVal val="visible"/>
+                                      </p:to>
+                                    </p:set>
+                                    <p:animEffect transition="in" filter="blinds(horizontal)">
+                                      <p:cBhvr>
+                                        <p:cTn id="13" dur="500"/>
+                                        <p:tgtEl>
+                                          <p:spTgt spid="3">
+                                            <p:txEl>
+                                              <p:pRg st="1" end="1"/>
+                                            </p:txEl>
+                                          </p:spTgt>
+                                        </p:tgtEl>
+                                      </p:cBhvr>
+                                    </p:animEffect>
+                                  </p:childTnLst>
+                                </p:cTn>
+                              </p:par>
+                              <p:par>
+                                <p:cTn id="14" presetID="3" presetClass="entr" presetSubtype="10" fill="hold" grpId="0" nodeType="withEffect">
+                                  <p:stCondLst>
+                                    <p:cond delay="0"/>
+                                  </p:stCondLst>
+                                  <p:childTnLst>
+                                    <p:set>
+                                      <p:cBhvr>
+                                        <p:cTn id="15" dur="1" fill="hold">
+                                          <p:stCondLst>
+                                            <p:cond delay="0"/>
+                                          </p:stCondLst>
+                                        </p:cTn>
+                                        <p:tgtEl>
+                                          <p:spTgt spid="3">
+                                            <p:txEl>
+                                              <p:pRg st="2" end="2"/>
+                                            </p:txEl>
+                                          </p:spTgt>
+                                        </p:tgtEl>
+                                        <p:attrNameLst>
+                                          <p:attrName>style.visibility</p:attrName>
+                                        </p:attrNameLst>
+                                      </p:cBhvr>
+                                      <p:to>
+                                        <p:strVal val="visible"/>
+                                      </p:to>
+                                    </p:set>
+                                    <p:animEffect transition="in" filter="blinds(horizontal)">
+                                      <p:cBhvr>
+                                        <p:cTn id="16" dur="500"/>
+                                        <p:tgtEl>
+                                          <p:spTgt spid="3">
+                                            <p:txEl>
+                                              <p:pRg st="2" end="2"/>
+                                            </p:txEl>
+                                          </p:spTgt>
+                                        </p:tgtEl>
+                                      </p:cBhvr>
+                                    </p:animEffect>
+                                  </p:childTnLst>
+                                </p:cTn>
+                              </p:par>
+                              <p:par>
+                                <p:cTn id="17" presetID="3" presetClass="entr" presetSubtype="10" fill="hold" grpId="0" nodeType="withEffect">
+                                  <p:stCondLst>
+                                    <p:cond delay="0"/>
+                                  </p:stCondLst>
+                                  <p:childTnLst>
+                                    <p:set>
+                                      <p:cBhvr>
+                                        <p:cTn id="18" dur="1" fill="hold">
+                                          <p:stCondLst>
+                                            <p:cond delay="0"/>
+                                          </p:stCondLst>
+                                        </p:cTn>
+                                        <p:tgtEl>
+                                          <p:spTgt spid="3">
+                                            <p:txEl>
+                                              <p:pRg st="4" end="4"/>
+                                            </p:txEl>
+                                          </p:spTgt>
+                                        </p:tgtEl>
+                                        <p:attrNameLst>
+                                          <p:attrName>style.visibility</p:attrName>
+                                        </p:attrNameLst>
+                                      </p:cBhvr>
+                                      <p:to>
+                                        <p:strVal val="visible"/>
+                                      </p:to>
+                                    </p:set>
+                                    <p:animEffect transition="in" filter="blinds(horizontal)">
+                                      <p:cBhvr>
+                                        <p:cTn id="19" dur="500"/>
+                                        <p:tgtEl>
+                                          <p:spTgt spid="3">
+                                            <p:txEl>
+                                              <p:pRg st="4" end="4"/>
+                                            </p:txEl>
+                                          </p:spTgt>
+                                        </p:tgtEl>
+                                      </p:cBhvr>
+                                    </p:animEffect>
+                                  </p:childTnLst>
+                                </p:cTn>
+                              </p:par>
+                              <p:par>
+                                <p:cTn id="20" presetID="3" presetClass="entr" presetSubtype="10" fill="hold" grpId="0" nodeType="withEffect">
+                                  <p:stCondLst>
+                                    <p:cond delay="0"/>
+                                  </p:stCondLst>
+                                  <p:childTnLst>
+                                    <p:set>
+                                      <p:cBhvr>
+                                        <p:cTn id="21" dur="1" fill="hold">
+                                          <p:stCondLst>
+                                            <p:cond delay="0"/>
+                                          </p:stCondLst>
+                                        </p:cTn>
+                                        <p:tgtEl>
+                                          <p:spTgt spid="3">
+                                            <p:txEl>
+                                              <p:pRg st="5" end="5"/>
+                                            </p:txEl>
+                                          </p:spTgt>
+                                        </p:tgtEl>
+                                        <p:attrNameLst>
+                                          <p:attrName>style.visibility</p:attrName>
+                                        </p:attrNameLst>
+                                      </p:cBhvr>
+                                      <p:to>
+                                        <p:strVal val="visible"/>
+                                      </p:to>
+                                    </p:set>
+                                    <p:animEffect transition="in" filter="blinds(horizontal)">
+                                      <p:cBhvr>
+                                        <p:cTn id="22" dur="500"/>
+                                        <p:tgtEl>
+                                          <p:spTgt spid="3">
+                                            <p:txEl>
+                                              <p:pRg st="5" end="5"/>
+                                            </p:txEl>
+                                          </p:spTgt>
+                                        </p:tgtEl>
+                                      </p:cBhvr>
+                                    </p:animEffect>
+                                  </p:childTnLst>
+                                </p:cTn>
+                              </p:par>
+                              <p:par>
+                                <p:cTn id="23" presetID="3" presetClass="entr" presetSubtype="10" fill="hold" grpId="0" nodeType="withEffect">
+                                  <p:stCondLst>
+                                    <p:cond delay="0"/>
+                                  </p:stCondLst>
+                                  <p:childTnLst>
+                                    <p:set>
+                                      <p:cBhvr>
+                                        <p:cTn id="24" dur="1" fill="hold">
+                                          <p:stCondLst>
+                                            <p:cond delay="0"/>
+                                          </p:stCondLst>
+                                        </p:cTn>
+                                        <p:tgtEl>
+                                          <p:spTgt spid="3">
+                                            <p:txEl>
+                                              <p:pRg st="6" end="6"/>
+                                            </p:txEl>
+                                          </p:spTgt>
+                                        </p:tgtEl>
+                                        <p:attrNameLst>
+                                          <p:attrName>style.visibility</p:attrName>
+                                        </p:attrNameLst>
+                                      </p:cBhvr>
+                                      <p:to>
+                                        <p:strVal val="visible"/>
+                                      </p:to>
+                                    </p:set>
+                                    <p:animEffect transition="in" filter="blinds(horizontal)">
+                                      <p:cBhvr>
+                                        <p:cTn id="25" dur="500"/>
+                                        <p:tgtEl>
+                                          <p:spTgt spid="3">
+                                            <p:txEl>
+                                              <p:pRg st="6" end="6"/>
+                                            </p:txEl>
+                                          </p:spTgt>
+                                        </p:tgtEl>
+                                      </p:cBhvr>
+                                    </p:animEffect>
+                                  </p:childTnLst>
+                                </p:cTn>
+                              </p:par>
+                              <p:par>
+                                <p:cTn id="26" presetID="3" presetClass="entr" presetSubtype="10" fill="hold" grpId="0" nodeType="withEffect">
+                                  <p:stCondLst>
+                                    <p:cond delay="0"/>
+                                  </p:stCondLst>
+                                  <p:childTnLst>
+                                    <p:set>
+                                      <p:cBhvr>
+                                        <p:cTn id="27" dur="1" fill="hold">
+                                          <p:stCondLst>
+                                            <p:cond delay="0"/>
+                                          </p:stCondLst>
+                                        </p:cTn>
+                                        <p:tgtEl>
+                                          <p:spTgt spid="3">
+                                            <p:txEl>
+                                              <p:pRg st="7" end="7"/>
+                                            </p:txEl>
+                                          </p:spTgt>
+                                        </p:tgtEl>
+                                        <p:attrNameLst>
+                                          <p:attrName>style.visibility</p:attrName>
+                                        </p:attrNameLst>
+                                      </p:cBhvr>
+                                      <p:to>
+                                        <p:strVal val="visible"/>
+                                      </p:to>
+                                    </p:set>
+                                    <p:animEffect transition="in" filter="blinds(horizontal)">
+                                      <p:cBhvr>
+                                        <p:cTn id="28" dur="500"/>
+                                        <p:tgtEl>
+                                          <p:spTgt spid="3">
+                                            <p:txEl>
+                                              <p:pRg st="7" end="7"/>
+                                            </p:txEl>
+                                          </p:spTgt>
+                                        </p:tgtEl>
+                                      </p:cBhvr>
+                                    </p:animEffect>
+                                  </p:childTnLst>
+                                </p:cTn>
+                              </p:par>
+                            </p:childTnLst>
+                          </p:cTn>
+                        </p:par>
+                      </p:childTnLst>
+                    </p:cTn>
+                  </p:par>
+                </p:childTnLst>
+              </p:cTn>
+              <p:prevCondLst>
+                <p:cond evt="onPrev" delay="0">
+                  <p:tgtEl>
+                    <p:sldTgt/>
+                  </p:tgtEl>
+                </p:cond>
+              </p:prevCondLst>
+              <p:nextCondLst>
+                <p:cond evt="onNext" delay="0">
+                  <p:tgtEl>
+                    <p:sldTgt/>
+                  </p:tgtEl>
+                </p:cond>
+              </p:nextCondLst>
+            </p:seq>
+          </p:childTnLst>
+        </p:cTn>
       </p:par>
     </p:tnLst>
+    <p:bldLst>
+      <p:bldP spid="3" grpId="0" uiExpand="1" build="p"/>
+    </p:bldLst>
   </p:timing>
 </p:sld>
 </file>
@@ -4888,24 +5408,15 @@
             <p:ph idx="1"/>
           </p:nvPr>
         </p:nvSpPr>
-        <p:spPr/>
-        <p:txBody>
-          <a:bodyPr>
-            <a:normAutofit/>
-          </a:bodyPr>
-          <a:lstStyle/>
-          <a:p>
-            <a:r>
-              <a:rPr lang="en-US" altLang="zh-CN" dirty="0" smtClean="0"/>
-              <a:t>Advantaged peers favor each other</a:t>
-            </a:r>
-          </a:p>
-          <a:p>
-            <a:r>
-              <a:rPr lang="en-US" altLang="zh-CN" dirty="0" smtClean="0"/>
-              <a:t>Slower peers suffer from slow start</a:t>
-            </a:r>
-          </a:p>
+        <p:spPr>
+          <a:xfrm>
+            <a:off x="428596" y="3071810"/>
+            <a:ext cx="8229600" cy="3429024"/>
+          </a:xfrm>
+        </p:spPr>
+        <p:txBody>
+          <a:bodyPr/>
+          <a:lstStyle/>
           <a:p>
             <a:endParaRPr lang="en-US" altLang="zh-CN" dirty="0" smtClean="0"/>
           </a:p>
@@ -4942,30 +5453,118 @@
       </p:sp>
       <p:sp>
         <p:nvSpPr>
-          <p:cNvPr id="4" name="灯片编号占位符 3"/>
-          <p:cNvSpPr>
-            <a:spLocks noGrp="1"/>
-          </p:cNvSpPr>
-          <p:nvPr>
-            <p:ph type="sldNum" sz="quarter" idx="12"/>
-          </p:nvPr>
-        </p:nvSpPr>
-        <p:spPr/>
-        <p:txBody>
-          <a:bodyPr>
-            <a:normAutofit/>
+          <p:cNvPr id="4" name="TextBox 3"/>
+          <p:cNvSpPr txBox="1"/>
+          <p:nvPr/>
+        </p:nvSpPr>
+        <p:spPr>
+          <a:xfrm>
+            <a:off x="571472" y="2143116"/>
+            <a:ext cx="8215370" cy="1231106"/>
+          </a:xfrm>
+          <a:prstGeom prst="rect">
+            <a:avLst/>
+          </a:prstGeom>
+          <a:noFill/>
+        </p:spPr>
+        <p:txBody>
+          <a:bodyPr wrap="square" rtlCol="0">
+            <a:spAutoFit/>
           </a:bodyPr>
           <a:lstStyle/>
           <a:p>
-            <a:fld id="{41B43038-07B4-481F-A1A3-7BA5DF4C905A}" type="slidenum">
-              <a:rPr lang="zh-CN" altLang="en-US" smtClean="0"/>
-              <a:pPr/>
-              <a:t>11</a:t>
-            </a:fld>
-            <a:endParaRPr lang="zh-CN" altLang="en-US"/>
-          </a:p>
-        </p:txBody>
-      </p:sp>
+            <a:pPr>
+              <a:buFont typeface="Arial" pitchFamily="34" charset="0"/>
+              <a:buChar char="•"/>
+            </a:pPr>
+            <a:r>
+              <a:rPr lang="en-US" altLang="zh-CN" sz="2800" dirty="0" smtClean="0"/>
+              <a:t> Advantaged </a:t>
+            </a:r>
+            <a:r>
+              <a:rPr lang="en-US" altLang="zh-CN" sz="2800" dirty="0" smtClean="0"/>
+              <a:t>peers favor each other</a:t>
+            </a:r>
+          </a:p>
+          <a:p>
+            <a:pPr>
+              <a:buFont typeface="Arial" pitchFamily="34" charset="0"/>
+              <a:buChar char="•"/>
+            </a:pPr>
+            <a:r>
+              <a:rPr lang="en-US" altLang="zh-CN" sz="2800" dirty="0" smtClean="0"/>
+              <a:t> Slower </a:t>
+            </a:r>
+            <a:r>
+              <a:rPr lang="en-US" altLang="zh-CN" sz="2800" dirty="0" smtClean="0"/>
+              <a:t>peers suffer from slow start</a:t>
+            </a:r>
+          </a:p>
+          <a:p>
+            <a:endParaRPr lang="en-US" dirty="0"/>
+          </a:p>
+        </p:txBody>
+      </p:sp>
+      <p:cxnSp>
+        <p:nvCxnSpPr>
+          <p:cNvPr id="6" name="直接连接符 5"/>
+          <p:cNvCxnSpPr/>
+          <p:nvPr/>
+        </p:nvCxnSpPr>
+        <p:spPr>
+          <a:xfrm rot="10800000">
+            <a:off x="428596" y="2428868"/>
+            <a:ext cx="6143668" cy="1588"/>
+          </a:xfrm>
+          <a:prstGeom prst="line">
+            <a:avLst/>
+          </a:prstGeom>
+        </p:spPr>
+        <p:style>
+          <a:lnRef idx="2">
+            <a:schemeClr val="dk1"/>
+          </a:lnRef>
+          <a:fillRef idx="0">
+            <a:schemeClr val="dk1"/>
+          </a:fillRef>
+          <a:effectRef idx="1">
+            <a:schemeClr val="dk1"/>
+          </a:effectRef>
+          <a:fontRef idx="minor">
+            <a:schemeClr val="tx1"/>
+          </a:fontRef>
+        </p:style>
+      </p:cxnSp>
+      <p:cxnSp>
+        <p:nvCxnSpPr>
+          <p:cNvPr id="7" name="直接连接符 6"/>
+          <p:cNvCxnSpPr/>
+          <p:nvPr/>
+        </p:nvCxnSpPr>
+        <p:spPr>
+          <a:xfrm rot="10800000">
+            <a:off x="428596" y="2857496"/>
+            <a:ext cx="6143668" cy="1588"/>
+          </a:xfrm>
+          <a:prstGeom prst="line">
+            <a:avLst/>
+          </a:prstGeom>
+        </p:spPr>
+        <p:style>
+          <a:lnRef idx="2">
+            <a:schemeClr val="dk1"/>
+          </a:lnRef>
+          <a:fillRef idx="0">
+            <a:schemeClr val="dk1"/>
+          </a:fillRef>
+          <a:effectRef idx="1">
+            <a:schemeClr val="dk1"/>
+          </a:effectRef>
+          <a:fontRef idx="minor">
+            <a:schemeClr val="tx1"/>
+          </a:fontRef>
+        </p:style>
+      </p:cxnSp>
     </p:spTree>
   </p:cSld>
   <p:clrMapOvr>
@@ -4974,9 +5573,341 @@
   <p:timing>
     <p:tnLst>
       <p:par>
-        <p:cTn id="1" dur="indefinite" restart="never" nodeType="tmRoot"/>
+        <p:cTn id="1" dur="indefinite" restart="never" nodeType="tmRoot">
+          <p:childTnLst>
+            <p:seq concurrent="1" nextAc="seek">
+              <p:cTn id="2" dur="indefinite" nodeType="mainSeq">
+                <p:childTnLst>
+                  <p:par>
+                    <p:cTn id="3" fill="hold">
+                      <p:stCondLst>
+                        <p:cond delay="indefinite"/>
+                      </p:stCondLst>
+                      <p:childTnLst>
+                        <p:par>
+                          <p:cTn id="4" fill="hold">
+                            <p:stCondLst>
+                              <p:cond delay="0"/>
+                            </p:stCondLst>
+                            <p:childTnLst>
+                              <p:par>
+                                <p:cTn id="5" presetID="2" presetClass="entr" presetSubtype="8" fill="hold" nodeType="clickEffect">
+                                  <p:stCondLst>
+                                    <p:cond delay="0"/>
+                                  </p:stCondLst>
+                                  <p:childTnLst>
+                                    <p:set>
+                                      <p:cBhvr>
+                                        <p:cTn id="6" dur="1" fill="hold">
+                                          <p:stCondLst>
+                                            <p:cond delay="0"/>
+                                          </p:stCondLst>
+                                        </p:cTn>
+                                        <p:tgtEl>
+                                          <p:spTgt spid="6"/>
+                                        </p:tgtEl>
+                                        <p:attrNameLst>
+                                          <p:attrName>style.visibility</p:attrName>
+                                        </p:attrNameLst>
+                                      </p:cBhvr>
+                                      <p:to>
+                                        <p:strVal val="visible"/>
+                                      </p:to>
+                                    </p:set>
+                                    <p:anim calcmode="lin" valueType="num">
+                                      <p:cBhvr additive="base">
+                                        <p:cTn id="7" dur="500" fill="hold"/>
+                                        <p:tgtEl>
+                                          <p:spTgt spid="6"/>
+                                        </p:tgtEl>
+                                        <p:attrNameLst>
+                                          <p:attrName>ppt_x</p:attrName>
+                                        </p:attrNameLst>
+                                      </p:cBhvr>
+                                      <p:tavLst>
+                                        <p:tav tm="0">
+                                          <p:val>
+                                            <p:strVal val="0-#ppt_w/2"/>
+                                          </p:val>
+                                        </p:tav>
+                                        <p:tav tm="100000">
+                                          <p:val>
+                                            <p:strVal val="#ppt_x"/>
+                                          </p:val>
+                                        </p:tav>
+                                      </p:tavLst>
+                                    </p:anim>
+                                    <p:anim calcmode="lin" valueType="num">
+                                      <p:cBhvr additive="base">
+                                        <p:cTn id="8" dur="500" fill="hold"/>
+                                        <p:tgtEl>
+                                          <p:spTgt spid="6"/>
+                                        </p:tgtEl>
+                                        <p:attrNameLst>
+                                          <p:attrName>ppt_y</p:attrName>
+                                        </p:attrNameLst>
+                                      </p:cBhvr>
+                                      <p:tavLst>
+                                        <p:tav tm="0">
+                                          <p:val>
+                                            <p:strVal val="#ppt_y"/>
+                                          </p:val>
+                                        </p:tav>
+                                        <p:tav tm="100000">
+                                          <p:val>
+                                            <p:strVal val="#ppt_y"/>
+                                          </p:val>
+                                        </p:tav>
+                                      </p:tavLst>
+                                    </p:anim>
+                                  </p:childTnLst>
+                                </p:cTn>
+                              </p:par>
+                              <p:par>
+                                <p:cTn id="9" presetID="2" presetClass="entr" presetSubtype="8" fill="hold" nodeType="withEffect">
+                                  <p:stCondLst>
+                                    <p:cond delay="0"/>
+                                  </p:stCondLst>
+                                  <p:childTnLst>
+                                    <p:set>
+                                      <p:cBhvr>
+                                        <p:cTn id="10" dur="1" fill="hold">
+                                          <p:stCondLst>
+                                            <p:cond delay="0"/>
+                                          </p:stCondLst>
+                                        </p:cTn>
+                                        <p:tgtEl>
+                                          <p:spTgt spid="7"/>
+                                        </p:tgtEl>
+                                        <p:attrNameLst>
+                                          <p:attrName>style.visibility</p:attrName>
+                                        </p:attrNameLst>
+                                      </p:cBhvr>
+                                      <p:to>
+                                        <p:strVal val="visible"/>
+                                      </p:to>
+                                    </p:set>
+                                    <p:anim calcmode="lin" valueType="num">
+                                      <p:cBhvr additive="base">
+                                        <p:cTn id="11" dur="500" fill="hold"/>
+                                        <p:tgtEl>
+                                          <p:spTgt spid="7"/>
+                                        </p:tgtEl>
+                                        <p:attrNameLst>
+                                          <p:attrName>ppt_x</p:attrName>
+                                        </p:attrNameLst>
+                                      </p:cBhvr>
+                                      <p:tavLst>
+                                        <p:tav tm="0">
+                                          <p:val>
+                                            <p:strVal val="0-#ppt_w/2"/>
+                                          </p:val>
+                                        </p:tav>
+                                        <p:tav tm="100000">
+                                          <p:val>
+                                            <p:strVal val="#ppt_x"/>
+                                          </p:val>
+                                        </p:tav>
+                                      </p:tavLst>
+                                    </p:anim>
+                                    <p:anim calcmode="lin" valueType="num">
+                                      <p:cBhvr additive="base">
+                                        <p:cTn id="12" dur="500" fill="hold"/>
+                                        <p:tgtEl>
+                                          <p:spTgt spid="7"/>
+                                        </p:tgtEl>
+                                        <p:attrNameLst>
+                                          <p:attrName>ppt_y</p:attrName>
+                                        </p:attrNameLst>
+                                      </p:cBhvr>
+                                      <p:tavLst>
+                                        <p:tav tm="0">
+                                          <p:val>
+                                            <p:strVal val="#ppt_y"/>
+                                          </p:val>
+                                        </p:tav>
+                                        <p:tav tm="100000">
+                                          <p:val>
+                                            <p:strVal val="#ppt_y"/>
+                                          </p:val>
+                                        </p:tav>
+                                      </p:tavLst>
+                                    </p:anim>
+                                  </p:childTnLst>
+                                </p:cTn>
+                              </p:par>
+                            </p:childTnLst>
+                          </p:cTn>
+                        </p:par>
+                      </p:childTnLst>
+                    </p:cTn>
+                  </p:par>
+                  <p:par>
+                    <p:cTn id="13" fill="hold">
+                      <p:stCondLst>
+                        <p:cond delay="indefinite"/>
+                      </p:stCondLst>
+                      <p:childTnLst>
+                        <p:par>
+                          <p:cTn id="14" fill="hold">
+                            <p:stCondLst>
+                              <p:cond delay="0"/>
+                            </p:stCondLst>
+                            <p:childTnLst>
+                              <p:par>
+                                <p:cTn id="15" presetID="1" presetClass="entr" presetSubtype="0" fill="hold" grpId="0" nodeType="clickEffect">
+                                  <p:stCondLst>
+                                    <p:cond delay="0"/>
+                                  </p:stCondLst>
+                                  <p:childTnLst>
+                                    <p:set>
+                                      <p:cBhvr>
+                                        <p:cTn id="16" dur="1" fill="hold">
+                                          <p:stCondLst>
+                                            <p:cond delay="0"/>
+                                          </p:stCondLst>
+                                        </p:cTn>
+                                        <p:tgtEl>
+                                          <p:spTgt spid="3">
+                                            <p:txEl>
+                                              <p:pRg st="1" end="1"/>
+                                            </p:txEl>
+                                          </p:spTgt>
+                                        </p:tgtEl>
+                                        <p:attrNameLst>
+                                          <p:attrName>style.visibility</p:attrName>
+                                        </p:attrNameLst>
+                                      </p:cBhvr>
+                                      <p:to>
+                                        <p:strVal val="visible"/>
+                                      </p:to>
+                                    </p:set>
+                                  </p:childTnLst>
+                                </p:cTn>
+                              </p:par>
+                              <p:par>
+                                <p:cTn id="17" presetID="1" presetClass="entr" presetSubtype="0" fill="hold" grpId="0" nodeType="withEffect">
+                                  <p:stCondLst>
+                                    <p:cond delay="0"/>
+                                  </p:stCondLst>
+                                  <p:childTnLst>
+                                    <p:set>
+                                      <p:cBhvr>
+                                        <p:cTn id="18" dur="1" fill="hold">
+                                          <p:stCondLst>
+                                            <p:cond delay="0"/>
+                                          </p:stCondLst>
+                                        </p:cTn>
+                                        <p:tgtEl>
+                                          <p:spTgt spid="3">
+                                            <p:txEl>
+                                              <p:pRg st="2" end="2"/>
+                                            </p:txEl>
+                                          </p:spTgt>
+                                        </p:tgtEl>
+                                        <p:attrNameLst>
+                                          <p:attrName>style.visibility</p:attrName>
+                                        </p:attrNameLst>
+                                      </p:cBhvr>
+                                      <p:to>
+                                        <p:strVal val="visible"/>
+                                      </p:to>
+                                    </p:set>
+                                  </p:childTnLst>
+                                </p:cTn>
+                              </p:par>
+                              <p:par>
+                                <p:cTn id="19" presetID="1" presetClass="entr" presetSubtype="0" fill="hold" grpId="0" nodeType="withEffect">
+                                  <p:stCondLst>
+                                    <p:cond delay="0"/>
+                                  </p:stCondLst>
+                                  <p:childTnLst>
+                                    <p:set>
+                                      <p:cBhvr>
+                                        <p:cTn id="20" dur="1" fill="hold">
+                                          <p:stCondLst>
+                                            <p:cond delay="0"/>
+                                          </p:stCondLst>
+                                        </p:cTn>
+                                        <p:tgtEl>
+                                          <p:spTgt spid="3">
+                                            <p:txEl>
+                                              <p:pRg st="3" end="3"/>
+                                            </p:txEl>
+                                          </p:spTgt>
+                                        </p:tgtEl>
+                                        <p:attrNameLst>
+                                          <p:attrName>style.visibility</p:attrName>
+                                        </p:attrNameLst>
+                                      </p:cBhvr>
+                                      <p:to>
+                                        <p:strVal val="visible"/>
+                                      </p:to>
+                                    </p:set>
+                                  </p:childTnLst>
+                                </p:cTn>
+                              </p:par>
+                              <p:par>
+                                <p:cTn id="21" presetID="1" presetClass="entr" presetSubtype="0" fill="hold" grpId="0" nodeType="withEffect">
+                                  <p:stCondLst>
+                                    <p:cond delay="0"/>
+                                  </p:stCondLst>
+                                  <p:childTnLst>
+                                    <p:set>
+                                      <p:cBhvr>
+                                        <p:cTn id="22" dur="1" fill="hold">
+                                          <p:stCondLst>
+                                            <p:cond delay="0"/>
+                                          </p:stCondLst>
+                                        </p:cTn>
+                                        <p:tgtEl>
+                                          <p:spTgt spid="3">
+                                            <p:txEl>
+                                              <p:pRg st="4" end="4"/>
+                                            </p:txEl>
+                                          </p:spTgt>
+                                        </p:tgtEl>
+                                        <p:attrNameLst>
+                                          <p:attrName>style.visibility</p:attrName>
+                                        </p:attrNameLst>
+                                      </p:cBhvr>
+                                      <p:to>
+                                        <p:strVal val="visible"/>
+                                      </p:to>
+                                    </p:set>
+                                  </p:childTnLst>
+                                </p:cTn>
+                              </p:par>
+                            </p:childTnLst>
+                          </p:cTn>
+                        </p:par>
+                      </p:childTnLst>
+                    </p:cTn>
+                  </p:par>
+                </p:childTnLst>
+              </p:cTn>
+              <p:prevCondLst>
+                <p:cond evt="onPrev" delay="0">
+                  <p:tgtEl>
+                    <p:sldTgt/>
+                  </p:tgtEl>
+                </p:cond>
+              </p:prevCondLst>
+              <p:nextCondLst>
+                <p:cond evt="onNext" delay="0">
+                  <p:tgtEl>
+                    <p:sldTgt/>
+                  </p:tgtEl>
+                </p:cond>
+              </p:nextCondLst>
+            </p:seq>
+          </p:childTnLst>
+        </p:cTn>
       </p:par>
     </p:tnLst>
+    <p:bldLst>
+      <p:bldP spid="3" grpId="0" uiExpand="1" build="p"/>
+    </p:bldLst>
   </p:timing>
 </p:sld>
 </file>
@@ -5082,7 +6013,6 @@
               <a:rPr lang="en-US" sz="4000" dirty="0" smtClean="0"/>
               <a:t>Conclusion</a:t>
             </a:r>
-            <a:endParaRPr lang="en-US" sz="4000" dirty="0" smtClean="0"/>
           </a:p>
           <a:p>
             <a:endParaRPr lang="en-US" dirty="0" smtClean="0"/>
@@ -5121,6 +6051,13 @@
   <p:clrMapOvr>
     <a:masterClrMapping/>
   </p:clrMapOvr>
+  <p:timing>
+    <p:tnLst>
+      <p:par>
+        <p:cTn id="1" dur="indefinite" restart="never" nodeType="tmRoot"/>
+      </p:par>
+    </p:tnLst>
+  </p:timing>
 </p:sld>
 </file>
 
@@ -5314,6 +6251,37 @@
           </a:p>
         </p:txBody>
       </p:sp>
+      <p:pic>
+        <p:nvPicPr>
+          <p:cNvPr id="28674" name="Picture 2"/>
+          <p:cNvPicPr>
+            <a:picLocks noChangeAspect="1" noChangeArrowheads="1"/>
+          </p:cNvPicPr>
+          <p:nvPr/>
+        </p:nvPicPr>
+        <p:blipFill>
+          <a:blip r:embed="rId2"/>
+          <a:srcRect/>
+          <a:stretch>
+            <a:fillRect/>
+          </a:stretch>
+        </p:blipFill>
+        <p:spPr bwMode="auto">
+          <a:xfrm>
+            <a:off x="6429388" y="5137130"/>
+            <a:ext cx="2714612" cy="1720870"/>
+          </a:xfrm>
+          <a:prstGeom prst="rect">
+            <a:avLst/>
+          </a:prstGeom>
+          <a:ln>
+            <a:noFill/>
+          </a:ln>
+          <a:effectLst>
+            <a:softEdge rad="112500"/>
+          </a:effectLst>
+        </p:spPr>
+      </p:pic>
     </p:spTree>
   </p:cSld>
   <p:clrMapOvr>
@@ -5785,7 +6753,20 @@
           <a:prstGeom prst="rect">
             <a:avLst/>
           </a:prstGeom>
-          <a:noFill/>
+          <a:ln w="38100" cap="sq">
+            <a:solidFill>
+              <a:srgbClr val="000000"/>
+            </a:solidFill>
+            <a:prstDash val="solid"/>
+            <a:miter lim="800000"/>
+          </a:ln>
+          <a:effectLst>
+            <a:outerShdw blurRad="50800" dist="38100" dir="2700000" algn="tl" rotWithShape="0">
+              <a:srgbClr val="000000">
+                <a:alpha val="43000"/>
+              </a:srgbClr>
+            </a:outerShdw>
+          </a:effectLst>
         </p:spPr>
       </p:pic>
     </p:spTree>
@@ -5966,6 +6947,39 @@
           <a:noFill/>
         </p:spPr>
       </p:pic>
+      <p:pic>
+        <p:nvPicPr>
+          <p:cNvPr id="27651" name="Picture 3"/>
+          <p:cNvPicPr>
+            <a:picLocks noChangeAspect="1" noChangeArrowheads="1"/>
+          </p:cNvPicPr>
+          <p:nvPr/>
+        </p:nvPicPr>
+        <p:blipFill>
+          <a:blip r:embed="rId3"/>
+          <a:srcRect/>
+          <a:stretch>
+            <a:fillRect/>
+          </a:stretch>
+        </p:blipFill>
+        <p:spPr bwMode="auto">
+          <a:xfrm>
+            <a:off x="7517498" y="5072074"/>
+            <a:ext cx="1277369" cy="1581134"/>
+          </a:xfrm>
+          <a:prstGeom prst="rect">
+            <a:avLst/>
+          </a:prstGeom>
+          <a:noFill/>
+          <a:ln w="9525">
+            <a:noFill/>
+            <a:miter lim="800000"/>
+            <a:headEnd/>
+            <a:tailEnd/>
+          </a:ln>
+          <a:effectLst/>
+        </p:spPr>
+      </p:pic>
     </p:spTree>
   </p:cSld>
   <p:clrMapOvr>
@@ -6078,7 +7092,6 @@
               <a:rPr lang="en-US" sz="4000" dirty="0" smtClean="0"/>
               <a:t>Conclusion</a:t>
             </a:r>
-            <a:endParaRPr lang="en-US" sz="4000" dirty="0" smtClean="0"/>
           </a:p>
           <a:p>
             <a:endParaRPr lang="en-US" dirty="0" smtClean="0"/>
@@ -6117,6 +7130,13 @@
   <p:clrMapOvr>
     <a:masterClrMapping/>
   </p:clrMapOvr>
+  <p:timing>
+    <p:tnLst>
+      <p:par>
+        <p:cTn id="1" dur="indefinite" restart="never" nodeType="tmRoot"/>
+      </p:par>
+    </p:tnLst>
+  </p:timing>
 </p:sld>
 </file>
 
@@ -6221,6 +7241,44 @@
           </a:p>
         </p:txBody>
       </p:sp>
+      <p:pic>
+        <p:nvPicPr>
+          <p:cNvPr id="29698" name="Picture 2"/>
+          <p:cNvPicPr>
+            <a:picLocks noChangeAspect="1" noChangeArrowheads="1"/>
+          </p:cNvPicPr>
+          <p:nvPr/>
+        </p:nvPicPr>
+        <p:blipFill>
+          <a:blip r:embed="rId2"/>
+          <a:srcRect/>
+          <a:stretch>
+            <a:fillRect/>
+          </a:stretch>
+        </p:blipFill>
+        <p:spPr bwMode="auto">
+          <a:xfrm>
+            <a:off x="4929190" y="3714752"/>
+            <a:ext cx="4000496" cy="3000372"/>
+          </a:xfrm>
+          <a:prstGeom prst="roundRect">
+            <a:avLst>
+              <a:gd name="adj" fmla="val 8594"/>
+            </a:avLst>
+          </a:prstGeom>
+          <a:solidFill>
+            <a:srgbClr val="FFFFFF">
+              <a:shade val="85000"/>
+            </a:srgbClr>
+          </a:solidFill>
+          <a:ln>
+            <a:noFill/>
+          </a:ln>
+          <a:effectLst>
+            <a:reflection blurRad="12700" stA="38000" endPos="28000" dist="5000" dir="5400000" sy="-100000" algn="bl" rotWithShape="0"/>
+          </a:effectLst>
+        </p:spPr>
+      </p:pic>
     </p:spTree>
   </p:cSld>
   <p:clrMapOvr>
@@ -6278,6 +7336,32 @@
       </p:sp>
       <p:sp>
         <p:nvSpPr>
+          <p:cNvPr id="4" name="灯片编号占位符 3"/>
+          <p:cNvSpPr>
+            <a:spLocks noGrp="1"/>
+          </p:cNvSpPr>
+          <p:nvPr>
+            <p:ph type="sldNum" sz="quarter" idx="12"/>
+          </p:nvPr>
+        </p:nvSpPr>
+        <p:spPr/>
+        <p:txBody>
+          <a:bodyPr>
+            <a:normAutofit/>
+          </a:bodyPr>
+          <a:lstStyle/>
+          <a:p>
+            <a:fld id="{41B43038-07B4-481F-A1A3-7BA5DF4C905A}" type="slidenum">
+              <a:rPr lang="zh-CN" altLang="en-US" smtClean="0"/>
+              <a:pPr/>
+              <a:t>21</a:t>
+            </a:fld>
+            <a:endParaRPr lang="zh-CN" altLang="en-US"/>
+          </a:p>
+        </p:txBody>
+      </p:sp>
+      <p:sp>
+        <p:nvSpPr>
           <p:cNvPr id="5" name="内容占位符 4"/>
           <p:cNvSpPr>
             <a:spLocks noGrp="1"/>
@@ -6299,24 +7383,52 @@
           <a:lstStyle/>
           <a:p>
             <a:r>
-              <a:rPr lang="en-US" dirty="0" smtClean="0"/>
-              <a:t>Resource-rich         ( r &gt; b )</a:t>
-            </a:r>
-          </a:p>
-          <a:p>
-            <a:r>
-              <a:rPr lang="en-US" dirty="0" smtClean="0"/>
-              <a:t>Resource-critical    ( r </a:t>
-            </a:r>
-            <a:r>
-              <a:rPr lang="en-US" dirty="0" smtClean="0"/>
-              <a:t>≈ b)</a:t>
-            </a:r>
-          </a:p>
-          <a:p>
-            <a:r>
-              <a:rPr lang="en-US" dirty="0" smtClean="0"/>
-              <a:t>Resource-starved   ( r &lt; b )</a:t>
+              <a:rPr lang="en-US" sz="3200" b="1" dirty="0" smtClean="0">
+                <a:solidFill>
+                  <a:srgbClr val="00B050"/>
+                </a:solidFill>
+              </a:rPr>
+              <a:t>Resource-rich</a:t>
+            </a:r>
+            <a:r>
+              <a:rPr lang="en-US" sz="3200" dirty="0" smtClean="0"/>
+              <a:t>      </a:t>
+            </a:r>
+            <a:r>
+              <a:rPr lang="en-US" sz="3200" dirty="0" smtClean="0"/>
+              <a:t>    </a:t>
+            </a:r>
+            <a:r>
+              <a:rPr lang="en-US" sz="3200" dirty="0" smtClean="0"/>
+              <a:t>( r &gt; b )</a:t>
+            </a:r>
+          </a:p>
+          <a:p>
+            <a:r>
+              <a:rPr lang="en-US" sz="3200" b="1" dirty="0" smtClean="0">
+                <a:solidFill>
+                  <a:srgbClr val="FFC000"/>
+                </a:solidFill>
+              </a:rPr>
+              <a:t>Resource-critical</a:t>
+            </a:r>
+            <a:r>
+              <a:rPr lang="en-US" sz="3200" dirty="0" smtClean="0"/>
+              <a:t>    ( r ≈ b)</a:t>
+            </a:r>
+          </a:p>
+          <a:p>
+            <a:r>
+              <a:rPr lang="en-US" sz="3200" b="1" dirty="0" smtClean="0">
+                <a:solidFill>
+                  <a:srgbClr val="FF0000"/>
+                </a:solidFill>
+              </a:rPr>
+              <a:t>Resource-starved</a:t>
+            </a:r>
+            <a:r>
+              <a:rPr lang="en-US" sz="3200" dirty="0" smtClean="0"/>
+              <a:t>   ( r &lt; b )</a:t>
             </a:r>
           </a:p>
           <a:p>
@@ -6326,49 +7438,23 @@
             <a:endParaRPr lang="en-US" dirty="0" smtClean="0"/>
           </a:p>
           <a:p>
-            <a:r>
-              <a:rPr lang="en-US" dirty="0" smtClean="0"/>
+            <a:endParaRPr lang="en-US" sz="1800" dirty="0" smtClean="0"/>
+          </a:p>
+          <a:p>
+            <a:r>
+              <a:rPr lang="en-US" sz="1800" dirty="0" smtClean="0"/>
               <a:t>b  = video consumption rate</a:t>
             </a:r>
           </a:p>
           <a:p>
             <a:r>
-              <a:rPr lang="en-US" dirty="0" smtClean="0"/>
-              <a:t>r = average observed download rate (</a:t>
-            </a:r>
-            <a:r>
-              <a:rPr lang="en-US" dirty="0" smtClean="0"/>
-              <a:t>4.048 Mbps)</a:t>
-            </a:r>
-            <a:endParaRPr lang="en-US" dirty="0" smtClean="0"/>
-          </a:p>
-          <a:p>
-            <a:endParaRPr lang="en-US" dirty="0" smtClean="0"/>
-          </a:p>
-          <a:p>
-            <a:endParaRPr lang="en-US" dirty="0" smtClean="0"/>
-          </a:p>
-          <a:p>
-            <a:r>
-              <a:rPr lang="en-US" dirty="0" smtClean="0"/>
-              <a:t>S = </a:t>
-            </a:r>
-            <a:r>
-              <a:rPr lang="en-US" dirty="0" smtClean="0"/>
-              <a:t>v</a:t>
-            </a:r>
-            <a:r>
-              <a:rPr lang="en-US" dirty="0" smtClean="0"/>
-              <a:t>ideo size (150 MB)</a:t>
-            </a:r>
-          </a:p>
-          <a:p>
-            <a:r>
-              <a:rPr lang="en-US" dirty="0" smtClean="0"/>
-              <a:t>t = average video distribution time (296.418 s)</a:t>
-            </a:r>
-          </a:p>
-          <a:p>
+              <a:rPr lang="en-US" sz="1800" dirty="0" smtClean="0"/>
+              <a:t>r = average observed download rate (4.048 Mbps</a:t>
+            </a:r>
+            <a:r>
+              <a:rPr lang="en-US" sz="1800" dirty="0" smtClean="0"/>
+              <a:t>)</a:t>
+            </a:r>
             <a:endParaRPr lang="en-US" dirty="0" smtClean="0"/>
           </a:p>
           <a:p>
@@ -6379,63 +7465,22 @@
           </a:p>
         </p:txBody>
       </p:sp>
-      <p:pic>
-        <p:nvPicPr>
-          <p:cNvPr id="21506" name="Picture 2"/>
-          <p:cNvPicPr>
-            <a:picLocks noGrp="1" noChangeAspect="1" noChangeArrowheads="1"/>
-          </p:cNvPicPr>
+      <p:sp>
+        <p:nvSpPr>
+          <p:cNvPr id="6" name="内容占位符 5"/>
+          <p:cNvSpPr>
+            <a:spLocks noGrp="1"/>
+          </p:cNvSpPr>
           <p:nvPr>
             <p:ph sz="half" idx="2"/>
           </p:nvPr>
-        </p:nvPicPr>
-        <p:blipFill>
-          <a:blip r:embed="rId2"/>
-          <a:stretch>
-            <a:fillRect/>
-          </a:stretch>
-        </p:blipFill>
-        <p:spPr bwMode="auto">
-          <a:xfrm>
-            <a:off x="4648200" y="2743386"/>
-            <a:ext cx="4038600" cy="3538165"/>
-          </a:xfrm>
-          <a:prstGeom prst="rect">
-            <a:avLst/>
-          </a:prstGeom>
-          <a:noFill/>
-          <a:ln w="9525">
-            <a:noFill/>
-            <a:miter lim="800000"/>
-            <a:headEnd/>
-            <a:tailEnd/>
-          </a:ln>
-          <a:effectLst/>
-        </p:spPr>
-      </p:pic>
-      <p:sp>
-        <p:nvSpPr>
-          <p:cNvPr id="4" name="灯片编号占位符 3"/>
-          <p:cNvSpPr>
-            <a:spLocks noGrp="1"/>
-          </p:cNvSpPr>
-          <p:nvPr>
-            <p:ph type="sldNum" sz="quarter" idx="12"/>
-          </p:nvPr>
         </p:nvSpPr>
         <p:spPr/>
         <p:txBody>
-          <a:bodyPr>
-            <a:normAutofit/>
-          </a:bodyPr>
-          <a:lstStyle/>
-          <a:p>
-            <a:fld id="{41B43038-07B4-481F-A1A3-7BA5DF4C905A}" type="slidenum">
-              <a:rPr lang="zh-CN" altLang="en-US" smtClean="0"/>
-              <a:pPr/>
-              <a:t>21</a:t>
-            </a:fld>
-            <a:endParaRPr lang="zh-CN" altLang="en-US"/>
+          <a:bodyPr/>
+          <a:lstStyle/>
+          <a:p>
+            <a:endParaRPr lang="en-US" dirty="0"/>
           </a:p>
         </p:txBody>
       </p:sp>
@@ -6518,14 +7563,20 @@
           <a:prstGeom prst="rect">
             <a:avLst/>
           </a:prstGeom>
-          <a:noFill/>
-          <a:ln w="9525">
-            <a:noFill/>
+          <a:ln w="38100" cap="sq">
+            <a:solidFill>
+              <a:srgbClr val="000000"/>
+            </a:solidFill>
+            <a:prstDash val="solid"/>
             <a:miter lim="800000"/>
-            <a:headEnd/>
-            <a:tailEnd/>
           </a:ln>
-          <a:effectLst/>
+          <a:effectLst>
+            <a:outerShdw blurRad="50800" dist="38100" dir="2700000" algn="tl" rotWithShape="0">
+              <a:srgbClr val="000000">
+                <a:alpha val="43000"/>
+              </a:srgbClr>
+            </a:outerShdw>
+          </a:effectLst>
         </p:spPr>
       </p:pic>
       <p:sp>
@@ -6603,11 +7654,7 @@
           <a:p>
             <a:r>
               <a:rPr lang="en-US" dirty="0" smtClean="0"/>
-              <a:t>Success </a:t>
-            </a:r>
-            <a:r>
-              <a:rPr lang="en-US" dirty="0" smtClean="0"/>
-              <a:t>Rate (continue)</a:t>
+              <a:t>Success Rate (continue)</a:t>
             </a:r>
             <a:endParaRPr lang="en-US" dirty="0"/>
           </a:p>
@@ -6637,14 +7684,20 @@
           <a:prstGeom prst="rect">
             <a:avLst/>
           </a:prstGeom>
-          <a:noFill/>
-          <a:ln w="9525">
-            <a:noFill/>
+          <a:ln w="38100" cap="sq">
+            <a:solidFill>
+              <a:srgbClr val="000000"/>
+            </a:solidFill>
+            <a:prstDash val="solid"/>
             <a:miter lim="800000"/>
-            <a:headEnd/>
-            <a:tailEnd/>
           </a:ln>
-          <a:effectLst/>
+          <a:effectLst>
+            <a:outerShdw blurRad="50800" dist="38100" dir="2700000" algn="tl" rotWithShape="0">
+              <a:srgbClr val="000000">
+                <a:alpha val="43000"/>
+              </a:srgbClr>
+            </a:outerShdw>
+          </a:effectLst>
         </p:spPr>
       </p:pic>
       <p:sp>
@@ -6752,14 +7805,20 @@
           <a:prstGeom prst="rect">
             <a:avLst/>
           </a:prstGeom>
-          <a:noFill/>
-          <a:ln w="9525">
-            <a:noFill/>
+          <a:ln w="38100" cap="sq">
+            <a:solidFill>
+              <a:srgbClr val="000000"/>
+            </a:solidFill>
+            <a:prstDash val="solid"/>
             <a:miter lim="800000"/>
-            <a:headEnd/>
-            <a:tailEnd/>
           </a:ln>
-          <a:effectLst/>
+          <a:effectLst>
+            <a:outerShdw blurRad="50800" dist="38100" dir="2700000" algn="tl" rotWithShape="0">
+              <a:srgbClr val="000000">
+                <a:alpha val="43000"/>
+              </a:srgbClr>
+            </a:outerShdw>
+          </a:effectLst>
         </p:spPr>
       </p:pic>
       <p:sp>
@@ -6862,27 +7921,7 @@
           <a:p>
             <a:r>
               <a:rPr lang="en-US" dirty="0" smtClean="0"/>
-              <a:t>The ratio </a:t>
-            </a:r>
-            <a:r>
-              <a:rPr lang="en-US" dirty="0" smtClean="0"/>
-              <a:t>of the total number of bytes uploaded by </a:t>
-            </a:r>
-            <a:r>
-              <a:rPr lang="en-US" dirty="0" smtClean="0"/>
-              <a:t>all the </a:t>
-            </a:r>
-            <a:r>
-              <a:rPr lang="en-US" dirty="0" smtClean="0"/>
-              <a:t>peers up until that time to the network </a:t>
-            </a:r>
-            <a:r>
-              <a:rPr lang="en-US" dirty="0" smtClean="0"/>
-              <a:t>capacity (</a:t>
-            </a:r>
-            <a:r>
-              <a:rPr lang="en-US" dirty="0" smtClean="0"/>
-              <a:t>i.e. total network bandwidth).</a:t>
+              <a:t>The ratio of the total number of bytes uploaded by all the peers up until that time to the network capacity (i.e. total network bandwidth).</a:t>
             </a:r>
             <a:endParaRPr lang="en-US" dirty="0"/>
           </a:p>
@@ -6914,6 +7953,39 @@
           </a:p>
         </p:txBody>
       </p:sp>
+      <p:pic>
+        <p:nvPicPr>
+          <p:cNvPr id="31746" name="Picture 2"/>
+          <p:cNvPicPr>
+            <a:picLocks noChangeAspect="1" noChangeArrowheads="1"/>
+          </p:cNvPicPr>
+          <p:nvPr/>
+        </p:nvPicPr>
+        <p:blipFill>
+          <a:blip r:embed="rId2"/>
+          <a:srcRect/>
+          <a:stretch>
+            <a:fillRect/>
+          </a:stretch>
+        </p:blipFill>
+        <p:spPr bwMode="auto">
+          <a:xfrm>
+            <a:off x="5857884" y="3834877"/>
+            <a:ext cx="3048005" cy="3023123"/>
+          </a:xfrm>
+          <a:prstGeom prst="rect">
+            <a:avLst/>
+          </a:prstGeom>
+          <a:noFill/>
+          <a:ln w="9525">
+            <a:noFill/>
+            <a:miter lim="800000"/>
+            <a:headEnd/>
+            <a:tailEnd/>
+          </a:ln>
+          <a:effectLst/>
+        </p:spPr>
+      </p:pic>
     </p:spTree>
   </p:cSld>
   <p:clrMapOvr>
@@ -7280,11 +8352,6 @@
               </a:rPr>
               <a:t>Conclusion</a:t>
             </a:r>
-            <a:endParaRPr lang="en-US" sz="4000" b="1" dirty="0" smtClean="0">
-              <a:solidFill>
-                <a:srgbClr val="FF0000"/>
-              </a:solidFill>
-            </a:endParaRPr>
           </a:p>
           <a:p>
             <a:endParaRPr lang="en-US" dirty="0" smtClean="0"/>
@@ -7323,6 +8390,13 @@
   <p:clrMapOvr>
     <a:masterClrMapping/>
   </p:clrMapOvr>
+  <p:timing>
+    <p:tnLst>
+      <p:par>
+        <p:cTn id="1" dur="indefinite" restart="never" nodeType="tmRoot"/>
+      </p:par>
+    </p:tnLst>
+  </p:timing>
 </p:sld>
 </file>
 
@@ -7378,20 +8452,38 @@
         </p:nvSpPr>
         <p:spPr/>
         <p:txBody>
-          <a:bodyPr/>
-          <a:lstStyle/>
-          <a:p>
-            <a:r>
-              <a:rPr lang="en-US" dirty="0" smtClean="0"/>
+          <a:bodyPr>
+            <a:normAutofit/>
+          </a:bodyPr>
+          <a:lstStyle/>
+          <a:p>
+            <a:pPr>
+              <a:lnSpc>
+                <a:spcPct val="200000"/>
+              </a:lnSpc>
+              <a:spcBef>
+                <a:spcPts val="1000"/>
+              </a:spcBef>
+            </a:pPr>
+            <a:r>
+              <a:rPr lang="en-US" sz="3200" dirty="0" smtClean="0"/>
               <a:t>Sliding Window</a:t>
             </a:r>
           </a:p>
           <a:p>
-            <a:r>
-              <a:rPr lang="en-US" dirty="0" smtClean="0"/>
+            <a:pPr>
+              <a:lnSpc>
+                <a:spcPct val="200000"/>
+              </a:lnSpc>
+              <a:spcBef>
+                <a:spcPts val="1000"/>
+              </a:spcBef>
+            </a:pPr>
+            <a:r>
+              <a:rPr lang="en-US" sz="3200" dirty="0" smtClean="0"/>
               <a:t>Randomized-tit-for-tat</a:t>
             </a:r>
-            <a:endParaRPr lang="en-US" dirty="0"/>
+            <a:endParaRPr lang="en-US" sz="3200" dirty="0"/>
           </a:p>
         </p:txBody>
       </p:sp>
@@ -7421,6 +8513,32 @@
           </a:p>
         </p:txBody>
       </p:sp>
+      <p:pic>
+        <p:nvPicPr>
+          <p:cNvPr id="32770" name="Picture 2" descr="C:\Documents and Settings\Tom\Desktop\guru copy.png"/>
+          <p:cNvPicPr>
+            <a:picLocks noChangeAspect="1" noChangeArrowheads="1"/>
+          </p:cNvPicPr>
+          <p:nvPr/>
+        </p:nvPicPr>
+        <p:blipFill>
+          <a:blip r:embed="rId2"/>
+          <a:srcRect/>
+          <a:stretch>
+            <a:fillRect/>
+          </a:stretch>
+        </p:blipFill>
+        <p:spPr bwMode="auto">
+          <a:xfrm>
+            <a:off x="5413043" y="2857496"/>
+            <a:ext cx="3530936" cy="3743323"/>
+          </a:xfrm>
+          <a:prstGeom prst="rect">
+            <a:avLst/>
+          </a:prstGeom>
+          <a:noFill/>
+        </p:spPr>
+      </p:pic>
     </p:spTree>
   </p:cSld>
   <p:clrMapOvr>
@@ -7537,7 +8655,6 @@
               <a:rPr lang="en-US" sz="4000" dirty="0" smtClean="0"/>
               <a:t>Conclusion</a:t>
             </a:r>
-            <a:endParaRPr lang="en-US" sz="4000" dirty="0" smtClean="0"/>
           </a:p>
           <a:p>
             <a:endParaRPr lang="en-US" dirty="0" smtClean="0"/>
@@ -7576,6 +8693,13 @@
   <p:clrMapOvr>
     <a:masterClrMapping/>
   </p:clrMapOvr>
+  <p:timing>
+    <p:tnLst>
+      <p:par>
+        <p:cTn id="1" dur="indefinite" restart="never" nodeType="tmRoot"/>
+      </p:par>
+    </p:tnLst>
+  </p:timing>
 </p:sld>
 </file>
 
@@ -7698,6 +8822,41 @@
           </a:p>
         </p:txBody>
       </p:sp>
+      <p:pic>
+        <p:nvPicPr>
+          <p:cNvPr id="33794" name="Picture 2"/>
+          <p:cNvPicPr>
+            <a:picLocks noChangeAspect="1" noChangeArrowheads="1"/>
+          </p:cNvPicPr>
+          <p:nvPr/>
+        </p:nvPicPr>
+        <p:blipFill>
+          <a:blip r:embed="rId2"/>
+          <a:srcRect/>
+          <a:stretch>
+            <a:fillRect/>
+          </a:stretch>
+        </p:blipFill>
+        <p:spPr bwMode="auto">
+          <a:xfrm>
+            <a:off x="5286380" y="4714884"/>
+            <a:ext cx="3576638" cy="1832055"/>
+          </a:xfrm>
+          <a:prstGeom prst="rect">
+            <a:avLst/>
+          </a:prstGeom>
+          <a:ln>
+            <a:noFill/>
+          </a:ln>
+          <a:effectLst>
+            <a:outerShdw blurRad="190500" algn="tl" rotWithShape="0">
+              <a:srgbClr val="000000">
+                <a:alpha val="70000"/>
+              </a:srgbClr>
+            </a:outerShdw>
+          </a:effectLst>
+        </p:spPr>
+      </p:pic>
     </p:spTree>
   </p:cSld>
   <p:clrMapOvr>
@@ -7730,233 +8889,109 @@
           <a:chExt cx="0" cy="0"/>
         </a:xfrm>
       </p:grpSpPr>
-      <p:sp>
-        <p:nvSpPr>
-          <p:cNvPr id="5" name="标题 4"/>
-          <p:cNvSpPr>
-            <a:spLocks noGrp="1"/>
-          </p:cNvSpPr>
-          <p:nvPr>
-            <p:ph type="ctrTitle"/>
-          </p:nvPr>
-        </p:nvSpPr>
-        <p:spPr/>
-        <p:txBody>
-          <a:bodyPr/>
-          <a:lstStyle/>
-          <a:p>
-            <a:endParaRPr lang="en-US" dirty="0"/>
-          </a:p>
-        </p:txBody>
-      </p:sp>
-      <p:sp>
-        <p:nvSpPr>
-          <p:cNvPr id="6" name="副标题 5"/>
-          <p:cNvSpPr>
-            <a:spLocks noGrp="1"/>
-          </p:cNvSpPr>
-          <p:nvPr>
-            <p:ph type="subTitle" idx="1"/>
-          </p:nvPr>
-        </p:nvSpPr>
-        <p:spPr/>
-        <p:txBody>
-          <a:bodyPr/>
-          <a:lstStyle/>
-          <a:p>
-            <a:endParaRPr lang="en-US" dirty="0"/>
-          </a:p>
-        </p:txBody>
-      </p:sp>
-      <p:sp>
-        <p:nvSpPr>
-          <p:cNvPr id="4" name="灯片编号占位符 3"/>
-          <p:cNvSpPr>
-            <a:spLocks noGrp="1"/>
-          </p:cNvSpPr>
-          <p:nvPr>
-            <p:ph type="sldNum" sz="quarter" idx="12"/>
-          </p:nvPr>
-        </p:nvSpPr>
-        <p:spPr/>
-        <p:txBody>
-          <a:bodyPr/>
-          <a:lstStyle/>
-          <a:p>
-            <a:fld id="{41B43038-07B4-481F-A1A3-7BA5DF4C905A}" type="slidenum">
-              <a:rPr lang="zh-CN" altLang="en-US" smtClean="0"/>
-              <a:pPr/>
-              <a:t>31</a:t>
-            </a:fld>
-            <a:endParaRPr lang="zh-CN" altLang="en-US"/>
-          </a:p>
-        </p:txBody>
-      </p:sp>
-      <p:sp>
-        <p:nvSpPr>
-          <p:cNvPr id="7" name="矩形 6"/>
-          <p:cNvSpPr/>
+      <p:pic>
+        <p:nvPicPr>
+          <p:cNvPr id="15365" name="Picture 5" descr="q&amp;a"/>
+          <p:cNvPicPr>
+            <a:picLocks noChangeAspect="1" noChangeArrowheads="1"/>
+          </p:cNvPicPr>
           <p:nvPr/>
-        </p:nvSpPr>
-        <p:spPr>
+        </p:nvPicPr>
+        <p:blipFill>
+          <a:blip r:embed="rId2"/>
+          <a:srcRect/>
+          <a:stretch>
+            <a:fillRect/>
+          </a:stretch>
+        </p:blipFill>
+        <p:spPr bwMode="auto">
           <a:xfrm>
-            <a:off x="214282" y="1928802"/>
-            <a:ext cx="6572296" cy="1323439"/>
+            <a:off x="285720" y="4929198"/>
+            <a:ext cx="1531919" cy="1739872"/>
           </a:xfrm>
           <a:prstGeom prst="rect">
             <a:avLst/>
           </a:prstGeom>
           <a:noFill/>
         </p:spPr>
-        <p:txBody>
-          <a:bodyPr wrap="square" lIns="91440" tIns="45720" rIns="91440" bIns="45720">
-            <a:spAutoFit/>
-          </a:bodyPr>
-          <a:lstStyle/>
-          <a:p>
-            <a:pPr algn="ctr"/>
-            <a:r>
-              <a:rPr lang="en-US" altLang="zh-CN" sz="8000" b="1" cap="none" spc="0" dirty="0" smtClean="0">
-                <a:ln w="1905"/>
-                <a:solidFill>
-                  <a:schemeClr val="bg1"/>
-                </a:solidFill>
-                <a:effectLst>
-                  <a:innerShdw blurRad="69850" dist="43180" dir="5400000">
-                    <a:srgbClr val="000000">
-                      <a:alpha val="65000"/>
-                    </a:srgbClr>
-                  </a:innerShdw>
-                </a:effectLst>
-              </a:rPr>
-              <a:t>Thanks</a:t>
-            </a:r>
-            <a:endParaRPr lang="zh-CN" altLang="en-US" sz="8000" b="1" cap="none" spc="0" dirty="0">
-              <a:ln w="1905"/>
-              <a:solidFill>
-                <a:schemeClr val="bg1"/>
-              </a:solidFill>
-              <a:effectLst>
-                <a:innerShdw blurRad="69850" dist="43180" dir="5400000">
-                  <a:srgbClr val="000000">
-                    <a:alpha val="65000"/>
-                  </a:srgbClr>
-                </a:innerShdw>
-              </a:effectLst>
-            </a:endParaRPr>
-          </a:p>
-        </p:txBody>
-      </p:sp>
-      <p:sp>
-        <p:nvSpPr>
-          <p:cNvPr id="8" name="矩形 7"/>
-          <p:cNvSpPr/>
+      </p:pic>
+      <p:pic>
+        <p:nvPicPr>
+          <p:cNvPr id="15372" name="Picture 12" descr="Thank-You-Cookie-Tin"/>
+          <p:cNvPicPr>
+            <a:picLocks noChangeAspect="1" noChangeArrowheads="1"/>
+          </p:cNvPicPr>
           <p:nvPr/>
-        </p:nvSpPr>
-        <p:spPr>
+        </p:nvPicPr>
+        <p:blipFill>
+          <a:blip r:embed="rId3"/>
+          <a:srcRect/>
+          <a:stretch>
+            <a:fillRect/>
+          </a:stretch>
+        </p:blipFill>
+        <p:spPr bwMode="auto">
           <a:xfrm>
-            <a:off x="3428992" y="4929198"/>
-            <a:ext cx="2183611" cy="923330"/>
+            <a:off x="3786182" y="1571612"/>
+            <a:ext cx="4929222" cy="4929222"/>
           </a:xfrm>
           <a:prstGeom prst="rect">
             <a:avLst/>
           </a:prstGeom>
           <a:noFill/>
         </p:spPr>
-        <p:txBody>
-          <a:bodyPr wrap="none" lIns="91440" tIns="45720" rIns="91440" bIns="45720">
-            <a:spAutoFit/>
+      </p:pic>
+      <p:sp>
+        <p:nvSpPr>
+          <p:cNvPr id="15363" name="Rectangle 3"/>
+          <p:cNvSpPr>
+            <a:spLocks noGrp="1" noChangeArrowheads="1"/>
+          </p:cNvSpPr>
+          <p:nvPr>
+            <p:ph type="body" idx="1"/>
+          </p:nvPr>
+        </p:nvSpPr>
+        <p:spPr>
+          <a:xfrm>
+            <a:off x="428596" y="1500174"/>
+            <a:ext cx="8229600" cy="4325112"/>
+          </a:xfrm>
+        </p:spPr>
+        <p:txBody>
+          <a:bodyPr>
+            <a:normAutofit/>
           </a:bodyPr>
           <a:lstStyle/>
           <a:p>
-            <a:pPr algn="ctr"/>
-            <a:r>
-              <a:rPr lang="en-US" altLang="zh-CN" sz="5400" b="1" cap="all" dirty="0" smtClean="0">
-                <a:ln w="9000" cmpd="sng">
-                  <a:solidFill>
-                    <a:schemeClr val="accent4">
-                      <a:shade val="50000"/>
-                      <a:satMod val="120000"/>
-                    </a:schemeClr>
-                  </a:solidFill>
-                  <a:prstDash val="solid"/>
-                </a:ln>
-                <a:gradFill>
-                  <a:gsLst>
-                    <a:gs pos="0">
-                      <a:schemeClr val="accent4">
-                        <a:shade val="20000"/>
-                        <a:satMod val="245000"/>
-                      </a:schemeClr>
-                    </a:gs>
-                    <a:gs pos="43000">
-                      <a:schemeClr val="accent4">
-                        <a:satMod val="255000"/>
-                      </a:schemeClr>
-                    </a:gs>
-                    <a:gs pos="48000">
-                      <a:schemeClr val="accent4">
-                        <a:shade val="85000"/>
-                        <a:satMod val="255000"/>
-                      </a:schemeClr>
-                    </a:gs>
-                    <a:gs pos="100000">
-                      <a:schemeClr val="accent4">
-                        <a:shade val="20000"/>
-                        <a:satMod val="245000"/>
-                      </a:schemeClr>
-                    </a:gs>
-                  </a:gsLst>
-                  <a:lin ang="5400000"/>
-                </a:gradFill>
-                <a:effectLst>
-                  <a:reflection blurRad="12700" stA="28000" endPos="45000" dist="1000" dir="5400000" sy="-100000" algn="bl" rotWithShape="0"/>
-                </a:effectLst>
-              </a:rPr>
-              <a:t>Q &amp; A</a:t>
-            </a:r>
-            <a:endParaRPr lang="zh-CN" altLang="en-US" sz="5400" b="1" cap="all" spc="0" dirty="0">
-              <a:ln w="9000" cmpd="sng">
-                <a:solidFill>
-                  <a:schemeClr val="accent4">
-                    <a:shade val="50000"/>
-                    <a:satMod val="120000"/>
-                  </a:schemeClr>
-                </a:solidFill>
-                <a:prstDash val="solid"/>
-              </a:ln>
-              <a:gradFill>
-                <a:gsLst>
-                  <a:gs pos="0">
-                    <a:schemeClr val="accent4">
-                      <a:shade val="20000"/>
-                      <a:satMod val="245000"/>
-                    </a:schemeClr>
-                  </a:gs>
-                  <a:gs pos="43000">
-                    <a:schemeClr val="accent4">
-                      <a:satMod val="255000"/>
-                    </a:schemeClr>
-                  </a:gs>
-                  <a:gs pos="48000">
-                    <a:schemeClr val="accent4">
-                      <a:shade val="85000"/>
-                      <a:satMod val="255000"/>
-                    </a:schemeClr>
-                  </a:gs>
-                  <a:gs pos="100000">
-                    <a:schemeClr val="accent4">
-                      <a:shade val="20000"/>
-                      <a:satMod val="245000"/>
-                    </a:schemeClr>
-                  </a:gs>
-                </a:gsLst>
-                <a:lin ang="5400000"/>
-              </a:gradFill>
-              <a:effectLst>
-                <a:reflection blurRad="12700" stA="28000" endPos="45000" dist="1000" dir="5400000" sy="-100000" algn="bl" rotWithShape="0"/>
-              </a:effectLst>
-            </a:endParaRPr>
+            <a:r>
+              <a:rPr lang="en-US" altLang="zh-CN" sz="3600" dirty="0"/>
+              <a:t>Thanks for your time</a:t>
+            </a:r>
+          </a:p>
+          <a:p>
+            <a:r>
+              <a:rPr lang="en-US" altLang="zh-CN" sz="3600" dirty="0"/>
+              <a:t>Any questions?</a:t>
+            </a:r>
+          </a:p>
+        </p:txBody>
+      </p:sp>
+      <p:sp>
+        <p:nvSpPr>
+          <p:cNvPr id="6" name="标题 5"/>
+          <p:cNvSpPr>
+            <a:spLocks noGrp="1"/>
+          </p:cNvSpPr>
+          <p:nvPr>
+            <p:ph type="title"/>
+          </p:nvPr>
+        </p:nvSpPr>
+        <p:spPr/>
+        <p:txBody>
+          <a:bodyPr/>
+          <a:lstStyle/>
+          <a:p>
+            <a:endParaRPr lang="en-US"/>
           </a:p>
         </p:txBody>
       </p:sp>
@@ -8087,32 +9122,6 @@
           </a:p>
           <a:p>
             <a:endParaRPr lang="zh-CN" altLang="en-US" dirty="0"/>
-          </a:p>
-        </p:txBody>
-      </p:sp>
-      <p:sp>
-        <p:nvSpPr>
-          <p:cNvPr id="5" name="灯片编号占位符 4"/>
-          <p:cNvSpPr>
-            <a:spLocks noGrp="1"/>
-          </p:cNvSpPr>
-          <p:nvPr>
-            <p:ph type="sldNum" sz="quarter" idx="12"/>
-          </p:nvPr>
-        </p:nvSpPr>
-        <p:spPr/>
-        <p:txBody>
-          <a:bodyPr>
-            <a:normAutofit/>
-          </a:bodyPr>
-          <a:lstStyle/>
-          <a:p>
-            <a:fld id="{41B43038-07B4-481F-A1A3-7BA5DF4C905A}" type="slidenum">
-              <a:rPr lang="zh-CN" altLang="en-US" smtClean="0"/>
-              <a:pPr/>
-              <a:t>4</a:t>
-            </a:fld>
-            <a:endParaRPr lang="zh-CN" altLang="en-US"/>
           </a:p>
         </p:txBody>
       </p:sp>
@@ -8150,9 +9159,451 @@
   <p:timing>
     <p:tnLst>
       <p:par>
-        <p:cTn id="1" dur="indefinite" restart="never" nodeType="tmRoot"/>
+        <p:cTn id="1" dur="indefinite" restart="never" nodeType="tmRoot">
+          <p:childTnLst>
+            <p:seq concurrent="1" nextAc="seek">
+              <p:cTn id="2" dur="indefinite" nodeType="mainSeq">
+                <p:childTnLst>
+                  <p:par>
+                    <p:cTn id="3" fill="hold">
+                      <p:stCondLst>
+                        <p:cond delay="indefinite"/>
+                      </p:stCondLst>
+                      <p:childTnLst>
+                        <p:par>
+                          <p:cTn id="4" fill="hold">
+                            <p:stCondLst>
+                              <p:cond delay="0"/>
+                            </p:stCondLst>
+                            <p:childTnLst>
+                              <p:par>
+                                <p:cTn id="5" presetID="3" presetClass="entr" presetSubtype="10" fill="hold" grpId="0" nodeType="clickEffect">
+                                  <p:stCondLst>
+                                    <p:cond delay="0"/>
+                                  </p:stCondLst>
+                                  <p:childTnLst>
+                                    <p:set>
+                                      <p:cBhvr>
+                                        <p:cTn id="6" dur="1" fill="hold">
+                                          <p:stCondLst>
+                                            <p:cond delay="0"/>
+                                          </p:stCondLst>
+                                        </p:cTn>
+                                        <p:tgtEl>
+                                          <p:spTgt spid="3">
+                                            <p:txEl>
+                                              <p:pRg st="0" end="0"/>
+                                            </p:txEl>
+                                          </p:spTgt>
+                                        </p:tgtEl>
+                                        <p:attrNameLst>
+                                          <p:attrName>style.visibility</p:attrName>
+                                        </p:attrNameLst>
+                                      </p:cBhvr>
+                                      <p:to>
+                                        <p:strVal val="visible"/>
+                                      </p:to>
+                                    </p:set>
+                                    <p:animEffect transition="in" filter="blinds(horizontal)">
+                                      <p:cBhvr>
+                                        <p:cTn id="7" dur="500"/>
+                                        <p:tgtEl>
+                                          <p:spTgt spid="3">
+                                            <p:txEl>
+                                              <p:pRg st="0" end="0"/>
+                                            </p:txEl>
+                                          </p:spTgt>
+                                        </p:tgtEl>
+                                      </p:cBhvr>
+                                    </p:animEffect>
+                                  </p:childTnLst>
+                                </p:cTn>
+                              </p:par>
+                              <p:par>
+                                <p:cTn id="8" presetID="3" presetClass="entr" presetSubtype="10" fill="hold" grpId="0" nodeType="withEffect">
+                                  <p:stCondLst>
+                                    <p:cond delay="0"/>
+                                  </p:stCondLst>
+                                  <p:childTnLst>
+                                    <p:set>
+                                      <p:cBhvr>
+                                        <p:cTn id="9" dur="1" fill="hold">
+                                          <p:stCondLst>
+                                            <p:cond delay="0"/>
+                                          </p:stCondLst>
+                                        </p:cTn>
+                                        <p:tgtEl>
+                                          <p:spTgt spid="3">
+                                            <p:txEl>
+                                              <p:pRg st="1" end="1"/>
+                                            </p:txEl>
+                                          </p:spTgt>
+                                        </p:tgtEl>
+                                        <p:attrNameLst>
+                                          <p:attrName>style.visibility</p:attrName>
+                                        </p:attrNameLst>
+                                      </p:cBhvr>
+                                      <p:to>
+                                        <p:strVal val="visible"/>
+                                      </p:to>
+                                    </p:set>
+                                    <p:animEffect transition="in" filter="blinds(horizontal)">
+                                      <p:cBhvr>
+                                        <p:cTn id="10" dur="500"/>
+                                        <p:tgtEl>
+                                          <p:spTgt spid="3">
+                                            <p:txEl>
+                                              <p:pRg st="1" end="1"/>
+                                            </p:txEl>
+                                          </p:spTgt>
+                                        </p:tgtEl>
+                                      </p:cBhvr>
+                                    </p:animEffect>
+                                  </p:childTnLst>
+                                </p:cTn>
+                              </p:par>
+                            </p:childTnLst>
+                          </p:cTn>
+                        </p:par>
+                      </p:childTnLst>
+                    </p:cTn>
+                  </p:par>
+                  <p:par>
+                    <p:cTn id="11" fill="hold">
+                      <p:stCondLst>
+                        <p:cond delay="indefinite"/>
+                      </p:stCondLst>
+                      <p:childTnLst>
+                        <p:par>
+                          <p:cTn id="12" fill="hold">
+                            <p:stCondLst>
+                              <p:cond delay="0"/>
+                            </p:stCondLst>
+                            <p:childTnLst>
+                              <p:par>
+                                <p:cTn id="13" presetID="3" presetClass="entr" presetSubtype="10" fill="hold" grpId="0" nodeType="clickEffect">
+                                  <p:stCondLst>
+                                    <p:cond delay="0"/>
+                                  </p:stCondLst>
+                                  <p:childTnLst>
+                                    <p:set>
+                                      <p:cBhvr>
+                                        <p:cTn id="14" dur="1" fill="hold">
+                                          <p:stCondLst>
+                                            <p:cond delay="0"/>
+                                          </p:stCondLst>
+                                        </p:cTn>
+                                        <p:tgtEl>
+                                          <p:spTgt spid="3">
+                                            <p:txEl>
+                                              <p:pRg st="2" end="2"/>
+                                            </p:txEl>
+                                          </p:spTgt>
+                                        </p:tgtEl>
+                                        <p:attrNameLst>
+                                          <p:attrName>style.visibility</p:attrName>
+                                        </p:attrNameLst>
+                                      </p:cBhvr>
+                                      <p:to>
+                                        <p:strVal val="visible"/>
+                                      </p:to>
+                                    </p:set>
+                                    <p:animEffect transition="in" filter="blinds(horizontal)">
+                                      <p:cBhvr>
+                                        <p:cTn id="15" dur="500"/>
+                                        <p:tgtEl>
+                                          <p:spTgt spid="3">
+                                            <p:txEl>
+                                              <p:pRg st="2" end="2"/>
+                                            </p:txEl>
+                                          </p:spTgt>
+                                        </p:tgtEl>
+                                      </p:cBhvr>
+                                    </p:animEffect>
+                                  </p:childTnLst>
+                                </p:cTn>
+                              </p:par>
+                              <p:par>
+                                <p:cTn id="16" presetID="3" presetClass="entr" presetSubtype="10" fill="hold" grpId="0" nodeType="withEffect">
+                                  <p:stCondLst>
+                                    <p:cond delay="0"/>
+                                  </p:stCondLst>
+                                  <p:childTnLst>
+                                    <p:set>
+                                      <p:cBhvr>
+                                        <p:cTn id="17" dur="1" fill="hold">
+                                          <p:stCondLst>
+                                            <p:cond delay="0"/>
+                                          </p:stCondLst>
+                                        </p:cTn>
+                                        <p:tgtEl>
+                                          <p:spTgt spid="3">
+                                            <p:txEl>
+                                              <p:pRg st="3" end="3"/>
+                                            </p:txEl>
+                                          </p:spTgt>
+                                        </p:tgtEl>
+                                        <p:attrNameLst>
+                                          <p:attrName>style.visibility</p:attrName>
+                                        </p:attrNameLst>
+                                      </p:cBhvr>
+                                      <p:to>
+                                        <p:strVal val="visible"/>
+                                      </p:to>
+                                    </p:set>
+                                    <p:animEffect transition="in" filter="blinds(horizontal)">
+                                      <p:cBhvr>
+                                        <p:cTn id="18" dur="500"/>
+                                        <p:tgtEl>
+                                          <p:spTgt spid="3">
+                                            <p:txEl>
+                                              <p:pRg st="3" end="3"/>
+                                            </p:txEl>
+                                          </p:spTgt>
+                                        </p:tgtEl>
+                                      </p:cBhvr>
+                                    </p:animEffect>
+                                  </p:childTnLst>
+                                </p:cTn>
+                              </p:par>
+                            </p:childTnLst>
+                          </p:cTn>
+                        </p:par>
+                      </p:childTnLst>
+                    </p:cTn>
+                  </p:par>
+                  <p:par>
+                    <p:cTn id="19" fill="hold">
+                      <p:stCondLst>
+                        <p:cond delay="indefinite"/>
+                      </p:stCondLst>
+                      <p:childTnLst>
+                        <p:par>
+                          <p:cTn id="20" fill="hold">
+                            <p:stCondLst>
+                              <p:cond delay="0"/>
+                            </p:stCondLst>
+                            <p:childTnLst>
+                              <p:par>
+                                <p:cTn id="21" presetID="3" presetClass="entr" presetSubtype="10" fill="hold" grpId="0" nodeType="clickEffect">
+                                  <p:stCondLst>
+                                    <p:cond delay="0"/>
+                                  </p:stCondLst>
+                                  <p:childTnLst>
+                                    <p:set>
+                                      <p:cBhvr>
+                                        <p:cTn id="22" dur="1" fill="hold">
+                                          <p:stCondLst>
+                                            <p:cond delay="0"/>
+                                          </p:stCondLst>
+                                        </p:cTn>
+                                        <p:tgtEl>
+                                          <p:spTgt spid="3">
+                                            <p:txEl>
+                                              <p:pRg st="4" end="4"/>
+                                            </p:txEl>
+                                          </p:spTgt>
+                                        </p:tgtEl>
+                                        <p:attrNameLst>
+                                          <p:attrName>style.visibility</p:attrName>
+                                        </p:attrNameLst>
+                                      </p:cBhvr>
+                                      <p:to>
+                                        <p:strVal val="visible"/>
+                                      </p:to>
+                                    </p:set>
+                                    <p:animEffect transition="in" filter="blinds(horizontal)">
+                                      <p:cBhvr>
+                                        <p:cTn id="23" dur="500"/>
+                                        <p:tgtEl>
+                                          <p:spTgt spid="3">
+                                            <p:txEl>
+                                              <p:pRg st="4" end="4"/>
+                                            </p:txEl>
+                                          </p:spTgt>
+                                        </p:tgtEl>
+                                      </p:cBhvr>
+                                    </p:animEffect>
+                                  </p:childTnLst>
+                                </p:cTn>
+                              </p:par>
+                              <p:par>
+                                <p:cTn id="24" presetID="3" presetClass="entr" presetSubtype="10" fill="hold" grpId="0" nodeType="withEffect">
+                                  <p:stCondLst>
+                                    <p:cond delay="0"/>
+                                  </p:stCondLst>
+                                  <p:childTnLst>
+                                    <p:set>
+                                      <p:cBhvr>
+                                        <p:cTn id="25" dur="1" fill="hold">
+                                          <p:stCondLst>
+                                            <p:cond delay="0"/>
+                                          </p:stCondLst>
+                                        </p:cTn>
+                                        <p:tgtEl>
+                                          <p:spTgt spid="3">
+                                            <p:txEl>
+                                              <p:pRg st="5" end="5"/>
+                                            </p:txEl>
+                                          </p:spTgt>
+                                        </p:tgtEl>
+                                        <p:attrNameLst>
+                                          <p:attrName>style.visibility</p:attrName>
+                                        </p:attrNameLst>
+                                      </p:cBhvr>
+                                      <p:to>
+                                        <p:strVal val="visible"/>
+                                      </p:to>
+                                    </p:set>
+                                    <p:animEffect transition="in" filter="blinds(horizontal)">
+                                      <p:cBhvr>
+                                        <p:cTn id="26" dur="500"/>
+                                        <p:tgtEl>
+                                          <p:spTgt spid="3">
+                                            <p:txEl>
+                                              <p:pRg st="5" end="5"/>
+                                            </p:txEl>
+                                          </p:spTgt>
+                                        </p:tgtEl>
+                                      </p:cBhvr>
+                                    </p:animEffect>
+                                  </p:childTnLst>
+                                </p:cTn>
+                              </p:par>
+                            </p:childTnLst>
+                          </p:cTn>
+                        </p:par>
+                      </p:childTnLst>
+                    </p:cTn>
+                  </p:par>
+                  <p:par>
+                    <p:cTn id="27" fill="hold">
+                      <p:stCondLst>
+                        <p:cond delay="indefinite"/>
+                      </p:stCondLst>
+                      <p:childTnLst>
+                        <p:par>
+                          <p:cTn id="28" fill="hold">
+                            <p:stCondLst>
+                              <p:cond delay="0"/>
+                            </p:stCondLst>
+                            <p:childTnLst>
+                              <p:par>
+                                <p:cTn id="29" presetID="3" presetClass="entr" presetSubtype="10" fill="hold" grpId="0" nodeType="clickEffect">
+                                  <p:stCondLst>
+                                    <p:cond delay="0"/>
+                                  </p:stCondLst>
+                                  <p:childTnLst>
+                                    <p:set>
+                                      <p:cBhvr>
+                                        <p:cTn id="30" dur="1" fill="hold">
+                                          <p:stCondLst>
+                                            <p:cond delay="0"/>
+                                          </p:stCondLst>
+                                        </p:cTn>
+                                        <p:tgtEl>
+                                          <p:spTgt spid="3">
+                                            <p:txEl>
+                                              <p:pRg st="6" end="6"/>
+                                            </p:txEl>
+                                          </p:spTgt>
+                                        </p:tgtEl>
+                                        <p:attrNameLst>
+                                          <p:attrName>style.visibility</p:attrName>
+                                        </p:attrNameLst>
+                                      </p:cBhvr>
+                                      <p:to>
+                                        <p:strVal val="visible"/>
+                                      </p:to>
+                                    </p:set>
+                                    <p:animEffect transition="in" filter="blinds(horizontal)">
+                                      <p:cBhvr>
+                                        <p:cTn id="31" dur="500"/>
+                                        <p:tgtEl>
+                                          <p:spTgt spid="3">
+                                            <p:txEl>
+                                              <p:pRg st="6" end="6"/>
+                                            </p:txEl>
+                                          </p:spTgt>
+                                        </p:tgtEl>
+                                      </p:cBhvr>
+                                    </p:animEffect>
+                                  </p:childTnLst>
+                                </p:cTn>
+                              </p:par>
+                              <p:par>
+                                <p:cTn id="32" presetID="3" presetClass="entr" presetSubtype="10" fill="hold" grpId="0" nodeType="withEffect">
+                                  <p:stCondLst>
+                                    <p:cond delay="0"/>
+                                  </p:stCondLst>
+                                  <p:childTnLst>
+                                    <p:set>
+                                      <p:cBhvr>
+                                        <p:cTn id="33" dur="1" fill="hold">
+                                          <p:stCondLst>
+                                            <p:cond delay="0"/>
+                                          </p:stCondLst>
+                                        </p:cTn>
+                                        <p:tgtEl>
+                                          <p:spTgt spid="3">
+                                            <p:txEl>
+                                              <p:pRg st="7" end="7"/>
+                                            </p:txEl>
+                                          </p:spTgt>
+                                        </p:tgtEl>
+                                        <p:attrNameLst>
+                                          <p:attrName>style.visibility</p:attrName>
+                                        </p:attrNameLst>
+                                      </p:cBhvr>
+                                      <p:to>
+                                        <p:strVal val="visible"/>
+                                      </p:to>
+                                    </p:set>
+                                    <p:animEffect transition="in" filter="blinds(horizontal)">
+                                      <p:cBhvr>
+                                        <p:cTn id="34" dur="500"/>
+                                        <p:tgtEl>
+                                          <p:spTgt spid="3">
+                                            <p:txEl>
+                                              <p:pRg st="7" end="7"/>
+                                            </p:txEl>
+                                          </p:spTgt>
+                                        </p:tgtEl>
+                                      </p:cBhvr>
+                                    </p:animEffect>
+                                  </p:childTnLst>
+                                </p:cTn>
+                              </p:par>
+                            </p:childTnLst>
+                          </p:cTn>
+                        </p:par>
+                      </p:childTnLst>
+                    </p:cTn>
+                  </p:par>
+                </p:childTnLst>
+              </p:cTn>
+              <p:prevCondLst>
+                <p:cond evt="onPrev" delay="0">
+                  <p:tgtEl>
+                    <p:sldTgt/>
+                  </p:tgtEl>
+                </p:cond>
+              </p:prevCondLst>
+              <p:nextCondLst>
+                <p:cond evt="onNext" delay="0">
+                  <p:tgtEl>
+                    <p:sldTgt/>
+                  </p:tgtEl>
+                </p:cond>
+              </p:nextCondLst>
+            </p:seq>
+          </p:childTnLst>
+        </p:cTn>
       </p:par>
     </p:tnLst>
+    <p:bldLst>
+      <p:bldP spid="3" grpId="0" build="p"/>
+    </p:bldLst>
   </p:timing>
 </p:sld>
 </file>
@@ -8362,15 +9813,23 @@
           </a:bodyPr>
           <a:lstStyle/>
           <a:p>
+            <a:pPr>
+              <a:lnSpc>
+                <a:spcPct val="150000"/>
+              </a:lnSpc>
+            </a:pPr>
             <a:r>
               <a:rPr lang="en-US" sz="5400" dirty="0" smtClean="0"/>
               <a:t>Quality</a:t>
             </a:r>
-          </a:p>
-          <a:p>
             <a:endParaRPr lang="en-US" sz="5400" dirty="0" smtClean="0"/>
           </a:p>
           <a:p>
+            <a:pPr>
+              <a:lnSpc>
+                <a:spcPct val="150000"/>
+              </a:lnSpc>
+            </a:pPr>
             <a:r>
               <a:rPr lang="en-US" sz="5400" dirty="0" smtClean="0"/>
               <a:t>Speed</a:t>
@@ -8403,11 +9862,102 @@
           </a:p>
         </p:txBody>
       </p:sp>
+      <p:pic>
+        <p:nvPicPr>
+          <p:cNvPr id="6145" name="Picture 1"/>
+          <p:cNvPicPr>
+            <a:picLocks noChangeAspect="1" noChangeArrowheads="1"/>
+          </p:cNvPicPr>
+          <p:nvPr/>
+        </p:nvPicPr>
+        <p:blipFill>
+          <a:blip r:embed="rId2"/>
+          <a:srcRect/>
+          <a:stretch>
+            <a:fillRect/>
+          </a:stretch>
+        </p:blipFill>
+        <p:spPr bwMode="auto">
+          <a:xfrm>
+            <a:off x="5000628" y="3929066"/>
+            <a:ext cx="3838570" cy="1662310"/>
+          </a:xfrm>
+          <a:prstGeom prst="roundRect">
+            <a:avLst>
+              <a:gd name="adj" fmla="val 4167"/>
+            </a:avLst>
+          </a:prstGeom>
+          <a:solidFill>
+            <a:srgbClr val="FFFFFF"/>
+          </a:solidFill>
+          <a:ln w="76200" cap="sq">
+            <a:solidFill>
+              <a:srgbClr val="292929"/>
+            </a:solidFill>
+            <a:miter lim="800000"/>
+          </a:ln>
+          <a:effectLst>
+            <a:reflection blurRad="12700" stA="28000" endPos="28000" dist="5000" dir="5400000" sy="-100000" algn="bl" rotWithShape="0"/>
+          </a:effectLst>
+          <a:scene3d>
+            <a:camera prst="orthographicFront"/>
+            <a:lightRig rig="threePt" dir="t">
+              <a:rot lat="0" lon="0" rev="2700000"/>
+            </a:lightRig>
+          </a:scene3d>
+          <a:sp3d>
+            <a:bevelT h="38100"/>
+            <a:contourClr>
+              <a:srgbClr val="C0C0C0"/>
+            </a:contourClr>
+          </a:sp3d>
+        </p:spPr>
+      </p:pic>
+      <p:pic>
+        <p:nvPicPr>
+          <p:cNvPr id="6146" name="Picture 2"/>
+          <p:cNvPicPr>
+            <a:picLocks noChangeAspect="1" noChangeArrowheads="1"/>
+          </p:cNvPicPr>
+          <p:nvPr/>
+        </p:nvPicPr>
+        <p:blipFill>
+          <a:blip r:embed="rId3"/>
+          <a:srcRect/>
+          <a:stretch>
+            <a:fillRect/>
+          </a:stretch>
+        </p:blipFill>
+        <p:spPr bwMode="auto">
+          <a:xfrm>
+            <a:off x="0" y="5388623"/>
+            <a:ext cx="1785918" cy="1469376"/>
+          </a:xfrm>
+          <a:prstGeom prst="rect">
+            <a:avLst/>
+          </a:prstGeom>
+          <a:noFill/>
+          <a:ln w="9525">
+            <a:noFill/>
+            <a:miter lim="800000"/>
+            <a:headEnd/>
+            <a:tailEnd/>
+          </a:ln>
+          <a:effectLst/>
+        </p:spPr>
+      </p:pic>
     </p:spTree>
   </p:cSld>
   <p:clrMapOvr>
     <a:masterClrMapping/>
   </p:clrMapOvr>
+  <p:timing>
+    <p:tnLst>
+      <p:par>
+        <p:cTn id="1" dur="indefinite" restart="never" nodeType="tmRoot"/>
+      </p:par>
+    </p:tnLst>
+  </p:timing>
 </p:sld>
 </file>
 
@@ -8512,7 +10062,6 @@
               <a:rPr lang="en-US" sz="4000" dirty="0" smtClean="0"/>
               <a:t>Conclusion</a:t>
             </a:r>
-            <a:endParaRPr lang="en-US" sz="4000" dirty="0" smtClean="0"/>
           </a:p>
           <a:p>
             <a:endParaRPr lang="en-US" dirty="0" smtClean="0"/>
@@ -8551,6 +10100,13 @@
   <p:clrMapOvr>
     <a:masterClrMapping/>
   </p:clrMapOvr>
+  <p:timing>
+    <p:tnLst>
+      <p:par>
+        <p:cTn id="1" dur="indefinite" restart="never" nodeType="tmRoot"/>
+      </p:par>
+    </p:tnLst>
+  </p:timing>
 </p:sld>
 </file>
 
@@ -8591,32 +10147,6 @@
               <a:t>BT + Multimedia</a:t>
             </a:r>
             <a:endParaRPr lang="zh-CN" altLang="en-US" dirty="0"/>
-          </a:p>
-        </p:txBody>
-      </p:sp>
-      <p:sp>
-        <p:nvSpPr>
-          <p:cNvPr id="9" name="灯片编号占位符 8"/>
-          <p:cNvSpPr>
-            <a:spLocks noGrp="1"/>
-          </p:cNvSpPr>
-          <p:nvPr>
-            <p:ph type="sldNum" sz="quarter" idx="12"/>
-          </p:nvPr>
-        </p:nvSpPr>
-        <p:spPr/>
-        <p:txBody>
-          <a:bodyPr>
-            <a:normAutofit/>
-          </a:bodyPr>
-          <a:lstStyle/>
-          <a:p>
-            <a:fld id="{41B43038-07B4-481F-A1A3-7BA5DF4C905A}" type="slidenum">
-              <a:rPr lang="zh-CN" altLang="en-US" smtClean="0"/>
-              <a:pPr/>
-              <a:t>8</a:t>
-            </a:fld>
-            <a:endParaRPr lang="zh-CN" altLang="en-US"/>
           </a:p>
         </p:txBody>
       </p:sp>
@@ -8688,15 +10218,13 @@
           </a:prstGeom>
         </p:spPr>
         <p:style>
-          <a:lnRef idx="2">
-            <a:schemeClr val="accent1">
-              <a:shade val="50000"/>
-            </a:schemeClr>
+          <a:lnRef idx="1">
+            <a:schemeClr val="accent1"/>
           </a:lnRef>
-          <a:fillRef idx="1">
+          <a:fillRef idx="3">
             <a:schemeClr val="accent1"/>
           </a:fillRef>
-          <a:effectRef idx="0">
+          <a:effectRef idx="2">
             <a:schemeClr val="accent1"/>
           </a:effectRef>
           <a:fontRef idx="minor">
@@ -8732,15 +10260,13 @@
           </a:prstGeom>
         </p:spPr>
         <p:style>
-          <a:lnRef idx="2">
-            <a:schemeClr val="accent1">
-              <a:shade val="50000"/>
-            </a:schemeClr>
+          <a:lnRef idx="1">
+            <a:schemeClr val="accent1"/>
           </a:lnRef>
-          <a:fillRef idx="1">
+          <a:fillRef idx="3">
             <a:schemeClr val="accent1"/>
           </a:fillRef>
-          <a:effectRef idx="0">
+          <a:effectRef idx="2">
             <a:schemeClr val="accent1"/>
           </a:effectRef>
           <a:fontRef idx="minor">
@@ -8802,15 +10328,13 @@
           </a:prstGeom>
         </p:spPr>
         <p:style>
-          <a:lnRef idx="2">
-            <a:schemeClr val="accent1">
-              <a:shade val="50000"/>
-            </a:schemeClr>
+          <a:lnRef idx="1">
+            <a:schemeClr val="accent1"/>
           </a:lnRef>
-          <a:fillRef idx="1">
+          <a:fillRef idx="3">
             <a:schemeClr val="accent1"/>
           </a:fillRef>
-          <a:effectRef idx="0">
+          <a:effectRef idx="2">
             <a:schemeClr val="accent1"/>
           </a:effectRef>
           <a:fontRef idx="minor">
@@ -8882,9 +10406,377 @@
   <p:timing>
     <p:tnLst>
       <p:par>
-        <p:cTn id="1" dur="indefinite" restart="never" nodeType="tmRoot"/>
+        <p:cTn id="1" dur="indefinite" restart="never" nodeType="tmRoot">
+          <p:childTnLst>
+            <p:seq concurrent="1" nextAc="seek">
+              <p:cTn id="2" dur="indefinite" nodeType="mainSeq">
+                <p:childTnLst>
+                  <p:par>
+                    <p:cTn id="3" fill="hold">
+                      <p:stCondLst>
+                        <p:cond delay="indefinite"/>
+                      </p:stCondLst>
+                      <p:childTnLst>
+                        <p:par>
+                          <p:cTn id="4" fill="hold">
+                            <p:stCondLst>
+                              <p:cond delay="0"/>
+                            </p:stCondLst>
+                            <p:childTnLst>
+                              <p:par>
+                                <p:cTn id="5" presetID="3" presetClass="entr" presetSubtype="10" fill="hold" grpId="0" nodeType="clickEffect">
+                                  <p:stCondLst>
+                                    <p:cond delay="0"/>
+                                  </p:stCondLst>
+                                  <p:childTnLst>
+                                    <p:set>
+                                      <p:cBhvr>
+                                        <p:cTn id="6" dur="1" fill="hold">
+                                          <p:stCondLst>
+                                            <p:cond delay="0"/>
+                                          </p:stCondLst>
+                                        </p:cTn>
+                                        <p:tgtEl>
+                                          <p:spTgt spid="6"/>
+                                        </p:tgtEl>
+                                        <p:attrNameLst>
+                                          <p:attrName>style.visibility</p:attrName>
+                                        </p:attrNameLst>
+                                      </p:cBhvr>
+                                      <p:to>
+                                        <p:strVal val="visible"/>
+                                      </p:to>
+                                    </p:set>
+                                    <p:animEffect transition="in" filter="blinds(horizontal)">
+                                      <p:cBhvr>
+                                        <p:cTn id="7" dur="500"/>
+                                        <p:tgtEl>
+                                          <p:spTgt spid="6"/>
+                                        </p:tgtEl>
+                                      </p:cBhvr>
+                                    </p:animEffect>
+                                  </p:childTnLst>
+                                </p:cTn>
+                              </p:par>
+                              <p:par>
+                                <p:cTn id="8" presetID="3" presetClass="entr" presetSubtype="10" fill="hold" nodeType="withEffect">
+                                  <p:stCondLst>
+                                    <p:cond delay="0"/>
+                                  </p:stCondLst>
+                                  <p:childTnLst>
+                                    <p:set>
+                                      <p:cBhvr>
+                                        <p:cTn id="9" dur="1" fill="hold">
+                                          <p:stCondLst>
+                                            <p:cond delay="0"/>
+                                          </p:stCondLst>
+                                        </p:cTn>
+                                        <p:tgtEl>
+                                          <p:spTgt spid="2050"/>
+                                        </p:tgtEl>
+                                        <p:attrNameLst>
+                                          <p:attrName>style.visibility</p:attrName>
+                                        </p:attrNameLst>
+                                      </p:cBhvr>
+                                      <p:to>
+                                        <p:strVal val="visible"/>
+                                      </p:to>
+                                    </p:set>
+                                    <p:animEffect transition="in" filter="blinds(horizontal)">
+                                      <p:cBhvr>
+                                        <p:cTn id="10" dur="500"/>
+                                        <p:tgtEl>
+                                          <p:spTgt spid="2050"/>
+                                        </p:tgtEl>
+                                      </p:cBhvr>
+                                    </p:animEffect>
+                                  </p:childTnLst>
+                                </p:cTn>
+                              </p:par>
+                            </p:childTnLst>
+                          </p:cTn>
+                        </p:par>
+                      </p:childTnLst>
+                    </p:cTn>
+                  </p:par>
+                  <p:par>
+                    <p:cTn id="11" fill="hold">
+                      <p:stCondLst>
+                        <p:cond delay="indefinite"/>
+                      </p:stCondLst>
+                      <p:childTnLst>
+                        <p:par>
+                          <p:cTn id="12" fill="hold">
+                            <p:stCondLst>
+                              <p:cond delay="0"/>
+                            </p:stCondLst>
+                            <p:childTnLst>
+                              <p:par>
+                                <p:cTn id="13" presetID="3" presetClass="entr" presetSubtype="10" fill="hold" grpId="0" nodeType="clickEffect">
+                                  <p:stCondLst>
+                                    <p:cond delay="0"/>
+                                  </p:stCondLst>
+                                  <p:childTnLst>
+                                    <p:set>
+                                      <p:cBhvr>
+                                        <p:cTn id="14" dur="1" fill="hold">
+                                          <p:stCondLst>
+                                            <p:cond delay="0"/>
+                                          </p:stCondLst>
+                                        </p:cTn>
+                                        <p:tgtEl>
+                                          <p:spTgt spid="8"/>
+                                        </p:tgtEl>
+                                        <p:attrNameLst>
+                                          <p:attrName>style.visibility</p:attrName>
+                                        </p:attrNameLst>
+                                      </p:cBhvr>
+                                      <p:to>
+                                        <p:strVal val="visible"/>
+                                      </p:to>
+                                    </p:set>
+                                    <p:animEffect transition="in" filter="blinds(horizontal)">
+                                      <p:cBhvr>
+                                        <p:cTn id="15" dur="500"/>
+                                        <p:tgtEl>
+                                          <p:spTgt spid="8"/>
+                                        </p:tgtEl>
+                                      </p:cBhvr>
+                                    </p:animEffect>
+                                  </p:childTnLst>
+                                </p:cTn>
+                              </p:par>
+                              <p:par>
+                                <p:cTn id="16" presetID="3" presetClass="entr" presetSubtype="10" fill="hold" nodeType="withEffect">
+                                  <p:stCondLst>
+                                    <p:cond delay="0"/>
+                                  </p:stCondLst>
+                                  <p:childTnLst>
+                                    <p:set>
+                                      <p:cBhvr>
+                                        <p:cTn id="17" dur="1" fill="hold">
+                                          <p:stCondLst>
+                                            <p:cond delay="0"/>
+                                          </p:stCondLst>
+                                        </p:cTn>
+                                        <p:tgtEl>
+                                          <p:spTgt spid="2051"/>
+                                        </p:tgtEl>
+                                        <p:attrNameLst>
+                                          <p:attrName>style.visibility</p:attrName>
+                                        </p:attrNameLst>
+                                      </p:cBhvr>
+                                      <p:to>
+                                        <p:strVal val="visible"/>
+                                      </p:to>
+                                    </p:set>
+                                    <p:animEffect transition="in" filter="blinds(horizontal)">
+                                      <p:cBhvr>
+                                        <p:cTn id="18" dur="500"/>
+                                        <p:tgtEl>
+                                          <p:spTgt spid="2051"/>
+                                        </p:tgtEl>
+                                      </p:cBhvr>
+                                    </p:animEffect>
+                                  </p:childTnLst>
+                                </p:cTn>
+                              </p:par>
+                            </p:childTnLst>
+                          </p:cTn>
+                        </p:par>
+                      </p:childTnLst>
+                    </p:cTn>
+                  </p:par>
+                  <p:par>
+                    <p:cTn id="19" fill="hold">
+                      <p:stCondLst>
+                        <p:cond delay="indefinite"/>
+                      </p:stCondLst>
+                      <p:childTnLst>
+                        <p:par>
+                          <p:cTn id="20" fill="hold">
+                            <p:stCondLst>
+                              <p:cond delay="0"/>
+                            </p:stCondLst>
+                            <p:childTnLst>
+                              <p:par>
+                                <p:cTn id="21" presetID="2" presetClass="entr" presetSubtype="4" fill="hold" grpId="0" nodeType="clickEffect">
+                                  <p:stCondLst>
+                                    <p:cond delay="0"/>
+                                  </p:stCondLst>
+                                  <p:childTnLst>
+                                    <p:set>
+                                      <p:cBhvr>
+                                        <p:cTn id="22" dur="1" fill="hold">
+                                          <p:stCondLst>
+                                            <p:cond delay="0"/>
+                                          </p:stCondLst>
+                                        </p:cTn>
+                                        <p:tgtEl>
+                                          <p:spTgt spid="11"/>
+                                        </p:tgtEl>
+                                        <p:attrNameLst>
+                                          <p:attrName>style.visibility</p:attrName>
+                                        </p:attrNameLst>
+                                      </p:cBhvr>
+                                      <p:to>
+                                        <p:strVal val="visible"/>
+                                      </p:to>
+                                    </p:set>
+                                    <p:anim calcmode="lin" valueType="num">
+                                      <p:cBhvr additive="base">
+                                        <p:cTn id="23" dur="500" fill="hold"/>
+                                        <p:tgtEl>
+                                          <p:spTgt spid="11"/>
+                                        </p:tgtEl>
+                                        <p:attrNameLst>
+                                          <p:attrName>ppt_x</p:attrName>
+                                        </p:attrNameLst>
+                                      </p:cBhvr>
+                                      <p:tavLst>
+                                        <p:tav tm="0">
+                                          <p:val>
+                                            <p:strVal val="#ppt_x"/>
+                                          </p:val>
+                                        </p:tav>
+                                        <p:tav tm="100000">
+                                          <p:val>
+                                            <p:strVal val="#ppt_x"/>
+                                          </p:val>
+                                        </p:tav>
+                                      </p:tavLst>
+                                    </p:anim>
+                                    <p:anim calcmode="lin" valueType="num">
+                                      <p:cBhvr additive="base">
+                                        <p:cTn id="24" dur="500" fill="hold"/>
+                                        <p:tgtEl>
+                                          <p:spTgt spid="11"/>
+                                        </p:tgtEl>
+                                        <p:attrNameLst>
+                                          <p:attrName>ppt_y</p:attrName>
+                                        </p:attrNameLst>
+                                      </p:cBhvr>
+                                      <p:tavLst>
+                                        <p:tav tm="0">
+                                          <p:val>
+                                            <p:strVal val="1+#ppt_h/2"/>
+                                          </p:val>
+                                        </p:tav>
+                                        <p:tav tm="100000">
+                                          <p:val>
+                                            <p:strVal val="#ppt_y"/>
+                                          </p:val>
+                                        </p:tav>
+                                      </p:tavLst>
+                                    </p:anim>
+                                  </p:childTnLst>
+                                </p:cTn>
+                              </p:par>
+                              <p:par>
+                                <p:cTn id="25" presetID="2" presetClass="entr" presetSubtype="4" fill="hold" nodeType="withEffect">
+                                  <p:stCondLst>
+                                    <p:cond delay="0"/>
+                                  </p:stCondLst>
+                                  <p:childTnLst>
+                                    <p:set>
+                                      <p:cBhvr>
+                                        <p:cTn id="26" dur="1" fill="hold">
+                                          <p:stCondLst>
+                                            <p:cond delay="0"/>
+                                          </p:stCondLst>
+                                        </p:cTn>
+                                        <p:tgtEl>
+                                          <p:spTgt spid="2052"/>
+                                        </p:tgtEl>
+                                        <p:attrNameLst>
+                                          <p:attrName>style.visibility</p:attrName>
+                                        </p:attrNameLst>
+                                      </p:cBhvr>
+                                      <p:to>
+                                        <p:strVal val="visible"/>
+                                      </p:to>
+                                    </p:set>
+                                    <p:anim calcmode="lin" valueType="num">
+                                      <p:cBhvr additive="base">
+                                        <p:cTn id="27" dur="500" fill="hold"/>
+                                        <p:tgtEl>
+                                          <p:spTgt spid="2052"/>
+                                        </p:tgtEl>
+                                        <p:attrNameLst>
+                                          <p:attrName>ppt_x</p:attrName>
+                                        </p:attrNameLst>
+                                      </p:cBhvr>
+                                      <p:tavLst>
+                                        <p:tav tm="0">
+                                          <p:val>
+                                            <p:strVal val="#ppt_x"/>
+                                          </p:val>
+                                        </p:tav>
+                                        <p:tav tm="100000">
+                                          <p:val>
+                                            <p:strVal val="#ppt_x"/>
+                                          </p:val>
+                                        </p:tav>
+                                      </p:tavLst>
+                                    </p:anim>
+                                    <p:anim calcmode="lin" valueType="num">
+                                      <p:cBhvr additive="base">
+                                        <p:cTn id="28" dur="500" fill="hold"/>
+                                        <p:tgtEl>
+                                          <p:spTgt spid="2052"/>
+                                        </p:tgtEl>
+                                        <p:attrNameLst>
+                                          <p:attrName>ppt_y</p:attrName>
+                                        </p:attrNameLst>
+                                      </p:cBhvr>
+                                      <p:tavLst>
+                                        <p:tav tm="0">
+                                          <p:val>
+                                            <p:strVal val="1+#ppt_h/2"/>
+                                          </p:val>
+                                        </p:tav>
+                                        <p:tav tm="100000">
+                                          <p:val>
+                                            <p:strVal val="#ppt_y"/>
+                                          </p:val>
+                                        </p:tav>
+                                      </p:tavLst>
+                                    </p:anim>
+                                  </p:childTnLst>
+                                </p:cTn>
+                              </p:par>
+                            </p:childTnLst>
+                          </p:cTn>
+                        </p:par>
+                      </p:childTnLst>
+                    </p:cTn>
+                  </p:par>
+                </p:childTnLst>
+              </p:cTn>
+              <p:prevCondLst>
+                <p:cond evt="onPrev" delay="0">
+                  <p:tgtEl>
+                    <p:sldTgt/>
+                  </p:tgtEl>
+                </p:cond>
+              </p:prevCondLst>
+              <p:nextCondLst>
+                <p:cond evt="onNext" delay="0">
+                  <p:tgtEl>
+                    <p:sldTgt/>
+                  </p:tgtEl>
+                </p:cond>
+              </p:nextCondLst>
+            </p:seq>
+          </p:childTnLst>
+        </p:cTn>
       </p:par>
     </p:tnLst>
+    <p:bldLst>
+      <p:bldP spid="6" grpId="0" animBg="1"/>
+      <p:bldP spid="8" grpId="0" animBg="1"/>
+      <p:bldP spid="11" grpId="0" animBg="1"/>
+    </p:bldLst>
   </p:timing>
 </p:sld>
 </file>
@@ -8929,32 +10821,6 @@
           </a:p>
         </p:txBody>
       </p:sp>
-      <p:sp>
-        <p:nvSpPr>
-          <p:cNvPr id="9" name="灯片编号占位符 8"/>
-          <p:cNvSpPr>
-            <a:spLocks noGrp="1"/>
-          </p:cNvSpPr>
-          <p:nvPr>
-            <p:ph type="sldNum" sz="quarter" idx="12"/>
-          </p:nvPr>
-        </p:nvSpPr>
-        <p:spPr/>
-        <p:txBody>
-          <a:bodyPr>
-            <a:normAutofit/>
-          </a:bodyPr>
-          <a:lstStyle/>
-          <a:p>
-            <a:fld id="{41B43038-07B4-481F-A1A3-7BA5DF4C905A}" type="slidenum">
-              <a:rPr lang="zh-CN" altLang="en-US" smtClean="0"/>
-              <a:pPr/>
-              <a:t>9</a:t>
-            </a:fld>
-            <a:endParaRPr lang="zh-CN" altLang="en-US"/>
-          </a:p>
-        </p:txBody>
-      </p:sp>
       <p:pic>
         <p:nvPicPr>
           <p:cNvPr id="1026" name="Picture 2"/>
@@ -8964,7 +10830,7 @@
           <p:nvPr/>
         </p:nvPicPr>
         <p:blipFill>
-          <a:blip r:embed="rId2"/>
+          <a:blip r:embed="rId3"/>
           <a:srcRect/>
           <a:stretch>
             <a:fillRect/>
@@ -8972,7 +10838,7 @@
         </p:blipFill>
         <p:spPr bwMode="auto">
           <a:xfrm>
-            <a:off x="812029" y="5272235"/>
+            <a:off x="812029" y="5072074"/>
             <a:ext cx="1259641" cy="1143008"/>
           </a:xfrm>
           <a:prstGeom prst="rect">
@@ -8997,7 +10863,7 @@
           <p:nvPr/>
         </p:nvPicPr>
         <p:blipFill>
-          <a:blip r:embed="rId3"/>
+          <a:blip r:embed="rId4"/>
           <a:srcRect/>
           <a:stretch>
             <a:fillRect/>
@@ -9005,7 +10871,7 @@
         </p:blipFill>
         <p:spPr bwMode="auto">
           <a:xfrm>
-            <a:off x="3786182" y="5272234"/>
+            <a:off x="3786182" y="5072073"/>
             <a:ext cx="1214446" cy="1226237"/>
           </a:xfrm>
           <a:prstGeom prst="rect">
@@ -9030,7 +10896,7 @@
           <p:nvPr/>
         </p:nvPicPr>
         <p:blipFill>
-          <a:blip r:embed="rId4"/>
+          <a:blip r:embed="rId5"/>
           <a:srcRect/>
           <a:stretch>
             <a:fillRect/>
@@ -9038,7 +10904,7 @@
         </p:blipFill>
         <p:spPr bwMode="auto">
           <a:xfrm>
-            <a:off x="6858016" y="5343673"/>
+            <a:off x="6858016" y="5143512"/>
             <a:ext cx="1214446" cy="1157161"/>
           </a:xfrm>
           <a:prstGeom prst="rect">
@@ -9062,7 +10928,7 @@
         </p:nvSpPr>
         <p:spPr>
           <a:xfrm>
-            <a:off x="2928926" y="2200401"/>
+            <a:off x="2928926" y="2000240"/>
             <a:ext cx="4786346" cy="2643206"/>
           </a:xfrm>
           <a:prstGeom prst="cloudCallout">
@@ -9070,19 +10936,17 @@
           </a:prstGeom>
         </p:spPr>
         <p:style>
-          <a:lnRef idx="2">
-            <a:schemeClr val="accent1">
-              <a:shade val="50000"/>
-            </a:schemeClr>
+          <a:lnRef idx="1">
+            <a:schemeClr val="accent6"/>
           </a:lnRef>
-          <a:fillRef idx="1">
-            <a:schemeClr val="accent1"/>
+          <a:fillRef idx="2">
+            <a:schemeClr val="accent6"/>
           </a:fillRef>
-          <a:effectRef idx="0">
-            <a:schemeClr val="accent1"/>
+          <a:effectRef idx="1">
+            <a:schemeClr val="accent6"/>
           </a:effectRef>
           <a:fontRef idx="minor">
-            <a:schemeClr val="lt1"/>
+            <a:schemeClr val="dk1"/>
           </a:fontRef>
         </p:style>
         <p:txBody>
@@ -9137,7 +11001,7 @@
         </p:nvSpPr>
         <p:spPr>
           <a:xfrm>
-            <a:off x="2285984" y="5772301"/>
+            <a:off x="2285984" y="5572140"/>
             <a:ext cx="1071570" cy="285752"/>
           </a:xfrm>
           <a:prstGeom prst="chevron">
@@ -9145,19 +11009,17 @@
           </a:prstGeom>
         </p:spPr>
         <p:style>
-          <a:lnRef idx="2">
-            <a:schemeClr val="accent1">
-              <a:shade val="50000"/>
-            </a:schemeClr>
+          <a:lnRef idx="1">
+            <a:schemeClr val="accent6"/>
           </a:lnRef>
-          <a:fillRef idx="1">
-            <a:schemeClr val="accent1"/>
+          <a:fillRef idx="2">
+            <a:schemeClr val="accent6"/>
           </a:fillRef>
-          <a:effectRef idx="0">
-            <a:schemeClr val="accent1"/>
+          <a:effectRef idx="1">
+            <a:schemeClr val="accent6"/>
           </a:effectRef>
           <a:fontRef idx="minor">
-            <a:schemeClr val="lt1"/>
+            <a:schemeClr val="dk1"/>
           </a:fontRef>
         </p:style>
         <p:txBody>
@@ -9181,7 +11043,7 @@
         </p:nvSpPr>
         <p:spPr>
           <a:xfrm>
-            <a:off x="5357818" y="5772301"/>
+            <a:off x="5357818" y="5572140"/>
             <a:ext cx="1071570" cy="285752"/>
           </a:xfrm>
           <a:prstGeom prst="chevron">
@@ -9189,19 +11051,17 @@
           </a:prstGeom>
         </p:spPr>
         <p:style>
-          <a:lnRef idx="2">
-            <a:schemeClr val="accent1">
-              <a:shade val="50000"/>
-            </a:schemeClr>
+          <a:lnRef idx="1">
+            <a:schemeClr val="accent6"/>
           </a:lnRef>
-          <a:fillRef idx="1">
-            <a:schemeClr val="accent1"/>
+          <a:fillRef idx="2">
+            <a:schemeClr val="accent6"/>
           </a:fillRef>
-          <a:effectRef idx="0">
-            <a:schemeClr val="accent1"/>
+          <a:effectRef idx="1">
+            <a:schemeClr val="accent6"/>
           </a:effectRef>
           <a:fontRef idx="minor">
-            <a:schemeClr val="lt1"/>
+            <a:schemeClr val="dk1"/>
           </a:fontRef>
         </p:style>
         <p:txBody>
@@ -9225,9 +11085,248 @@
   <p:timing>
     <p:tnLst>
       <p:par>
-        <p:cTn id="1" dur="indefinite" restart="never" nodeType="tmRoot"/>
+        <p:cTn id="1" dur="indefinite" restart="never" nodeType="tmRoot">
+          <p:childTnLst>
+            <p:seq concurrent="1" nextAc="seek">
+              <p:cTn id="2" dur="indefinite" nodeType="mainSeq">
+                <p:childTnLst>
+                  <p:par>
+                    <p:cTn id="3" fill="hold">
+                      <p:stCondLst>
+                        <p:cond delay="indefinite"/>
+                      </p:stCondLst>
+                      <p:childTnLst>
+                        <p:par>
+                          <p:cTn id="4" fill="hold">
+                            <p:stCondLst>
+                              <p:cond delay="0"/>
+                            </p:stCondLst>
+                            <p:childTnLst>
+                              <p:par>
+                                <p:cTn id="5" presetID="3" presetClass="entr" presetSubtype="10" fill="hold" grpId="0" nodeType="clickEffect">
+                                  <p:stCondLst>
+                                    <p:cond delay="0"/>
+                                  </p:stCondLst>
+                                  <p:childTnLst>
+                                    <p:set>
+                                      <p:cBhvr>
+                                        <p:cTn id="6" dur="1" fill="hold">
+                                          <p:stCondLst>
+                                            <p:cond delay="0"/>
+                                          </p:stCondLst>
+                                        </p:cTn>
+                                        <p:tgtEl>
+                                          <p:spTgt spid="11"/>
+                                        </p:tgtEl>
+                                        <p:attrNameLst>
+                                          <p:attrName>style.visibility</p:attrName>
+                                        </p:attrNameLst>
+                                      </p:cBhvr>
+                                      <p:to>
+                                        <p:strVal val="visible"/>
+                                      </p:to>
+                                    </p:set>
+                                    <p:animEffect transition="in" filter="blinds(horizontal)">
+                                      <p:cBhvr>
+                                        <p:cTn id="7" dur="500"/>
+                                        <p:tgtEl>
+                                          <p:spTgt spid="11"/>
+                                        </p:tgtEl>
+                                      </p:cBhvr>
+                                    </p:animEffect>
+                                  </p:childTnLst>
+                                </p:cTn>
+                              </p:par>
+                              <p:par>
+                                <p:cTn id="8" presetID="3" presetClass="entr" presetSubtype="10" fill="hold" nodeType="withEffect">
+                                  <p:stCondLst>
+                                    <p:cond delay="0"/>
+                                  </p:stCondLst>
+                                  <p:childTnLst>
+                                    <p:set>
+                                      <p:cBhvr>
+                                        <p:cTn id="9" dur="1" fill="hold">
+                                          <p:stCondLst>
+                                            <p:cond delay="0"/>
+                                          </p:stCondLst>
+                                        </p:cTn>
+                                        <p:tgtEl>
+                                          <p:spTgt spid="1027"/>
+                                        </p:tgtEl>
+                                        <p:attrNameLst>
+                                          <p:attrName>style.visibility</p:attrName>
+                                        </p:attrNameLst>
+                                      </p:cBhvr>
+                                      <p:to>
+                                        <p:strVal val="visible"/>
+                                      </p:to>
+                                    </p:set>
+                                    <p:animEffect transition="in" filter="blinds(horizontal)">
+                                      <p:cBhvr>
+                                        <p:cTn id="10" dur="500"/>
+                                        <p:tgtEl>
+                                          <p:spTgt spid="1027"/>
+                                        </p:tgtEl>
+                                      </p:cBhvr>
+                                    </p:animEffect>
+                                  </p:childTnLst>
+                                </p:cTn>
+                              </p:par>
+                              <p:par>
+                                <p:cTn id="11" presetID="3" presetClass="entr" presetSubtype="10" fill="hold" grpId="0" nodeType="withEffect">
+                                  <p:stCondLst>
+                                    <p:cond delay="0"/>
+                                  </p:stCondLst>
+                                  <p:childTnLst>
+                                    <p:set>
+                                      <p:cBhvr>
+                                        <p:cTn id="12" dur="1" fill="hold">
+                                          <p:stCondLst>
+                                            <p:cond delay="0"/>
+                                          </p:stCondLst>
+                                        </p:cTn>
+                                        <p:tgtEl>
+                                          <p:spTgt spid="10"/>
+                                        </p:tgtEl>
+                                        <p:attrNameLst>
+                                          <p:attrName>style.visibility</p:attrName>
+                                        </p:attrNameLst>
+                                      </p:cBhvr>
+                                      <p:to>
+                                        <p:strVal val="visible"/>
+                                      </p:to>
+                                    </p:set>
+                                    <p:animEffect transition="in" filter="blinds(horizontal)">
+                                      <p:cBhvr>
+                                        <p:cTn id="13" dur="500"/>
+                                        <p:tgtEl>
+                                          <p:spTgt spid="10"/>
+                                        </p:tgtEl>
+                                      </p:cBhvr>
+                                    </p:animEffect>
+                                  </p:childTnLst>
+                                </p:cTn>
+                              </p:par>
+                            </p:childTnLst>
+                          </p:cTn>
+                        </p:par>
+                      </p:childTnLst>
+                    </p:cTn>
+                  </p:par>
+                  <p:par>
+                    <p:cTn id="14" fill="hold">
+                      <p:stCondLst>
+                        <p:cond delay="indefinite"/>
+                      </p:stCondLst>
+                      <p:childTnLst>
+                        <p:par>
+                          <p:cTn id="15" fill="hold">
+                            <p:stCondLst>
+                              <p:cond delay="0"/>
+                            </p:stCondLst>
+                            <p:childTnLst>
+                              <p:par>
+                                <p:cTn id="16" presetID="3" presetClass="entr" presetSubtype="10" fill="hold" grpId="0" nodeType="clickEffect">
+                                  <p:stCondLst>
+                                    <p:cond delay="0"/>
+                                  </p:stCondLst>
+                                  <p:childTnLst>
+                                    <p:set>
+                                      <p:cBhvr>
+                                        <p:cTn id="17" dur="1" fill="hold">
+                                          <p:stCondLst>
+                                            <p:cond delay="0"/>
+                                          </p:stCondLst>
+                                        </p:cTn>
+                                        <p:tgtEl>
+                                          <p:spTgt spid="12"/>
+                                        </p:tgtEl>
+                                        <p:attrNameLst>
+                                          <p:attrName>style.visibility</p:attrName>
+                                        </p:attrNameLst>
+                                      </p:cBhvr>
+                                      <p:to>
+                                        <p:strVal val="visible"/>
+                                      </p:to>
+                                    </p:set>
+                                    <p:animEffect transition="in" filter="blinds(horizontal)">
+                                      <p:cBhvr>
+                                        <p:cTn id="18" dur="500"/>
+                                        <p:tgtEl>
+                                          <p:spTgt spid="12"/>
+                                        </p:tgtEl>
+                                      </p:cBhvr>
+                                    </p:animEffect>
+                                  </p:childTnLst>
+                                </p:cTn>
+                              </p:par>
+                              <p:par>
+                                <p:cTn id="19" presetID="3" presetClass="entr" presetSubtype="10" fill="hold" nodeType="withEffect">
+                                  <p:stCondLst>
+                                    <p:cond delay="0"/>
+                                  </p:stCondLst>
+                                  <p:childTnLst>
+                                    <p:set>
+                                      <p:cBhvr>
+                                        <p:cTn id="20" dur="1" fill="hold">
+                                          <p:stCondLst>
+                                            <p:cond delay="0"/>
+                                          </p:stCondLst>
+                                        </p:cTn>
+                                        <p:tgtEl>
+                                          <p:spTgt spid="1028"/>
+                                        </p:tgtEl>
+                                        <p:attrNameLst>
+                                          <p:attrName>style.visibility</p:attrName>
+                                        </p:attrNameLst>
+                                      </p:cBhvr>
+                                      <p:to>
+                                        <p:strVal val="visible"/>
+                                      </p:to>
+                                    </p:set>
+                                    <p:animEffect transition="in" filter="blinds(horizontal)">
+                                      <p:cBhvr>
+                                        <p:cTn id="21" dur="500"/>
+                                        <p:tgtEl>
+                                          <p:spTgt spid="1028"/>
+                                        </p:tgtEl>
+                                      </p:cBhvr>
+                                    </p:animEffect>
+                                  </p:childTnLst>
+                                </p:cTn>
+                              </p:par>
+                            </p:childTnLst>
+                          </p:cTn>
+                        </p:par>
+                      </p:childTnLst>
+                    </p:cTn>
+                  </p:par>
+                </p:childTnLst>
+              </p:cTn>
+              <p:prevCondLst>
+                <p:cond evt="onPrev" delay="0">
+                  <p:tgtEl>
+                    <p:sldTgt/>
+                  </p:tgtEl>
+                </p:cond>
+              </p:prevCondLst>
+              <p:nextCondLst>
+                <p:cond evt="onNext" delay="0">
+                  <p:tgtEl>
+                    <p:sldTgt/>
+                  </p:tgtEl>
+                </p:cond>
+              </p:nextCondLst>
+            </p:seq>
+          </p:childTnLst>
+        </p:cTn>
       </p:par>
     </p:tnLst>
+    <p:bldLst>
+      <p:bldP spid="10" grpId="0" animBg="1"/>
+      <p:bldP spid="11" grpId="0" animBg="1"/>
+      <p:bldP spid="12" grpId="0" animBg="1"/>
+    </p:bldLst>
   </p:timing>
 </p:sld>
 </file>

--- a/Distributed Computing, Peer-to-Peer and GRIDS/final presentation/ppt/Peer-to-Peer Multimedia Streaming Using BitTorrent.pptx
+++ b/Distributed Computing, Peer-to-Peer and GRIDS/final presentation/ppt/Peer-to-Peer Multimedia Streaming Using BitTorrent.pptx
@@ -490,6 +490,88 @@
 </file>
 
 <file path=ppt/notesSlides/notesSlide1.xml><?xml version="1.0" encoding="utf-8"?>
+<p:notes xmlns:a="http://schemas.openxmlformats.org/drawingml/2006/main" xmlns:r="http://schemas.openxmlformats.org/officeDocument/2006/relationships" xmlns:p="http://schemas.openxmlformats.org/presentationml/2006/main">
+  <p:cSld>
+    <p:spTree>
+      <p:nvGrpSpPr>
+        <p:cNvPr id="1" name=""/>
+        <p:cNvGrpSpPr/>
+        <p:nvPr/>
+      </p:nvGrpSpPr>
+      <p:grpSpPr>
+        <a:xfrm>
+          <a:off x="0" y="0"/>
+          <a:ext cx="0" cy="0"/>
+          <a:chOff x="0" y="0"/>
+          <a:chExt cx="0" cy="0"/>
+        </a:xfrm>
+      </p:grpSpPr>
+      <p:sp>
+        <p:nvSpPr>
+          <p:cNvPr id="2" name="幻灯片图像占位符 1"/>
+          <p:cNvSpPr>
+            <a:spLocks noGrp="1" noRot="1" noChangeAspect="1"/>
+          </p:cNvSpPr>
+          <p:nvPr>
+            <p:ph type="sldImg"/>
+          </p:nvPr>
+        </p:nvSpPr>
+        <p:spPr/>
+      </p:sp>
+      <p:sp>
+        <p:nvSpPr>
+          <p:cNvPr id="3" name="备注占位符 2"/>
+          <p:cNvSpPr>
+            <a:spLocks noGrp="1"/>
+          </p:cNvSpPr>
+          <p:nvPr>
+            <p:ph type="body" idx="1"/>
+          </p:nvPr>
+        </p:nvSpPr>
+        <p:spPr/>
+        <p:txBody>
+          <a:bodyPr>
+            <a:normAutofit/>
+          </a:bodyPr>
+          <a:lstStyle/>
+          <a:p>
+            <a:endParaRPr lang="en-US" dirty="0"/>
+          </a:p>
+        </p:txBody>
+      </p:sp>
+      <p:sp>
+        <p:nvSpPr>
+          <p:cNvPr id="4" name="灯片编号占位符 3"/>
+          <p:cNvSpPr>
+            <a:spLocks noGrp="1"/>
+          </p:cNvSpPr>
+          <p:nvPr>
+            <p:ph type="sldNum" sz="quarter" idx="10"/>
+          </p:nvPr>
+        </p:nvSpPr>
+        <p:spPr/>
+        <p:txBody>
+          <a:bodyPr/>
+          <a:lstStyle/>
+          <a:p>
+            <a:fld id="{DBEC82B8-0DD3-4A02-A123-D7222EB84BBF}" type="slidenum">
+              <a:rPr lang="en-US" smtClean="0"/>
+              <a:pPr/>
+              <a:t>1</a:t>
+            </a:fld>
+            <a:endParaRPr lang="en-US"/>
+          </a:p>
+        </p:txBody>
+      </p:sp>
+    </p:spTree>
+  </p:cSld>
+  <p:clrMapOvr>
+    <a:masterClrMapping/>
+  </p:clrMapOvr>
+</p:notes>
+</file>
+
+<file path=ppt/notesSlides/notesSlide2.xml><?xml version="1.0" encoding="utf-8"?>
 <p:notes xmlns:a="http://schemas.openxmlformats.org/drawingml/2006/main" xmlns:r="http://schemas.openxmlformats.org/officeDocument/2006/relationships" xmlns:p="http://schemas.openxmlformats.org/presentationml/2006/main">
   <p:cSld>
     <p:spTree>
@@ -4590,7 +4672,7 @@
 </file>
 
 <file path=ppt/slides/slide1.xml><?xml version="1.0" encoding="utf-8"?>
-<p:sld xmlns:a="http://schemas.openxmlformats.org/drawingml/2006/main" xmlns:r="http://schemas.openxmlformats.org/officeDocument/2006/relationships" xmlns:p="http://schemas.openxmlformats.org/presentationml/2006/main">
+<p:sld xmlns:a="http://schemas.openxmlformats.org/drawingml/2006/main" xmlns:r="http://schemas.openxmlformats.org/officeDocument/2006/relationships" xmlns:p="http://schemas.openxmlformats.org/presentationml/2006/main" showMasterSp="0">
   <p:cSld>
     <p:spTree>
       <p:nvGrpSpPr>
@@ -4608,7 +4690,7 @@
       </p:grpSpPr>
       <p:sp>
         <p:nvSpPr>
-          <p:cNvPr id="2" name="Title 1"/>
+          <p:cNvPr id="4" name="标题 3"/>
           <p:cNvSpPr>
             <a:spLocks noGrp="1"/>
           </p:cNvSpPr>
@@ -4618,26 +4700,16 @@
         </p:nvSpPr>
         <p:spPr/>
         <p:txBody>
-          <a:bodyPr>
-            <a:normAutofit/>
-          </a:bodyPr>
-          <a:lstStyle/>
-          <a:p>
-            <a:r>
-              <a:rPr lang="en-US" altLang="zh-CN" dirty="0" smtClean="0"/>
-              <a:t>Peer-to-Peer Multimedia Streaming Using </a:t>
-            </a:r>
-            <a:r>
-              <a:rPr lang="en-US" altLang="zh-CN" dirty="0" err="1" smtClean="0"/>
-              <a:t>BitTorrent</a:t>
-            </a:r>
-            <a:endParaRPr lang="zh-CN" altLang="en-US" dirty="0"/>
-          </a:p>
-        </p:txBody>
-      </p:sp>
-      <p:sp>
-        <p:nvSpPr>
-          <p:cNvPr id="3" name="Subtitle 2"/>
+          <a:bodyPr/>
+          <a:lstStyle/>
+          <a:p>
+            <a:endParaRPr lang="en-US" dirty="0"/>
+          </a:p>
+        </p:txBody>
+      </p:sp>
+      <p:sp>
+        <p:nvSpPr>
+          <p:cNvPr id="8" name="副标题 7"/>
           <p:cNvSpPr>
             <a:spLocks noGrp="1"/>
           </p:cNvSpPr>
@@ -4647,39 +4719,46 @@
         </p:nvSpPr>
         <p:spPr/>
         <p:txBody>
-          <a:bodyPr>
-            <a:normAutofit/>
-          </a:bodyPr>
-          <a:lstStyle/>
-          <a:p>
-            <a:r>
-              <a:rPr lang="en-US" altLang="zh-CN" dirty="0" err="1" smtClean="0"/>
-              <a:t>Shanbo</a:t>
-            </a:r>
-            <a:r>
-              <a:rPr lang="en-US" altLang="zh-CN" dirty="0" smtClean="0"/>
-              <a:t> Li</a:t>
-            </a:r>
-          </a:p>
-          <a:p>
-            <a:r>
-              <a:rPr lang="en-US" altLang="zh-CN" dirty="0" err="1" smtClean="0"/>
-              <a:t>Sike</a:t>
-            </a:r>
-            <a:r>
-              <a:rPr lang="en-US" altLang="zh-CN" dirty="0" smtClean="0"/>
-              <a:t> Huang</a:t>
-            </a:r>
-          </a:p>
-          <a:p>
-            <a:r>
-              <a:rPr lang="en-US" altLang="zh-CN" dirty="0" smtClean="0"/>
-              <a:t>SEDS 07, KTH</a:t>
-            </a:r>
-            <a:endParaRPr lang="zh-CN" altLang="en-US" dirty="0"/>
-          </a:p>
-        </p:txBody>
-      </p:sp>
+          <a:bodyPr/>
+          <a:lstStyle/>
+          <a:p>
+            <a:endParaRPr lang="en-US"/>
+          </a:p>
+        </p:txBody>
+      </p:sp>
+      <p:pic>
+        <p:nvPicPr>
+          <p:cNvPr id="11265" name="Picture 1"/>
+          <p:cNvPicPr>
+            <a:picLocks noChangeAspect="1" noChangeArrowheads="1"/>
+          </p:cNvPicPr>
+          <p:nvPr/>
+        </p:nvPicPr>
+        <p:blipFill>
+          <a:blip r:embed="rId3"/>
+          <a:srcRect/>
+          <a:stretch>
+            <a:fillRect/>
+          </a:stretch>
+        </p:blipFill>
+        <p:spPr bwMode="auto">
+          <a:xfrm>
+            <a:off x="-142907" y="0"/>
+            <a:ext cx="9501254" cy="6710729"/>
+          </a:xfrm>
+          <a:prstGeom prst="rect">
+            <a:avLst/>
+          </a:prstGeom>
+          <a:noFill/>
+          <a:ln w="9525">
+            <a:noFill/>
+            <a:miter lim="800000"/>
+            <a:headEnd/>
+            <a:tailEnd/>
+          </a:ln>
+          <a:effectLst/>
+        </p:spPr>
+      </p:pic>
     </p:spTree>
   </p:cSld>
   <p:clrMapOvr>
@@ -6403,6 +6482,37 @@
           </a:p>
         </p:txBody>
       </p:sp>
+      <p:pic>
+        <p:nvPicPr>
+          <p:cNvPr id="34818" name="Picture 2"/>
+          <p:cNvPicPr>
+            <a:picLocks noChangeAspect="1" noChangeArrowheads="1"/>
+          </p:cNvPicPr>
+          <p:nvPr/>
+        </p:nvPicPr>
+        <p:blipFill>
+          <a:blip r:embed="rId2"/>
+          <a:srcRect/>
+          <a:stretch>
+            <a:fillRect/>
+          </a:stretch>
+        </p:blipFill>
+        <p:spPr bwMode="auto">
+          <a:xfrm>
+            <a:off x="5103335" y="4572008"/>
+            <a:ext cx="3826351" cy="2148254"/>
+          </a:xfrm>
+          <a:prstGeom prst="ellipse">
+            <a:avLst/>
+          </a:prstGeom>
+          <a:ln>
+            <a:noFill/>
+          </a:ln>
+          <a:effectLst>
+            <a:softEdge rad="112500"/>
+          </a:effectLst>
+        </p:spPr>
+      </p:pic>
     </p:spTree>
   </p:cSld>
   <p:clrMapOvr>
@@ -7167,7 +7277,12 @@
             <p:ph type="title"/>
           </p:nvPr>
         </p:nvSpPr>
-        <p:spPr/>
+        <p:spPr>
+          <a:xfrm>
+            <a:off x="428596" y="857232"/>
+            <a:ext cx="8229600" cy="1066800"/>
+          </a:xfrm>
+        </p:spPr>
         <p:txBody>
           <a:bodyPr/>
           <a:lstStyle/>
@@ -7190,28 +7305,34 @@
             <p:ph idx="1"/>
           </p:nvPr>
         </p:nvSpPr>
-        <p:spPr/>
-        <p:txBody>
-          <a:bodyPr/>
-          <a:lstStyle/>
-          <a:p>
-            <a:r>
-              <a:rPr lang="en-US" dirty="0" smtClean="0"/>
-              <a:t>BT-randomized-tit-for-tat</a:t>
-            </a:r>
+        <p:spPr>
+          <a:xfrm>
+            <a:off x="500034" y="2000240"/>
+            <a:ext cx="8229600" cy="857256"/>
+          </a:xfrm>
+        </p:spPr>
+        <p:txBody>
+          <a:bodyPr>
+            <a:normAutofit fontScale="92500"/>
+          </a:bodyPr>
+          <a:lstStyle/>
+          <a:p>
+            <a:pPr>
+              <a:lnSpc>
+                <a:spcPct val="150000"/>
+              </a:lnSpc>
+            </a:pPr>
+            <a:r>
+              <a:rPr lang="en-US" sz="3600" dirty="0" smtClean="0"/>
+              <a:t>BT-tit-for-tat</a:t>
+            </a:r>
+            <a:endParaRPr lang="en-US" sz="3600" dirty="0" smtClean="0"/>
           </a:p>
           <a:p>
             <a:pPr>
               <a:buNone/>
             </a:pPr>
-            <a:endParaRPr lang="en-US" dirty="0" smtClean="0"/>
-          </a:p>
-          <a:p>
-            <a:r>
-              <a:rPr lang="en-US" dirty="0" smtClean="0"/>
-              <a:t>BT-tit-for-tat</a:t>
-            </a:r>
-            <a:endParaRPr lang="en-US" dirty="0"/>
+            <a:endParaRPr lang="en-US" sz="3600" dirty="0" smtClean="0"/>
           </a:p>
         </p:txBody>
       </p:sp>
@@ -7258,8 +7379,8 @@
         </p:blipFill>
         <p:spPr bwMode="auto">
           <a:xfrm>
-            <a:off x="4929190" y="3714752"/>
-            <a:ext cx="4000496" cy="3000372"/>
+            <a:off x="5310193" y="4000504"/>
+            <a:ext cx="3619493" cy="2714620"/>
           </a:xfrm>
           <a:prstGeom prst="roundRect">
             <a:avLst>
@@ -7279,6 +7400,133 @@
           </a:effectLst>
         </p:spPr>
       </p:pic>
+      <p:sp>
+        <p:nvSpPr>
+          <p:cNvPr id="8" name="内容占位符 6"/>
+          <p:cNvSpPr txBox="1">
+            <a:spLocks/>
+          </p:cNvSpPr>
+          <p:nvPr/>
+        </p:nvSpPr>
+        <p:spPr>
+          <a:xfrm>
+            <a:off x="500034" y="2928934"/>
+            <a:ext cx="8229600" cy="2857520"/>
+          </a:xfrm>
+          <a:prstGeom prst="rect">
+            <a:avLst/>
+          </a:prstGeom>
+        </p:spPr>
+        <p:txBody>
+          <a:bodyPr vert="horz">
+            <a:normAutofit/>
+          </a:bodyPr>
+          <a:lstStyle/>
+          <a:p>
+            <a:pPr marL="365760" marR="0" lvl="0" indent="-256032" algn="l" defTabSz="914400" rtl="0" eaLnBrk="1" fontAlgn="auto" latinLnBrk="0" hangingPunct="1">
+              <a:lnSpc>
+                <a:spcPct val="150000"/>
+              </a:lnSpc>
+              <a:spcBef>
+                <a:spcPts val="300"/>
+              </a:spcBef>
+              <a:spcAft>
+                <a:spcPts val="0"/>
+              </a:spcAft>
+              <a:buClr>
+                <a:schemeClr val="accent3"/>
+              </a:buClr>
+              <a:buSzTx/>
+              <a:buFont typeface="Georgia"/>
+              <a:buChar char="•"/>
+              <a:tabLst/>
+              <a:defRPr/>
+            </a:pPr>
+            <a:r>
+              <a:rPr kumimoji="0" lang="en-US" sz="3600" b="0" i="0" u="none" strike="noStrike" kern="1200" cap="none" spc="0" normalizeH="0" baseline="0" noProof="0" dirty="0" smtClean="0">
+                <a:ln>
+                  <a:noFill/>
+                </a:ln>
+                <a:solidFill>
+                  <a:schemeClr val="tx1"/>
+                </a:solidFill>
+                <a:effectLst/>
+                <a:uLnTx/>
+                <a:uFillTx/>
+                <a:latin typeface="+mn-lt"/>
+                <a:ea typeface="+mn-ea"/>
+                <a:cs typeface="+mn-cs"/>
+              </a:rPr>
+              <a:t>BT-randomized-tit-for-tat</a:t>
+            </a:r>
+          </a:p>
+          <a:p>
+            <a:pPr marL="365760" marR="0" lvl="0" indent="-256032" algn="l" defTabSz="914400" rtl="0" eaLnBrk="1" fontAlgn="auto" latinLnBrk="0" hangingPunct="1">
+              <a:lnSpc>
+                <a:spcPct val="100000"/>
+              </a:lnSpc>
+              <a:spcBef>
+                <a:spcPts val="300"/>
+              </a:spcBef>
+              <a:spcAft>
+                <a:spcPts val="0"/>
+              </a:spcAft>
+              <a:buClr>
+                <a:schemeClr val="accent3"/>
+              </a:buClr>
+              <a:buSzTx/>
+              <a:buFont typeface="Georgia"/>
+              <a:buNone/>
+              <a:tabLst/>
+              <a:defRPr/>
+            </a:pPr>
+            <a:endParaRPr kumimoji="0" lang="en-US" sz="3600" b="0" i="0" u="none" strike="noStrike" kern="1200" cap="none" spc="0" normalizeH="0" baseline="0" noProof="0" dirty="0" smtClean="0">
+              <a:ln>
+                <a:noFill/>
+              </a:ln>
+              <a:solidFill>
+                <a:schemeClr val="tx1"/>
+              </a:solidFill>
+              <a:effectLst/>
+              <a:uLnTx/>
+              <a:uFillTx/>
+              <a:latin typeface="+mn-lt"/>
+              <a:ea typeface="+mn-ea"/>
+              <a:cs typeface="+mn-cs"/>
+            </a:endParaRPr>
+          </a:p>
+        </p:txBody>
+      </p:sp>
+      <p:cxnSp>
+        <p:nvCxnSpPr>
+          <p:cNvPr id="10" name="直接连接符 9"/>
+          <p:cNvCxnSpPr/>
+          <p:nvPr/>
+        </p:nvCxnSpPr>
+        <p:spPr>
+          <a:xfrm rot="10800000">
+            <a:off x="642910" y="2500306"/>
+            <a:ext cx="3000396" cy="1588"/>
+          </a:xfrm>
+          <a:prstGeom prst="line">
+            <a:avLst/>
+          </a:prstGeom>
+        </p:spPr>
+        <p:style>
+          <a:lnRef idx="2">
+            <a:schemeClr val="dk1"/>
+          </a:lnRef>
+          <a:fillRef idx="0">
+            <a:schemeClr val="dk1"/>
+          </a:fillRef>
+          <a:effectRef idx="1">
+            <a:schemeClr val="dk1"/>
+          </a:effectRef>
+          <a:fontRef idx="minor">
+            <a:schemeClr val="tx1"/>
+          </a:fontRef>
+        </p:style>
+      </p:cxnSp>
     </p:spTree>
   </p:cSld>
   <p:clrMapOvr>
@@ -7287,9 +7535,198 @@
   <p:timing>
     <p:tnLst>
       <p:par>
-        <p:cTn id="1" dur="indefinite" restart="never" nodeType="tmRoot"/>
+        <p:cTn id="1" dur="indefinite" restart="never" nodeType="tmRoot">
+          <p:childTnLst>
+            <p:seq concurrent="1" nextAc="seek">
+              <p:cTn id="2" dur="indefinite" nodeType="mainSeq">
+                <p:childTnLst>
+                  <p:par>
+                    <p:cTn id="3" fill="hold">
+                      <p:stCondLst>
+                        <p:cond delay="indefinite"/>
+                      </p:stCondLst>
+                      <p:childTnLst>
+                        <p:par>
+                          <p:cTn id="4" fill="hold">
+                            <p:stCondLst>
+                              <p:cond delay="0"/>
+                            </p:stCondLst>
+                            <p:childTnLst>
+                              <p:par>
+                                <p:cTn id="5" presetID="2" presetClass="entr" presetSubtype="8" fill="hold" nodeType="clickEffect">
+                                  <p:stCondLst>
+                                    <p:cond delay="0"/>
+                                  </p:stCondLst>
+                                  <p:childTnLst>
+                                    <p:set>
+                                      <p:cBhvr>
+                                        <p:cTn id="6" dur="1" fill="hold">
+                                          <p:stCondLst>
+                                            <p:cond delay="0"/>
+                                          </p:stCondLst>
+                                        </p:cTn>
+                                        <p:tgtEl>
+                                          <p:spTgt spid="10"/>
+                                        </p:tgtEl>
+                                        <p:attrNameLst>
+                                          <p:attrName>style.visibility</p:attrName>
+                                        </p:attrNameLst>
+                                      </p:cBhvr>
+                                      <p:to>
+                                        <p:strVal val="visible"/>
+                                      </p:to>
+                                    </p:set>
+                                    <p:anim calcmode="lin" valueType="num">
+                                      <p:cBhvr additive="base">
+                                        <p:cTn id="7" dur="500" fill="hold"/>
+                                        <p:tgtEl>
+                                          <p:spTgt spid="10"/>
+                                        </p:tgtEl>
+                                        <p:attrNameLst>
+                                          <p:attrName>ppt_x</p:attrName>
+                                        </p:attrNameLst>
+                                      </p:cBhvr>
+                                      <p:tavLst>
+                                        <p:tav tm="0">
+                                          <p:val>
+                                            <p:strVal val="0-#ppt_w/2"/>
+                                          </p:val>
+                                        </p:tav>
+                                        <p:tav tm="100000">
+                                          <p:val>
+                                            <p:strVal val="#ppt_x"/>
+                                          </p:val>
+                                        </p:tav>
+                                      </p:tavLst>
+                                    </p:anim>
+                                    <p:anim calcmode="lin" valueType="num">
+                                      <p:cBhvr additive="base">
+                                        <p:cTn id="8" dur="500" fill="hold"/>
+                                        <p:tgtEl>
+                                          <p:spTgt spid="10"/>
+                                        </p:tgtEl>
+                                        <p:attrNameLst>
+                                          <p:attrName>ppt_y</p:attrName>
+                                        </p:attrNameLst>
+                                      </p:cBhvr>
+                                      <p:tavLst>
+                                        <p:tav tm="0">
+                                          <p:val>
+                                            <p:strVal val="#ppt_y"/>
+                                          </p:val>
+                                        </p:tav>
+                                        <p:tav tm="100000">
+                                          <p:val>
+                                            <p:strVal val="#ppt_y"/>
+                                          </p:val>
+                                        </p:tav>
+                                      </p:tavLst>
+                                    </p:anim>
+                                  </p:childTnLst>
+                                </p:cTn>
+                              </p:par>
+                            </p:childTnLst>
+                          </p:cTn>
+                        </p:par>
+                      </p:childTnLst>
+                    </p:cTn>
+                  </p:par>
+                  <p:par>
+                    <p:cTn id="9" fill="hold">
+                      <p:stCondLst>
+                        <p:cond delay="indefinite"/>
+                      </p:stCondLst>
+                      <p:childTnLst>
+                        <p:par>
+                          <p:cTn id="10" fill="hold">
+                            <p:stCondLst>
+                              <p:cond delay="0"/>
+                            </p:stCondLst>
+                            <p:childTnLst>
+                              <p:par>
+                                <p:cTn id="11" presetID="1" presetClass="entr" presetSubtype="0" fill="hold" grpId="0" nodeType="clickEffect">
+                                  <p:stCondLst>
+                                    <p:cond delay="0"/>
+                                  </p:stCondLst>
+                                  <p:childTnLst>
+                                    <p:set>
+                                      <p:cBhvr>
+                                        <p:cTn id="12" dur="1" fill="hold">
+                                          <p:stCondLst>
+                                            <p:cond delay="0"/>
+                                          </p:stCondLst>
+                                        </p:cTn>
+                                        <p:tgtEl>
+                                          <p:spTgt spid="8"/>
+                                        </p:tgtEl>
+                                        <p:attrNameLst>
+                                          <p:attrName>style.visibility</p:attrName>
+                                        </p:attrNameLst>
+                                      </p:cBhvr>
+                                      <p:to>
+                                        <p:strVal val="visible"/>
+                                      </p:to>
+                                    </p:set>
+                                  </p:childTnLst>
+                                </p:cTn>
+                              </p:par>
+                              <p:par>
+                                <p:cTn id="13" presetID="1" presetClass="entr" presetSubtype="0" fill="hold" nodeType="withEffect">
+                                  <p:stCondLst>
+                                    <p:cond delay="0"/>
+                                  </p:stCondLst>
+                                  <p:childTnLst>
+                                    <p:set>
+                                      <p:cBhvr>
+                                        <p:cTn id="14" dur="1" fill="hold">
+                                          <p:stCondLst>
+                                            <p:cond delay="0"/>
+                                          </p:stCondLst>
+                                        </p:cTn>
+                                        <p:tgtEl>
+                                          <p:spTgt spid="29698"/>
+                                        </p:tgtEl>
+                                        <p:attrNameLst>
+                                          <p:attrName>style.visibility</p:attrName>
+                                        </p:attrNameLst>
+                                      </p:cBhvr>
+                                      <p:to>
+                                        <p:strVal val="visible"/>
+                                      </p:to>
+                                    </p:set>
+                                  </p:childTnLst>
+                                </p:cTn>
+                              </p:par>
+                            </p:childTnLst>
+                          </p:cTn>
+                        </p:par>
+                      </p:childTnLst>
+                    </p:cTn>
+                  </p:par>
+                </p:childTnLst>
+              </p:cTn>
+              <p:prevCondLst>
+                <p:cond evt="onPrev" delay="0">
+                  <p:tgtEl>
+                    <p:sldTgt/>
+                  </p:tgtEl>
+                </p:cond>
+              </p:prevCondLst>
+              <p:nextCondLst>
+                <p:cond evt="onNext" delay="0">
+                  <p:tgtEl>
+                    <p:sldTgt/>
+                  </p:tgtEl>
+                </p:cond>
+              </p:nextCondLst>
+            </p:seq>
+          </p:childTnLst>
+        </p:cTn>
       </p:par>
     </p:tnLst>
+    <p:bldLst>
+      <p:bldP spid="8" grpId="0"/>
+    </p:bldLst>
   </p:timing>
 </p:sld>
 </file>
@@ -8932,7 +9369,7 @@
         </p:blipFill>
         <p:spPr bwMode="auto">
           <a:xfrm>
-            <a:off x="3786182" y="1571612"/>
+            <a:off x="4000496" y="1928778"/>
             <a:ext cx="4929222" cy="4929222"/>
           </a:xfrm>
           <a:prstGeom prst="rect">
